--- a/0 발표용 파워포인트/0501 5차발표/0501 project05 - 파워포인트 - 서희.pptx
+++ b/0 발표용 파워포인트/0501 5차발표/0501 project05 - 파워포인트 - 서희.pptx
@@ -5,10 +5,12 @@
     <p:sldMasterId id="2147483648" r:id="rId1"/>
   </p:sldMasterIdLst>
   <p:notesMasterIdLst>
-    <p:notesMasterId r:id="rId3"/>
+    <p:notesMasterId r:id="rId5"/>
   </p:notesMasterIdLst>
   <p:sldIdLst>
     <p:sldId id="256" r:id="rId2"/>
+    <p:sldId id="299" r:id="rId3"/>
+    <p:sldId id="308" r:id="rId4"/>
   </p:sldIdLst>
   <p:sldSz cx="12192000" cy="6858000"/>
   <p:notesSz cx="6858000" cy="9144000"/>
@@ -108,8 +110,19 @@
     </a:lvl9pPr>
   </p:defaultTextStyle>
   <p:extLst>
+    <p:ext uri="{521415D9-36F7-43E2-AB2F-B90AF26B5E84}">
+      <p14:sectionLst xmlns:p14="http://schemas.microsoft.com/office/powerpoint/2010/main">
+        <p14:section name="세미나 상세 페이지" id="{31C4011E-392D-4540-9823-8F4C236C25EB}">
+          <p14:sldIdLst>
+            <p14:sldId id="256"/>
+            <p14:sldId id="299"/>
+            <p14:sldId id="308"/>
+          </p14:sldIdLst>
+        </p14:section>
+      </p14:sectionLst>
+    </p:ext>
     <p:ext uri="{EFAFB233-063F-42B5-8137-9DF3F51BA10A}">
-      <p15:sldGuideLst xmlns:p15="http://schemas.microsoft.com/office/powerpoint/2012/main">
+      <p15:sldGuideLst xmlns="" xmlns:p15="http://schemas.microsoft.com/office/powerpoint/2012/main">
         <p15:guide id="1" orient="horz" pos="2160">
           <p15:clr>
             <a:srgbClr val="A4A3A4"/>
@@ -121,6 +134,9 @@
           </p15:clr>
         </p15:guide>
       </p15:sldGuideLst>
+    </p:ext>
+    <p:ext uri="{2D200454-40CA-4A62-9FC3-DE9A4176ACB9}">
+      <p15:notesGuideLst xmlns="" xmlns:p15="http://schemas.microsoft.com/office/powerpoint/2012/main"/>
     </p:ext>
   </p:extLst>
 </p:presentation>
@@ -209,7 +225,7 @@
             <a:fld id="{EFE7F2A0-C7D9-4DBD-AE3B-C1A712DCE501}" type="datetimeFigureOut">
               <a:rPr lang="ko-KR" altLang="en-US" smtClean="0"/>
               <a:pPr/>
-              <a:t>2020-03-28</a:t>
+              <a:t>2020-04-27</a:t>
             </a:fld>
             <a:endParaRPr lang="ko-KR" altLang="en-US"/>
           </a:p>
@@ -610,7 +626,7 @@
             <a:fld id="{272C3D53-FEDF-49EC-8F65-FFFC138B637E}" type="datetimeFigureOut">
               <a:rPr lang="ko-KR" altLang="en-US" smtClean="0"/>
               <a:pPr/>
-              <a:t>2020-03-28</a:t>
+              <a:t>2020-04-27</a:t>
             </a:fld>
             <a:endParaRPr lang="ko-KR" altLang="en-US"/>
           </a:p>
@@ -659,6 +675,30 @@
           </a:p>
         </p:txBody>
       </p:sp>
+      <p:pic>
+        <p:nvPicPr>
+          <p:cNvPr id="7" name="그림 6"/>
+          <p:cNvPicPr>
+            <a:picLocks noChangeAspect="1"/>
+          </p:cNvPicPr>
+          <p:nvPr userDrawn="1"/>
+        </p:nvPicPr>
+        <p:blipFill>
+          <a:blip r:embed="rId2"/>
+          <a:stretch>
+            <a:fillRect/>
+          </a:stretch>
+        </p:blipFill>
+        <p:spPr>
+          <a:xfrm>
+            <a:off x="0" y="-3700"/>
+            <a:ext cx="12192000" cy="6861699"/>
+          </a:xfrm>
+          <a:prstGeom prst="rect">
+            <a:avLst/>
+          </a:prstGeom>
+        </p:spPr>
+      </p:pic>
     </p:spTree>
     <p:extLst>
       <p:ext uri="{BB962C8B-B14F-4D97-AF65-F5344CB8AC3E}">
@@ -782,7 +822,7 @@
             <a:fld id="{272C3D53-FEDF-49EC-8F65-FFFC138B637E}" type="datetimeFigureOut">
               <a:rPr lang="ko-KR" altLang="en-US" smtClean="0"/>
               <a:pPr/>
-              <a:t>2020-03-28</a:t>
+              <a:t>2020-04-27</a:t>
             </a:fld>
             <a:endParaRPr lang="ko-KR" altLang="en-US"/>
           </a:p>
@@ -964,7 +1004,7 @@
             <a:fld id="{272C3D53-FEDF-49EC-8F65-FFFC138B637E}" type="datetimeFigureOut">
               <a:rPr lang="ko-KR" altLang="en-US" smtClean="0"/>
               <a:pPr/>
-              <a:t>2020-03-28</a:t>
+              <a:t>2020-04-27</a:t>
             </a:fld>
             <a:endParaRPr lang="ko-KR" altLang="en-US"/>
           </a:p>
@@ -1136,7 +1176,7 @@
             <a:fld id="{272C3D53-FEDF-49EC-8F65-FFFC138B637E}" type="datetimeFigureOut">
               <a:rPr lang="ko-KR" altLang="en-US" smtClean="0"/>
               <a:pPr/>
-              <a:t>2020-03-28</a:t>
+              <a:t>2020-04-27</a:t>
             </a:fld>
             <a:endParaRPr lang="ko-KR" altLang="en-US"/>
           </a:p>
@@ -1384,7 +1424,7 @@
             <a:fld id="{272C3D53-FEDF-49EC-8F65-FFFC138B637E}" type="datetimeFigureOut">
               <a:rPr lang="ko-KR" altLang="en-US" smtClean="0"/>
               <a:pPr/>
-              <a:t>2020-03-28</a:t>
+              <a:t>2020-04-27</a:t>
             </a:fld>
             <a:endParaRPr lang="ko-KR" altLang="en-US"/>
           </a:p>
@@ -1618,7 +1658,7 @@
             <a:fld id="{272C3D53-FEDF-49EC-8F65-FFFC138B637E}" type="datetimeFigureOut">
               <a:rPr lang="ko-KR" altLang="en-US" smtClean="0"/>
               <a:pPr/>
-              <a:t>2020-03-28</a:t>
+              <a:t>2020-04-27</a:t>
             </a:fld>
             <a:endParaRPr lang="ko-KR" altLang="en-US"/>
           </a:p>
@@ -1987,7 +2027,7 @@
             <a:fld id="{272C3D53-FEDF-49EC-8F65-FFFC138B637E}" type="datetimeFigureOut">
               <a:rPr lang="ko-KR" altLang="en-US" smtClean="0"/>
               <a:pPr/>
-              <a:t>2020-03-28</a:t>
+              <a:t>2020-04-27</a:t>
             </a:fld>
             <a:endParaRPr lang="ko-KR" altLang="en-US"/>
           </a:p>
@@ -2107,7 +2147,7 @@
             <a:fld id="{272C3D53-FEDF-49EC-8F65-FFFC138B637E}" type="datetimeFigureOut">
               <a:rPr lang="ko-KR" altLang="en-US" smtClean="0"/>
               <a:pPr/>
-              <a:t>2020-03-28</a:t>
+              <a:t>2020-04-27</a:t>
             </a:fld>
             <a:endParaRPr lang="ko-KR" altLang="en-US"/>
           </a:p>
@@ -2204,7 +2244,7 @@
             <a:fld id="{272C3D53-FEDF-49EC-8F65-FFFC138B637E}" type="datetimeFigureOut">
               <a:rPr lang="ko-KR" altLang="en-US" smtClean="0"/>
               <a:pPr/>
-              <a:t>2020-03-28</a:t>
+              <a:t>2020-04-27</a:t>
             </a:fld>
             <a:endParaRPr lang="ko-KR" altLang="en-US"/>
           </a:p>
@@ -2483,7 +2523,7 @@
             <a:fld id="{272C3D53-FEDF-49EC-8F65-FFFC138B637E}" type="datetimeFigureOut">
               <a:rPr lang="ko-KR" altLang="en-US" smtClean="0"/>
               <a:pPr/>
-              <a:t>2020-03-28</a:t>
+              <a:t>2020-04-27</a:t>
             </a:fld>
             <a:endParaRPr lang="ko-KR" altLang="en-US"/>
           </a:p>
@@ -2738,7 +2778,7 @@
             <a:fld id="{272C3D53-FEDF-49EC-8F65-FFFC138B637E}" type="datetimeFigureOut">
               <a:rPr lang="ko-KR" altLang="en-US" smtClean="0"/>
               <a:pPr/>
-              <a:t>2020-03-28</a:t>
+              <a:t>2020-04-27</a:t>
             </a:fld>
             <a:endParaRPr lang="ko-KR" altLang="en-US"/>
           </a:p>
@@ -2953,7 +2993,7 @@
             <a:fld id="{272C3D53-FEDF-49EC-8F65-FFFC138B637E}" type="datetimeFigureOut">
               <a:rPr lang="ko-KR" altLang="en-US" smtClean="0"/>
               <a:pPr/>
-              <a:t>2020-03-28</a:t>
+              <a:t>2020-04-27</a:t>
             </a:fld>
             <a:endParaRPr lang="ko-KR" altLang="en-US"/>
           </a:p>
@@ -3038,6 +3078,30 @@
           </a:p>
         </p:txBody>
       </p:sp>
+      <p:pic>
+        <p:nvPicPr>
+          <p:cNvPr id="7" name="그림 6"/>
+          <p:cNvPicPr>
+            <a:picLocks noChangeAspect="1"/>
+          </p:cNvPicPr>
+          <p:nvPr userDrawn="1"/>
+        </p:nvPicPr>
+        <p:blipFill>
+          <a:blip r:embed="rId13"/>
+          <a:stretch>
+            <a:fillRect/>
+          </a:stretch>
+        </p:blipFill>
+        <p:spPr>
+          <a:xfrm>
+            <a:off x="0" y="-3700"/>
+            <a:ext cx="12192000" cy="6861699"/>
+          </a:xfrm>
+          <a:prstGeom prst="rect">
+            <a:avLst/>
+          </a:prstGeom>
+        </p:spPr>
+      </p:pic>
     </p:spTree>
     <p:extLst>
       <p:ext uri="{BB962C8B-B14F-4D97-AF65-F5344CB8AC3E}">
@@ -3369,78 +3433,2000 @@
             <p:ph type="ctrTitle"/>
           </p:nvPr>
         </p:nvSpPr>
-        <p:spPr/>
+        <p:spPr>
+          <a:xfrm>
+            <a:off x="1359244" y="2638125"/>
+            <a:ext cx="9144000" cy="2387600"/>
+          </a:xfrm>
+        </p:spPr>
         <p:txBody>
           <a:bodyPr/>
           <a:lstStyle/>
           <a:p>
             <a:r>
               <a:rPr lang="ko-KR" altLang="en-US" dirty="0" smtClean="0"/>
-              <a:t>화면 설계서</a:t>
+              <a:t>화면 설계서 </a:t>
             </a:r>
             <a:r>
               <a:rPr lang="en-US" altLang="ko-KR" dirty="0" smtClean="0"/>
-              <a:t>!!!!</a:t>
-            </a:r>
-            <a:endParaRPr lang="ko-KR" altLang="en-US" dirty="0"/>
-          </a:p>
-        </p:txBody>
-      </p:sp>
-      <p:sp>
-        <p:nvSpPr>
-          <p:cNvPr id="3" name="부제목 2"/>
-          <p:cNvSpPr>
-            <a:spLocks noGrp="1"/>
-          </p:cNvSpPr>
-          <p:nvPr>
-            <p:ph type="subTitle" idx="1"/>
-          </p:nvPr>
-        </p:nvSpPr>
-        <p:spPr/>
-        <p:txBody>
-          <a:bodyPr/>
-          <a:lstStyle/>
-          <a:p>
-            <a:r>
-              <a:rPr lang="ko-KR" altLang="en-US" dirty="0" smtClean="0"/>
-              <a:t>프로젝트</a:t>
-            </a:r>
+              <a:t/>
+            </a:r>
+            <a:br>
+              <a:rPr lang="en-US" altLang="ko-KR" dirty="0" smtClean="0"/>
+            </a:br>
             <a:r>
               <a:rPr lang="en-US" altLang="ko-KR" dirty="0"/>
-              <a:t>5</a:t>
-            </a:r>
-            <a:endParaRPr lang="en-US" altLang="ko-KR" dirty="0" smtClean="0"/>
-          </a:p>
-          <a:p>
-            <a:r>
-              <a:rPr lang="ko-KR" altLang="en-US" dirty="0" smtClean="0"/>
-              <a:t>이조오오오오온</a:t>
-            </a:r>
-            <a:endParaRPr lang="en-US" altLang="ko-KR" dirty="0" smtClean="0"/>
-          </a:p>
-          <a:p>
-            <a:r>
-              <a:rPr lang="en-US" altLang="ko-KR" dirty="0" smtClean="0"/>
-              <a:t>2</a:t>
-            </a:r>
-            <a:r>
-              <a:rPr lang="ko-KR" altLang="en-US" dirty="0" err="1" smtClean="0"/>
-              <a:t>조오오오오오으아아으아으아으아ㅡ아으ㅏ으아</a:t>
-            </a:r>
-            <a:endParaRPr lang="ko-KR" altLang="en-US" dirty="0"/>
+              <a:t/>
+            </a:r>
+            <a:br>
+              <a:rPr lang="en-US" altLang="ko-KR" dirty="0"/>
+            </a:br>
+            <a:r>
+              <a:rPr lang="ko-KR" altLang="en-US" sz="3000" dirty="0" smtClean="0"/>
+              <a:t>유서희</a:t>
+            </a:r>
+            <a:endParaRPr lang="ko-KR" altLang="en-US" sz="3000" dirty="0"/>
           </a:p>
         </p:txBody>
       </p:sp>
     </p:spTree>
     <p:extLst>
       <p:ext uri="{BB962C8B-B14F-4D97-AF65-F5344CB8AC3E}">
-        <p14:creationId xmlns:p14="http://schemas.microsoft.com/office/powerpoint/2010/main" val="465175567"/>
+        <p14:creationId xmlns:p14="http://schemas.microsoft.com/office/powerpoint/2010/main" val="3138831322"/>
       </p:ext>
     </p:extLst>
   </p:cSld>
   <p:clrMapOvr>
     <a:masterClrMapping/>
   </p:clrMapOvr>
+  <p:timing>
+    <p:tnLst>
+      <p:par>
+        <p:cTn id="1" dur="indefinite" restart="never" nodeType="tmRoot"/>
+      </p:par>
+    </p:tnLst>
+  </p:timing>
+</p:sld>
+</file>
+
+<file path=ppt/slides/slide2.xml><?xml version="1.0" encoding="utf-8"?>
+<p:sld xmlns:a="http://schemas.openxmlformats.org/drawingml/2006/main" xmlns:r="http://schemas.openxmlformats.org/officeDocument/2006/relationships" xmlns:p="http://schemas.openxmlformats.org/presentationml/2006/main">
+  <p:cSld>
+    <p:spTree>
+      <p:nvGrpSpPr>
+        <p:cNvPr id="1" name=""/>
+        <p:cNvGrpSpPr/>
+        <p:nvPr/>
+      </p:nvGrpSpPr>
+      <p:grpSpPr>
+        <a:xfrm>
+          <a:off x="0" y="0"/>
+          <a:ext cx="0" cy="0"/>
+          <a:chOff x="0" y="0"/>
+          <a:chExt cx="0" cy="0"/>
+        </a:xfrm>
+      </p:grpSpPr>
+      <p:graphicFrame>
+        <p:nvGraphicFramePr>
+          <p:cNvPr id="9" name="표 8"/>
+          <p:cNvGraphicFramePr>
+            <a:graphicFrameLocks noGrp="1"/>
+          </p:cNvGraphicFramePr>
+          <p:nvPr>
+            <p:extLst/>
+          </p:nvPr>
+        </p:nvGraphicFramePr>
+        <p:xfrm>
+          <a:off x="131601" y="1283516"/>
+          <a:ext cx="8032096" cy="5347943"/>
+        </p:xfrm>
+        <a:graphic>
+          <a:graphicData uri="http://schemas.openxmlformats.org/drawingml/2006/table">
+            <a:tbl>
+              <a:tblPr firstRow="1" bandRow="1">
+                <a:tableStyleId>{5C22544A-7EE6-4342-B048-85BDC9FD1C3A}</a:tableStyleId>
+              </a:tblPr>
+              <a:tblGrid>
+                <a:gridCol w="8032096">
+                  <a:extLst>
+                    <a:ext uri="{9D8B030D-6E8A-4147-A177-3AD203B41FA5}">
+                      <a16:colId xmlns:a16="http://schemas.microsoft.com/office/drawing/2014/main" xmlns="" val="20000"/>
+                    </a:ext>
+                  </a:extLst>
+                </a:gridCol>
+              </a:tblGrid>
+              <a:tr h="569998">
+                <a:tc>
+                  <a:txBody>
+                    <a:bodyPr/>
+                    <a:lstStyle/>
+                    <a:p>
+                      <a:pPr latinLnBrk="1"/>
+                      <a:endParaRPr lang="ko-KR" altLang="en-US" dirty="0"/>
+                    </a:p>
+                  </a:txBody>
+                  <a:tcPr>
+                    <a:lnL w="12700" cap="flat" cmpd="sng" algn="ctr">
+                      <a:solidFill>
+                        <a:schemeClr val="tx1"/>
+                      </a:solidFill>
+                      <a:prstDash val="solid"/>
+                      <a:round/>
+                      <a:headEnd type="none" w="med" len="med"/>
+                      <a:tailEnd type="none" w="med" len="med"/>
+                    </a:lnL>
+                    <a:lnR w="12700" cap="flat" cmpd="sng" algn="ctr">
+                      <a:solidFill>
+                        <a:schemeClr val="tx1"/>
+                      </a:solidFill>
+                      <a:prstDash val="solid"/>
+                      <a:round/>
+                      <a:headEnd type="none" w="med" len="med"/>
+                      <a:tailEnd type="none" w="med" len="med"/>
+                    </a:lnR>
+                    <a:lnT w="12700" cap="flat" cmpd="sng" algn="ctr">
+                      <a:solidFill>
+                        <a:schemeClr val="tx1"/>
+                      </a:solidFill>
+                      <a:prstDash val="solid"/>
+                      <a:round/>
+                      <a:headEnd type="none" w="med" len="med"/>
+                      <a:tailEnd type="none" w="med" len="med"/>
+                    </a:lnT>
+                    <a:lnB w="12700" cap="flat" cmpd="sng" algn="ctr">
+                      <a:noFill/>
+                      <a:prstDash val="solid"/>
+                      <a:round/>
+                      <a:headEnd type="none" w="med" len="med"/>
+                      <a:tailEnd type="none" w="med" len="med"/>
+                    </a:lnB>
+                    <a:lnTlToBr w="12700" cmpd="sng">
+                      <a:noFill/>
+                      <a:prstDash val="solid"/>
+                    </a:lnTlToBr>
+                    <a:lnBlToTr w="12700" cmpd="sng">
+                      <a:noFill/>
+                      <a:prstDash val="solid"/>
+                    </a:lnBlToTr>
+                    <a:solidFill>
+                      <a:schemeClr val="bg1"/>
+                    </a:solidFill>
+                  </a:tcPr>
+                </a:tc>
+                <a:extLst>
+                  <a:ext uri="{0D108BD9-81ED-4DB2-BD59-A6C34878D82A}">
+                    <a16:rowId xmlns:a16="http://schemas.microsoft.com/office/drawing/2014/main" xmlns="" val="10000"/>
+                  </a:ext>
+                </a:extLst>
+              </a:tr>
+              <a:tr h="4777945">
+                <a:tc>
+                  <a:txBody>
+                    <a:bodyPr/>
+                    <a:lstStyle/>
+                    <a:p>
+                      <a:pPr latinLnBrk="1"/>
+                      <a:endParaRPr lang="ko-KR" altLang="en-US" sz="1500" dirty="0"/>
+                    </a:p>
+                  </a:txBody>
+                  <a:tcPr>
+                    <a:lnL w="12700" cap="flat" cmpd="sng" algn="ctr">
+                      <a:solidFill>
+                        <a:schemeClr val="tx1"/>
+                      </a:solidFill>
+                      <a:prstDash val="solid"/>
+                      <a:round/>
+                      <a:headEnd type="none" w="med" len="med"/>
+                      <a:tailEnd type="none" w="med" len="med"/>
+                    </a:lnL>
+                    <a:lnR w="12700" cap="flat" cmpd="sng" algn="ctr">
+                      <a:solidFill>
+                        <a:schemeClr val="tx1"/>
+                      </a:solidFill>
+                      <a:prstDash val="solid"/>
+                      <a:round/>
+                      <a:headEnd type="none" w="med" len="med"/>
+                      <a:tailEnd type="none" w="med" len="med"/>
+                    </a:lnR>
+                    <a:lnT w="12700" cap="flat" cmpd="sng" algn="ctr">
+                      <a:noFill/>
+                      <a:prstDash val="solid"/>
+                      <a:round/>
+                      <a:headEnd type="none" w="med" len="med"/>
+                      <a:tailEnd type="none" w="med" len="med"/>
+                    </a:lnT>
+                    <a:lnB w="12700" cap="flat" cmpd="sng" algn="ctr">
+                      <a:solidFill>
+                        <a:schemeClr val="tx1"/>
+                      </a:solidFill>
+                      <a:prstDash val="solid"/>
+                      <a:round/>
+                      <a:headEnd type="none" w="med" len="med"/>
+                      <a:tailEnd type="none" w="med" len="med"/>
+                    </a:lnB>
+                    <a:lnTlToBr w="12700" cmpd="sng">
+                      <a:noFill/>
+                      <a:prstDash val="solid"/>
+                    </a:lnTlToBr>
+                    <a:lnBlToTr w="12700" cmpd="sng">
+                      <a:noFill/>
+                      <a:prstDash val="solid"/>
+                    </a:lnBlToTr>
+                    <a:solidFill>
+                      <a:srgbClr val="F6F6F6"/>
+                    </a:solidFill>
+                  </a:tcPr>
+                </a:tc>
+                <a:extLst>
+                  <a:ext uri="{0D108BD9-81ED-4DB2-BD59-A6C34878D82A}">
+                    <a16:rowId xmlns:a16="http://schemas.microsoft.com/office/drawing/2014/main" xmlns="" val="10001"/>
+                  </a:ext>
+                </a:extLst>
+              </a:tr>
+            </a:tbl>
+          </a:graphicData>
+        </a:graphic>
+      </p:graphicFrame>
+      <p:grpSp>
+        <p:nvGrpSpPr>
+          <p:cNvPr id="10" name="그룹 9"/>
+          <p:cNvGrpSpPr/>
+          <p:nvPr/>
+        </p:nvGrpSpPr>
+        <p:grpSpPr>
+          <a:xfrm>
+            <a:off x="318350" y="1349364"/>
+            <a:ext cx="5111784" cy="355428"/>
+            <a:chOff x="356082" y="1397293"/>
+            <a:chExt cx="5111784" cy="355428"/>
+          </a:xfrm>
+        </p:grpSpPr>
+        <p:sp>
+          <p:nvSpPr>
+            <p:cNvPr id="22" name="직사각형 39"/>
+            <p:cNvSpPr/>
+            <p:nvPr/>
+          </p:nvSpPr>
+          <p:spPr>
+            <a:xfrm>
+              <a:off x="356082" y="1423945"/>
+              <a:ext cx="1207049" cy="328776"/>
+            </a:xfrm>
+            <a:prstGeom prst="rect">
+              <a:avLst/>
+            </a:prstGeom>
+            <a:solidFill>
+              <a:srgbClr val="FFFFFF"/>
+            </a:solidFill>
+            <a:ln w="12700">
+              <a:noFill/>
+              <a:miter/>
+            </a:ln>
+          </p:spPr>
+          <p:txBody>
+            <a:bodyPr lIns="45719" rIns="45719" anchor="ctr"/>
+            <a:lstStyle/>
+            <a:p>
+              <a:pPr>
+                <a:defRPr sz="1500"/>
+              </a:pPr>
+              <a:r>
+                <a:rPr lang="en-US" sz="1900" dirty="0"/>
+                <a:t>e</a:t>
+              </a:r>
+              <a:r>
+                <a:rPr lang="en-US" sz="1900" dirty="0" smtClean="0"/>
+                <a:t>-Zone</a:t>
+              </a:r>
+              <a:endParaRPr sz="1900" dirty="0"/>
+            </a:p>
+          </p:txBody>
+        </p:sp>
+        <p:grpSp>
+          <p:nvGrpSpPr>
+            <p:cNvPr id="6" name="그룹 5"/>
+            <p:cNvGrpSpPr/>
+            <p:nvPr/>
+          </p:nvGrpSpPr>
+          <p:grpSpPr>
+            <a:xfrm>
+              <a:off x="1909120" y="1397293"/>
+              <a:ext cx="3558746" cy="319907"/>
+              <a:chOff x="1351005" y="1391330"/>
+              <a:chExt cx="3558746" cy="319907"/>
+            </a:xfrm>
+          </p:grpSpPr>
+          <p:pic>
+            <p:nvPicPr>
+              <p:cNvPr id="2" name="그림 1"/>
+              <p:cNvPicPr>
+                <a:picLocks noChangeAspect="1"/>
+              </p:cNvPicPr>
+              <p:nvPr/>
+            </p:nvPicPr>
+            <p:blipFill>
+              <a:blip r:embed="rId2"/>
+              <a:stretch>
+                <a:fillRect/>
+              </a:stretch>
+            </p:blipFill>
+            <p:spPr>
+              <a:xfrm>
+                <a:off x="4594815" y="1391330"/>
+                <a:ext cx="299939" cy="279013"/>
+              </a:xfrm>
+              <a:prstGeom prst="rect">
+                <a:avLst/>
+              </a:prstGeom>
+            </p:spPr>
+          </p:pic>
+          <p:cxnSp>
+            <p:nvCxnSpPr>
+              <p:cNvPr id="5" name="직선 연결선 4"/>
+              <p:cNvCxnSpPr/>
+              <p:nvPr/>
+            </p:nvCxnSpPr>
+            <p:spPr>
+              <a:xfrm>
+                <a:off x="1351005" y="1711237"/>
+                <a:ext cx="3558746" cy="0"/>
+              </a:xfrm>
+              <a:prstGeom prst="line">
+                <a:avLst/>
+              </a:prstGeom>
+              <a:ln w="28575"/>
+            </p:spPr>
+            <p:style>
+              <a:lnRef idx="1">
+                <a:schemeClr val="accent2"/>
+              </a:lnRef>
+              <a:fillRef idx="0">
+                <a:schemeClr val="accent2"/>
+              </a:fillRef>
+              <a:effectRef idx="0">
+                <a:schemeClr val="accent2"/>
+              </a:effectRef>
+              <a:fontRef idx="minor">
+                <a:schemeClr val="tx1"/>
+              </a:fontRef>
+            </p:style>
+          </p:cxnSp>
+        </p:grpSp>
+      </p:grpSp>
+      <p:pic>
+        <p:nvPicPr>
+          <p:cNvPr id="15" name="그림 14"/>
+          <p:cNvPicPr>
+            <a:picLocks noChangeAspect="1"/>
+          </p:cNvPicPr>
+          <p:nvPr/>
+        </p:nvPicPr>
+        <p:blipFill>
+          <a:blip r:embed="rId3"/>
+          <a:stretch>
+            <a:fillRect/>
+          </a:stretch>
+        </p:blipFill>
+        <p:spPr>
+          <a:xfrm>
+            <a:off x="5430134" y="2126413"/>
+            <a:ext cx="2422974" cy="2573937"/>
+          </a:xfrm>
+          <a:prstGeom prst="rect">
+            <a:avLst/>
+          </a:prstGeom>
+        </p:spPr>
+      </p:pic>
+      <p:sp>
+        <p:nvSpPr>
+          <p:cNvPr id="16" name="직사각형 15"/>
+          <p:cNvSpPr/>
+          <p:nvPr/>
+        </p:nvSpPr>
+        <p:spPr>
+          <a:xfrm>
+            <a:off x="5463086" y="4866981"/>
+            <a:ext cx="2280652" cy="356333"/>
+          </a:xfrm>
+          <a:prstGeom prst="rect">
+            <a:avLst/>
+          </a:prstGeom>
+          <a:solidFill>
+            <a:srgbClr val="704DE4"/>
+          </a:solidFill>
+          <a:ln>
+            <a:solidFill>
+              <a:schemeClr val="bg1"/>
+            </a:solidFill>
+          </a:ln>
+        </p:spPr>
+        <p:style>
+          <a:lnRef idx="2">
+            <a:schemeClr val="accent1">
+              <a:shade val="50000"/>
+            </a:schemeClr>
+          </a:lnRef>
+          <a:fillRef idx="1">
+            <a:schemeClr val="accent1"/>
+          </a:fillRef>
+          <a:effectRef idx="0">
+            <a:schemeClr val="accent1"/>
+          </a:effectRef>
+          <a:fontRef idx="minor">
+            <a:schemeClr val="lt1"/>
+          </a:fontRef>
+        </p:style>
+        <p:txBody>
+          <a:bodyPr rtlCol="0" anchor="ctr"/>
+          <a:lstStyle/>
+          <a:p>
+            <a:pPr algn="ctr"/>
+            <a:r>
+              <a:rPr lang="ko-KR" altLang="en-US" sz="1100" dirty="0" err="1" smtClean="0">
+                <a:ln>
+                  <a:solidFill>
+                    <a:schemeClr val="bg1"/>
+                  </a:solidFill>
+                </a:ln>
+                <a:solidFill>
+                  <a:srgbClr val="FFC000"/>
+                </a:solidFill>
+              </a:rPr>
+              <a:t>바로예약하기</a:t>
+            </a:r>
+            <a:endParaRPr lang="ko-KR" altLang="en-US" sz="1100" dirty="0">
+              <a:ln>
+                <a:solidFill>
+                  <a:schemeClr val="bg1"/>
+                </a:solidFill>
+              </a:ln>
+              <a:solidFill>
+                <a:srgbClr val="FFC000"/>
+              </a:solidFill>
+            </a:endParaRPr>
+          </a:p>
+        </p:txBody>
+      </p:sp>
+      <p:grpSp>
+        <p:nvGrpSpPr>
+          <p:cNvPr id="13" name="그룹 12"/>
+          <p:cNvGrpSpPr/>
+          <p:nvPr/>
+        </p:nvGrpSpPr>
+        <p:grpSpPr>
+          <a:xfrm>
+            <a:off x="387176" y="2244665"/>
+            <a:ext cx="4044781" cy="3780974"/>
+            <a:chOff x="387176" y="2244665"/>
+            <a:chExt cx="4044781" cy="3780974"/>
+          </a:xfrm>
+        </p:grpSpPr>
+        <p:pic>
+          <p:nvPicPr>
+            <p:cNvPr id="4" name="그림 3"/>
+            <p:cNvPicPr>
+              <a:picLocks noChangeAspect="1"/>
+            </p:cNvPicPr>
+            <p:nvPr/>
+          </p:nvPicPr>
+          <p:blipFill>
+            <a:blip r:embed="rId4"/>
+            <a:stretch>
+              <a:fillRect/>
+            </a:stretch>
+          </p:blipFill>
+          <p:spPr>
+            <a:xfrm>
+              <a:off x="486032" y="2949706"/>
+              <a:ext cx="3945925" cy="3075933"/>
+            </a:xfrm>
+            <a:prstGeom prst="rect">
+              <a:avLst/>
+            </a:prstGeom>
+          </p:spPr>
+        </p:pic>
+        <p:sp>
+          <p:nvSpPr>
+            <p:cNvPr id="3" name="직사각형 2"/>
+            <p:cNvSpPr/>
+            <p:nvPr/>
+          </p:nvSpPr>
+          <p:spPr>
+            <a:xfrm>
+              <a:off x="387176" y="2244665"/>
+              <a:ext cx="1054446" cy="486033"/>
+            </a:xfrm>
+            <a:prstGeom prst="rect">
+              <a:avLst/>
+            </a:prstGeom>
+            <a:noFill/>
+            <a:ln>
+              <a:noFill/>
+            </a:ln>
+          </p:spPr>
+          <p:style>
+            <a:lnRef idx="2">
+              <a:schemeClr val="accent1">
+                <a:shade val="50000"/>
+              </a:schemeClr>
+            </a:lnRef>
+            <a:fillRef idx="1">
+              <a:schemeClr val="accent1"/>
+            </a:fillRef>
+            <a:effectRef idx="0">
+              <a:schemeClr val="accent1"/>
+            </a:effectRef>
+            <a:fontRef idx="minor">
+              <a:schemeClr val="lt1"/>
+            </a:fontRef>
+          </p:style>
+          <p:txBody>
+            <a:bodyPr rtlCol="0" anchor="ctr"/>
+            <a:lstStyle/>
+            <a:p>
+              <a:pPr algn="ctr"/>
+              <a:r>
+                <a:rPr lang="ko-KR" altLang="en-US" sz="800" b="1" smtClean="0">
+                  <a:solidFill>
+                    <a:schemeClr val="tx1"/>
+                  </a:solidFill>
+                </a:rPr>
+                <a:t>세미나 문의</a:t>
+              </a:r>
+              <a:r>
+                <a:rPr lang="en-US" altLang="ko-KR" sz="800" b="1" dirty="0" smtClean="0">
+                  <a:solidFill>
+                    <a:srgbClr val="704DE4"/>
+                  </a:solidFill>
+                </a:rPr>
+                <a:t>5</a:t>
+              </a:r>
+              <a:r>
+                <a:rPr lang="ko-KR" altLang="en-US" sz="800" b="1" dirty="0" smtClean="0">
+                  <a:solidFill>
+                    <a:srgbClr val="704DE4"/>
+                  </a:solidFill>
+                </a:rPr>
+                <a:t>개</a:t>
+              </a:r>
+              <a:endParaRPr lang="ko-KR" altLang="en-US" sz="800" b="1" dirty="0">
+                <a:solidFill>
+                  <a:srgbClr val="704DE4"/>
+                </a:solidFill>
+              </a:endParaRPr>
+            </a:p>
+          </p:txBody>
+        </p:sp>
+        <p:sp>
+          <p:nvSpPr>
+            <p:cNvPr id="7" name="모서리가 둥근 직사각형 6"/>
+            <p:cNvSpPr/>
+            <p:nvPr/>
+          </p:nvSpPr>
+          <p:spPr>
+            <a:xfrm>
+              <a:off x="3568633" y="2403408"/>
+              <a:ext cx="863324" cy="201500"/>
+            </a:xfrm>
+            <a:prstGeom prst="roundRect">
+              <a:avLst>
+                <a:gd name="adj" fmla="val 50000"/>
+              </a:avLst>
+            </a:prstGeom>
+            <a:solidFill>
+              <a:srgbClr val="704DE4"/>
+            </a:solidFill>
+            <a:ln>
+              <a:noFill/>
+            </a:ln>
+          </p:spPr>
+          <p:style>
+            <a:lnRef idx="2">
+              <a:schemeClr val="accent1">
+                <a:shade val="50000"/>
+              </a:schemeClr>
+            </a:lnRef>
+            <a:fillRef idx="1">
+              <a:schemeClr val="accent1"/>
+            </a:fillRef>
+            <a:effectRef idx="0">
+              <a:schemeClr val="accent1"/>
+            </a:effectRef>
+            <a:fontRef idx="minor">
+              <a:schemeClr val="lt1"/>
+            </a:fontRef>
+          </p:style>
+          <p:txBody>
+            <a:bodyPr rtlCol="0" anchor="ctr"/>
+            <a:lstStyle/>
+            <a:p>
+              <a:pPr algn="ctr"/>
+              <a:r>
+                <a:rPr lang="ko-KR" altLang="en-US" sz="700" b="1" dirty="0" smtClean="0"/>
+                <a:t>질문작성하기</a:t>
+              </a:r>
+              <a:endParaRPr lang="ko-KR" altLang="en-US" sz="700" b="1" dirty="0"/>
+            </a:p>
+          </p:txBody>
+        </p:sp>
+        <p:cxnSp>
+          <p:nvCxnSpPr>
+            <p:cNvPr id="12" name="직선 연결선 11"/>
+            <p:cNvCxnSpPr/>
+            <p:nvPr/>
+          </p:nvCxnSpPr>
+          <p:spPr>
+            <a:xfrm>
+              <a:off x="584884" y="2616413"/>
+              <a:ext cx="197708" cy="0"/>
+            </a:xfrm>
+            <a:prstGeom prst="line">
+              <a:avLst/>
+            </a:prstGeom>
+            <a:ln w="12700"/>
+          </p:spPr>
+          <p:style>
+            <a:lnRef idx="1">
+              <a:schemeClr val="accent2"/>
+            </a:lnRef>
+            <a:fillRef idx="0">
+              <a:schemeClr val="accent2"/>
+            </a:fillRef>
+            <a:effectRef idx="0">
+              <a:schemeClr val="accent2"/>
+            </a:effectRef>
+            <a:fontRef idx="minor">
+              <a:schemeClr val="tx1"/>
+            </a:fontRef>
+          </p:style>
+        </p:cxnSp>
+      </p:grpSp>
+      <p:grpSp>
+        <p:nvGrpSpPr>
+          <p:cNvPr id="23" name="그룹 22"/>
+          <p:cNvGrpSpPr/>
+          <p:nvPr/>
+        </p:nvGrpSpPr>
+        <p:grpSpPr>
+          <a:xfrm>
+            <a:off x="502508" y="6145428"/>
+            <a:ext cx="3945925" cy="321635"/>
+            <a:chOff x="555949" y="6120712"/>
+            <a:chExt cx="3945925" cy="222421"/>
+          </a:xfrm>
+        </p:grpSpPr>
+        <p:sp>
+          <p:nvSpPr>
+            <p:cNvPr id="24" name="직사각형 23"/>
+            <p:cNvSpPr/>
+            <p:nvPr/>
+          </p:nvSpPr>
+          <p:spPr>
+            <a:xfrm>
+              <a:off x="555949" y="6120712"/>
+              <a:ext cx="3945925" cy="222421"/>
+            </a:xfrm>
+            <a:prstGeom prst="rect">
+              <a:avLst/>
+            </a:prstGeom>
+            <a:solidFill>
+              <a:schemeClr val="bg1"/>
+            </a:solidFill>
+            <a:ln>
+              <a:solidFill>
+                <a:schemeClr val="bg1">
+                  <a:lumMod val="75000"/>
+                </a:schemeClr>
+              </a:solidFill>
+            </a:ln>
+          </p:spPr>
+          <p:style>
+            <a:lnRef idx="2">
+              <a:schemeClr val="accent1">
+                <a:shade val="50000"/>
+              </a:schemeClr>
+            </a:lnRef>
+            <a:fillRef idx="1">
+              <a:schemeClr val="accent1"/>
+            </a:fillRef>
+            <a:effectRef idx="0">
+              <a:schemeClr val="accent1"/>
+            </a:effectRef>
+            <a:fontRef idx="minor">
+              <a:schemeClr val="lt1"/>
+            </a:fontRef>
+          </p:style>
+          <p:txBody>
+            <a:bodyPr rtlCol="0" anchor="ctr"/>
+            <a:lstStyle/>
+            <a:p>
+              <a:pPr algn="ctr"/>
+              <a:r>
+                <a:rPr lang="ko-KR" altLang="en-US" sz="700" b="1" dirty="0" err="1" smtClean="0">
+                  <a:solidFill>
+                    <a:schemeClr val="tx1"/>
+                  </a:solidFill>
+                </a:rPr>
+                <a:t>더보기</a:t>
+              </a:r>
+              <a:endParaRPr lang="ko-KR" altLang="en-US" sz="700" b="1" dirty="0">
+                <a:solidFill>
+                  <a:schemeClr val="tx1"/>
+                </a:solidFill>
+              </a:endParaRPr>
+            </a:p>
+          </p:txBody>
+        </p:sp>
+        <p:pic>
+          <p:nvPicPr>
+            <p:cNvPr id="25" name="그림 24"/>
+            <p:cNvPicPr>
+              <a:picLocks noChangeAspect="1"/>
+            </p:cNvPicPr>
+            <p:nvPr/>
+          </p:nvPicPr>
+          <p:blipFill>
+            <a:blip r:embed="rId5"/>
+            <a:stretch>
+              <a:fillRect/>
+            </a:stretch>
+          </p:blipFill>
+          <p:spPr>
+            <a:xfrm>
+              <a:off x="2691652" y="6158619"/>
+              <a:ext cx="136047" cy="130132"/>
+            </a:xfrm>
+            <a:prstGeom prst="rect">
+              <a:avLst/>
+            </a:prstGeom>
+          </p:spPr>
+        </p:pic>
+      </p:grpSp>
+      <p:graphicFrame>
+        <p:nvGraphicFramePr>
+          <p:cNvPr id="27" name="표 13"/>
+          <p:cNvGraphicFramePr/>
+          <p:nvPr>
+            <p:extLst>
+              <p:ext uri="{D42A27DB-BD31-4B8C-83A1-F6EECF244321}">
+                <p14:modId xmlns:p14="http://schemas.microsoft.com/office/powerpoint/2010/main" val="3708340634"/>
+              </p:ext>
+            </p:extLst>
+          </p:nvPr>
+        </p:nvGraphicFramePr>
+        <p:xfrm>
+          <a:off x="8494595" y="2374311"/>
+          <a:ext cx="3491813" cy="1297716"/>
+        </p:xfrm>
+        <a:graphic>
+          <a:graphicData uri="http://schemas.openxmlformats.org/drawingml/2006/table">
+            <a:tbl>
+              <a:tblPr firstRow="1"/>
+              <a:tblGrid>
+                <a:gridCol w="342705">
+                  <a:extLst>
+                    <a:ext uri="{9D8B030D-6E8A-4147-A177-3AD203B41FA5}">
+                      <a16:colId xmlns:a16="http://schemas.microsoft.com/office/drawing/2014/main" xmlns="" val="20000"/>
+                    </a:ext>
+                  </a:extLst>
+                </a:gridCol>
+                <a:gridCol w="3149108">
+                  <a:extLst>
+                    <a:ext uri="{9D8B030D-6E8A-4147-A177-3AD203B41FA5}">
+                      <a16:colId xmlns:a16="http://schemas.microsoft.com/office/drawing/2014/main" xmlns="" val="20001"/>
+                    </a:ext>
+                  </a:extLst>
+                </a:gridCol>
+              </a:tblGrid>
+              <a:tr h="383316">
+                <a:tc>
+                  <a:txBody>
+                    <a:bodyPr/>
+                    <a:lstStyle/>
+                    <a:p>
+                      <a:pPr algn="ctr">
+                        <a:defRPr sz="1800" b="0">
+                          <a:solidFill>
+                            <a:srgbClr val="000000"/>
+                          </a:solidFill>
+                        </a:defRPr>
+                      </a:pPr>
+                      <a:r>
+                        <a:rPr sz="1500" b="1" dirty="0"/>
+                        <a:t>#</a:t>
+                      </a:r>
+                    </a:p>
+                  </a:txBody>
+                  <a:tcPr marL="45720" marR="45720" anchor="ctr" horzOverflow="overflow">
+                    <a:lnL w="12700">
+                      <a:solidFill>
+                        <a:srgbClr val="000000"/>
+                      </a:solidFill>
+                    </a:lnL>
+                    <a:lnR w="12700">
+                      <a:solidFill>
+                        <a:srgbClr val="000000"/>
+                      </a:solidFill>
+                    </a:lnR>
+                    <a:lnT w="12700">
+                      <a:solidFill>
+                        <a:srgbClr val="000000"/>
+                      </a:solidFill>
+                    </a:lnT>
+                    <a:lnB w="12700">
+                      <a:solidFill>
+                        <a:srgbClr val="000000"/>
+                      </a:solidFill>
+                    </a:lnB>
+                    <a:solidFill>
+                      <a:srgbClr val="D9D9D9"/>
+                    </a:solidFill>
+                  </a:tcPr>
+                </a:tc>
+                <a:tc>
+                  <a:txBody>
+                    <a:bodyPr/>
+                    <a:lstStyle/>
+                    <a:p>
+                      <a:pPr algn="ctr">
+                        <a:defRPr sz="1800" b="0">
+                          <a:solidFill>
+                            <a:srgbClr val="000000"/>
+                          </a:solidFill>
+                        </a:defRPr>
+                      </a:pPr>
+                      <a:r>
+                        <a:rPr sz="1500" b="1" dirty="0" err="1"/>
+                        <a:t>기능명</a:t>
+                      </a:r>
+                      <a:endParaRPr sz="1500" b="1" dirty="0"/>
+                    </a:p>
+                  </a:txBody>
+                  <a:tcPr marL="45720" marR="45720" anchor="ctr" horzOverflow="overflow">
+                    <a:lnL w="12700">
+                      <a:solidFill>
+                        <a:srgbClr val="000000"/>
+                      </a:solidFill>
+                    </a:lnL>
+                    <a:lnR w="12700">
+                      <a:solidFill>
+                        <a:srgbClr val="000000"/>
+                      </a:solidFill>
+                    </a:lnR>
+                    <a:lnT w="12700">
+                      <a:solidFill>
+                        <a:srgbClr val="000000"/>
+                      </a:solidFill>
+                    </a:lnT>
+                    <a:lnB w="12700">
+                      <a:solidFill>
+                        <a:srgbClr val="000000"/>
+                      </a:solidFill>
+                    </a:lnB>
+                    <a:solidFill>
+                      <a:srgbClr val="D9D9D9"/>
+                    </a:solidFill>
+                  </a:tcPr>
+                </a:tc>
+                <a:extLst>
+                  <a:ext uri="{0D108BD9-81ED-4DB2-BD59-A6C34878D82A}">
+                    <a16:rowId xmlns:a16="http://schemas.microsoft.com/office/drawing/2014/main" xmlns="" val="10000"/>
+                  </a:ext>
+                </a:extLst>
+              </a:tr>
+              <a:tr h="914400">
+                <a:tc>
+                  <a:txBody>
+                    <a:bodyPr/>
+                    <a:lstStyle/>
+                    <a:p>
+                      <a:pPr algn="ctr">
+                        <a:defRPr sz="1800"/>
+                      </a:pPr>
+                      <a:r>
+                        <a:rPr lang="en-US" sz="1500" dirty="0" smtClean="0"/>
+                        <a:t>5</a:t>
+                      </a:r>
+                      <a:endParaRPr sz="1500" dirty="0"/>
+                    </a:p>
+                  </a:txBody>
+                  <a:tcPr marL="45720" marR="45720" anchor="ctr" horzOverflow="overflow">
+                    <a:lnL w="12700">
+                      <a:solidFill>
+                        <a:srgbClr val="000000"/>
+                      </a:solidFill>
+                    </a:lnL>
+                    <a:lnR w="12700">
+                      <a:solidFill>
+                        <a:srgbClr val="000000"/>
+                      </a:solidFill>
+                    </a:lnR>
+                    <a:lnT w="12700">
+                      <a:solidFill>
+                        <a:srgbClr val="000000"/>
+                      </a:solidFill>
+                    </a:lnT>
+                    <a:lnB w="12700" cap="flat" cmpd="sng" algn="ctr">
+                      <a:solidFill>
+                        <a:srgbClr val="000000"/>
+                      </a:solidFill>
+                      <a:prstDash val="solid"/>
+                      <a:round/>
+                      <a:headEnd type="none" w="med" len="med"/>
+                      <a:tailEnd type="none" w="med" len="med"/>
+                    </a:lnB>
+                    <a:solidFill>
+                      <a:srgbClr val="FFFFFF"/>
+                    </a:solidFill>
+                  </a:tcPr>
+                </a:tc>
+                <a:tc>
+                  <a:txBody>
+                    <a:bodyPr/>
+                    <a:lstStyle/>
+                    <a:p>
+                      <a:pPr algn="l">
+                        <a:defRPr sz="1500"/>
+                      </a:pPr>
+                      <a:r>
+                        <a:rPr lang="en-US" altLang="ko-KR" dirty="0" smtClean="0"/>
+                        <a:t>Q&amp;A</a:t>
+                      </a:r>
+                    </a:p>
+                    <a:p>
+                      <a:pPr algn="l">
+                        <a:defRPr sz="1500"/>
+                      </a:pPr>
+                      <a:r>
+                        <a:rPr lang="en-US" altLang="ko-KR" sz="1200" dirty="0" smtClean="0"/>
+                        <a:t>-</a:t>
+                      </a:r>
+                      <a:r>
+                        <a:rPr lang="en-US" altLang="ko-KR" sz="1200" baseline="0" dirty="0" smtClean="0"/>
+                        <a:t> </a:t>
+                      </a:r>
+                      <a:r>
+                        <a:rPr lang="ko-KR" altLang="en-US" sz="1200" baseline="0" dirty="0" smtClean="0"/>
+                        <a:t>세미나에 대해 궁금한 것을 물어 볼 수 </a:t>
+                      </a:r>
+                      <a:r>
+                        <a:rPr lang="ko-KR" altLang="en-US" sz="1200" baseline="0" dirty="0" err="1" smtClean="0"/>
+                        <a:t>있</a:t>
+                      </a:r>
+                      <a:r>
+                        <a:rPr lang="ko-KR" altLang="en-US" sz="1200" baseline="0" dirty="0" smtClean="0"/>
+                        <a:t> 는 공간으로 주최자만 </a:t>
+                      </a:r>
+                      <a:r>
+                        <a:rPr lang="ko-KR" altLang="en-US" sz="1200" baseline="0" dirty="0" err="1" smtClean="0"/>
+                        <a:t>답글을</a:t>
+                      </a:r>
+                      <a:r>
+                        <a:rPr lang="ko-KR" altLang="en-US" sz="1200" baseline="0" dirty="0" smtClean="0"/>
+                        <a:t> 달 수 있음</a:t>
+                      </a:r>
+                      <a:endParaRPr sz="1200" dirty="0"/>
+                    </a:p>
+                  </a:txBody>
+                  <a:tcPr marL="45720" marR="45720" horzOverflow="overflow">
+                    <a:lnL w="12700">
+                      <a:solidFill>
+                        <a:srgbClr val="000000"/>
+                      </a:solidFill>
+                    </a:lnL>
+                    <a:lnR w="12700">
+                      <a:solidFill>
+                        <a:srgbClr val="000000"/>
+                      </a:solidFill>
+                    </a:lnR>
+                    <a:lnT w="12700">
+                      <a:solidFill>
+                        <a:srgbClr val="000000"/>
+                      </a:solidFill>
+                    </a:lnT>
+                    <a:lnB w="12700" cap="flat" cmpd="sng" algn="ctr">
+                      <a:solidFill>
+                        <a:srgbClr val="000000"/>
+                      </a:solidFill>
+                      <a:prstDash val="solid"/>
+                      <a:round/>
+                      <a:headEnd type="none" w="med" len="med"/>
+                      <a:tailEnd type="none" w="med" len="med"/>
+                    </a:lnB>
+                    <a:solidFill>
+                      <a:srgbClr val="FFFFFF"/>
+                    </a:solidFill>
+                  </a:tcPr>
+                </a:tc>
+                <a:extLst>
+                  <a:ext uri="{0D108BD9-81ED-4DB2-BD59-A6C34878D82A}">
+                    <a16:rowId xmlns:a16="http://schemas.microsoft.com/office/drawing/2014/main" xmlns="" val="10001"/>
+                  </a:ext>
+                </a:extLst>
+              </a:tr>
+            </a:tbl>
+          </a:graphicData>
+        </a:graphic>
+      </p:graphicFrame>
+      <p:sp>
+        <p:nvSpPr>
+          <p:cNvPr id="28" name="직사각형 27"/>
+          <p:cNvSpPr/>
+          <p:nvPr/>
+        </p:nvSpPr>
+        <p:spPr>
+          <a:xfrm>
+            <a:off x="387176" y="1977281"/>
+            <a:ext cx="296562" cy="344798"/>
+          </a:xfrm>
+          <a:prstGeom prst="rect">
+            <a:avLst/>
+          </a:prstGeom>
+          <a:solidFill>
+            <a:srgbClr val="FF0000"/>
+          </a:solidFill>
+          <a:ln>
+            <a:noFill/>
+          </a:ln>
+        </p:spPr>
+        <p:style>
+          <a:lnRef idx="2">
+            <a:schemeClr val="accent1">
+              <a:shade val="50000"/>
+            </a:schemeClr>
+          </a:lnRef>
+          <a:fillRef idx="1">
+            <a:schemeClr val="accent1"/>
+          </a:fillRef>
+          <a:effectRef idx="0">
+            <a:schemeClr val="accent1"/>
+          </a:effectRef>
+          <a:fontRef idx="minor">
+            <a:schemeClr val="lt1"/>
+          </a:fontRef>
+        </p:style>
+        <p:txBody>
+          <a:bodyPr rtlCol="0" anchor="ctr"/>
+          <a:lstStyle/>
+          <a:p>
+            <a:pPr algn="ctr"/>
+            <a:r>
+              <a:rPr lang="en-US" altLang="ko-KR" b="1" dirty="0" smtClean="0">
+                <a:solidFill>
+                  <a:schemeClr val="bg1"/>
+                </a:solidFill>
+              </a:rPr>
+              <a:t>5</a:t>
+            </a:r>
+            <a:endParaRPr lang="ko-KR" altLang="en-US" b="1" dirty="0">
+              <a:solidFill>
+                <a:schemeClr val="bg1"/>
+              </a:solidFill>
+            </a:endParaRPr>
+          </a:p>
+        </p:txBody>
+      </p:sp>
+      <p:pic>
+        <p:nvPicPr>
+          <p:cNvPr id="29" name="그림 28"/>
+          <p:cNvPicPr>
+            <a:picLocks noChangeAspect="1"/>
+          </p:cNvPicPr>
+          <p:nvPr/>
+        </p:nvPicPr>
+        <p:blipFill>
+          <a:blip r:embed="rId6"/>
+          <a:stretch>
+            <a:fillRect/>
+          </a:stretch>
+        </p:blipFill>
+        <p:spPr>
+          <a:xfrm>
+            <a:off x="5415137" y="2149680"/>
+            <a:ext cx="2437971" cy="3216321"/>
+          </a:xfrm>
+          <a:prstGeom prst="rect">
+            <a:avLst/>
+          </a:prstGeom>
+        </p:spPr>
+      </p:pic>
+      <p:graphicFrame>
+        <p:nvGraphicFramePr>
+          <p:cNvPr id="30" name="표 29"/>
+          <p:cNvGraphicFramePr>
+            <a:graphicFrameLocks noGrp="1"/>
+          </p:cNvGraphicFramePr>
+          <p:nvPr>
+            <p:extLst>
+              <p:ext uri="{D42A27DB-BD31-4B8C-83A1-F6EECF244321}">
+                <p14:modId xmlns:p14="http://schemas.microsoft.com/office/powerpoint/2010/main" val="1393250562"/>
+              </p:ext>
+            </p:extLst>
+          </p:nvPr>
+        </p:nvGraphicFramePr>
+        <p:xfrm>
+          <a:off x="128482" y="1290487"/>
+          <a:ext cx="8032096" cy="5334000"/>
+        </p:xfrm>
+        <a:graphic>
+          <a:graphicData uri="http://schemas.openxmlformats.org/drawingml/2006/table">
+            <a:tbl>
+              <a:tblPr firstRow="1" bandRow="1">
+                <a:tableStyleId>{5C22544A-7EE6-4342-B048-85BDC9FD1C3A}</a:tableStyleId>
+              </a:tblPr>
+              <a:tblGrid>
+                <a:gridCol w="8032096">
+                  <a:extLst>
+                    <a:ext uri="{9D8B030D-6E8A-4147-A177-3AD203B41FA5}">
+                      <a16:colId xmlns:a16="http://schemas.microsoft.com/office/drawing/2014/main" xmlns="" val="20000"/>
+                    </a:ext>
+                  </a:extLst>
+                </a:gridCol>
+              </a:tblGrid>
+              <a:tr h="5334000">
+                <a:tc>
+                  <a:txBody>
+                    <a:bodyPr/>
+                    <a:lstStyle/>
+                    <a:p>
+                      <a:pPr latinLnBrk="1"/>
+                      <a:endParaRPr lang="ko-KR" altLang="en-US" dirty="0"/>
+                    </a:p>
+                  </a:txBody>
+                  <a:tcPr>
+                    <a:lnL w="12700" cap="flat" cmpd="sng" algn="ctr">
+                      <a:solidFill>
+                        <a:schemeClr val="tx1"/>
+                      </a:solidFill>
+                      <a:prstDash val="solid"/>
+                      <a:round/>
+                      <a:headEnd type="none" w="med" len="med"/>
+                      <a:tailEnd type="none" w="med" len="med"/>
+                    </a:lnL>
+                    <a:lnR w="12700" cap="flat" cmpd="sng" algn="ctr">
+                      <a:solidFill>
+                        <a:schemeClr val="tx1"/>
+                      </a:solidFill>
+                      <a:prstDash val="solid"/>
+                      <a:round/>
+                      <a:headEnd type="none" w="med" len="med"/>
+                      <a:tailEnd type="none" w="med" len="med"/>
+                    </a:lnR>
+                    <a:lnT w="12700" cap="flat" cmpd="sng" algn="ctr">
+                      <a:solidFill>
+                        <a:schemeClr val="tx1"/>
+                      </a:solidFill>
+                      <a:prstDash val="solid"/>
+                      <a:round/>
+                      <a:headEnd type="none" w="med" len="med"/>
+                      <a:tailEnd type="none" w="med" len="med"/>
+                    </a:lnT>
+                    <a:lnB w="12700" cap="flat" cmpd="sng" algn="ctr">
+                      <a:solidFill>
+                        <a:schemeClr val="tx1"/>
+                      </a:solidFill>
+                      <a:prstDash val="solid"/>
+                      <a:round/>
+                      <a:headEnd type="none" w="med" len="med"/>
+                      <a:tailEnd type="none" w="med" len="med"/>
+                    </a:lnB>
+                    <a:lnTlToBr w="12700" cmpd="sng">
+                      <a:noFill/>
+                      <a:prstDash val="solid"/>
+                    </a:lnTlToBr>
+                    <a:lnBlToTr w="12700" cmpd="sng">
+                      <a:noFill/>
+                      <a:prstDash val="solid"/>
+                    </a:lnBlToTr>
+                    <a:solidFill>
+                      <a:srgbClr val="808080">
+                        <a:alpha val="50196"/>
+                      </a:srgbClr>
+                    </a:solidFill>
+                  </a:tcPr>
+                </a:tc>
+                <a:extLst>
+                  <a:ext uri="{0D108BD9-81ED-4DB2-BD59-A6C34878D82A}">
+                    <a16:rowId xmlns:a16="http://schemas.microsoft.com/office/drawing/2014/main" xmlns="" val="10000"/>
+                  </a:ext>
+                </a:extLst>
+              </a:tr>
+            </a:tbl>
+          </a:graphicData>
+        </a:graphic>
+      </p:graphicFrame>
+      <p:pic>
+        <p:nvPicPr>
+          <p:cNvPr id="8" name="그림 7"/>
+          <p:cNvPicPr>
+            <a:picLocks noChangeAspect="1"/>
+          </p:cNvPicPr>
+          <p:nvPr/>
+        </p:nvPicPr>
+        <p:blipFill>
+          <a:blip r:embed="rId7"/>
+          <a:stretch>
+            <a:fillRect/>
+          </a:stretch>
+        </p:blipFill>
+        <p:spPr>
+          <a:xfrm>
+            <a:off x="1908822" y="2945264"/>
+            <a:ext cx="2539611" cy="2214492"/>
+          </a:xfrm>
+          <a:prstGeom prst="rect">
+            <a:avLst/>
+          </a:prstGeom>
+        </p:spPr>
+      </p:pic>
+      <p:graphicFrame>
+        <p:nvGraphicFramePr>
+          <p:cNvPr id="31" name="표 30"/>
+          <p:cNvGraphicFramePr>
+            <a:graphicFrameLocks noGrp="1"/>
+          </p:cNvGraphicFramePr>
+          <p:nvPr>
+            <p:extLst>
+              <p:ext uri="{D42A27DB-BD31-4B8C-83A1-F6EECF244321}">
+                <p14:modId xmlns:p14="http://schemas.microsoft.com/office/powerpoint/2010/main" val="564197180"/>
+              </p:ext>
+            </p:extLst>
+          </p:nvPr>
+        </p:nvGraphicFramePr>
+        <p:xfrm>
+          <a:off x="8494595" y="1278169"/>
+          <a:ext cx="3491813" cy="848244"/>
+        </p:xfrm>
+        <a:graphic>
+          <a:graphicData uri="http://schemas.openxmlformats.org/drawingml/2006/table">
+            <a:tbl>
+              <a:tblPr firstRow="1" bandRow="1">
+                <a:noFill/>
+              </a:tblPr>
+              <a:tblGrid>
+                <a:gridCol w="3491813"/>
+              </a:tblGrid>
+              <a:tr h="413450">
+                <a:tc>
+                  <a:txBody>
+                    <a:bodyPr/>
+                    <a:lstStyle/>
+                    <a:p>
+                      <a:pPr marL="0" marR="0" lvl="0" indent="0" algn="ctr" rtl="0">
+                        <a:lnSpc>
+                          <a:spcPct val="100000"/>
+                        </a:lnSpc>
+                        <a:spcBef>
+                          <a:spcPts val="0"/>
+                        </a:spcBef>
+                        <a:spcAft>
+                          <a:spcPts val="0"/>
+                        </a:spcAft>
+                        <a:buClr>
+                          <a:srgbClr val="000000"/>
+                        </a:buClr>
+                        <a:buSzPts val="1500"/>
+                        <a:buFont typeface="Arial"/>
+                        <a:buNone/>
+                      </a:pPr>
+                      <a:r>
+                        <a:rPr lang="ko-KR" altLang="en-US" sz="1700" b="0" u="none" strike="noStrike" cap="none" dirty="0" smtClean="0">
+                          <a:solidFill>
+                            <a:schemeClr val="dk1"/>
+                          </a:solidFill>
+                        </a:rPr>
+                        <a:t>화면코드</a:t>
+                      </a:r>
+                      <a:endParaRPr sz="1700" b="0" u="none" strike="noStrike" cap="none" dirty="0">
+                        <a:solidFill>
+                          <a:schemeClr val="dk1"/>
+                        </a:solidFill>
+                      </a:endParaRPr>
+                    </a:p>
+                  </a:txBody>
+                  <a:tcPr marL="74304" marR="74304" marT="45725" marB="45725" anchor="ctr">
+                    <a:lnL w="12700" cap="flat" cmpd="sng">
+                      <a:solidFill>
+                        <a:schemeClr val="dk1"/>
+                      </a:solidFill>
+                      <a:prstDash val="solid"/>
+                      <a:round/>
+                      <a:headEnd type="none" w="sm" len="sm"/>
+                      <a:tailEnd type="none" w="sm" len="sm"/>
+                    </a:lnL>
+                    <a:lnR w="12700" cap="flat" cmpd="sng">
+                      <a:solidFill>
+                        <a:schemeClr val="dk1"/>
+                      </a:solidFill>
+                      <a:prstDash val="solid"/>
+                      <a:round/>
+                      <a:headEnd type="none" w="sm" len="sm"/>
+                      <a:tailEnd type="none" w="sm" len="sm"/>
+                    </a:lnR>
+                    <a:lnT w="12700" cap="flat" cmpd="sng">
+                      <a:solidFill>
+                        <a:schemeClr val="dk1"/>
+                      </a:solidFill>
+                      <a:prstDash val="solid"/>
+                      <a:round/>
+                      <a:headEnd type="none" w="sm" len="sm"/>
+                      <a:tailEnd type="none" w="sm" len="sm"/>
+                    </a:lnT>
+                    <a:lnB w="12700" cap="flat" cmpd="sng" algn="ctr">
+                      <a:solidFill>
+                        <a:schemeClr val="dk1"/>
+                      </a:solidFill>
+                      <a:prstDash val="solid"/>
+                      <a:round/>
+                      <a:headEnd type="none" w="sm" len="sm"/>
+                      <a:tailEnd type="none" w="sm" len="sm"/>
+                    </a:lnB>
+                    <a:solidFill>
+                      <a:srgbClr val="D8D8D8"/>
+                    </a:solidFill>
+                  </a:tcPr>
+                </a:tc>
+              </a:tr>
+              <a:tr h="434794">
+                <a:tc>
+                  <a:txBody>
+                    <a:bodyPr/>
+                    <a:lstStyle/>
+                    <a:p>
+                      <a:pPr marL="0" marR="0" lvl="0" indent="0" algn="ctr" defTabSz="914400" rtl="0" eaLnBrk="1" fontAlgn="auto" latinLnBrk="1" hangingPunct="1">
+                        <a:lnSpc>
+                          <a:spcPct val="100000"/>
+                        </a:lnSpc>
+                        <a:spcBef>
+                          <a:spcPts val="0"/>
+                        </a:spcBef>
+                        <a:spcAft>
+                          <a:spcPts val="0"/>
+                        </a:spcAft>
+                        <a:buClrTx/>
+                        <a:buSzTx/>
+                        <a:buFontTx/>
+                        <a:buNone/>
+                        <a:tabLst/>
+                        <a:defRPr sz="1000" b="0">
+                          <a:solidFill>
+                            <a:srgbClr val="000000"/>
+                          </a:solidFill>
+                          <a:latin typeface="Arial"/>
+                          <a:ea typeface="Arial"/>
+                          <a:cs typeface="Arial"/>
+                          <a:sym typeface="Arial"/>
+                        </a:defRPr>
+                      </a:pPr>
+                      <a:r>
+                        <a:rPr lang="en-US" altLang="ko-KR" sz="1700" b="0" u="none" strike="noStrike" cap="none" dirty="0" err="1" smtClean="0">
+                          <a:solidFill>
+                            <a:schemeClr val="dk1"/>
+                          </a:solidFill>
+                        </a:rPr>
+                        <a:t>sh_user_w_semiDetail</a:t>
+                      </a:r>
+                      <a:endParaRPr lang="en-US" altLang="ko-KR" sz="1700" b="0" u="none" strike="noStrike" cap="none" dirty="0">
+                        <a:solidFill>
+                          <a:schemeClr val="dk1"/>
+                        </a:solidFill>
+                      </a:endParaRPr>
+                    </a:p>
+                  </a:txBody>
+                  <a:tcPr marL="74304" marR="74304" marT="45725" marB="45725" anchor="ctr">
+                    <a:lnL w="12700" cap="flat" cmpd="sng" algn="ctr">
+                      <a:solidFill>
+                        <a:schemeClr val="dk1"/>
+                      </a:solidFill>
+                      <a:prstDash val="solid"/>
+                      <a:round/>
+                      <a:headEnd type="none" w="sm" len="sm"/>
+                      <a:tailEnd type="none" w="sm" len="sm"/>
+                    </a:lnL>
+                    <a:lnR w="12700" cap="flat" cmpd="sng" algn="ctr">
+                      <a:solidFill>
+                        <a:schemeClr val="dk1"/>
+                      </a:solidFill>
+                      <a:prstDash val="solid"/>
+                      <a:round/>
+                      <a:headEnd type="none" w="sm" len="sm"/>
+                      <a:tailEnd type="none" w="sm" len="sm"/>
+                    </a:lnR>
+                    <a:lnT w="12700" cap="flat" cmpd="sng" algn="ctr">
+                      <a:solidFill>
+                        <a:schemeClr val="dk1"/>
+                      </a:solidFill>
+                      <a:prstDash val="solid"/>
+                      <a:round/>
+                      <a:headEnd type="none" w="sm" len="sm"/>
+                      <a:tailEnd type="none" w="sm" len="sm"/>
+                    </a:lnT>
+                    <a:lnB w="12700" cap="flat" cmpd="sng">
+                      <a:solidFill>
+                        <a:schemeClr val="dk1"/>
+                      </a:solidFill>
+                      <a:prstDash val="solid"/>
+                      <a:round/>
+                      <a:headEnd type="none" w="sm" len="sm"/>
+                      <a:tailEnd type="none" w="sm" len="sm"/>
+                    </a:lnB>
+                    <a:solidFill>
+                      <a:schemeClr val="bg1"/>
+                    </a:solidFill>
+                  </a:tcPr>
+                </a:tc>
+              </a:tr>
+            </a:tbl>
+          </a:graphicData>
+        </a:graphic>
+      </p:graphicFrame>
+      <p:sp>
+        <p:nvSpPr>
+          <p:cNvPr id="26" name="직사각형 25"/>
+          <p:cNvSpPr/>
+          <p:nvPr/>
+        </p:nvSpPr>
+        <p:spPr>
+          <a:xfrm>
+            <a:off x="87237" y="222351"/>
+            <a:ext cx="9706504" cy="477054"/>
+          </a:xfrm>
+          <a:prstGeom prst="rect">
+            <a:avLst/>
+          </a:prstGeom>
+        </p:spPr>
+        <p:txBody>
+          <a:bodyPr wrap="none">
+            <a:spAutoFit/>
+          </a:bodyPr>
+          <a:lstStyle/>
+          <a:p>
+            <a:pPr lvl="0" algn="ctr">
+              <a:buClr>
+                <a:srgbClr val="000000"/>
+              </a:buClr>
+              <a:buSzPts val="1500"/>
+              <a:defRPr/>
+            </a:pPr>
+            <a:r>
+              <a:rPr lang="en-US" altLang="ko-KR" sz="2500" dirty="0" smtClean="0">
+                <a:solidFill>
+                  <a:schemeClr val="bg1"/>
+                </a:solidFill>
+                <a:latin typeface="+mj-lt"/>
+              </a:rPr>
+              <a:t>[</a:t>
+            </a:r>
+            <a:r>
+              <a:rPr lang="ko-KR" altLang="en-US" sz="2500" dirty="0" smtClean="0">
+                <a:solidFill>
+                  <a:schemeClr val="bg1"/>
+                </a:solidFill>
+                <a:latin typeface="+mj-lt"/>
+              </a:rPr>
+              <a:t>화면 설계</a:t>
+            </a:r>
+            <a:r>
+              <a:rPr lang="en-US" altLang="ko-KR" sz="2500" dirty="0" smtClean="0">
+                <a:solidFill>
+                  <a:schemeClr val="bg1"/>
+                </a:solidFill>
+                <a:latin typeface="+mj-lt"/>
+              </a:rPr>
+              <a:t>]</a:t>
+            </a:r>
+            <a:r>
+              <a:rPr lang="ko-KR" altLang="en-US" sz="2500" dirty="0" smtClean="0">
+                <a:solidFill>
+                  <a:schemeClr val="bg1"/>
+                </a:solidFill>
+                <a:latin typeface="+mj-lt"/>
+              </a:rPr>
+              <a:t>사용자</a:t>
+            </a:r>
+            <a:r>
+              <a:rPr lang="en-US" altLang="ko-KR" sz="2500" dirty="0">
+                <a:solidFill>
+                  <a:schemeClr val="bg1"/>
+                </a:solidFill>
+              </a:rPr>
+              <a:t> - </a:t>
+            </a:r>
+            <a:r>
+              <a:rPr lang="ko-KR" altLang="en-US" sz="2500" dirty="0">
+                <a:solidFill>
+                  <a:schemeClr val="bg1"/>
+                </a:solidFill>
+              </a:rPr>
+              <a:t>웹</a:t>
+            </a:r>
+            <a:r>
+              <a:rPr lang="ko-KR" altLang="en-US" sz="2500" dirty="0" smtClean="0">
+                <a:solidFill>
+                  <a:schemeClr val="bg1"/>
+                </a:solidFill>
+                <a:latin typeface="+mj-lt"/>
+              </a:rPr>
+              <a:t> </a:t>
+            </a:r>
+            <a:r>
+              <a:rPr lang="en-US" altLang="ko-KR" sz="2500" dirty="0" smtClean="0">
+                <a:solidFill>
+                  <a:schemeClr val="bg1"/>
+                </a:solidFill>
+                <a:latin typeface="+mj-lt"/>
+              </a:rPr>
+              <a:t>– </a:t>
+            </a:r>
+            <a:r>
+              <a:rPr lang="ko-KR" altLang="en-US" sz="2500" dirty="0" smtClean="0">
+                <a:solidFill>
+                  <a:schemeClr val="bg1"/>
+                </a:solidFill>
+                <a:latin typeface="+mj-lt"/>
+              </a:rPr>
+              <a:t>세미나 상세페이지 </a:t>
+            </a:r>
+            <a:r>
+              <a:rPr lang="en-US" altLang="ko-KR" sz="2500" dirty="0" smtClean="0">
+                <a:solidFill>
+                  <a:schemeClr val="bg1"/>
+                </a:solidFill>
+                <a:latin typeface="+mj-lt"/>
+              </a:rPr>
+              <a:t>– </a:t>
+            </a:r>
+            <a:r>
+              <a:rPr lang="ko-KR" altLang="en-US" sz="2500" dirty="0" smtClean="0">
+                <a:solidFill>
+                  <a:schemeClr val="bg1"/>
+                </a:solidFill>
+                <a:latin typeface="+mj-lt"/>
+              </a:rPr>
+              <a:t>세미나 문의</a:t>
+            </a:r>
+            <a:r>
+              <a:rPr lang="en-US" altLang="ko-KR" sz="2500" dirty="0" smtClean="0">
+                <a:solidFill>
+                  <a:schemeClr val="bg1"/>
+                </a:solidFill>
+                <a:latin typeface="+mj-lt"/>
+              </a:rPr>
+              <a:t>(</a:t>
+            </a:r>
+            <a:r>
+              <a:rPr lang="ko-KR" altLang="en-US" sz="2500" dirty="0" err="1" smtClean="0">
+                <a:solidFill>
+                  <a:schemeClr val="bg1"/>
+                </a:solidFill>
+                <a:latin typeface="+mj-lt"/>
+              </a:rPr>
+              <a:t>모달</a:t>
+            </a:r>
+            <a:r>
+              <a:rPr lang="en-US" altLang="ko-KR" sz="2500" dirty="0" smtClean="0">
+                <a:solidFill>
+                  <a:schemeClr val="bg1"/>
+                </a:solidFill>
+                <a:latin typeface="+mj-lt"/>
+              </a:rPr>
+              <a:t>)</a:t>
+            </a:r>
+            <a:endParaRPr lang="ko-KR" altLang="en-US" sz="2500" dirty="0">
+              <a:solidFill>
+                <a:schemeClr val="bg1"/>
+              </a:solidFill>
+              <a:latin typeface="+mj-lt"/>
+            </a:endParaRPr>
+          </a:p>
+        </p:txBody>
+      </p:sp>
+    </p:spTree>
+    <p:extLst>
+      <p:ext uri="{BB962C8B-B14F-4D97-AF65-F5344CB8AC3E}">
+        <p14:creationId xmlns:p14="http://schemas.microsoft.com/office/powerpoint/2010/main" val="659181947"/>
+      </p:ext>
+    </p:extLst>
+  </p:cSld>
+  <p:clrMapOvr>
+    <a:masterClrMapping/>
+  </p:clrMapOvr>
+  <p:timing>
+    <p:tnLst>
+      <p:par>
+        <p:cTn id="1" dur="indefinite" restart="never" nodeType="tmRoot"/>
+      </p:par>
+    </p:tnLst>
+  </p:timing>
+</p:sld>
+</file>
+
+<file path=ppt/slides/slide3.xml><?xml version="1.0" encoding="utf-8"?>
+<p:sld xmlns:a="http://schemas.openxmlformats.org/drawingml/2006/main" xmlns:r="http://schemas.openxmlformats.org/officeDocument/2006/relationships" xmlns:p="http://schemas.openxmlformats.org/presentationml/2006/main">
+  <p:cSld>
+    <p:spTree>
+      <p:nvGrpSpPr>
+        <p:cNvPr id="1" name=""/>
+        <p:cNvGrpSpPr/>
+        <p:nvPr/>
+      </p:nvGrpSpPr>
+      <p:grpSpPr>
+        <a:xfrm>
+          <a:off x="0" y="0"/>
+          <a:ext cx="0" cy="0"/>
+          <a:chOff x="0" y="0"/>
+          <a:chExt cx="0" cy="0"/>
+        </a:xfrm>
+      </p:grpSpPr>
+      <p:sp>
+        <p:nvSpPr>
+          <p:cNvPr id="26" name="직사각형 25"/>
+          <p:cNvSpPr/>
+          <p:nvPr/>
+        </p:nvSpPr>
+        <p:spPr>
+          <a:xfrm>
+            <a:off x="229905" y="222351"/>
+            <a:ext cx="9421169" cy="477054"/>
+          </a:xfrm>
+          <a:prstGeom prst="rect">
+            <a:avLst/>
+          </a:prstGeom>
+        </p:spPr>
+        <p:txBody>
+          <a:bodyPr wrap="none">
+            <a:spAutoFit/>
+          </a:bodyPr>
+          <a:lstStyle/>
+          <a:p>
+            <a:pPr lvl="0" algn="ctr">
+              <a:buClr>
+                <a:srgbClr val="000000"/>
+              </a:buClr>
+              <a:buSzPts val="1500"/>
+              <a:defRPr/>
+            </a:pPr>
+            <a:r>
+              <a:rPr lang="en-US" altLang="ko-KR" sz="2500" dirty="0" smtClean="0">
+                <a:solidFill>
+                  <a:schemeClr val="bg1"/>
+                </a:solidFill>
+                <a:latin typeface="+mj-lt"/>
+              </a:rPr>
+              <a:t>[</a:t>
+            </a:r>
+            <a:r>
+              <a:rPr lang="ko-KR" altLang="en-US" sz="2500" dirty="0" smtClean="0">
+                <a:solidFill>
+                  <a:schemeClr val="bg1"/>
+                </a:solidFill>
+                <a:latin typeface="+mj-lt"/>
+              </a:rPr>
+              <a:t>화면 </a:t>
+            </a:r>
+            <a:r>
+              <a:rPr lang="ko-KR" altLang="en-US" sz="2500" dirty="0" smtClean="0">
+                <a:solidFill>
+                  <a:schemeClr val="bg1"/>
+                </a:solidFill>
+                <a:latin typeface="+mj-lt"/>
+              </a:rPr>
+              <a:t>구현</a:t>
+            </a:r>
+            <a:r>
+              <a:rPr lang="en-US" altLang="ko-KR" sz="2500" dirty="0" smtClean="0">
+                <a:solidFill>
+                  <a:schemeClr val="bg1"/>
+                </a:solidFill>
+                <a:latin typeface="+mj-lt"/>
+              </a:rPr>
+              <a:t>]</a:t>
+            </a:r>
+            <a:r>
+              <a:rPr lang="ko-KR" altLang="en-US" sz="2500" dirty="0" smtClean="0">
+                <a:solidFill>
+                  <a:schemeClr val="bg1"/>
+                </a:solidFill>
+                <a:latin typeface="+mj-lt"/>
+              </a:rPr>
+              <a:t>사용자</a:t>
+            </a:r>
+            <a:r>
+              <a:rPr lang="en-US" altLang="ko-KR" sz="2500" dirty="0">
+                <a:solidFill>
+                  <a:schemeClr val="bg1"/>
+                </a:solidFill>
+              </a:rPr>
+              <a:t> - </a:t>
+            </a:r>
+            <a:r>
+              <a:rPr lang="ko-KR" altLang="en-US" sz="2500" dirty="0">
+                <a:solidFill>
+                  <a:schemeClr val="bg1"/>
+                </a:solidFill>
+              </a:rPr>
+              <a:t>웹</a:t>
+            </a:r>
+            <a:r>
+              <a:rPr lang="ko-KR" altLang="en-US" sz="2500" dirty="0" smtClean="0">
+                <a:solidFill>
+                  <a:schemeClr val="bg1"/>
+                </a:solidFill>
+                <a:latin typeface="+mj-lt"/>
+              </a:rPr>
+              <a:t> </a:t>
+            </a:r>
+            <a:r>
+              <a:rPr lang="en-US" altLang="ko-KR" sz="2500" dirty="0" smtClean="0">
+                <a:solidFill>
+                  <a:schemeClr val="bg1"/>
+                </a:solidFill>
+                <a:latin typeface="+mj-lt"/>
+              </a:rPr>
+              <a:t>– </a:t>
+            </a:r>
+            <a:r>
+              <a:rPr lang="ko-KR" altLang="en-US" sz="2500" dirty="0" smtClean="0">
+                <a:solidFill>
+                  <a:schemeClr val="bg1"/>
+                </a:solidFill>
+                <a:latin typeface="+mj-lt"/>
+              </a:rPr>
+              <a:t>세미나 상세페이지 </a:t>
+            </a:r>
+            <a:r>
+              <a:rPr lang="en-US" altLang="ko-KR" sz="2500" dirty="0" smtClean="0">
+                <a:solidFill>
+                  <a:schemeClr val="bg1"/>
+                </a:solidFill>
+                <a:latin typeface="+mj-lt"/>
+              </a:rPr>
+              <a:t>– </a:t>
+            </a:r>
+            <a:r>
+              <a:rPr lang="ko-KR" altLang="en-US" sz="2500" dirty="0" smtClean="0">
+                <a:solidFill>
+                  <a:schemeClr val="bg1"/>
+                </a:solidFill>
+                <a:latin typeface="+mj-lt"/>
+              </a:rPr>
+              <a:t>세미나 문의</a:t>
+            </a:r>
+            <a:r>
+              <a:rPr lang="en-US" altLang="ko-KR" sz="2500" dirty="0" smtClean="0">
+                <a:solidFill>
+                  <a:schemeClr val="bg1"/>
+                </a:solidFill>
+                <a:latin typeface="+mj-lt"/>
+              </a:rPr>
+              <a:t>(</a:t>
+            </a:r>
+            <a:r>
+              <a:rPr lang="ko-KR" altLang="en-US" sz="2500" dirty="0" err="1" smtClean="0">
+                <a:solidFill>
+                  <a:schemeClr val="bg1"/>
+                </a:solidFill>
+                <a:latin typeface="+mj-lt"/>
+              </a:rPr>
+              <a:t>모달</a:t>
+            </a:r>
+            <a:r>
+              <a:rPr lang="en-US" altLang="ko-KR" sz="2500" dirty="0" smtClean="0">
+                <a:solidFill>
+                  <a:schemeClr val="bg1"/>
+                </a:solidFill>
+                <a:latin typeface="+mj-lt"/>
+              </a:rPr>
+              <a:t>)</a:t>
+            </a:r>
+            <a:endParaRPr lang="ko-KR" altLang="en-US" sz="2500" dirty="0">
+              <a:solidFill>
+                <a:schemeClr val="bg1"/>
+              </a:solidFill>
+              <a:latin typeface="+mj-lt"/>
+            </a:endParaRPr>
+          </a:p>
+        </p:txBody>
+      </p:sp>
+      <p:pic>
+        <p:nvPicPr>
+          <p:cNvPr id="1028" name="Picture 4"/>
+          <p:cNvPicPr>
+            <a:picLocks noChangeAspect="1" noChangeArrowheads="1"/>
+          </p:cNvPicPr>
+          <p:nvPr/>
+        </p:nvPicPr>
+        <p:blipFill>
+          <a:blip r:embed="rId2">
+            <a:extLst>
+              <a:ext uri="{28A0092B-C50C-407E-A947-70E740481C1C}">
+                <a14:useLocalDpi xmlns:a14="http://schemas.microsoft.com/office/drawing/2010/main" val="0"/>
+              </a:ext>
+            </a:extLst>
+          </a:blip>
+          <a:srcRect/>
+          <a:stretch>
+            <a:fillRect/>
+          </a:stretch>
+        </p:blipFill>
+        <p:spPr bwMode="auto">
+          <a:xfrm>
+            <a:off x="4940489" y="2938112"/>
+            <a:ext cx="6749024" cy="1124599"/>
+          </a:xfrm>
+          <a:prstGeom prst="rect">
+            <a:avLst/>
+          </a:prstGeom>
+          <a:noFill/>
+          <a:ln w="9525">
+            <a:solidFill>
+              <a:schemeClr val="tx1"/>
+            </a:solidFill>
+            <a:miter lim="800000"/>
+            <a:headEnd/>
+            <a:tailEnd/>
+          </a:ln>
+          <a:effectLst/>
+          <a:extLst>
+            <a:ext uri="{909E8E84-426E-40DD-AFC4-6F175D3DCCD1}">
+              <a14:hiddenFill xmlns:a14="http://schemas.microsoft.com/office/drawing/2010/main">
+                <a:solidFill>
+                  <a:schemeClr val="accent1"/>
+                </a:solidFill>
+              </a14:hiddenFill>
+            </a:ext>
+            <a:ext uri="{AF507438-7753-43E0-B8FC-AC1667EBCBE1}">
+              <a14:hiddenEffects xmlns:a14="http://schemas.microsoft.com/office/drawing/2010/main">
+                <a:effectLst>
+                  <a:outerShdw dist="35921" dir="2700000" algn="ctr" rotWithShape="0">
+                    <a:schemeClr val="bg2"/>
+                  </a:outerShdw>
+                </a:effectLst>
+              </a14:hiddenEffects>
+            </a:ext>
+          </a:extLst>
+        </p:spPr>
+      </p:pic>
+      <p:pic>
+        <p:nvPicPr>
+          <p:cNvPr id="1031" name="Picture 7"/>
+          <p:cNvPicPr>
+            <a:picLocks noChangeAspect="1" noChangeArrowheads="1"/>
+          </p:cNvPicPr>
+          <p:nvPr/>
+        </p:nvPicPr>
+        <p:blipFill>
+          <a:blip r:embed="rId3">
+            <a:extLst>
+              <a:ext uri="{28A0092B-C50C-407E-A947-70E740481C1C}">
+                <a14:useLocalDpi xmlns:a14="http://schemas.microsoft.com/office/drawing/2010/main" val="0"/>
+              </a:ext>
+            </a:extLst>
+          </a:blip>
+          <a:srcRect/>
+          <a:stretch>
+            <a:fillRect/>
+          </a:stretch>
+        </p:blipFill>
+        <p:spPr bwMode="auto">
+          <a:xfrm>
+            <a:off x="915232" y="1828108"/>
+            <a:ext cx="3568132" cy="3344606"/>
+          </a:xfrm>
+          <a:prstGeom prst="rect">
+            <a:avLst/>
+          </a:prstGeom>
+          <a:noFill/>
+          <a:ln>
+            <a:noFill/>
+          </a:ln>
+          <a:effectLst/>
+          <a:extLst>
+            <a:ext uri="{909E8E84-426E-40DD-AFC4-6F175D3DCCD1}">
+              <a14:hiddenFill xmlns:a14="http://schemas.microsoft.com/office/drawing/2010/main">
+                <a:solidFill>
+                  <a:schemeClr val="accent1"/>
+                </a:solidFill>
+              </a14:hiddenFill>
+            </a:ext>
+            <a:ext uri="{91240B29-F687-4F45-9708-019B960494DF}">
+              <a14:hiddenLine xmlns:a14="http://schemas.microsoft.com/office/drawing/2010/main" w="9525">
+                <a:solidFill>
+                  <a:schemeClr val="tx1"/>
+                </a:solidFill>
+                <a:miter lim="800000"/>
+                <a:headEnd/>
+                <a:tailEnd/>
+              </a14:hiddenLine>
+            </a:ext>
+            <a:ext uri="{AF507438-7753-43E0-B8FC-AC1667EBCBE1}">
+              <a14:hiddenEffects xmlns:a14="http://schemas.microsoft.com/office/drawing/2010/main">
+                <a:effectLst>
+                  <a:outerShdw dist="35921" dir="2700000" algn="ctr" rotWithShape="0">
+                    <a:schemeClr val="bg2"/>
+                  </a:outerShdw>
+                </a:effectLst>
+              </a14:hiddenEffects>
+            </a:ext>
+          </a:extLst>
+        </p:spPr>
+      </p:pic>
+      <p:pic>
+        <p:nvPicPr>
+          <p:cNvPr id="1032" name="Picture 8"/>
+          <p:cNvPicPr>
+            <a:picLocks noChangeAspect="1" noChangeArrowheads="1"/>
+          </p:cNvPicPr>
+          <p:nvPr/>
+        </p:nvPicPr>
+        <p:blipFill>
+          <a:blip r:embed="rId4">
+            <a:extLst>
+              <a:ext uri="{28A0092B-C50C-407E-A947-70E740481C1C}">
+                <a14:useLocalDpi xmlns:a14="http://schemas.microsoft.com/office/drawing/2010/main" val="0"/>
+              </a:ext>
+            </a:extLst>
+          </a:blip>
+          <a:srcRect/>
+          <a:stretch>
+            <a:fillRect/>
+          </a:stretch>
+        </p:blipFill>
+        <p:spPr bwMode="auto">
+          <a:xfrm>
+            <a:off x="915232" y="5966915"/>
+            <a:ext cx="10653503" cy="257175"/>
+          </a:xfrm>
+          <a:prstGeom prst="rect">
+            <a:avLst/>
+          </a:prstGeom>
+          <a:noFill/>
+          <a:ln w="9525">
+            <a:solidFill>
+              <a:schemeClr val="tx1"/>
+            </a:solidFill>
+            <a:miter lim="800000"/>
+            <a:headEnd/>
+            <a:tailEnd/>
+          </a:ln>
+          <a:effectLst/>
+          <a:extLst>
+            <a:ext uri="{909E8E84-426E-40DD-AFC4-6F175D3DCCD1}">
+              <a14:hiddenFill xmlns:a14="http://schemas.microsoft.com/office/drawing/2010/main">
+                <a:solidFill>
+                  <a:schemeClr val="accent1"/>
+                </a:solidFill>
+              </a14:hiddenFill>
+            </a:ext>
+            <a:ext uri="{AF507438-7753-43E0-B8FC-AC1667EBCBE1}">
+              <a14:hiddenEffects xmlns:a14="http://schemas.microsoft.com/office/drawing/2010/main">
+                <a:effectLst>
+                  <a:outerShdw dist="35921" dir="2700000" algn="ctr" rotWithShape="0">
+                    <a:schemeClr val="bg2"/>
+                  </a:outerShdw>
+                </a:effectLst>
+              </a14:hiddenEffects>
+            </a:ext>
+          </a:extLst>
+        </p:spPr>
+      </p:pic>
+    </p:spTree>
+    <p:extLst>
+      <p:ext uri="{BB962C8B-B14F-4D97-AF65-F5344CB8AC3E}">
+        <p14:creationId xmlns:p14="http://schemas.microsoft.com/office/powerpoint/2010/main" val="1823550348"/>
+      </p:ext>
+    </p:extLst>
+  </p:cSld>
+  <p:clrMapOvr>
+    <a:masterClrMapping/>
+  </p:clrMapOvr>
+  <p:timing>
+    <p:tnLst>
+      <p:par>
+        <p:cTn id="1" dur="indefinite" restart="never" nodeType="tmRoot"/>
+      </p:par>
+    </p:tnLst>
+  </p:timing>
 </p:sld>
 </file>
 
@@ -3699,7 +5685,7 @@
   <a:extraClrSchemeLst/>
   <a:extLst>
     <a:ext uri="{05A4C25C-085E-4340-85A3-A5531E510DB2}">
-      <thm15:themeFamily xmlns:thm15="http://schemas.microsoft.com/office/thememl/2012/main" name="Office Theme" id="{62F939B6-93AF-4DB8-9C6B-D6C7DFDC589F}" vid="{4A3C46E8-61CC-4603-A589-7422A47A8E4A}"/>
+      <thm15:themeFamily xmlns="" xmlns:thm15="http://schemas.microsoft.com/office/thememl/2012/main" name="Office Theme" id="{62F939B6-93AF-4DB8-9C6B-D6C7DFDC589F}" vid="{4A3C46E8-61CC-4603-A589-7422A47A8E4A}"/>
     </a:ext>
   </a:extLst>
 </a:theme>
@@ -3960,7 +5946,7 @@
   <a:extraClrSchemeLst/>
   <a:extLst>
     <a:ext uri="{05A4C25C-085E-4340-85A3-A5531E510DB2}">
-      <thm15:themeFamily xmlns:thm15="http://schemas.microsoft.com/office/thememl/2012/main" name="Office Theme" id="{62F939B6-93AF-4DB8-9C6B-D6C7DFDC589F}" vid="{4A3C46E8-61CC-4603-A589-7422A47A8E4A}"/>
+      <thm15:themeFamily xmlns="" xmlns:thm15="http://schemas.microsoft.com/office/thememl/2012/main" name="Office Theme" id="{62F939B6-93AF-4DB8-9C6B-D6C7DFDC589F}" vid="{4A3C46E8-61CC-4603-A589-7422A47A8E4A}"/>
     </a:ext>
   </a:extLst>
 </a:theme>

--- a/0 발표용 파워포인트/0501 5차발표/0501 project05 - 파워포인트 - 서희.pptx
+++ b/0 발표용 파워포인트/0501 5차발표/0501 project05 - 파워포인트 - 서희.pptx
@@ -5,12 +5,13 @@
     <p:sldMasterId id="2147483648" r:id="rId1"/>
   </p:sldMasterIdLst>
   <p:notesMasterIdLst>
-    <p:notesMasterId r:id="rId5"/>
+    <p:notesMasterId r:id="rId6"/>
   </p:notesMasterIdLst>
   <p:sldIdLst>
     <p:sldId id="256" r:id="rId2"/>
     <p:sldId id="299" r:id="rId3"/>
-    <p:sldId id="308" r:id="rId4"/>
+    <p:sldId id="309" r:id="rId4"/>
+    <p:sldId id="308" r:id="rId5"/>
   </p:sldIdLst>
   <p:sldSz cx="12192000" cy="6858000"/>
   <p:notesSz cx="6858000" cy="9144000"/>
@@ -116,13 +117,14 @@
           <p14:sldIdLst>
             <p14:sldId id="256"/>
             <p14:sldId id="299"/>
+            <p14:sldId id="309"/>
             <p14:sldId id="308"/>
           </p14:sldIdLst>
         </p14:section>
       </p14:sectionLst>
     </p:ext>
     <p:ext uri="{EFAFB233-063F-42B5-8137-9DF3F51BA10A}">
-      <p15:sldGuideLst xmlns="" xmlns:p15="http://schemas.microsoft.com/office/powerpoint/2012/main">
+      <p15:sldGuideLst xmlns:p15="http://schemas.microsoft.com/office/powerpoint/2012/main" xmlns="">
         <p15:guide id="1" orient="horz" pos="2160">
           <p15:clr>
             <a:srgbClr val="A4A3A4"/>
@@ -136,7 +138,7 @@
       </p15:sldGuideLst>
     </p:ext>
     <p:ext uri="{2D200454-40CA-4A62-9FC3-DE9A4176ACB9}">
-      <p15:notesGuideLst xmlns="" xmlns:p15="http://schemas.microsoft.com/office/powerpoint/2012/main"/>
+      <p15:notesGuideLst xmlns:p15="http://schemas.microsoft.com/office/powerpoint/2012/main" xmlns=""/>
     </p:ext>
   </p:extLst>
 </p:presentation>
@@ -3530,7 +3532,7 @@
                 <a:gridCol w="8032096">
                   <a:extLst>
                     <a:ext uri="{9D8B030D-6E8A-4147-A177-3AD203B41FA5}">
-                      <a16:colId xmlns:a16="http://schemas.microsoft.com/office/drawing/2014/main" xmlns="" val="20000"/>
+                      <a16:colId xmlns="" xmlns:a16="http://schemas.microsoft.com/office/drawing/2014/main" val="20000"/>
                     </a:ext>
                   </a:extLst>
                 </a:gridCol>
@@ -3595,7 +3597,7 @@
                 </a:tc>
                 <a:extLst>
                   <a:ext uri="{0D108BD9-81ED-4DB2-BD59-A6C34878D82A}">
-                    <a16:rowId xmlns:a16="http://schemas.microsoft.com/office/drawing/2014/main" xmlns="" val="10000"/>
+                    <a16:rowId xmlns="" xmlns:a16="http://schemas.microsoft.com/office/drawing/2014/main" val="10000"/>
                   </a:ext>
                 </a:extLst>
               </a:tr>
@@ -3659,7 +3661,7 @@
                 </a:tc>
                 <a:extLst>
                   <a:ext uri="{0D108BD9-81ED-4DB2-BD59-A6C34878D82A}">
-                    <a16:rowId xmlns:a16="http://schemas.microsoft.com/office/drawing/2014/main" xmlns="" val="10001"/>
+                    <a16:rowId xmlns="" xmlns:a16="http://schemas.microsoft.com/office/drawing/2014/main" val="10001"/>
                   </a:ext>
                 </a:extLst>
               </a:tr>
@@ -4206,14 +4208,14 @@
                 <a:gridCol w="342705">
                   <a:extLst>
                     <a:ext uri="{9D8B030D-6E8A-4147-A177-3AD203B41FA5}">
-                      <a16:colId xmlns:a16="http://schemas.microsoft.com/office/drawing/2014/main" xmlns="" val="20000"/>
+                      <a16:colId xmlns="" xmlns:a16="http://schemas.microsoft.com/office/drawing/2014/main" val="20000"/>
                     </a:ext>
                   </a:extLst>
                 </a:gridCol>
                 <a:gridCol w="3149108">
                   <a:extLst>
                     <a:ext uri="{9D8B030D-6E8A-4147-A177-3AD203B41FA5}">
-                      <a16:colId xmlns:a16="http://schemas.microsoft.com/office/drawing/2014/main" xmlns="" val="20001"/>
+                      <a16:colId xmlns="" xmlns:a16="http://schemas.microsoft.com/office/drawing/2014/main" val="20001"/>
                     </a:ext>
                   </a:extLst>
                 </a:gridCol>
@@ -4310,7 +4312,7 @@
                 </a:tc>
                 <a:extLst>
                   <a:ext uri="{0D108BD9-81ED-4DB2-BD59-A6C34878D82A}">
-                    <a16:rowId xmlns:a16="http://schemas.microsoft.com/office/drawing/2014/main" xmlns="" val="10000"/>
+                    <a16:rowId xmlns="" xmlns:a16="http://schemas.microsoft.com/office/drawing/2014/main" val="10000"/>
                   </a:ext>
                 </a:extLst>
               </a:tr>
@@ -4440,7 +4442,7 @@
                 </a:tc>
                 <a:extLst>
                   <a:ext uri="{0D108BD9-81ED-4DB2-BD59-A6C34878D82A}">
-                    <a16:rowId xmlns:a16="http://schemas.microsoft.com/office/drawing/2014/main" xmlns="" val="10001"/>
+                    <a16:rowId xmlns="" xmlns:a16="http://schemas.microsoft.com/office/drawing/2014/main" val="10001"/>
                   </a:ext>
                 </a:extLst>
               </a:tr>
@@ -4558,7 +4560,7 @@
                 <a:gridCol w="8032096">
                   <a:extLst>
                     <a:ext uri="{9D8B030D-6E8A-4147-A177-3AD203B41FA5}">
-                      <a16:colId xmlns:a16="http://schemas.microsoft.com/office/drawing/2014/main" xmlns="" val="20000"/>
+                      <a16:colId xmlns="" xmlns:a16="http://schemas.microsoft.com/office/drawing/2014/main" val="20000"/>
                     </a:ext>
                   </a:extLst>
                 </a:gridCol>
@@ -4627,7 +4629,7 @@
                 </a:tc>
                 <a:extLst>
                   <a:ext uri="{0D108BD9-81ED-4DB2-BD59-A6C34878D82A}">
-                    <a16:rowId xmlns:a16="http://schemas.microsoft.com/office/drawing/2014/main" xmlns="" val="10000"/>
+                    <a16:rowId xmlns="" xmlns:a16="http://schemas.microsoft.com/office/drawing/2014/main" val="10000"/>
                   </a:ext>
                 </a:extLst>
               </a:tr>
@@ -5058,9 +5060,73 @@
           <a:chExt cx="0" cy="0"/>
         </a:xfrm>
       </p:grpSpPr>
-      <p:sp>
-        <p:nvSpPr>
-          <p:cNvPr id="26" name="직사각형 25"/>
+      <p:pic>
+        <p:nvPicPr>
+          <p:cNvPr id="1026" name="Picture 2"/>
+          <p:cNvPicPr>
+            <a:picLocks noChangeAspect="1" noChangeArrowheads="1"/>
+          </p:cNvPicPr>
+          <p:nvPr/>
+        </p:nvPicPr>
+        <p:blipFill>
+          <a:blip r:embed="rId2">
+            <a:extLst>
+              <a:ext uri="{28A0092B-C50C-407E-A947-70E740481C1C}">
+                <a14:useLocalDpi xmlns:a14="http://schemas.microsoft.com/office/drawing/2010/main" val="0"/>
+              </a:ext>
+            </a:extLst>
+          </a:blip>
+          <a:srcRect/>
+          <a:stretch>
+            <a:fillRect/>
+          </a:stretch>
+        </p:blipFill>
+        <p:spPr bwMode="auto">
+          <a:xfrm>
+            <a:off x="6773746" y="1705232"/>
+            <a:ext cx="3981007" cy="4519956"/>
+          </a:xfrm>
+          <a:prstGeom prst="rect">
+            <a:avLst/>
+          </a:prstGeom>
+          <a:noFill/>
+          <a:ln>
+            <a:noFill/>
+          </a:ln>
+          <a:effectLst/>
+          <a:extLst>
+            <a:ext uri="{909E8E84-426E-40DD-AFC4-6F175D3DCCD1}">
+              <a14:hiddenFill xmlns:a14="http://schemas.microsoft.com/office/drawing/2010/main">
+                <a:solidFill>
+                  <a:schemeClr val="accent1"/>
+                </a:solidFill>
+              </a14:hiddenFill>
+            </a:ext>
+            <a:ext uri="{91240B29-F687-4F45-9708-019B960494DF}">
+              <a14:hiddenLine xmlns:a14="http://schemas.microsoft.com/office/drawing/2010/main" w="9525">
+                <a:solidFill>
+                  <a:schemeClr val="tx1"/>
+                </a:solidFill>
+                <a:miter lim="800000"/>
+                <a:headEnd/>
+                <a:tailEnd/>
+              </a14:hiddenLine>
+            </a:ext>
+            <a:ext uri="{AF507438-7753-43E0-B8FC-AC1667EBCBE1}">
+              <a14:hiddenEffects xmlns:a14="http://schemas.microsoft.com/office/drawing/2010/main">
+                <a:effectLst>
+                  <a:outerShdw dist="35921" dir="2700000" algn="ctr" rotWithShape="0">
+                    <a:schemeClr val="bg2"/>
+                  </a:outerShdw>
+                </a:effectLst>
+              </a14:hiddenEffects>
+            </a:ext>
+          </a:extLst>
+        </p:spPr>
+      </p:pic>
+      <p:sp>
+        <p:nvSpPr>
+          <p:cNvPr id="5" name="직사각형 4"/>
           <p:cNvSpPr/>
           <p:nvPr/>
         </p:nvSpPr>
@@ -5102,16 +5168,302 @@
                 </a:solidFill>
                 <a:latin typeface="+mj-lt"/>
               </a:rPr>
-              <a:t>화면 </a:t>
-            </a:r>
-            <a:r>
-              <a:rPr lang="ko-KR" altLang="en-US" sz="2500" dirty="0" smtClean="0">
+              <a:t>화면 구현</a:t>
+            </a:r>
+            <a:r>
+              <a:rPr lang="en-US" altLang="ko-KR" sz="2500" dirty="0" smtClean="0">
                 <a:solidFill>
                   <a:schemeClr val="bg1"/>
                 </a:solidFill>
                 <a:latin typeface="+mj-lt"/>
               </a:rPr>
-              <a:t>구현</a:t>
+              <a:t>]</a:t>
+            </a:r>
+            <a:r>
+              <a:rPr lang="ko-KR" altLang="en-US" sz="2500" dirty="0" smtClean="0">
+                <a:solidFill>
+                  <a:schemeClr val="bg1"/>
+                </a:solidFill>
+                <a:latin typeface="+mj-lt"/>
+              </a:rPr>
+              <a:t>사용자</a:t>
+            </a:r>
+            <a:r>
+              <a:rPr lang="en-US" altLang="ko-KR" sz="2500" dirty="0">
+                <a:solidFill>
+                  <a:schemeClr val="bg1"/>
+                </a:solidFill>
+              </a:rPr>
+              <a:t> - </a:t>
+            </a:r>
+            <a:r>
+              <a:rPr lang="ko-KR" altLang="en-US" sz="2500" dirty="0">
+                <a:solidFill>
+                  <a:schemeClr val="bg1"/>
+                </a:solidFill>
+              </a:rPr>
+              <a:t>웹</a:t>
+            </a:r>
+            <a:r>
+              <a:rPr lang="ko-KR" altLang="en-US" sz="2500" dirty="0" smtClean="0">
+                <a:solidFill>
+                  <a:schemeClr val="bg1"/>
+                </a:solidFill>
+                <a:latin typeface="+mj-lt"/>
+              </a:rPr>
+              <a:t> </a:t>
+            </a:r>
+            <a:r>
+              <a:rPr lang="en-US" altLang="ko-KR" sz="2500" dirty="0" smtClean="0">
+                <a:solidFill>
+                  <a:schemeClr val="bg1"/>
+                </a:solidFill>
+                <a:latin typeface="+mj-lt"/>
+              </a:rPr>
+              <a:t>– </a:t>
+            </a:r>
+            <a:r>
+              <a:rPr lang="ko-KR" altLang="en-US" sz="2500" dirty="0" smtClean="0">
+                <a:solidFill>
+                  <a:schemeClr val="bg1"/>
+                </a:solidFill>
+                <a:latin typeface="+mj-lt"/>
+              </a:rPr>
+              <a:t>세미나 상세페이지 </a:t>
+            </a:r>
+            <a:r>
+              <a:rPr lang="en-US" altLang="ko-KR" sz="2500" dirty="0" smtClean="0">
+                <a:solidFill>
+                  <a:schemeClr val="bg1"/>
+                </a:solidFill>
+                <a:latin typeface="+mj-lt"/>
+              </a:rPr>
+              <a:t>– </a:t>
+            </a:r>
+            <a:r>
+              <a:rPr lang="ko-KR" altLang="en-US" sz="2500" dirty="0" smtClean="0">
+                <a:solidFill>
+                  <a:schemeClr val="bg1"/>
+                </a:solidFill>
+                <a:latin typeface="+mj-lt"/>
+              </a:rPr>
+              <a:t>세미나 문의</a:t>
+            </a:r>
+            <a:r>
+              <a:rPr lang="en-US" altLang="ko-KR" sz="2500" dirty="0" smtClean="0">
+                <a:solidFill>
+                  <a:schemeClr val="bg1"/>
+                </a:solidFill>
+                <a:latin typeface="+mj-lt"/>
+              </a:rPr>
+              <a:t>(</a:t>
+            </a:r>
+            <a:r>
+              <a:rPr lang="ko-KR" altLang="en-US" sz="2500" dirty="0" err="1" smtClean="0">
+                <a:solidFill>
+                  <a:schemeClr val="bg1"/>
+                </a:solidFill>
+                <a:latin typeface="+mj-lt"/>
+              </a:rPr>
+              <a:t>모달</a:t>
+            </a:r>
+            <a:r>
+              <a:rPr lang="en-US" altLang="ko-KR" sz="2500" dirty="0" smtClean="0">
+                <a:solidFill>
+                  <a:schemeClr val="bg1"/>
+                </a:solidFill>
+                <a:latin typeface="+mj-lt"/>
+              </a:rPr>
+              <a:t>)</a:t>
+            </a:r>
+            <a:endParaRPr lang="ko-KR" altLang="en-US" sz="2500" dirty="0">
+              <a:solidFill>
+                <a:schemeClr val="bg1"/>
+              </a:solidFill>
+              <a:latin typeface="+mj-lt"/>
+            </a:endParaRPr>
+          </a:p>
+        </p:txBody>
+      </p:sp>
+      <p:pic>
+        <p:nvPicPr>
+          <p:cNvPr id="1027" name="Picture 3"/>
+          <p:cNvPicPr>
+            <a:picLocks noChangeAspect="1" noChangeArrowheads="1"/>
+          </p:cNvPicPr>
+          <p:nvPr/>
+        </p:nvPicPr>
+        <p:blipFill>
+          <a:blip r:embed="rId3">
+            <a:extLst>
+              <a:ext uri="{28A0092B-C50C-407E-A947-70E740481C1C}">
+                <a14:useLocalDpi xmlns:a14="http://schemas.microsoft.com/office/drawing/2010/main" val="0"/>
+              </a:ext>
+            </a:extLst>
+          </a:blip>
+          <a:srcRect/>
+          <a:stretch>
+            <a:fillRect/>
+          </a:stretch>
+        </p:blipFill>
+        <p:spPr bwMode="auto">
+          <a:xfrm>
+            <a:off x="1425147" y="1705233"/>
+            <a:ext cx="3596875" cy="4519956"/>
+          </a:xfrm>
+          <a:prstGeom prst="rect">
+            <a:avLst/>
+          </a:prstGeom>
+          <a:noFill/>
+          <a:ln>
+            <a:noFill/>
+          </a:ln>
+          <a:effectLst/>
+          <a:extLst>
+            <a:ext uri="{909E8E84-426E-40DD-AFC4-6F175D3DCCD1}">
+              <a14:hiddenFill xmlns:a14="http://schemas.microsoft.com/office/drawing/2010/main">
+                <a:solidFill>
+                  <a:schemeClr val="accent1"/>
+                </a:solidFill>
+              </a14:hiddenFill>
+            </a:ext>
+            <a:ext uri="{91240B29-F687-4F45-9708-019B960494DF}">
+              <a14:hiddenLine xmlns:a14="http://schemas.microsoft.com/office/drawing/2010/main" w="9525">
+                <a:solidFill>
+                  <a:schemeClr val="tx1"/>
+                </a:solidFill>
+                <a:miter lim="800000"/>
+                <a:headEnd/>
+                <a:tailEnd/>
+              </a14:hiddenLine>
+            </a:ext>
+            <a:ext uri="{AF507438-7753-43E0-B8FC-AC1667EBCBE1}">
+              <a14:hiddenEffects xmlns:a14="http://schemas.microsoft.com/office/drawing/2010/main">
+                <a:effectLst>
+                  <a:outerShdw dist="35921" dir="2700000" algn="ctr" rotWithShape="0">
+                    <a:schemeClr val="bg2"/>
+                  </a:outerShdw>
+                </a:effectLst>
+              </a14:hiddenEffects>
+            </a:ext>
+          </a:extLst>
+        </p:spPr>
+      </p:pic>
+      <p:sp>
+        <p:nvSpPr>
+          <p:cNvPr id="4" name="오른쪽 화살표 3"/>
+          <p:cNvSpPr/>
+          <p:nvPr/>
+        </p:nvSpPr>
+        <p:spPr>
+          <a:xfrm>
+            <a:off x="5527589" y="3624649"/>
+            <a:ext cx="757881" cy="535459"/>
+          </a:xfrm>
+          <a:prstGeom prst="rightArrow">
+            <a:avLst/>
+          </a:prstGeom>
+        </p:spPr>
+        <p:style>
+          <a:lnRef idx="2">
+            <a:schemeClr val="accent1">
+              <a:shade val="50000"/>
+            </a:schemeClr>
+          </a:lnRef>
+          <a:fillRef idx="1">
+            <a:schemeClr val="accent1"/>
+          </a:fillRef>
+          <a:effectRef idx="0">
+            <a:schemeClr val="accent1"/>
+          </a:effectRef>
+          <a:fontRef idx="minor">
+            <a:schemeClr val="lt1"/>
+          </a:fontRef>
+        </p:style>
+        <p:txBody>
+          <a:bodyPr rtlCol="0" anchor="ctr"/>
+          <a:lstStyle/>
+          <a:p>
+            <a:pPr algn="ctr"/>
+            <a:endParaRPr lang="ko-KR" altLang="en-US"/>
+          </a:p>
+        </p:txBody>
+      </p:sp>
+    </p:spTree>
+    <p:extLst>
+      <p:ext uri="{BB962C8B-B14F-4D97-AF65-F5344CB8AC3E}">
+        <p14:creationId xmlns:p14="http://schemas.microsoft.com/office/powerpoint/2010/main" val="3189134431"/>
+      </p:ext>
+    </p:extLst>
+  </p:cSld>
+  <p:clrMapOvr>
+    <a:masterClrMapping/>
+  </p:clrMapOvr>
+</p:sld>
+</file>
+
+<file path=ppt/slides/slide4.xml><?xml version="1.0" encoding="utf-8"?>
+<p:sld xmlns:a="http://schemas.openxmlformats.org/drawingml/2006/main" xmlns:r="http://schemas.openxmlformats.org/officeDocument/2006/relationships" xmlns:p="http://schemas.openxmlformats.org/presentationml/2006/main">
+  <p:cSld>
+    <p:spTree>
+      <p:nvGrpSpPr>
+        <p:cNvPr id="1" name=""/>
+        <p:cNvGrpSpPr/>
+        <p:nvPr/>
+      </p:nvGrpSpPr>
+      <p:grpSpPr>
+        <a:xfrm>
+          <a:off x="0" y="0"/>
+          <a:ext cx="0" cy="0"/>
+          <a:chOff x="0" y="0"/>
+          <a:chExt cx="0" cy="0"/>
+        </a:xfrm>
+      </p:grpSpPr>
+      <p:sp>
+        <p:nvSpPr>
+          <p:cNvPr id="26" name="직사각형 25"/>
+          <p:cNvSpPr/>
+          <p:nvPr/>
+        </p:nvSpPr>
+        <p:spPr>
+          <a:xfrm>
+            <a:off x="229905" y="222351"/>
+            <a:ext cx="9421169" cy="477054"/>
+          </a:xfrm>
+          <a:prstGeom prst="rect">
+            <a:avLst/>
+          </a:prstGeom>
+        </p:spPr>
+        <p:txBody>
+          <a:bodyPr wrap="none">
+            <a:spAutoFit/>
+          </a:bodyPr>
+          <a:lstStyle/>
+          <a:p>
+            <a:pPr lvl="0" algn="ctr">
+              <a:buClr>
+                <a:srgbClr val="000000"/>
+              </a:buClr>
+              <a:buSzPts val="1500"/>
+              <a:defRPr/>
+            </a:pPr>
+            <a:r>
+              <a:rPr lang="en-US" altLang="ko-KR" sz="2500" dirty="0" smtClean="0">
+                <a:solidFill>
+                  <a:schemeClr val="bg1"/>
+                </a:solidFill>
+                <a:latin typeface="+mj-lt"/>
+              </a:rPr>
+              <a:t>[</a:t>
+            </a:r>
+            <a:r>
+              <a:rPr lang="ko-KR" altLang="en-US" sz="2500" dirty="0" smtClean="0">
+                <a:solidFill>
+                  <a:schemeClr val="bg1"/>
+                </a:solidFill>
+                <a:latin typeface="+mj-lt"/>
+              </a:rPr>
+              <a:t>화면 구현</a:t>
             </a:r>
             <a:r>
               <a:rPr lang="en-US" altLang="ko-KR" sz="2500" dirty="0" smtClean="0">
@@ -5685,7 +6037,7 @@
   <a:extraClrSchemeLst/>
   <a:extLst>
     <a:ext uri="{05A4C25C-085E-4340-85A3-A5531E510DB2}">
-      <thm15:themeFamily xmlns="" xmlns:thm15="http://schemas.microsoft.com/office/thememl/2012/main" name="Office Theme" id="{62F939B6-93AF-4DB8-9C6B-D6C7DFDC589F}" vid="{4A3C46E8-61CC-4603-A589-7422A47A8E4A}"/>
+      <thm15:themeFamily xmlns:thm15="http://schemas.microsoft.com/office/thememl/2012/main" xmlns="" name="Office Theme" id="{62F939B6-93AF-4DB8-9C6B-D6C7DFDC589F}" vid="{4A3C46E8-61CC-4603-A589-7422A47A8E4A}"/>
     </a:ext>
   </a:extLst>
 </a:theme>
@@ -5946,7 +6298,7 @@
   <a:extraClrSchemeLst/>
   <a:extLst>
     <a:ext uri="{05A4C25C-085E-4340-85A3-A5531E510DB2}">
-      <thm15:themeFamily xmlns="" xmlns:thm15="http://schemas.microsoft.com/office/thememl/2012/main" name="Office Theme" id="{62F939B6-93AF-4DB8-9C6B-D6C7DFDC589F}" vid="{4A3C46E8-61CC-4603-A589-7422A47A8E4A}"/>
+      <thm15:themeFamily xmlns:thm15="http://schemas.microsoft.com/office/thememl/2012/main" xmlns="" name="Office Theme" id="{62F939B6-93AF-4DB8-9C6B-D6C7DFDC589F}" vid="{4A3C46E8-61CC-4603-A589-7422A47A8E4A}"/>
     </a:ext>
   </a:extLst>
 </a:theme>

--- a/0 발표용 파워포인트/0501 5차발표/0501 project05 - 파워포인트 - 서희.pptx
+++ b/0 발표용 파워포인트/0501 5차발표/0501 project05 - 파워포인트 - 서희.pptx
@@ -5,13 +5,14 @@
     <p:sldMasterId id="2147483648" r:id="rId1"/>
   </p:sldMasterIdLst>
   <p:notesMasterIdLst>
-    <p:notesMasterId r:id="rId6"/>
+    <p:notesMasterId r:id="rId7"/>
   </p:notesMasterIdLst>
   <p:sldIdLst>
     <p:sldId id="256" r:id="rId2"/>
     <p:sldId id="299" r:id="rId3"/>
     <p:sldId id="309" r:id="rId4"/>
     <p:sldId id="308" r:id="rId5"/>
+    <p:sldId id="310" r:id="rId6"/>
   </p:sldIdLst>
   <p:sldSz cx="12192000" cy="6858000"/>
   <p:notesSz cx="6858000" cy="9144000"/>
@@ -119,12 +120,13 @@
             <p14:sldId id="299"/>
             <p14:sldId id="309"/>
             <p14:sldId id="308"/>
+            <p14:sldId id="310"/>
           </p14:sldIdLst>
         </p14:section>
       </p14:sectionLst>
     </p:ext>
     <p:ext uri="{EFAFB233-063F-42B5-8137-9DF3F51BA10A}">
-      <p15:sldGuideLst xmlns:p15="http://schemas.microsoft.com/office/powerpoint/2012/main" xmlns="">
+      <p15:sldGuideLst xmlns="" xmlns:p15="http://schemas.microsoft.com/office/powerpoint/2012/main">
         <p15:guide id="1" orient="horz" pos="2160">
           <p15:clr>
             <a:srgbClr val="A4A3A4"/>
@@ -138,7 +140,7 @@
       </p15:sldGuideLst>
     </p:ext>
     <p:ext uri="{2D200454-40CA-4A62-9FC3-DE9A4176ACB9}">
-      <p15:notesGuideLst xmlns:p15="http://schemas.microsoft.com/office/powerpoint/2012/main" xmlns=""/>
+      <p15:notesGuideLst xmlns="" xmlns:p15="http://schemas.microsoft.com/office/powerpoint/2012/main"/>
     </p:ext>
   </p:extLst>
 </p:presentation>
@@ -3532,7 +3534,7 @@
                 <a:gridCol w="8032096">
                   <a:extLst>
                     <a:ext uri="{9D8B030D-6E8A-4147-A177-3AD203B41FA5}">
-                      <a16:colId xmlns="" xmlns:a16="http://schemas.microsoft.com/office/drawing/2014/main" val="20000"/>
+                      <a16:colId xmlns:a16="http://schemas.microsoft.com/office/drawing/2014/main" xmlns="" val="20000"/>
                     </a:ext>
                   </a:extLst>
                 </a:gridCol>
@@ -3597,7 +3599,7 @@
                 </a:tc>
                 <a:extLst>
                   <a:ext uri="{0D108BD9-81ED-4DB2-BD59-A6C34878D82A}">
-                    <a16:rowId xmlns="" xmlns:a16="http://schemas.microsoft.com/office/drawing/2014/main" val="10000"/>
+                    <a16:rowId xmlns:a16="http://schemas.microsoft.com/office/drawing/2014/main" xmlns="" val="10000"/>
                   </a:ext>
                 </a:extLst>
               </a:tr>
@@ -3661,7 +3663,7 @@
                 </a:tc>
                 <a:extLst>
                   <a:ext uri="{0D108BD9-81ED-4DB2-BD59-A6C34878D82A}">
-                    <a16:rowId xmlns="" xmlns:a16="http://schemas.microsoft.com/office/drawing/2014/main" val="10001"/>
+                    <a16:rowId xmlns:a16="http://schemas.microsoft.com/office/drawing/2014/main" xmlns="" val="10001"/>
                   </a:ext>
                 </a:extLst>
               </a:tr>
@@ -4208,14 +4210,14 @@
                 <a:gridCol w="342705">
                   <a:extLst>
                     <a:ext uri="{9D8B030D-6E8A-4147-A177-3AD203B41FA5}">
-                      <a16:colId xmlns="" xmlns:a16="http://schemas.microsoft.com/office/drawing/2014/main" val="20000"/>
+                      <a16:colId xmlns:a16="http://schemas.microsoft.com/office/drawing/2014/main" xmlns="" val="20000"/>
                     </a:ext>
                   </a:extLst>
                 </a:gridCol>
                 <a:gridCol w="3149108">
                   <a:extLst>
                     <a:ext uri="{9D8B030D-6E8A-4147-A177-3AD203B41FA5}">
-                      <a16:colId xmlns="" xmlns:a16="http://schemas.microsoft.com/office/drawing/2014/main" val="20001"/>
+                      <a16:colId xmlns:a16="http://schemas.microsoft.com/office/drawing/2014/main" xmlns="" val="20001"/>
                     </a:ext>
                   </a:extLst>
                 </a:gridCol>
@@ -4312,7 +4314,7 @@
                 </a:tc>
                 <a:extLst>
                   <a:ext uri="{0D108BD9-81ED-4DB2-BD59-A6C34878D82A}">
-                    <a16:rowId xmlns="" xmlns:a16="http://schemas.microsoft.com/office/drawing/2014/main" val="10000"/>
+                    <a16:rowId xmlns:a16="http://schemas.microsoft.com/office/drawing/2014/main" xmlns="" val="10000"/>
                   </a:ext>
                 </a:extLst>
               </a:tr>
@@ -4442,7 +4444,7 @@
                 </a:tc>
                 <a:extLst>
                   <a:ext uri="{0D108BD9-81ED-4DB2-BD59-A6C34878D82A}">
-                    <a16:rowId xmlns="" xmlns:a16="http://schemas.microsoft.com/office/drawing/2014/main" val="10001"/>
+                    <a16:rowId xmlns:a16="http://schemas.microsoft.com/office/drawing/2014/main" xmlns="" val="10001"/>
                   </a:ext>
                 </a:extLst>
               </a:tr>
@@ -4560,7 +4562,7 @@
                 <a:gridCol w="8032096">
                   <a:extLst>
                     <a:ext uri="{9D8B030D-6E8A-4147-A177-3AD203B41FA5}">
-                      <a16:colId xmlns="" xmlns:a16="http://schemas.microsoft.com/office/drawing/2014/main" val="20000"/>
+                      <a16:colId xmlns:a16="http://schemas.microsoft.com/office/drawing/2014/main" xmlns="" val="20000"/>
                     </a:ext>
                   </a:extLst>
                 </a:gridCol>
@@ -4629,7 +4631,7 @@
                 </a:tc>
                 <a:extLst>
                   <a:ext uri="{0D108BD9-81ED-4DB2-BD59-A6C34878D82A}">
-                    <a16:rowId xmlns="" xmlns:a16="http://schemas.microsoft.com/office/drawing/2014/main" val="10000"/>
+                    <a16:rowId xmlns:a16="http://schemas.microsoft.com/office/drawing/2014/main" xmlns="" val="10000"/>
                   </a:ext>
                 </a:extLst>
               </a:tr>
@@ -5779,6 +5781,373 @@
       </p:par>
     </p:tnLst>
   </p:timing>
+</p:sld>
+</file>
+
+<file path=ppt/slides/slide5.xml><?xml version="1.0" encoding="utf-8"?>
+<p:sld xmlns:a="http://schemas.openxmlformats.org/drawingml/2006/main" xmlns:r="http://schemas.openxmlformats.org/officeDocument/2006/relationships" xmlns:p="http://schemas.openxmlformats.org/presentationml/2006/main">
+  <p:cSld>
+    <p:spTree>
+      <p:nvGrpSpPr>
+        <p:cNvPr id="1" name=""/>
+        <p:cNvGrpSpPr/>
+        <p:nvPr/>
+      </p:nvGrpSpPr>
+      <p:grpSpPr>
+        <a:xfrm>
+          <a:off x="0" y="0"/>
+          <a:ext cx="0" cy="0"/>
+          <a:chOff x="0" y="0"/>
+          <a:chExt cx="0" cy="0"/>
+        </a:xfrm>
+      </p:grpSpPr>
+      <p:pic>
+        <p:nvPicPr>
+          <p:cNvPr id="1026" name="Picture 2"/>
+          <p:cNvPicPr>
+            <a:picLocks noChangeAspect="1" noChangeArrowheads="1"/>
+          </p:cNvPicPr>
+          <p:nvPr/>
+        </p:nvPicPr>
+        <p:blipFill>
+          <a:blip r:embed="rId2">
+            <a:extLst>
+              <a:ext uri="{28A0092B-C50C-407E-A947-70E740481C1C}">
+                <a14:useLocalDpi xmlns:a14="http://schemas.microsoft.com/office/drawing/2010/main" val="0"/>
+              </a:ext>
+            </a:extLst>
+          </a:blip>
+          <a:srcRect/>
+          <a:stretch>
+            <a:fillRect/>
+          </a:stretch>
+        </p:blipFill>
+        <p:spPr bwMode="auto">
+          <a:xfrm>
+            <a:off x="1367661" y="1342767"/>
+            <a:ext cx="2827200" cy="5292811"/>
+          </a:xfrm>
+          <a:prstGeom prst="rect">
+            <a:avLst/>
+          </a:prstGeom>
+          <a:noFill/>
+          <a:ln>
+            <a:noFill/>
+          </a:ln>
+          <a:effectLst/>
+          <a:extLst>
+            <a:ext uri="{909E8E84-426E-40DD-AFC4-6F175D3DCCD1}">
+              <a14:hiddenFill xmlns:a14="http://schemas.microsoft.com/office/drawing/2010/main">
+                <a:solidFill>
+                  <a:schemeClr val="accent1"/>
+                </a:solidFill>
+              </a14:hiddenFill>
+            </a:ext>
+            <a:ext uri="{91240B29-F687-4F45-9708-019B960494DF}">
+              <a14:hiddenLine xmlns:a14="http://schemas.microsoft.com/office/drawing/2010/main" w="9525">
+                <a:solidFill>
+                  <a:schemeClr val="tx1"/>
+                </a:solidFill>
+                <a:miter lim="800000"/>
+                <a:headEnd/>
+                <a:tailEnd/>
+              </a14:hiddenLine>
+            </a:ext>
+            <a:ext uri="{AF507438-7753-43E0-B8FC-AC1667EBCBE1}">
+              <a14:hiddenEffects xmlns:a14="http://schemas.microsoft.com/office/drawing/2010/main">
+                <a:effectLst>
+                  <a:outerShdw dist="35921" dir="2700000" algn="ctr" rotWithShape="0">
+                    <a:schemeClr val="bg2"/>
+                  </a:outerShdw>
+                </a:effectLst>
+              </a14:hiddenEffects>
+            </a:ext>
+          </a:extLst>
+        </p:spPr>
+      </p:pic>
+      <p:sp>
+        <p:nvSpPr>
+          <p:cNvPr id="5" name="직사각형 4"/>
+          <p:cNvSpPr/>
+          <p:nvPr/>
+        </p:nvSpPr>
+        <p:spPr>
+          <a:xfrm>
+            <a:off x="229905" y="222351"/>
+            <a:ext cx="9421169" cy="477054"/>
+          </a:xfrm>
+          <a:prstGeom prst="rect">
+            <a:avLst/>
+          </a:prstGeom>
+        </p:spPr>
+        <p:txBody>
+          <a:bodyPr wrap="none">
+            <a:spAutoFit/>
+          </a:bodyPr>
+          <a:lstStyle/>
+          <a:p>
+            <a:pPr lvl="0" algn="ctr">
+              <a:buClr>
+                <a:srgbClr val="000000"/>
+              </a:buClr>
+              <a:buSzPts val="1500"/>
+              <a:defRPr/>
+            </a:pPr>
+            <a:r>
+              <a:rPr lang="en-US" altLang="ko-KR" sz="2500" dirty="0" smtClean="0">
+                <a:solidFill>
+                  <a:schemeClr val="bg1"/>
+                </a:solidFill>
+                <a:latin typeface="+mj-lt"/>
+              </a:rPr>
+              <a:t>[</a:t>
+            </a:r>
+            <a:r>
+              <a:rPr lang="ko-KR" altLang="en-US" sz="2500" dirty="0" smtClean="0">
+                <a:solidFill>
+                  <a:schemeClr val="bg1"/>
+                </a:solidFill>
+                <a:latin typeface="+mj-lt"/>
+              </a:rPr>
+              <a:t>화면 구현</a:t>
+            </a:r>
+            <a:r>
+              <a:rPr lang="en-US" altLang="ko-KR" sz="2500" dirty="0" smtClean="0">
+                <a:solidFill>
+                  <a:schemeClr val="bg1"/>
+                </a:solidFill>
+                <a:latin typeface="+mj-lt"/>
+              </a:rPr>
+              <a:t>]</a:t>
+            </a:r>
+            <a:r>
+              <a:rPr lang="ko-KR" altLang="en-US" sz="2500" dirty="0" smtClean="0">
+                <a:solidFill>
+                  <a:schemeClr val="bg1"/>
+                </a:solidFill>
+                <a:latin typeface="+mj-lt"/>
+              </a:rPr>
+              <a:t>사용자</a:t>
+            </a:r>
+            <a:r>
+              <a:rPr lang="en-US" altLang="ko-KR" sz="2500" dirty="0">
+                <a:solidFill>
+                  <a:schemeClr val="bg1"/>
+                </a:solidFill>
+              </a:rPr>
+              <a:t> - </a:t>
+            </a:r>
+            <a:r>
+              <a:rPr lang="ko-KR" altLang="en-US" sz="2500" dirty="0">
+                <a:solidFill>
+                  <a:schemeClr val="bg1"/>
+                </a:solidFill>
+              </a:rPr>
+              <a:t>웹</a:t>
+            </a:r>
+            <a:r>
+              <a:rPr lang="ko-KR" altLang="en-US" sz="2500" dirty="0" smtClean="0">
+                <a:solidFill>
+                  <a:schemeClr val="bg1"/>
+                </a:solidFill>
+                <a:latin typeface="+mj-lt"/>
+              </a:rPr>
+              <a:t> </a:t>
+            </a:r>
+            <a:r>
+              <a:rPr lang="en-US" altLang="ko-KR" sz="2500" dirty="0" smtClean="0">
+                <a:solidFill>
+                  <a:schemeClr val="bg1"/>
+                </a:solidFill>
+                <a:latin typeface="+mj-lt"/>
+              </a:rPr>
+              <a:t>– </a:t>
+            </a:r>
+            <a:r>
+              <a:rPr lang="ko-KR" altLang="en-US" sz="2500" dirty="0" smtClean="0">
+                <a:solidFill>
+                  <a:schemeClr val="bg1"/>
+                </a:solidFill>
+                <a:latin typeface="+mj-lt"/>
+              </a:rPr>
+              <a:t>세미나 상세페이지 </a:t>
+            </a:r>
+            <a:r>
+              <a:rPr lang="en-US" altLang="ko-KR" sz="2500" dirty="0" smtClean="0">
+                <a:solidFill>
+                  <a:schemeClr val="bg1"/>
+                </a:solidFill>
+                <a:latin typeface="+mj-lt"/>
+              </a:rPr>
+              <a:t>– </a:t>
+            </a:r>
+            <a:r>
+              <a:rPr lang="ko-KR" altLang="en-US" sz="2500" dirty="0" smtClean="0">
+                <a:solidFill>
+                  <a:schemeClr val="bg1"/>
+                </a:solidFill>
+                <a:latin typeface="+mj-lt"/>
+              </a:rPr>
+              <a:t>세미나 문의</a:t>
+            </a:r>
+            <a:r>
+              <a:rPr lang="en-US" altLang="ko-KR" sz="2500" dirty="0" smtClean="0">
+                <a:solidFill>
+                  <a:schemeClr val="bg1"/>
+                </a:solidFill>
+                <a:latin typeface="+mj-lt"/>
+              </a:rPr>
+              <a:t>(</a:t>
+            </a:r>
+            <a:r>
+              <a:rPr lang="ko-KR" altLang="en-US" sz="2500" dirty="0" err="1" smtClean="0">
+                <a:solidFill>
+                  <a:schemeClr val="bg1"/>
+                </a:solidFill>
+                <a:latin typeface="+mj-lt"/>
+              </a:rPr>
+              <a:t>모달</a:t>
+            </a:r>
+            <a:r>
+              <a:rPr lang="en-US" altLang="ko-KR" sz="2500" dirty="0" smtClean="0">
+                <a:solidFill>
+                  <a:schemeClr val="bg1"/>
+                </a:solidFill>
+                <a:latin typeface="+mj-lt"/>
+              </a:rPr>
+              <a:t>)</a:t>
+            </a:r>
+            <a:endParaRPr lang="ko-KR" altLang="en-US" sz="2500" dirty="0">
+              <a:solidFill>
+                <a:schemeClr val="bg1"/>
+              </a:solidFill>
+              <a:latin typeface="+mj-lt"/>
+            </a:endParaRPr>
+          </a:p>
+        </p:txBody>
+      </p:sp>
+      <p:sp>
+        <p:nvSpPr>
+          <p:cNvPr id="4" name="직사각형 3"/>
+          <p:cNvSpPr/>
+          <p:nvPr/>
+        </p:nvSpPr>
+        <p:spPr>
+          <a:xfrm>
+            <a:off x="1070919" y="4110681"/>
+            <a:ext cx="3311611" cy="576649"/>
+          </a:xfrm>
+          <a:prstGeom prst="rect">
+            <a:avLst/>
+          </a:prstGeom>
+          <a:noFill/>
+          <a:ln>
+            <a:solidFill>
+              <a:srgbClr val="FF0000"/>
+            </a:solidFill>
+          </a:ln>
+        </p:spPr>
+        <p:style>
+          <a:lnRef idx="2">
+            <a:schemeClr val="accent1">
+              <a:shade val="50000"/>
+            </a:schemeClr>
+          </a:lnRef>
+          <a:fillRef idx="1">
+            <a:schemeClr val="accent1"/>
+          </a:fillRef>
+          <a:effectRef idx="0">
+            <a:schemeClr val="accent1"/>
+          </a:effectRef>
+          <a:fontRef idx="minor">
+            <a:schemeClr val="lt1"/>
+          </a:fontRef>
+        </p:style>
+        <p:txBody>
+          <a:bodyPr rtlCol="0" anchor="ctr"/>
+          <a:lstStyle/>
+          <a:p>
+            <a:pPr algn="ctr"/>
+            <a:endParaRPr lang="ko-KR" altLang="en-US">
+              <a:ln>
+                <a:solidFill>
+                  <a:srgbClr val="FF0000"/>
+                </a:solidFill>
+              </a:ln>
+              <a:noFill/>
+            </a:endParaRPr>
+          </a:p>
+        </p:txBody>
+      </p:sp>
+      <p:pic>
+        <p:nvPicPr>
+          <p:cNvPr id="1027" name="Picture 3"/>
+          <p:cNvPicPr>
+            <a:picLocks noChangeAspect="1" noChangeArrowheads="1"/>
+          </p:cNvPicPr>
+          <p:nvPr/>
+        </p:nvPicPr>
+        <p:blipFill>
+          <a:blip r:embed="rId3">
+            <a:extLst>
+              <a:ext uri="{28A0092B-C50C-407E-A947-70E740481C1C}">
+                <a14:useLocalDpi xmlns:a14="http://schemas.microsoft.com/office/drawing/2010/main" val="0"/>
+              </a:ext>
+            </a:extLst>
+          </a:blip>
+          <a:srcRect/>
+          <a:stretch>
+            <a:fillRect/>
+          </a:stretch>
+        </p:blipFill>
+        <p:spPr bwMode="auto">
+          <a:xfrm>
+            <a:off x="4693354" y="3142134"/>
+            <a:ext cx="7237455" cy="921866"/>
+          </a:xfrm>
+          <a:prstGeom prst="rect">
+            <a:avLst/>
+          </a:prstGeom>
+          <a:noFill/>
+          <a:ln w="9525">
+            <a:solidFill>
+              <a:schemeClr val="tx1"/>
+            </a:solidFill>
+            <a:miter lim="800000"/>
+            <a:headEnd/>
+            <a:tailEnd/>
+          </a:ln>
+          <a:effectLst/>
+          <a:extLst>
+            <a:ext uri="{909E8E84-426E-40DD-AFC4-6F175D3DCCD1}">
+              <a14:hiddenFill xmlns:a14="http://schemas.microsoft.com/office/drawing/2010/main">
+                <a:solidFill>
+                  <a:schemeClr val="accent1"/>
+                </a:solidFill>
+              </a14:hiddenFill>
+            </a:ext>
+            <a:ext uri="{AF507438-7753-43E0-B8FC-AC1667EBCBE1}">
+              <a14:hiddenEffects xmlns:a14="http://schemas.microsoft.com/office/drawing/2010/main">
+                <a:effectLst>
+                  <a:outerShdw dist="35921" dir="2700000" algn="ctr" rotWithShape="0">
+                    <a:schemeClr val="bg2"/>
+                  </a:outerShdw>
+                </a:effectLst>
+              </a14:hiddenEffects>
+            </a:ext>
+          </a:extLst>
+        </p:spPr>
+      </p:pic>
+    </p:spTree>
+    <p:extLst>
+      <p:ext uri="{BB962C8B-B14F-4D97-AF65-F5344CB8AC3E}">
+        <p14:creationId xmlns:p14="http://schemas.microsoft.com/office/powerpoint/2010/main" val="62175597"/>
+      </p:ext>
+    </p:extLst>
+  </p:cSld>
+  <p:clrMapOvr>
+    <a:masterClrMapping/>
+  </p:clrMapOvr>
 </p:sld>
 </file>
 
@@ -6037,7 +6406,7 @@
   <a:extraClrSchemeLst/>
   <a:extLst>
     <a:ext uri="{05A4C25C-085E-4340-85A3-A5531E510DB2}">
-      <thm15:themeFamily xmlns:thm15="http://schemas.microsoft.com/office/thememl/2012/main" xmlns="" name="Office Theme" id="{62F939B6-93AF-4DB8-9C6B-D6C7DFDC589F}" vid="{4A3C46E8-61CC-4603-A589-7422A47A8E4A}"/>
+      <thm15:themeFamily xmlns="" xmlns:thm15="http://schemas.microsoft.com/office/thememl/2012/main" name="Office Theme" id="{62F939B6-93AF-4DB8-9C6B-D6C7DFDC589F}" vid="{4A3C46E8-61CC-4603-A589-7422A47A8E4A}"/>
     </a:ext>
   </a:extLst>
 </a:theme>
@@ -6298,7 +6667,7 @@
   <a:extraClrSchemeLst/>
   <a:extLst>
     <a:ext uri="{05A4C25C-085E-4340-85A3-A5531E510DB2}">
-      <thm15:themeFamily xmlns:thm15="http://schemas.microsoft.com/office/thememl/2012/main" xmlns="" name="Office Theme" id="{62F939B6-93AF-4DB8-9C6B-D6C7DFDC589F}" vid="{4A3C46E8-61CC-4603-A589-7422A47A8E4A}"/>
+      <thm15:themeFamily xmlns="" xmlns:thm15="http://schemas.microsoft.com/office/thememl/2012/main" name="Office Theme" id="{62F939B6-93AF-4DB8-9C6B-D6C7DFDC589F}" vid="{4A3C46E8-61CC-4603-A589-7422A47A8E4A}"/>
     </a:ext>
   </a:extLst>
 </a:theme>

--- a/0 발표용 파워포인트/0501 5차발표/0501 project05 - 파워포인트 - 서희.pptx
+++ b/0 발표용 파워포인트/0501 5차발표/0501 project05 - 파워포인트 - 서희.pptx
@@ -5,7 +5,7 @@
     <p:sldMasterId id="2147483648" r:id="rId1"/>
   </p:sldMasterIdLst>
   <p:notesMasterIdLst>
-    <p:notesMasterId r:id="rId16"/>
+    <p:notesMasterId r:id="rId19"/>
   </p:notesMasterIdLst>
   <p:sldIdLst>
     <p:sldId id="256" r:id="rId2"/>
@@ -22,6 +22,9 @@
     <p:sldId id="266" r:id="rId13"/>
     <p:sldId id="268" r:id="rId14"/>
     <p:sldId id="269" r:id="rId15"/>
+    <p:sldId id="270" r:id="rId16"/>
+    <p:sldId id="308" r:id="rId17"/>
+    <p:sldId id="318" r:id="rId18"/>
   </p:sldIdLst>
   <p:sldSz cx="12192000" cy="6858000"/>
   <p:notesSz cx="6858000" cy="9144000"/>
@@ -139,12 +142,15 @@
             <p14:sldId id="266"/>
             <p14:sldId id="268"/>
             <p14:sldId id="269"/>
+            <p14:sldId id="270"/>
+            <p14:sldId id="308"/>
+            <p14:sldId id="318"/>
           </p14:sldIdLst>
         </p14:section>
       </p14:sectionLst>
     </p:ext>
     <p:ext uri="{EFAFB233-063F-42B5-8137-9DF3F51BA10A}">
-      <p15:sldGuideLst xmlns:p15="http://schemas.microsoft.com/office/powerpoint/2012/main" xmlns="">
+      <p15:sldGuideLst xmlns:p15="http://schemas.microsoft.com/office/powerpoint/2012/main">
         <p15:guide id="1" orient="horz" pos="2160">
           <p15:clr>
             <a:srgbClr val="A4A3A4"/>
@@ -158,7 +164,7 @@
       </p15:sldGuideLst>
     </p:ext>
     <p:ext uri="{2D200454-40CA-4A62-9FC3-DE9A4176ACB9}">
-      <p15:notesGuideLst xmlns:p15="http://schemas.microsoft.com/office/powerpoint/2012/main" xmlns=""/>
+      <p15:notesGuideLst xmlns:p15="http://schemas.microsoft.com/office/powerpoint/2012/main"/>
     </p:ext>
   </p:extLst>
 </p:presentation>
@@ -247,7 +253,7 @@
             <a:fld id="{EFE7F2A0-C7D9-4DBD-AE3B-C1A712DCE501}" type="datetimeFigureOut">
               <a:rPr lang="ko-KR" altLang="en-US" smtClean="0"/>
               <a:pPr/>
-              <a:t>2020-04-29</a:t>
+              <a:t>2020-05-01</a:t>
             </a:fld>
             <a:endParaRPr lang="ko-KR" altLang="en-US"/>
           </a:p>
@@ -311,38 +317,37 @@
           <a:p>
             <a:pPr lvl="0"/>
             <a:r>
-              <a:rPr lang="ko-KR" altLang="en-US" smtClean="0"/>
+              <a:rPr lang="ko-KR" altLang="en-US"/>
               <a:t>마스터 텍스트 스타일을 편집합니다</a:t>
             </a:r>
           </a:p>
           <a:p>
             <a:pPr lvl="1"/>
             <a:r>
-              <a:rPr lang="ko-KR" altLang="en-US" smtClean="0"/>
+              <a:rPr lang="ko-KR" altLang="en-US"/>
               <a:t>둘째 수준</a:t>
             </a:r>
           </a:p>
           <a:p>
             <a:pPr lvl="2"/>
             <a:r>
-              <a:rPr lang="ko-KR" altLang="en-US" smtClean="0"/>
+              <a:rPr lang="ko-KR" altLang="en-US"/>
               <a:t>셋째 수준</a:t>
             </a:r>
           </a:p>
           <a:p>
             <a:pPr lvl="3"/>
             <a:r>
-              <a:rPr lang="ko-KR" altLang="en-US" smtClean="0"/>
+              <a:rPr lang="ko-KR" altLang="en-US"/>
               <a:t>넷째 수준</a:t>
             </a:r>
           </a:p>
           <a:p>
             <a:pPr lvl="4"/>
             <a:r>
-              <a:rPr lang="ko-KR" altLang="en-US" smtClean="0"/>
+              <a:rPr lang="ko-KR" altLang="en-US"/>
               <a:t>다섯째 수준</a:t>
             </a:r>
-            <a:endParaRPr lang="ko-KR" altLang="en-US"/>
           </a:p>
         </p:txBody>
       </p:sp>
@@ -558,10 +563,9 @@
           </a:lstStyle>
           <a:p>
             <a:r>
-              <a:rPr lang="ko-KR" altLang="en-US" smtClean="0"/>
+              <a:rPr lang="ko-KR" altLang="en-US"/>
               <a:t>마스터 제목 스타일 편집</a:t>
             </a:r>
-            <a:endParaRPr lang="ko-KR" altLang="en-US"/>
           </a:p>
         </p:txBody>
       </p:sp>
@@ -623,10 +627,9 @@
           </a:lstStyle>
           <a:p>
             <a:r>
-              <a:rPr lang="ko-KR" altLang="en-US" smtClean="0"/>
+              <a:rPr lang="ko-KR" altLang="en-US"/>
               <a:t>마스터 부제목 스타일 편집</a:t>
             </a:r>
-            <a:endParaRPr lang="ko-KR" altLang="en-US"/>
           </a:p>
         </p:txBody>
       </p:sp>
@@ -648,7 +651,7 @@
             <a:fld id="{272C3D53-FEDF-49EC-8F65-FFFC138B637E}" type="datetimeFigureOut">
               <a:rPr lang="ko-KR" altLang="en-US" smtClean="0"/>
               <a:pPr/>
-              <a:t>2020-04-29</a:t>
+              <a:t>2020-05-01</a:t>
             </a:fld>
             <a:endParaRPr lang="ko-KR" altLang="en-US"/>
           </a:p>
@@ -767,10 +770,9 @@
           <a:lstStyle/>
           <a:p>
             <a:r>
-              <a:rPr lang="ko-KR" altLang="en-US" smtClean="0"/>
+              <a:rPr lang="ko-KR" altLang="en-US"/>
               <a:t>마스터 제목 스타일 편집</a:t>
             </a:r>
-            <a:endParaRPr lang="ko-KR" altLang="en-US"/>
           </a:p>
         </p:txBody>
       </p:sp>
@@ -791,38 +793,37 @@
           <a:p>
             <a:pPr lvl="0"/>
             <a:r>
-              <a:rPr lang="ko-KR" altLang="en-US" smtClean="0"/>
+              <a:rPr lang="ko-KR" altLang="en-US"/>
               <a:t>마스터 텍스트 스타일을 편집합니다</a:t>
             </a:r>
           </a:p>
           <a:p>
             <a:pPr lvl="1"/>
             <a:r>
-              <a:rPr lang="ko-KR" altLang="en-US" smtClean="0"/>
+              <a:rPr lang="ko-KR" altLang="en-US"/>
               <a:t>둘째 수준</a:t>
             </a:r>
           </a:p>
           <a:p>
             <a:pPr lvl="2"/>
             <a:r>
-              <a:rPr lang="ko-KR" altLang="en-US" smtClean="0"/>
+              <a:rPr lang="ko-KR" altLang="en-US"/>
               <a:t>셋째 수준</a:t>
             </a:r>
           </a:p>
           <a:p>
             <a:pPr lvl="3"/>
             <a:r>
-              <a:rPr lang="ko-KR" altLang="en-US" smtClean="0"/>
+              <a:rPr lang="ko-KR" altLang="en-US"/>
               <a:t>넷째 수준</a:t>
             </a:r>
           </a:p>
           <a:p>
             <a:pPr lvl="4"/>
             <a:r>
-              <a:rPr lang="ko-KR" altLang="en-US" smtClean="0"/>
+              <a:rPr lang="ko-KR" altLang="en-US"/>
               <a:t>다섯째 수준</a:t>
             </a:r>
-            <a:endParaRPr lang="ko-KR" altLang="en-US"/>
           </a:p>
         </p:txBody>
       </p:sp>
@@ -844,7 +845,7 @@
             <a:fld id="{272C3D53-FEDF-49EC-8F65-FFFC138B637E}" type="datetimeFigureOut">
               <a:rPr lang="ko-KR" altLang="en-US" smtClean="0"/>
               <a:pPr/>
-              <a:t>2020-04-29</a:t>
+              <a:t>2020-05-01</a:t>
             </a:fld>
             <a:endParaRPr lang="ko-KR" altLang="en-US"/>
           </a:p>
@@ -944,10 +945,9 @@
           <a:lstStyle/>
           <a:p>
             <a:r>
-              <a:rPr lang="ko-KR" altLang="en-US" smtClean="0"/>
+              <a:rPr lang="ko-KR" altLang="en-US"/>
               <a:t>마스터 제목 스타일 편집</a:t>
             </a:r>
-            <a:endParaRPr lang="ko-KR" altLang="en-US"/>
           </a:p>
         </p:txBody>
       </p:sp>
@@ -973,38 +973,37 @@
           <a:p>
             <a:pPr lvl="0"/>
             <a:r>
-              <a:rPr lang="ko-KR" altLang="en-US" smtClean="0"/>
+              <a:rPr lang="ko-KR" altLang="en-US"/>
               <a:t>마스터 텍스트 스타일을 편집합니다</a:t>
             </a:r>
           </a:p>
           <a:p>
             <a:pPr lvl="1"/>
             <a:r>
-              <a:rPr lang="ko-KR" altLang="en-US" smtClean="0"/>
+              <a:rPr lang="ko-KR" altLang="en-US"/>
               <a:t>둘째 수준</a:t>
             </a:r>
           </a:p>
           <a:p>
             <a:pPr lvl="2"/>
             <a:r>
-              <a:rPr lang="ko-KR" altLang="en-US" smtClean="0"/>
+              <a:rPr lang="ko-KR" altLang="en-US"/>
               <a:t>셋째 수준</a:t>
             </a:r>
           </a:p>
           <a:p>
             <a:pPr lvl="3"/>
             <a:r>
-              <a:rPr lang="ko-KR" altLang="en-US" smtClean="0"/>
+              <a:rPr lang="ko-KR" altLang="en-US"/>
               <a:t>넷째 수준</a:t>
             </a:r>
           </a:p>
           <a:p>
             <a:pPr lvl="4"/>
             <a:r>
-              <a:rPr lang="ko-KR" altLang="en-US" smtClean="0"/>
+              <a:rPr lang="ko-KR" altLang="en-US"/>
               <a:t>다섯째 수준</a:t>
             </a:r>
-            <a:endParaRPr lang="ko-KR" altLang="en-US"/>
           </a:p>
         </p:txBody>
       </p:sp>
@@ -1026,7 +1025,7 @@
             <a:fld id="{272C3D53-FEDF-49EC-8F65-FFFC138B637E}" type="datetimeFigureOut">
               <a:rPr lang="ko-KR" altLang="en-US" smtClean="0"/>
               <a:pPr/>
-              <a:t>2020-04-29</a:t>
+              <a:t>2020-05-01</a:t>
             </a:fld>
             <a:endParaRPr lang="ko-KR" altLang="en-US"/>
           </a:p>
@@ -1121,10 +1120,9 @@
           <a:lstStyle/>
           <a:p>
             <a:r>
-              <a:rPr lang="ko-KR" altLang="en-US" smtClean="0"/>
+              <a:rPr lang="ko-KR" altLang="en-US"/>
               <a:t>마스터 제목 스타일 편집</a:t>
             </a:r>
-            <a:endParaRPr lang="ko-KR" altLang="en-US"/>
           </a:p>
         </p:txBody>
       </p:sp>
@@ -1145,38 +1143,37 @@
           <a:p>
             <a:pPr lvl="0"/>
             <a:r>
-              <a:rPr lang="ko-KR" altLang="en-US" smtClean="0"/>
+              <a:rPr lang="ko-KR" altLang="en-US"/>
               <a:t>마스터 텍스트 스타일을 편집합니다</a:t>
             </a:r>
           </a:p>
           <a:p>
             <a:pPr lvl="1"/>
             <a:r>
-              <a:rPr lang="ko-KR" altLang="en-US" smtClean="0"/>
+              <a:rPr lang="ko-KR" altLang="en-US"/>
               <a:t>둘째 수준</a:t>
             </a:r>
           </a:p>
           <a:p>
             <a:pPr lvl="2"/>
             <a:r>
-              <a:rPr lang="ko-KR" altLang="en-US" smtClean="0"/>
+              <a:rPr lang="ko-KR" altLang="en-US"/>
               <a:t>셋째 수준</a:t>
             </a:r>
           </a:p>
           <a:p>
             <a:pPr lvl="3"/>
             <a:r>
-              <a:rPr lang="ko-KR" altLang="en-US" smtClean="0"/>
+              <a:rPr lang="ko-KR" altLang="en-US"/>
               <a:t>넷째 수준</a:t>
             </a:r>
           </a:p>
           <a:p>
             <a:pPr lvl="4"/>
             <a:r>
-              <a:rPr lang="ko-KR" altLang="en-US" smtClean="0"/>
+              <a:rPr lang="ko-KR" altLang="en-US"/>
               <a:t>다섯째 수준</a:t>
             </a:r>
-            <a:endParaRPr lang="ko-KR" altLang="en-US"/>
           </a:p>
         </p:txBody>
       </p:sp>
@@ -1198,7 +1195,7 @@
             <a:fld id="{272C3D53-FEDF-49EC-8F65-FFFC138B637E}" type="datetimeFigureOut">
               <a:rPr lang="ko-KR" altLang="en-US" smtClean="0"/>
               <a:pPr/>
-              <a:t>2020-04-29</a:t>
+              <a:t>2020-05-01</a:t>
             </a:fld>
             <a:endParaRPr lang="ko-KR" altLang="en-US"/>
           </a:p>
@@ -1302,10 +1299,9 @@
           </a:lstStyle>
           <a:p>
             <a:r>
-              <a:rPr lang="ko-KR" altLang="en-US" smtClean="0"/>
+              <a:rPr lang="ko-KR" altLang="en-US"/>
               <a:t>마스터 제목 스타일 편집</a:t>
             </a:r>
-            <a:endParaRPr lang="ko-KR" altLang="en-US"/>
           </a:p>
         </p:txBody>
       </p:sp>
@@ -1422,7 +1418,7 @@
           <a:p>
             <a:pPr lvl="0"/>
             <a:r>
-              <a:rPr lang="ko-KR" altLang="en-US" smtClean="0"/>
+              <a:rPr lang="ko-KR" altLang="en-US"/>
               <a:t>마스터 텍스트 스타일을 편집합니다</a:t>
             </a:r>
           </a:p>
@@ -1446,7 +1442,7 @@
             <a:fld id="{272C3D53-FEDF-49EC-8F65-FFFC138B637E}" type="datetimeFigureOut">
               <a:rPr lang="ko-KR" altLang="en-US" smtClean="0"/>
               <a:pPr/>
-              <a:t>2020-04-29</a:t>
+              <a:t>2020-05-01</a:t>
             </a:fld>
             <a:endParaRPr lang="ko-KR" altLang="en-US"/>
           </a:p>
@@ -1541,10 +1537,9 @@
           <a:lstStyle/>
           <a:p>
             <a:r>
-              <a:rPr lang="ko-KR" altLang="en-US" smtClean="0"/>
+              <a:rPr lang="ko-KR" altLang="en-US"/>
               <a:t>마스터 제목 스타일 편집</a:t>
             </a:r>
-            <a:endParaRPr lang="ko-KR" altLang="en-US"/>
           </a:p>
         </p:txBody>
       </p:sp>
@@ -1570,38 +1565,37 @@
           <a:p>
             <a:pPr lvl="0"/>
             <a:r>
-              <a:rPr lang="ko-KR" altLang="en-US" smtClean="0"/>
+              <a:rPr lang="ko-KR" altLang="en-US"/>
               <a:t>마스터 텍스트 스타일을 편집합니다</a:t>
             </a:r>
           </a:p>
           <a:p>
             <a:pPr lvl="1"/>
             <a:r>
-              <a:rPr lang="ko-KR" altLang="en-US" smtClean="0"/>
+              <a:rPr lang="ko-KR" altLang="en-US"/>
               <a:t>둘째 수준</a:t>
             </a:r>
           </a:p>
           <a:p>
             <a:pPr lvl="2"/>
             <a:r>
-              <a:rPr lang="ko-KR" altLang="en-US" smtClean="0"/>
+              <a:rPr lang="ko-KR" altLang="en-US"/>
               <a:t>셋째 수준</a:t>
             </a:r>
           </a:p>
           <a:p>
             <a:pPr lvl="3"/>
             <a:r>
-              <a:rPr lang="ko-KR" altLang="en-US" smtClean="0"/>
+              <a:rPr lang="ko-KR" altLang="en-US"/>
               <a:t>넷째 수준</a:t>
             </a:r>
           </a:p>
           <a:p>
             <a:pPr lvl="4"/>
             <a:r>
-              <a:rPr lang="ko-KR" altLang="en-US" smtClean="0"/>
+              <a:rPr lang="ko-KR" altLang="en-US"/>
               <a:t>다섯째 수준</a:t>
             </a:r>
-            <a:endParaRPr lang="ko-KR" altLang="en-US"/>
           </a:p>
         </p:txBody>
       </p:sp>
@@ -1627,38 +1621,37 @@
           <a:p>
             <a:pPr lvl="0"/>
             <a:r>
-              <a:rPr lang="ko-KR" altLang="en-US" smtClean="0"/>
+              <a:rPr lang="ko-KR" altLang="en-US"/>
               <a:t>마스터 텍스트 스타일을 편집합니다</a:t>
             </a:r>
           </a:p>
           <a:p>
             <a:pPr lvl="1"/>
             <a:r>
-              <a:rPr lang="ko-KR" altLang="en-US" smtClean="0"/>
+              <a:rPr lang="ko-KR" altLang="en-US"/>
               <a:t>둘째 수준</a:t>
             </a:r>
           </a:p>
           <a:p>
             <a:pPr lvl="2"/>
             <a:r>
-              <a:rPr lang="ko-KR" altLang="en-US" smtClean="0"/>
+              <a:rPr lang="ko-KR" altLang="en-US"/>
               <a:t>셋째 수준</a:t>
             </a:r>
           </a:p>
           <a:p>
             <a:pPr lvl="3"/>
             <a:r>
-              <a:rPr lang="ko-KR" altLang="en-US" smtClean="0"/>
+              <a:rPr lang="ko-KR" altLang="en-US"/>
               <a:t>넷째 수준</a:t>
             </a:r>
           </a:p>
           <a:p>
             <a:pPr lvl="4"/>
             <a:r>
-              <a:rPr lang="ko-KR" altLang="en-US" smtClean="0"/>
+              <a:rPr lang="ko-KR" altLang="en-US"/>
               <a:t>다섯째 수준</a:t>
             </a:r>
-            <a:endParaRPr lang="ko-KR" altLang="en-US"/>
           </a:p>
         </p:txBody>
       </p:sp>
@@ -1680,7 +1673,7 @@
             <a:fld id="{272C3D53-FEDF-49EC-8F65-FFFC138B637E}" type="datetimeFigureOut">
               <a:rPr lang="ko-KR" altLang="en-US" smtClean="0"/>
               <a:pPr/>
-              <a:t>2020-04-29</a:t>
+              <a:t>2020-05-01</a:t>
             </a:fld>
             <a:endParaRPr lang="ko-KR" altLang="en-US"/>
           </a:p>
@@ -1780,10 +1773,9 @@
           <a:lstStyle/>
           <a:p>
             <a:r>
-              <a:rPr lang="ko-KR" altLang="en-US" smtClean="0"/>
+              <a:rPr lang="ko-KR" altLang="en-US"/>
               <a:t>마스터 제목 스타일 편집</a:t>
             </a:r>
-            <a:endParaRPr lang="ko-KR" altLang="en-US"/>
           </a:p>
         </p:txBody>
       </p:sp>
@@ -1846,7 +1838,7 @@
           <a:p>
             <a:pPr lvl="0"/>
             <a:r>
-              <a:rPr lang="ko-KR" altLang="en-US" smtClean="0"/>
+              <a:rPr lang="ko-KR" altLang="en-US"/>
               <a:t>마스터 텍스트 스타일을 편집합니다</a:t>
             </a:r>
           </a:p>
@@ -1874,38 +1866,37 @@
           <a:p>
             <a:pPr lvl="0"/>
             <a:r>
-              <a:rPr lang="ko-KR" altLang="en-US" smtClean="0"/>
+              <a:rPr lang="ko-KR" altLang="en-US"/>
               <a:t>마스터 텍스트 스타일을 편집합니다</a:t>
             </a:r>
           </a:p>
           <a:p>
             <a:pPr lvl="1"/>
             <a:r>
-              <a:rPr lang="ko-KR" altLang="en-US" smtClean="0"/>
+              <a:rPr lang="ko-KR" altLang="en-US"/>
               <a:t>둘째 수준</a:t>
             </a:r>
           </a:p>
           <a:p>
             <a:pPr lvl="2"/>
             <a:r>
-              <a:rPr lang="ko-KR" altLang="en-US" smtClean="0"/>
+              <a:rPr lang="ko-KR" altLang="en-US"/>
               <a:t>셋째 수준</a:t>
             </a:r>
           </a:p>
           <a:p>
             <a:pPr lvl="3"/>
             <a:r>
-              <a:rPr lang="ko-KR" altLang="en-US" smtClean="0"/>
+              <a:rPr lang="ko-KR" altLang="en-US"/>
               <a:t>넷째 수준</a:t>
             </a:r>
           </a:p>
           <a:p>
             <a:pPr lvl="4"/>
             <a:r>
-              <a:rPr lang="ko-KR" altLang="en-US" smtClean="0"/>
+              <a:rPr lang="ko-KR" altLang="en-US"/>
               <a:t>다섯째 수준</a:t>
             </a:r>
-            <a:endParaRPr lang="ko-KR" altLang="en-US"/>
           </a:p>
         </p:txBody>
       </p:sp>
@@ -1968,7 +1959,7 @@
           <a:p>
             <a:pPr lvl="0"/>
             <a:r>
-              <a:rPr lang="ko-KR" altLang="en-US" smtClean="0"/>
+              <a:rPr lang="ko-KR" altLang="en-US"/>
               <a:t>마스터 텍스트 스타일을 편집합니다</a:t>
             </a:r>
           </a:p>
@@ -1996,38 +1987,37 @@
           <a:p>
             <a:pPr lvl="0"/>
             <a:r>
-              <a:rPr lang="ko-KR" altLang="en-US" smtClean="0"/>
+              <a:rPr lang="ko-KR" altLang="en-US"/>
               <a:t>마스터 텍스트 스타일을 편집합니다</a:t>
             </a:r>
           </a:p>
           <a:p>
             <a:pPr lvl="1"/>
             <a:r>
-              <a:rPr lang="ko-KR" altLang="en-US" smtClean="0"/>
+              <a:rPr lang="ko-KR" altLang="en-US"/>
               <a:t>둘째 수준</a:t>
             </a:r>
           </a:p>
           <a:p>
             <a:pPr lvl="2"/>
             <a:r>
-              <a:rPr lang="ko-KR" altLang="en-US" smtClean="0"/>
+              <a:rPr lang="ko-KR" altLang="en-US"/>
               <a:t>셋째 수준</a:t>
             </a:r>
           </a:p>
           <a:p>
             <a:pPr lvl="3"/>
             <a:r>
-              <a:rPr lang="ko-KR" altLang="en-US" smtClean="0"/>
+              <a:rPr lang="ko-KR" altLang="en-US"/>
               <a:t>넷째 수준</a:t>
             </a:r>
           </a:p>
           <a:p>
             <a:pPr lvl="4"/>
             <a:r>
-              <a:rPr lang="ko-KR" altLang="en-US" smtClean="0"/>
+              <a:rPr lang="ko-KR" altLang="en-US"/>
               <a:t>다섯째 수준</a:t>
             </a:r>
-            <a:endParaRPr lang="ko-KR" altLang="en-US"/>
           </a:p>
         </p:txBody>
       </p:sp>
@@ -2049,7 +2039,7 @@
             <a:fld id="{272C3D53-FEDF-49EC-8F65-FFFC138B637E}" type="datetimeFigureOut">
               <a:rPr lang="ko-KR" altLang="en-US" smtClean="0"/>
               <a:pPr/>
-              <a:t>2020-04-29</a:t>
+              <a:t>2020-05-01</a:t>
             </a:fld>
             <a:endParaRPr lang="ko-KR" altLang="en-US"/>
           </a:p>
@@ -2144,10 +2134,9 @@
           <a:lstStyle/>
           <a:p>
             <a:r>
-              <a:rPr lang="ko-KR" altLang="en-US" smtClean="0"/>
+              <a:rPr lang="ko-KR" altLang="en-US"/>
               <a:t>마스터 제목 스타일 편집</a:t>
             </a:r>
-            <a:endParaRPr lang="ko-KR" altLang="en-US"/>
           </a:p>
         </p:txBody>
       </p:sp>
@@ -2169,7 +2158,7 @@
             <a:fld id="{272C3D53-FEDF-49EC-8F65-FFFC138B637E}" type="datetimeFigureOut">
               <a:rPr lang="ko-KR" altLang="en-US" smtClean="0"/>
               <a:pPr/>
-              <a:t>2020-04-29</a:t>
+              <a:t>2020-05-01</a:t>
             </a:fld>
             <a:endParaRPr lang="ko-KR" altLang="en-US"/>
           </a:p>
@@ -2266,7 +2255,7 @@
             <a:fld id="{272C3D53-FEDF-49EC-8F65-FFFC138B637E}" type="datetimeFigureOut">
               <a:rPr lang="ko-KR" altLang="en-US" smtClean="0"/>
               <a:pPr/>
-              <a:t>2020-04-29</a:t>
+              <a:t>2020-05-01</a:t>
             </a:fld>
             <a:endParaRPr lang="ko-KR" altLang="en-US"/>
           </a:p>
@@ -2370,10 +2359,9 @@
           </a:lstStyle>
           <a:p>
             <a:r>
-              <a:rPr lang="ko-KR" altLang="en-US" smtClean="0"/>
+              <a:rPr lang="ko-KR" altLang="en-US"/>
               <a:t>마스터 제목 스타일 편집</a:t>
             </a:r>
-            <a:endParaRPr lang="ko-KR" altLang="en-US"/>
           </a:p>
         </p:txBody>
       </p:sp>
@@ -2427,38 +2415,37 @@
           <a:p>
             <a:pPr lvl="0"/>
             <a:r>
-              <a:rPr lang="ko-KR" altLang="en-US" smtClean="0"/>
+              <a:rPr lang="ko-KR" altLang="en-US"/>
               <a:t>마스터 텍스트 스타일을 편집합니다</a:t>
             </a:r>
           </a:p>
           <a:p>
             <a:pPr lvl="1"/>
             <a:r>
-              <a:rPr lang="ko-KR" altLang="en-US" smtClean="0"/>
+              <a:rPr lang="ko-KR" altLang="en-US"/>
               <a:t>둘째 수준</a:t>
             </a:r>
           </a:p>
           <a:p>
             <a:pPr lvl="2"/>
             <a:r>
-              <a:rPr lang="ko-KR" altLang="en-US" smtClean="0"/>
+              <a:rPr lang="ko-KR" altLang="en-US"/>
               <a:t>셋째 수준</a:t>
             </a:r>
           </a:p>
           <a:p>
             <a:pPr lvl="3"/>
             <a:r>
-              <a:rPr lang="ko-KR" altLang="en-US" smtClean="0"/>
+              <a:rPr lang="ko-KR" altLang="en-US"/>
               <a:t>넷째 수준</a:t>
             </a:r>
           </a:p>
           <a:p>
             <a:pPr lvl="4"/>
             <a:r>
-              <a:rPr lang="ko-KR" altLang="en-US" smtClean="0"/>
+              <a:rPr lang="ko-KR" altLang="en-US"/>
               <a:t>다섯째 수준</a:t>
             </a:r>
-            <a:endParaRPr lang="ko-KR" altLang="en-US"/>
           </a:p>
         </p:txBody>
       </p:sp>
@@ -2521,7 +2508,7 @@
           <a:p>
             <a:pPr lvl="0"/>
             <a:r>
-              <a:rPr lang="ko-KR" altLang="en-US" smtClean="0"/>
+              <a:rPr lang="ko-KR" altLang="en-US"/>
               <a:t>마스터 텍스트 스타일을 편집합니다</a:t>
             </a:r>
           </a:p>
@@ -2545,7 +2532,7 @@
             <a:fld id="{272C3D53-FEDF-49EC-8F65-FFFC138B637E}" type="datetimeFigureOut">
               <a:rPr lang="ko-KR" altLang="en-US" smtClean="0"/>
               <a:pPr/>
-              <a:t>2020-04-29</a:t>
+              <a:t>2020-05-01</a:t>
             </a:fld>
             <a:endParaRPr lang="ko-KR" altLang="en-US"/>
           </a:p>
@@ -2649,10 +2636,9 @@
           </a:lstStyle>
           <a:p>
             <a:r>
-              <a:rPr lang="ko-KR" altLang="en-US" smtClean="0"/>
+              <a:rPr lang="ko-KR" altLang="en-US"/>
               <a:t>마스터 제목 스타일 편집</a:t>
             </a:r>
-            <a:endParaRPr lang="ko-KR" altLang="en-US"/>
           </a:p>
         </p:txBody>
       </p:sp>
@@ -2776,7 +2762,7 @@
           <a:p>
             <a:pPr lvl="0"/>
             <a:r>
-              <a:rPr lang="ko-KR" altLang="en-US" smtClean="0"/>
+              <a:rPr lang="ko-KR" altLang="en-US"/>
               <a:t>마스터 텍스트 스타일을 편집합니다</a:t>
             </a:r>
           </a:p>
@@ -2800,7 +2786,7 @@
             <a:fld id="{272C3D53-FEDF-49EC-8F65-FFFC138B637E}" type="datetimeFigureOut">
               <a:rPr lang="ko-KR" altLang="en-US" smtClean="0"/>
               <a:pPr/>
-              <a:t>2020-04-29</a:t>
+              <a:t>2020-05-01</a:t>
             </a:fld>
             <a:endParaRPr lang="ko-KR" altLang="en-US"/>
           </a:p>
@@ -2910,10 +2896,9 @@
           <a:lstStyle/>
           <a:p>
             <a:r>
-              <a:rPr lang="ko-KR" altLang="en-US" smtClean="0"/>
+              <a:rPr lang="ko-KR" altLang="en-US"/>
               <a:t>마스터 제목 스타일 편집</a:t>
             </a:r>
-            <a:endParaRPr lang="ko-KR" altLang="en-US"/>
           </a:p>
         </p:txBody>
       </p:sp>
@@ -2944,38 +2929,37 @@
           <a:p>
             <a:pPr lvl="0"/>
             <a:r>
-              <a:rPr lang="ko-KR" altLang="en-US" smtClean="0"/>
+              <a:rPr lang="ko-KR" altLang="en-US"/>
               <a:t>마스터 텍스트 스타일을 편집합니다</a:t>
             </a:r>
           </a:p>
           <a:p>
             <a:pPr lvl="1"/>
             <a:r>
-              <a:rPr lang="ko-KR" altLang="en-US" smtClean="0"/>
+              <a:rPr lang="ko-KR" altLang="en-US"/>
               <a:t>둘째 수준</a:t>
             </a:r>
           </a:p>
           <a:p>
             <a:pPr lvl="2"/>
             <a:r>
-              <a:rPr lang="ko-KR" altLang="en-US" smtClean="0"/>
+              <a:rPr lang="ko-KR" altLang="en-US"/>
               <a:t>셋째 수준</a:t>
             </a:r>
           </a:p>
           <a:p>
             <a:pPr lvl="3"/>
             <a:r>
-              <a:rPr lang="ko-KR" altLang="en-US" smtClean="0"/>
+              <a:rPr lang="ko-KR" altLang="en-US"/>
               <a:t>넷째 수준</a:t>
             </a:r>
           </a:p>
           <a:p>
             <a:pPr lvl="4"/>
             <a:r>
-              <a:rPr lang="ko-KR" altLang="en-US" smtClean="0"/>
+              <a:rPr lang="ko-KR" altLang="en-US"/>
               <a:t>다섯째 수준</a:t>
             </a:r>
-            <a:endParaRPr lang="ko-KR" altLang="en-US"/>
           </a:p>
         </p:txBody>
       </p:sp>
@@ -3015,7 +2999,7 @@
             <a:fld id="{272C3D53-FEDF-49EC-8F65-FFFC138B637E}" type="datetimeFigureOut">
               <a:rPr lang="ko-KR" altLang="en-US" smtClean="0"/>
               <a:pPr/>
-              <a:t>2020-04-29</a:t>
+              <a:t>2020-05-01</a:t>
             </a:fld>
             <a:endParaRPr lang="ko-KR" altLang="en-US"/>
           </a:p>
@@ -3466,28 +3450,19 @@
           <a:lstStyle/>
           <a:p>
             <a:r>
-              <a:rPr lang="ko-KR" altLang="en-US" dirty="0" smtClean="0"/>
+              <a:rPr lang="ko-KR" altLang="en-US" dirty="0"/>
               <a:t>화면 설계서 </a:t>
-            </a:r>
-            <a:r>
-              <a:rPr lang="en-US" altLang="ko-KR" dirty="0" smtClean="0"/>
-              <a:t/>
-            </a:r>
-            <a:br>
-              <a:rPr lang="en-US" altLang="ko-KR" dirty="0" smtClean="0"/>
-            </a:br>
-            <a:r>
-              <a:rPr lang="en-US" altLang="ko-KR" dirty="0"/>
-              <a:t/>
             </a:r>
             <a:br>
               <a:rPr lang="en-US" altLang="ko-KR" dirty="0"/>
             </a:br>
-            <a:r>
-              <a:rPr lang="ko-KR" altLang="en-US" sz="3000" dirty="0" smtClean="0"/>
+            <a:br>
+              <a:rPr lang="en-US" altLang="ko-KR" dirty="0"/>
+            </a:br>
+            <a:r>
+              <a:rPr lang="ko-KR" altLang="en-US" sz="3000" dirty="0"/>
               <a:t>유서희</a:t>
             </a:r>
-            <a:endParaRPr lang="ko-KR" altLang="en-US" sz="3000" dirty="0"/>
           </a:p>
         </p:txBody>
       </p:sp>
@@ -3501,13 +3476,6 @@
   <p:clrMapOvr>
     <a:masterClrMapping/>
   </p:clrMapOvr>
-  <p:timing>
-    <p:tnLst>
-      <p:par>
-        <p:cTn id="1" dur="indefinite" restart="never" nodeType="tmRoot"/>
-      </p:par>
-    </p:tnLst>
-  </p:timing>
 </p:sld>
 </file>
 
@@ -3557,7 +3525,7 @@
               <a:defRPr/>
             </a:pPr>
             <a:r>
-              <a:rPr lang="en-US" altLang="ko-KR" sz="2500" dirty="0" smtClean="0">
+              <a:rPr lang="en-US" altLang="ko-KR" sz="2500" dirty="0">
                 <a:solidFill>
                   <a:schemeClr val="bg1"/>
                 </a:solidFill>
@@ -3566,7 +3534,7 @@
               <a:t>[</a:t>
             </a:r>
             <a:r>
-              <a:rPr lang="ko-KR" altLang="en-US" sz="2500" dirty="0" smtClean="0">
+              <a:rPr lang="ko-KR" altLang="en-US" sz="2500" dirty="0">
                 <a:solidFill>
                   <a:schemeClr val="bg1"/>
                 </a:solidFill>
@@ -3575,7 +3543,7 @@
               <a:t>화면 구현</a:t>
             </a:r>
             <a:r>
-              <a:rPr lang="en-US" altLang="ko-KR" sz="2500" dirty="0" smtClean="0">
+              <a:rPr lang="en-US" altLang="ko-KR" sz="2500" dirty="0">
                 <a:solidFill>
                   <a:schemeClr val="bg1"/>
                 </a:solidFill>
@@ -3584,7 +3552,7 @@
               <a:t>]</a:t>
             </a:r>
             <a:r>
-              <a:rPr lang="ko-KR" altLang="en-US" sz="2500" dirty="0" smtClean="0">
+              <a:rPr lang="ko-KR" altLang="en-US" sz="2500" dirty="0">
                 <a:solidFill>
                   <a:schemeClr val="bg1"/>
                 </a:solidFill>
@@ -3609,7 +3577,7 @@
               <a:t>웹</a:t>
             </a:r>
             <a:r>
-              <a:rPr lang="ko-KR" altLang="en-US" sz="2500" dirty="0" smtClean="0">
+              <a:rPr lang="ko-KR" altLang="en-US" sz="2500" dirty="0">
                 <a:solidFill>
                   <a:schemeClr val="bg1"/>
                 </a:solidFill>
@@ -3618,7 +3586,7 @@
               <a:t> </a:t>
             </a:r>
             <a:r>
-              <a:rPr lang="en-US" altLang="ko-KR" sz="2500" dirty="0" smtClean="0">
+              <a:rPr lang="en-US" altLang="ko-KR" sz="2500" dirty="0">
                 <a:solidFill>
                   <a:schemeClr val="bg1"/>
                 </a:solidFill>
@@ -3627,7 +3595,7 @@
               <a:t>– </a:t>
             </a:r>
             <a:r>
-              <a:rPr lang="ko-KR" altLang="en-US" sz="2500" dirty="0" smtClean="0">
+              <a:rPr lang="ko-KR" altLang="en-US" sz="2500" dirty="0">
                 <a:solidFill>
                   <a:schemeClr val="bg1"/>
                 </a:solidFill>
@@ -3636,7 +3604,7 @@
               <a:t>세미나 상세페이지 </a:t>
             </a:r>
             <a:r>
-              <a:rPr lang="en-US" altLang="ko-KR" sz="2500" dirty="0" smtClean="0">
+              <a:rPr lang="en-US" altLang="ko-KR" sz="2500" dirty="0">
                 <a:solidFill>
                   <a:schemeClr val="bg1"/>
                 </a:solidFill>
@@ -3645,7 +3613,7 @@
               <a:t>– </a:t>
             </a:r>
             <a:r>
-              <a:rPr lang="ko-KR" altLang="en-US" sz="2500" dirty="0" smtClean="0">
+              <a:rPr lang="ko-KR" altLang="en-US" sz="2500" dirty="0">
                 <a:solidFill>
                   <a:schemeClr val="bg1"/>
                 </a:solidFill>
@@ -3654,7 +3622,7 @@
               <a:t>세미나 문의</a:t>
             </a:r>
             <a:r>
-              <a:rPr lang="en-US" altLang="ko-KR" sz="2500" dirty="0" smtClean="0">
+              <a:rPr lang="en-US" altLang="ko-KR" sz="2500" dirty="0">
                 <a:solidFill>
                   <a:schemeClr val="bg1"/>
                 </a:solidFill>
@@ -3663,7 +3631,7 @@
               <a:t>(</a:t>
             </a:r>
             <a:r>
-              <a:rPr lang="ko-KR" altLang="en-US" sz="2500" dirty="0" err="1" smtClean="0">
+              <a:rPr lang="ko-KR" altLang="en-US" sz="2500" dirty="0" err="1">
                 <a:solidFill>
                   <a:schemeClr val="bg1"/>
                 </a:solidFill>
@@ -3672,7 +3640,7 @@
               <a:t>모달</a:t>
             </a:r>
             <a:r>
-              <a:rPr lang="en-US" altLang="ko-KR" sz="2500" dirty="0" smtClean="0">
+              <a:rPr lang="en-US" altLang="ko-KR" sz="2500" dirty="0">
                 <a:solidFill>
                   <a:schemeClr val="bg1"/>
                 </a:solidFill>
@@ -3881,13 +3849,6 @@
   <p:clrMapOvr>
     <a:masterClrMapping/>
   </p:clrMapOvr>
-  <p:timing>
-    <p:tnLst>
-      <p:par>
-        <p:cTn id="1" dur="indefinite" restart="never" nodeType="tmRoot"/>
-      </p:par>
-    </p:tnLst>
-  </p:timing>
 </p:sld>
 </file>
 
@@ -3936,7 +3897,7 @@
                 <a:gridCol w="8032096">
                   <a:extLst>
                     <a:ext uri="{9D8B030D-6E8A-4147-A177-3AD203B41FA5}">
-                      <a16:colId xmlns:a16="http://schemas.microsoft.com/office/drawing/2014/main" xmlns="" val="20000"/>
+                      <a16:colId xmlns:a16="http://schemas.microsoft.com/office/drawing/2014/main" val="20000"/>
                     </a:ext>
                   </a:extLst>
                 </a:gridCol>
@@ -4001,7 +3962,7 @@
                 </a:tc>
                 <a:extLst>
                   <a:ext uri="{0D108BD9-81ED-4DB2-BD59-A6C34878D82A}">
-                    <a16:rowId xmlns:a16="http://schemas.microsoft.com/office/drawing/2014/main" xmlns="" val="10000"/>
+                    <a16:rowId xmlns:a16="http://schemas.microsoft.com/office/drawing/2014/main" val="10000"/>
                   </a:ext>
                 </a:extLst>
               </a:tr>
@@ -4065,7 +4026,7 @@
                 </a:tc>
                 <a:extLst>
                   <a:ext uri="{0D108BD9-81ED-4DB2-BD59-A6C34878D82A}">
-                    <a16:rowId xmlns:a16="http://schemas.microsoft.com/office/drawing/2014/main" xmlns="" val="10001"/>
+                    <a16:rowId xmlns:a16="http://schemas.microsoft.com/office/drawing/2014/main" val="10001"/>
                   </a:ext>
                 </a:extLst>
               </a:tr>
@@ -4118,11 +4079,7 @@
               </a:pPr>
               <a:r>
                 <a:rPr lang="en-US" sz="1900" dirty="0"/>
-                <a:t>e</a:t>
-              </a:r>
-              <a:r>
-                <a:rPr lang="en-US" sz="1900" dirty="0" smtClean="0"/>
-                <a:t>-Zone</a:t>
+                <a:t>e-Zone</a:t>
               </a:r>
               <a:endParaRPr sz="1900" dirty="0"/>
             </a:p>
@@ -4290,7 +4247,7 @@
           <a:p>
             <a:pPr algn="ctr"/>
             <a:r>
-              <a:rPr lang="en-US" altLang="ko-KR" b="1" dirty="0" smtClean="0">
+              <a:rPr lang="en-US" altLang="ko-KR" b="1" dirty="0">
                 <a:solidFill>
                   <a:schemeClr val="bg1"/>
                 </a:solidFill>
@@ -4329,14 +4286,14 @@
                 <a:gridCol w="342705">
                   <a:extLst>
                     <a:ext uri="{9D8B030D-6E8A-4147-A177-3AD203B41FA5}">
-                      <a16:colId xmlns:a16="http://schemas.microsoft.com/office/drawing/2014/main" xmlns="" val="20000"/>
+                      <a16:colId xmlns:a16="http://schemas.microsoft.com/office/drawing/2014/main" val="20000"/>
                     </a:ext>
                   </a:extLst>
                 </a:gridCol>
                 <a:gridCol w="3149108">
                   <a:extLst>
                     <a:ext uri="{9D8B030D-6E8A-4147-A177-3AD203B41FA5}">
-                      <a16:colId xmlns:a16="http://schemas.microsoft.com/office/drawing/2014/main" xmlns="" val="20001"/>
+                      <a16:colId xmlns:a16="http://schemas.microsoft.com/office/drawing/2014/main" val="20001"/>
                     </a:ext>
                   </a:extLst>
                 </a:gridCol>
@@ -4433,7 +4390,7 @@
                 </a:tc>
                 <a:extLst>
                   <a:ext uri="{0D108BD9-81ED-4DB2-BD59-A6C34878D82A}">
-                    <a16:rowId xmlns:a16="http://schemas.microsoft.com/office/drawing/2014/main" xmlns="" val="10000"/>
+                    <a16:rowId xmlns:a16="http://schemas.microsoft.com/office/drawing/2014/main" val="10000"/>
                   </a:ext>
                 </a:extLst>
               </a:tr>
@@ -4447,7 +4404,7 @@
                         <a:defRPr sz="1800"/>
                       </a:pPr>
                       <a:r>
-                        <a:rPr lang="en-US" sz="1500" dirty="0" smtClean="0"/>
+                        <a:rPr lang="en-US" sz="1500" dirty="0"/>
                         <a:t>7</a:t>
                       </a:r>
                       <a:endParaRPr sz="1500" dirty="0"/>
@@ -4492,10 +4449,10 @@
                         <a:defRPr sz="1500"/>
                       </a:pPr>
                       <a:r>
-                        <a:rPr lang="ko-KR" altLang="en-US" dirty="0" smtClean="0"/>
+                        <a:rPr lang="ko-KR" altLang="en-US" dirty="0"/>
                         <a:t>세미나</a:t>
                       </a:r>
-                      <a:endParaRPr lang="en-US" altLang="ko-KR" dirty="0" smtClean="0"/>
+                      <a:endParaRPr lang="en-US" altLang="ko-KR" dirty="0"/>
                     </a:p>
                     <a:p>
                       <a:pPr marL="171450" indent="-171450" algn="l">
@@ -4504,7 +4461,7 @@
                         <a:defRPr sz="1500"/>
                       </a:pPr>
                       <a:r>
-                        <a:rPr lang="ko-KR" altLang="en-US" sz="1200" baseline="0" dirty="0" smtClean="0"/>
+                        <a:rPr lang="ko-KR" altLang="en-US" sz="1200" baseline="0" dirty="0"/>
                         <a:t>세미나에 대한 정보</a:t>
                       </a:r>
                       <a:endParaRPr sz="1200" dirty="0"/>
@@ -4542,7 +4499,7 @@
                 </a:tc>
                 <a:extLst>
                   <a:ext uri="{0D108BD9-81ED-4DB2-BD59-A6C34878D82A}">
-                    <a16:rowId xmlns:a16="http://schemas.microsoft.com/office/drawing/2014/main" xmlns="" val="10001"/>
+                    <a16:rowId xmlns:a16="http://schemas.microsoft.com/office/drawing/2014/main" val="10001"/>
                   </a:ext>
                 </a:extLst>
               </a:tr>
@@ -4556,7 +4513,7 @@
                         <a:defRPr sz="1800"/>
                       </a:pPr>
                       <a:r>
-                        <a:rPr lang="en-US" sz="1500" dirty="0" smtClean="0"/>
+                        <a:rPr lang="en-US" sz="1500" dirty="0"/>
                         <a:t>8</a:t>
                       </a:r>
                       <a:endParaRPr sz="1500" dirty="0"/>
@@ -4613,21 +4570,21 @@
                         <a:defRPr sz="1500"/>
                       </a:pPr>
                       <a:r>
-                        <a:rPr lang="ko-KR" altLang="en-US" sz="1500" dirty="0" smtClean="0"/>
+                        <a:rPr lang="ko-KR" altLang="en-US" sz="1500" dirty="0"/>
                         <a:t>결제 예정 금액</a:t>
                       </a:r>
-                      <a:endParaRPr lang="en-US" altLang="ko-KR" sz="1500" dirty="0" smtClean="0"/>
+                      <a:endParaRPr lang="en-US" altLang="ko-KR" sz="1500" dirty="0"/>
                     </a:p>
                     <a:p>
                       <a:pPr algn="l">
                         <a:defRPr sz="1500"/>
                       </a:pPr>
                       <a:r>
-                        <a:rPr lang="en-US" altLang="ko-KR" sz="1200" dirty="0" smtClean="0"/>
+                        <a:rPr lang="en-US" altLang="ko-KR" sz="1200" dirty="0"/>
                         <a:t>- </a:t>
                       </a:r>
                       <a:r>
-                        <a:rPr lang="ko-KR" altLang="en-US" sz="1200" dirty="0" smtClean="0"/>
+                        <a:rPr lang="ko-KR" altLang="en-US" sz="1200" dirty="0"/>
                         <a:t>최종 결제 금액 표시</a:t>
                       </a:r>
                     </a:p>
@@ -4682,7 +4639,7 @@
                 </a:tc>
                 <a:extLst>
                   <a:ext uri="{0D108BD9-81ED-4DB2-BD59-A6C34878D82A}">
-                    <a16:rowId xmlns:a16="http://schemas.microsoft.com/office/drawing/2014/main" xmlns="" val="10002"/>
+                    <a16:rowId xmlns:a16="http://schemas.microsoft.com/office/drawing/2014/main" val="10002"/>
                   </a:ext>
                 </a:extLst>
               </a:tr>
@@ -4733,7 +4690,7 @@
           <a:p>
             <a:pPr algn="ctr"/>
             <a:r>
-              <a:rPr lang="en-US" altLang="ko-KR" b="1" dirty="0" smtClean="0">
+              <a:rPr lang="en-US" altLang="ko-KR" b="1" dirty="0">
                 <a:solidFill>
                   <a:schemeClr val="bg1"/>
                 </a:solidFill>
@@ -4790,7 +4747,7 @@
           <a:lstStyle/>
           <a:p>
             <a:r>
-              <a:rPr lang="en-US" altLang="ko-KR" sz="1100" b="1" dirty="0" smtClean="0">
+              <a:rPr lang="en-US" altLang="ko-KR" sz="1100" b="1" dirty="0">
                 <a:solidFill>
                   <a:schemeClr val="tx1"/>
                 </a:solidFill>
@@ -4798,7 +4755,7 @@
               <a:t>IT </a:t>
             </a:r>
             <a:r>
-              <a:rPr lang="ko-KR" altLang="en-US" sz="1100" b="1" dirty="0" smtClean="0">
+              <a:rPr lang="ko-KR" altLang="en-US" sz="1100" b="1" dirty="0">
                 <a:solidFill>
                   <a:schemeClr val="tx1"/>
                 </a:solidFill>
@@ -4806,7 +4763,7 @@
               <a:t>최신 </a:t>
             </a:r>
             <a:r>
-              <a:rPr lang="ko-KR" altLang="en-US" sz="1100" b="1" dirty="0" err="1" smtClean="0">
+              <a:rPr lang="ko-KR" altLang="en-US" sz="1100" b="1" dirty="0" err="1">
                 <a:solidFill>
                   <a:schemeClr val="tx1"/>
                 </a:solidFill>
@@ -4814,18 +4771,13 @@
               <a:t>트렌드</a:t>
             </a:r>
             <a:r>
-              <a:rPr lang="ko-KR" altLang="en-US" sz="1100" b="1" dirty="0" smtClean="0">
+              <a:rPr lang="ko-KR" altLang="en-US" sz="1100" b="1" dirty="0">
                 <a:solidFill>
                   <a:schemeClr val="tx1"/>
                 </a:solidFill>
               </a:rPr>
               <a:t> 공유 세미나</a:t>
             </a:r>
-            <a:endParaRPr lang="ko-KR" altLang="en-US" sz="1100" b="1" dirty="0">
-              <a:solidFill>
-                <a:schemeClr val="tx1"/>
-              </a:solidFill>
-            </a:endParaRPr>
           </a:p>
         </p:txBody>
       </p:sp>
@@ -4871,7 +4823,7 @@
           <a:lstStyle/>
           <a:p>
             <a:r>
-              <a:rPr lang="en-US" altLang="ko-KR" sz="800" dirty="0" smtClean="0">
+              <a:rPr lang="en-US" altLang="ko-KR" sz="800" dirty="0">
                 <a:solidFill>
                   <a:schemeClr val="tx1"/>
                 </a:solidFill>
@@ -4879,7 +4831,7 @@
               <a:t>IT </a:t>
             </a:r>
             <a:r>
-              <a:rPr lang="ko-KR" altLang="en-US" sz="800" dirty="0" smtClean="0">
+              <a:rPr lang="ko-KR" altLang="en-US" sz="800" dirty="0">
                 <a:solidFill>
                   <a:schemeClr val="tx1"/>
                 </a:solidFill>
@@ -4887,7 +4839,7 @@
               <a:t>최신 </a:t>
             </a:r>
             <a:r>
-              <a:rPr lang="ko-KR" altLang="en-US" sz="800" dirty="0" err="1" smtClean="0">
+              <a:rPr lang="ko-KR" altLang="en-US" sz="800" dirty="0" err="1">
                 <a:solidFill>
                   <a:schemeClr val="tx1"/>
                 </a:solidFill>
@@ -4895,7 +4847,7 @@
               <a:t>트렌드</a:t>
             </a:r>
             <a:r>
-              <a:rPr lang="ko-KR" altLang="en-US" sz="800" dirty="0" smtClean="0">
+              <a:rPr lang="ko-KR" altLang="en-US" sz="800" dirty="0">
                 <a:solidFill>
                   <a:schemeClr val="tx1"/>
                 </a:solidFill>
@@ -4903,7 +4855,7 @@
               <a:t> 공유 세미나는 </a:t>
             </a:r>
             <a:r>
-              <a:rPr lang="en-US" altLang="ko-KR" sz="800" dirty="0" smtClean="0">
+              <a:rPr lang="en-US" altLang="ko-KR" sz="800" dirty="0">
                 <a:solidFill>
                   <a:schemeClr val="tx1"/>
                 </a:solidFill>
@@ -4911,7 +4863,7 @@
               <a:t>IT </a:t>
             </a:r>
             <a:r>
-              <a:rPr lang="ko-KR" altLang="en-US" sz="800" dirty="0" smtClean="0">
+              <a:rPr lang="ko-KR" altLang="en-US" sz="800" dirty="0">
                 <a:solidFill>
                   <a:schemeClr val="tx1"/>
                 </a:solidFill>
@@ -4919,7 +4871,7 @@
               <a:t>정보를 공유합니다</a:t>
             </a:r>
             <a:r>
-              <a:rPr lang="en-US" altLang="ko-KR" sz="800" dirty="0" smtClean="0">
+              <a:rPr lang="en-US" altLang="ko-KR" sz="800" dirty="0">
                 <a:solidFill>
                   <a:schemeClr val="tx1"/>
                 </a:solidFill>
@@ -4927,7 +4879,7 @@
               <a:t>. </a:t>
             </a:r>
             <a:r>
-              <a:rPr lang="ko-KR" altLang="en-US" sz="800" dirty="0" smtClean="0">
+              <a:rPr lang="ko-KR" altLang="en-US" sz="800" dirty="0">
                 <a:solidFill>
                   <a:schemeClr val="tx1"/>
                 </a:solidFill>
@@ -4935,7 +4887,7 @@
               <a:t>주로 노트북</a:t>
             </a:r>
             <a:r>
-              <a:rPr lang="en-US" altLang="ko-KR" sz="800" dirty="0" smtClean="0">
+              <a:rPr lang="en-US" altLang="ko-KR" sz="800" dirty="0">
                 <a:solidFill>
                   <a:schemeClr val="tx1"/>
                 </a:solidFill>
@@ -4943,7 +4895,7 @@
               <a:t>, </a:t>
             </a:r>
             <a:r>
-              <a:rPr lang="ko-KR" altLang="en-US" sz="800" dirty="0" smtClean="0">
+              <a:rPr lang="ko-KR" altLang="en-US" sz="800" dirty="0">
                 <a:solidFill>
                   <a:schemeClr val="tx1"/>
                 </a:solidFill>
@@ -4951,7 +4903,7 @@
               <a:t>데스크톱</a:t>
             </a:r>
             <a:r>
-              <a:rPr lang="en-US" altLang="ko-KR" sz="800" dirty="0" smtClean="0">
+              <a:rPr lang="en-US" altLang="ko-KR" sz="800" dirty="0">
                 <a:solidFill>
                   <a:schemeClr val="tx1"/>
                 </a:solidFill>
@@ -4959,18 +4911,13 @@
               <a:t>, </a:t>
             </a:r>
             <a:r>
-              <a:rPr lang="ko-KR" altLang="en-US" sz="800" dirty="0" smtClean="0">
+              <a:rPr lang="ko-KR" altLang="en-US" sz="800" dirty="0">
                 <a:solidFill>
                   <a:schemeClr val="tx1"/>
                 </a:solidFill>
               </a:rPr>
               <a:t>휴대폰에 대해 토론하고 친목을 도모합니다</a:t>
             </a:r>
-            <a:endParaRPr lang="ko-KR" altLang="en-US" sz="800" dirty="0">
-              <a:solidFill>
-                <a:schemeClr val="tx1"/>
-              </a:solidFill>
-            </a:endParaRPr>
           </a:p>
         </p:txBody>
       </p:sp>
@@ -5045,7 +4992,7 @@
               </a:lnSpc>
             </a:pPr>
             <a:r>
-              <a:rPr lang="en-US" altLang="ko-KR" sz="700" dirty="0" smtClean="0">
+              <a:rPr lang="en-US" altLang="ko-KR" sz="700" dirty="0">
                 <a:solidFill>
                   <a:schemeClr val="tx1"/>
                 </a:solidFill>
@@ -5053,7 +5000,7 @@
               <a:t>IT </a:t>
             </a:r>
             <a:r>
-              <a:rPr lang="ko-KR" altLang="en-US" sz="700" dirty="0" smtClean="0">
+              <a:rPr lang="ko-KR" altLang="en-US" sz="700" dirty="0">
                 <a:solidFill>
                   <a:schemeClr val="tx1"/>
                 </a:solidFill>
@@ -5061,7 +5008,7 @@
               <a:t>최신 </a:t>
             </a:r>
             <a:r>
-              <a:rPr lang="ko-KR" altLang="en-US" sz="700" dirty="0" err="1" smtClean="0">
+              <a:rPr lang="ko-KR" altLang="en-US" sz="700" dirty="0" err="1">
                 <a:solidFill>
                   <a:schemeClr val="tx1"/>
                 </a:solidFill>
@@ -5069,7 +5016,7 @@
               <a:t>트렌드</a:t>
             </a:r>
             <a:r>
-              <a:rPr lang="ko-KR" altLang="en-US" sz="700" dirty="0" smtClean="0">
+              <a:rPr lang="ko-KR" altLang="en-US" sz="700" dirty="0">
                 <a:solidFill>
                   <a:schemeClr val="tx1"/>
                 </a:solidFill>
@@ -5077,7 +5024,7 @@
               <a:t> 공유 세미나는 </a:t>
             </a:r>
             <a:r>
-              <a:rPr lang="en-US" altLang="ko-KR" sz="700" dirty="0" smtClean="0">
+              <a:rPr lang="en-US" altLang="ko-KR" sz="700" dirty="0">
                 <a:solidFill>
                   <a:schemeClr val="tx1"/>
                 </a:solidFill>
@@ -5085,7 +5032,7 @@
               <a:t>IT </a:t>
             </a:r>
             <a:r>
-              <a:rPr lang="ko-KR" altLang="en-US" sz="700" dirty="0" smtClean="0">
+              <a:rPr lang="ko-KR" altLang="en-US" sz="700" dirty="0">
                 <a:solidFill>
                   <a:schemeClr val="tx1"/>
                 </a:solidFill>
@@ -5093,7 +5040,7 @@
               <a:t>정보를 공유합니다</a:t>
             </a:r>
             <a:r>
-              <a:rPr lang="en-US" altLang="ko-KR" sz="700" dirty="0" smtClean="0">
+              <a:rPr lang="en-US" altLang="ko-KR" sz="700" dirty="0">
                 <a:solidFill>
                   <a:schemeClr val="tx1"/>
                 </a:solidFill>
@@ -5101,7 +5048,7 @@
               <a:t>. </a:t>
             </a:r>
             <a:r>
-              <a:rPr lang="ko-KR" altLang="en-US" sz="700" dirty="0" smtClean="0">
+              <a:rPr lang="ko-KR" altLang="en-US" sz="700" dirty="0">
                 <a:solidFill>
                   <a:schemeClr val="tx1"/>
                 </a:solidFill>
@@ -5109,7 +5056,7 @@
               <a:t>주로 노트북</a:t>
             </a:r>
             <a:r>
-              <a:rPr lang="en-US" altLang="ko-KR" sz="700" dirty="0" smtClean="0">
+              <a:rPr lang="en-US" altLang="ko-KR" sz="700" dirty="0">
                 <a:solidFill>
                   <a:schemeClr val="tx1"/>
                 </a:solidFill>
@@ -5117,7 +5064,7 @@
               <a:t>, </a:t>
             </a:r>
             <a:r>
-              <a:rPr lang="ko-KR" altLang="en-US" sz="700" dirty="0" smtClean="0">
+              <a:rPr lang="ko-KR" altLang="en-US" sz="700" dirty="0">
                 <a:solidFill>
                   <a:schemeClr val="tx1"/>
                 </a:solidFill>
@@ -5125,7 +5072,7 @@
               <a:t>데스크톱</a:t>
             </a:r>
             <a:r>
-              <a:rPr lang="en-US" altLang="ko-KR" sz="700" dirty="0" smtClean="0">
+              <a:rPr lang="en-US" altLang="ko-KR" sz="700" dirty="0">
                 <a:solidFill>
                   <a:schemeClr val="tx1"/>
                 </a:solidFill>
@@ -5133,7 +5080,7 @@
               <a:t>, </a:t>
             </a:r>
             <a:r>
-              <a:rPr lang="ko-KR" altLang="en-US" sz="700" dirty="0" smtClean="0">
+              <a:rPr lang="ko-KR" altLang="en-US" sz="700" dirty="0">
                 <a:solidFill>
                   <a:schemeClr val="tx1"/>
                 </a:solidFill>
@@ -5234,15 +5181,39 @@
                   <a:schemeClr val="tx1"/>
                 </a:solidFill>
               </a:rPr>
-              <a:t>휴대폰에 대해 토론하고 친목을 </a:t>
-            </a:r>
-            <a:r>
-              <a:rPr lang="ko-KR" altLang="en-US" sz="700" dirty="0" smtClean="0">
+              <a:t>휴대폰에 대해 토론하고 친목을 도모합니다</a:t>
+            </a:r>
+            <a:r>
+              <a:rPr lang="en-US" altLang="ko-KR" sz="700" dirty="0">
                 <a:solidFill>
                   <a:schemeClr val="tx1"/>
                 </a:solidFill>
               </a:rPr>
-              <a:t>도모합니다</a:t>
+              <a:t>IT </a:t>
+            </a:r>
+            <a:r>
+              <a:rPr lang="ko-KR" altLang="en-US" sz="700" dirty="0">
+                <a:solidFill>
+                  <a:schemeClr val="tx1"/>
+                </a:solidFill>
+              </a:rPr>
+              <a:t>최신 </a:t>
+            </a:r>
+            <a:r>
+              <a:rPr lang="ko-KR" altLang="en-US" sz="700" dirty="0" err="1">
+                <a:solidFill>
+                  <a:schemeClr val="tx1"/>
+                </a:solidFill>
+              </a:rPr>
+              <a:t>트렌드</a:t>
+            </a:r>
+            <a:r>
+              <a:rPr lang="ko-KR" altLang="en-US" sz="700" dirty="0">
+                <a:solidFill>
+                  <a:schemeClr val="tx1"/>
+                </a:solidFill>
+              </a:rPr>
+              <a:t> 공유 세미나는 </a:t>
             </a:r>
             <a:r>
               <a:rPr lang="en-US" altLang="ko-KR" sz="700" dirty="0">
@@ -5258,6 +5229,70 @@
                   <a:schemeClr val="tx1"/>
                 </a:solidFill>
               </a:rPr>
+              <a:t>정보를 공유합니다</a:t>
+            </a:r>
+            <a:r>
+              <a:rPr lang="en-US" altLang="ko-KR" sz="700" dirty="0">
+                <a:solidFill>
+                  <a:schemeClr val="tx1"/>
+                </a:solidFill>
+              </a:rPr>
+              <a:t>. </a:t>
+            </a:r>
+            <a:r>
+              <a:rPr lang="ko-KR" altLang="en-US" sz="700" dirty="0">
+                <a:solidFill>
+                  <a:schemeClr val="tx1"/>
+                </a:solidFill>
+              </a:rPr>
+              <a:t>주로 노트북</a:t>
+            </a:r>
+            <a:r>
+              <a:rPr lang="en-US" altLang="ko-KR" sz="700" dirty="0">
+                <a:solidFill>
+                  <a:schemeClr val="tx1"/>
+                </a:solidFill>
+              </a:rPr>
+              <a:t>, </a:t>
+            </a:r>
+            <a:r>
+              <a:rPr lang="ko-KR" altLang="en-US" sz="700" dirty="0">
+                <a:solidFill>
+                  <a:schemeClr val="tx1"/>
+                </a:solidFill>
+              </a:rPr>
+              <a:t>데스크톱</a:t>
+            </a:r>
+            <a:r>
+              <a:rPr lang="en-US" altLang="ko-KR" sz="700" dirty="0">
+                <a:solidFill>
+                  <a:schemeClr val="tx1"/>
+                </a:solidFill>
+              </a:rPr>
+              <a:t>, </a:t>
+            </a:r>
+            <a:r>
+              <a:rPr lang="ko-KR" altLang="en-US" sz="700" dirty="0">
+                <a:solidFill>
+                  <a:schemeClr val="tx1"/>
+                </a:solidFill>
+              </a:rPr>
+              <a:t>휴대폰에 대해 토론하고 친목을 도모합니다</a:t>
+            </a:r>
+            <a:r>
+              <a:rPr lang="en-US" altLang="ko-KR" sz="700" dirty="0">
+                <a:solidFill>
+                  <a:schemeClr val="tx1"/>
+                </a:solidFill>
+              </a:rPr>
+              <a:t>IT </a:t>
+            </a:r>
+            <a:r>
+              <a:rPr lang="ko-KR" altLang="en-US" sz="700" dirty="0">
+                <a:solidFill>
+                  <a:schemeClr val="tx1"/>
+                </a:solidFill>
+              </a:rPr>
               <a:t>최신 </a:t>
             </a:r>
             <a:r>
@@ -5338,22 +5373,46 @@
                   <a:schemeClr val="tx1"/>
                 </a:solidFill>
               </a:rPr>
-              <a:t>휴대폰에 대해 토론하고 친목을 </a:t>
-            </a:r>
-            <a:r>
-              <a:rPr lang="ko-KR" altLang="en-US" sz="700" dirty="0" smtClean="0">
+              <a:t>휴대폰에 대해 토론하고 친목을 도모합니다</a:t>
+            </a:r>
+            <a:r>
+              <a:rPr lang="en-US" altLang="ko-KR" sz="700" dirty="0">
                 <a:solidFill>
                   <a:schemeClr val="tx1"/>
                 </a:solidFill>
               </a:rPr>
-              <a:t>도모합니다</a:t>
-            </a:r>
-            <a:r>
-              <a:rPr lang="en-US" altLang="ko-KR" sz="700" dirty="0" smtClean="0">
+              <a:t>IT </a:t>
+            </a:r>
+            <a:r>
+              <a:rPr lang="ko-KR" altLang="en-US" sz="700" dirty="0">
                 <a:solidFill>
                   <a:schemeClr val="tx1"/>
                 </a:solidFill>
               </a:rPr>
+              <a:t>최신 </a:t>
+            </a:r>
+            <a:r>
+              <a:rPr lang="ko-KR" altLang="en-US" sz="700" dirty="0" err="1">
+                <a:solidFill>
+                  <a:schemeClr val="tx1"/>
+                </a:solidFill>
+              </a:rPr>
+              <a:t>트렌드</a:t>
+            </a:r>
+            <a:r>
+              <a:rPr lang="ko-KR" altLang="en-US" sz="700" dirty="0">
+                <a:solidFill>
+                  <a:schemeClr val="tx1"/>
+                </a:solidFill>
+              </a:rPr>
+              <a:t> 공유 세미나는 </a:t>
+            </a:r>
+            <a:r>
+              <a:rPr lang="en-US" altLang="ko-KR" sz="700" dirty="0">
+                <a:solidFill>
+                  <a:schemeClr val="tx1"/>
+                </a:solidFill>
+              </a:rPr>
               <a:t>IT </a:t>
             </a:r>
             <a:r>
@@ -5362,15 +5421,15 @@
                   <a:schemeClr val="tx1"/>
                 </a:solidFill>
               </a:rPr>
-              <a:t>최신 </a:t>
-            </a:r>
-            <a:r>
-              <a:rPr lang="ko-KR" altLang="en-US" sz="700" dirty="0" err="1">
+              <a:t>정보를 공유합니다</a:t>
+            </a:r>
+            <a:r>
+              <a:rPr lang="en-US" altLang="ko-KR" sz="700" dirty="0">
                 <a:solidFill>
                   <a:schemeClr val="tx1"/>
                 </a:solidFill>
               </a:rPr>
-              <a:t>트렌드</a:t>
+              <a:t>. </a:t>
             </a:r>
             <a:r>
               <a:rPr lang="ko-KR" altLang="en-US" sz="700" dirty="0">
@@ -5378,7 +5437,7 @@
                   <a:schemeClr val="tx1"/>
                 </a:solidFill>
               </a:rPr>
-              <a:t> 공유 세미나는 </a:t>
+              <a:t>주로 노트북</a:t>
             </a:r>
             <a:r>
               <a:rPr lang="en-US" altLang="ko-KR" sz="700" dirty="0">
@@ -5386,7 +5445,7 @@
                   <a:schemeClr val="tx1"/>
                 </a:solidFill>
               </a:rPr>
-              <a:t>IT </a:t>
+              <a:t>, </a:t>
             </a:r>
             <a:r>
               <a:rPr lang="ko-KR" altLang="en-US" sz="700" dirty="0">
@@ -5394,7 +5453,7 @@
                   <a:schemeClr val="tx1"/>
                 </a:solidFill>
               </a:rPr>
-              <a:t>정보를 공유합니다</a:t>
+              <a:t>데스크톱</a:t>
             </a:r>
             <a:r>
               <a:rPr lang="en-US" altLang="ko-KR" sz="700" dirty="0">
@@ -5402,7 +5461,7 @@
                   <a:schemeClr val="tx1"/>
                 </a:solidFill>
               </a:rPr>
-              <a:t>. </a:t>
+              <a:t>, </a:t>
             </a:r>
             <a:r>
               <a:rPr lang="ko-KR" altLang="en-US" sz="700" dirty="0">
@@ -5410,157 +5469,8 @@
                   <a:schemeClr val="tx1"/>
                 </a:solidFill>
               </a:rPr>
-              <a:t>주로 노트북</a:t>
-            </a:r>
-            <a:r>
-              <a:rPr lang="en-US" altLang="ko-KR" sz="700" dirty="0">
-                <a:solidFill>
-                  <a:schemeClr val="tx1"/>
-                </a:solidFill>
-              </a:rPr>
-              <a:t>, </a:t>
-            </a:r>
-            <a:r>
-              <a:rPr lang="ko-KR" altLang="en-US" sz="700" dirty="0">
-                <a:solidFill>
-                  <a:schemeClr val="tx1"/>
-                </a:solidFill>
-              </a:rPr>
-              <a:t>데스크톱</a:t>
-            </a:r>
-            <a:r>
-              <a:rPr lang="en-US" altLang="ko-KR" sz="700" dirty="0">
-                <a:solidFill>
-                  <a:schemeClr val="tx1"/>
-                </a:solidFill>
-              </a:rPr>
-              <a:t>, </a:t>
-            </a:r>
-            <a:r>
-              <a:rPr lang="ko-KR" altLang="en-US" sz="700" dirty="0">
-                <a:solidFill>
-                  <a:schemeClr val="tx1"/>
-                </a:solidFill>
-              </a:rPr>
-              <a:t>휴대폰에 대해 토론하고 친목을 </a:t>
-            </a:r>
-            <a:r>
-              <a:rPr lang="ko-KR" altLang="en-US" sz="700" dirty="0" smtClean="0">
-                <a:solidFill>
-                  <a:schemeClr val="tx1"/>
-                </a:solidFill>
-              </a:rPr>
-              <a:t>도모합니다</a:t>
-            </a:r>
-            <a:r>
-              <a:rPr lang="en-US" altLang="ko-KR" sz="700" dirty="0" smtClean="0">
-                <a:solidFill>
-                  <a:schemeClr val="tx1"/>
-                </a:solidFill>
-              </a:rPr>
-              <a:t>IT </a:t>
-            </a:r>
-            <a:r>
-              <a:rPr lang="ko-KR" altLang="en-US" sz="700" dirty="0">
-                <a:solidFill>
-                  <a:schemeClr val="tx1"/>
-                </a:solidFill>
-              </a:rPr>
-              <a:t>최신 </a:t>
-            </a:r>
-            <a:r>
-              <a:rPr lang="ko-KR" altLang="en-US" sz="700" dirty="0" err="1">
-                <a:solidFill>
-                  <a:schemeClr val="tx1"/>
-                </a:solidFill>
-              </a:rPr>
-              <a:t>트렌드</a:t>
-            </a:r>
-            <a:r>
-              <a:rPr lang="ko-KR" altLang="en-US" sz="700" dirty="0">
-                <a:solidFill>
-                  <a:schemeClr val="tx1"/>
-                </a:solidFill>
-              </a:rPr>
-              <a:t> 공유 세미나는 </a:t>
-            </a:r>
-            <a:r>
-              <a:rPr lang="en-US" altLang="ko-KR" sz="700" dirty="0">
-                <a:solidFill>
-                  <a:schemeClr val="tx1"/>
-                </a:solidFill>
-              </a:rPr>
-              <a:t>IT </a:t>
-            </a:r>
-            <a:r>
-              <a:rPr lang="ko-KR" altLang="en-US" sz="700" dirty="0">
-                <a:solidFill>
-                  <a:schemeClr val="tx1"/>
-                </a:solidFill>
-              </a:rPr>
-              <a:t>정보를 공유합니다</a:t>
-            </a:r>
-            <a:r>
-              <a:rPr lang="en-US" altLang="ko-KR" sz="700" dirty="0">
-                <a:solidFill>
-                  <a:schemeClr val="tx1"/>
-                </a:solidFill>
-              </a:rPr>
-              <a:t>. </a:t>
-            </a:r>
-            <a:r>
-              <a:rPr lang="ko-KR" altLang="en-US" sz="700" dirty="0">
-                <a:solidFill>
-                  <a:schemeClr val="tx1"/>
-                </a:solidFill>
-              </a:rPr>
-              <a:t>주로 노트북</a:t>
-            </a:r>
-            <a:r>
-              <a:rPr lang="en-US" altLang="ko-KR" sz="700" dirty="0">
-                <a:solidFill>
-                  <a:schemeClr val="tx1"/>
-                </a:solidFill>
-              </a:rPr>
-              <a:t>, </a:t>
-            </a:r>
-            <a:r>
-              <a:rPr lang="ko-KR" altLang="en-US" sz="700" dirty="0">
-                <a:solidFill>
-                  <a:schemeClr val="tx1"/>
-                </a:solidFill>
-              </a:rPr>
-              <a:t>데스크톱</a:t>
-            </a:r>
-            <a:r>
-              <a:rPr lang="en-US" altLang="ko-KR" sz="700" dirty="0">
-                <a:solidFill>
-                  <a:schemeClr val="tx1"/>
-                </a:solidFill>
-              </a:rPr>
-              <a:t>, </a:t>
-            </a:r>
-            <a:r>
-              <a:rPr lang="ko-KR" altLang="en-US" sz="700" dirty="0">
-                <a:solidFill>
-                  <a:schemeClr val="tx1"/>
-                </a:solidFill>
-              </a:rPr>
-              <a:t>휴대폰에 대해 토론하고 친목을 </a:t>
-            </a:r>
-            <a:r>
-              <a:rPr lang="ko-KR" altLang="en-US" sz="700" dirty="0" smtClean="0">
-                <a:solidFill>
-                  <a:schemeClr val="tx1"/>
-                </a:solidFill>
-              </a:rPr>
-              <a:t>도모합니다</a:t>
-            </a:r>
-            <a:endParaRPr lang="ko-KR" altLang="en-US" sz="700" dirty="0">
-              <a:solidFill>
-                <a:schemeClr val="tx1"/>
-              </a:solidFill>
-            </a:endParaRPr>
+              <a:t>휴대폰에 대해 토론하고 친목을 도모합니다</a:t>
+            </a:r>
           </a:p>
         </p:txBody>
       </p:sp>
@@ -5605,18 +5515,13 @@
           <a:p>
             <a:pPr algn="ctr"/>
             <a:r>
-              <a:rPr lang="ko-KR" altLang="en-US" sz="1100" b="1" dirty="0" smtClean="0">
+              <a:rPr lang="ko-KR" altLang="en-US" sz="1100" b="1" dirty="0">
                 <a:solidFill>
                   <a:schemeClr val="tx1"/>
                 </a:solidFill>
               </a:rPr>
               <a:t>신청하기</a:t>
             </a:r>
-            <a:endParaRPr lang="ko-KR" altLang="en-US" sz="1100" b="1" dirty="0">
-              <a:solidFill>
-                <a:schemeClr val="tx1"/>
-              </a:solidFill>
-            </a:endParaRPr>
           </a:p>
         </p:txBody>
       </p:sp>
@@ -5665,18 +5570,13 @@
           <a:p>
             <a:pPr algn="ctr"/>
             <a:r>
-              <a:rPr lang="ko-KR" altLang="en-US" sz="800" b="1" dirty="0" smtClean="0">
+              <a:rPr lang="ko-KR" altLang="en-US" sz="800" b="1" dirty="0">
                 <a:solidFill>
                   <a:schemeClr val="tx1"/>
                 </a:solidFill>
               </a:rPr>
               <a:t>신청 세미나</a:t>
             </a:r>
-            <a:endParaRPr lang="ko-KR" altLang="en-US" sz="800" b="1" dirty="0">
-              <a:solidFill>
-                <a:schemeClr val="tx1"/>
-              </a:solidFill>
-            </a:endParaRPr>
           </a:p>
         </p:txBody>
       </p:sp>
@@ -5723,7 +5623,7 @@
           <a:p>
             <a:pPr algn="ctr"/>
             <a:r>
-              <a:rPr lang="ko-KR" altLang="en-US" sz="700" b="1" dirty="0" smtClean="0">
+              <a:rPr lang="ko-KR" altLang="en-US" sz="700" b="1" dirty="0">
                 <a:solidFill>
                   <a:schemeClr val="bg1">
                     <a:lumMod val="50000"/>
@@ -5732,13 +5632,6 @@
               </a:rPr>
               <a:t>날짜</a:t>
             </a:r>
-            <a:endParaRPr lang="ko-KR" altLang="en-US" sz="700" b="1" dirty="0">
-              <a:solidFill>
-                <a:schemeClr val="bg1">
-                  <a:lumMod val="50000"/>
-                </a:schemeClr>
-              </a:solidFill>
-            </a:endParaRPr>
           </a:p>
         </p:txBody>
       </p:sp>
@@ -5785,7 +5678,7 @@
           <a:p>
             <a:pPr algn="ctr"/>
             <a:r>
-              <a:rPr lang="ko-KR" altLang="en-US" sz="700" b="1" smtClean="0">
+              <a:rPr lang="ko-KR" altLang="en-US" sz="700" b="1">
                 <a:solidFill>
                   <a:schemeClr val="bg1">
                     <a:lumMod val="50000"/>
@@ -5847,7 +5740,7 @@
           <a:p>
             <a:pPr algn="ctr"/>
             <a:r>
-              <a:rPr lang="ko-KR" altLang="en-US" sz="700" b="1" dirty="0" smtClean="0">
+              <a:rPr lang="ko-KR" altLang="en-US" sz="700" b="1" dirty="0">
                 <a:solidFill>
                   <a:schemeClr val="bg1">
                     <a:lumMod val="50000"/>
@@ -5856,13 +5749,6 @@
               </a:rPr>
               <a:t>신청인원</a:t>
             </a:r>
-            <a:endParaRPr lang="ko-KR" altLang="en-US" sz="700" b="1" dirty="0">
-              <a:solidFill>
-                <a:schemeClr val="bg1">
-                  <a:lumMod val="50000"/>
-                </a:schemeClr>
-              </a:solidFill>
-            </a:endParaRPr>
           </a:p>
         </p:txBody>
       </p:sp>
@@ -5980,7 +5866,7 @@
           <a:lstStyle/>
           <a:p>
             <a:r>
-              <a:rPr lang="ko-KR" altLang="en-US" sz="1000" b="1" smtClean="0">
+              <a:rPr lang="ko-KR" altLang="en-US" sz="1000" b="1">
                 <a:solidFill>
                   <a:schemeClr val="tx1"/>
                 </a:solidFill>
@@ -6020,7 +5906,13 @@
                 <a:noFill/>
               </a:tblPr>
               <a:tblGrid>
-                <a:gridCol w="3491813"/>
+                <a:gridCol w="3491813">
+                  <a:extLst>
+                    <a:ext uri="{9D8B030D-6E8A-4147-A177-3AD203B41FA5}">
+                      <a16:colId xmlns:a16="http://schemas.microsoft.com/office/drawing/2014/main" val="20000"/>
+                    </a:ext>
+                  </a:extLst>
+                </a:gridCol>
               </a:tblGrid>
               <a:tr h="413450">
                 <a:tc>
@@ -6046,7 +5938,7 @@
                         <a:buNone/>
                       </a:pPr>
                       <a:r>
-                        <a:rPr lang="ko-KR" altLang="en-US" sz="1700" b="0" u="none" strike="noStrike" cap="none" dirty="0" smtClean="0">
+                        <a:rPr lang="ko-KR" altLang="en-US" sz="1700" b="0" u="none" strike="noStrike" cap="none" dirty="0">
                           <a:solidFill>
                             <a:schemeClr val="dk1"/>
                           </a:solidFill>
@@ -6102,6 +5994,11 @@
                     </a:solidFill>
                   </a:tcPr>
                 </a:tc>
+                <a:extLst>
+                  <a:ext uri="{0D108BD9-81ED-4DB2-BD59-A6C34878D82A}">
+                    <a16:rowId xmlns:a16="http://schemas.microsoft.com/office/drawing/2014/main" val="10000"/>
+                  </a:ext>
+                </a:extLst>
               </a:tr>
               <a:tr h="434794">
                 <a:tc>
@@ -6135,7 +6032,7 @@
                         </a:defRPr>
                       </a:pPr>
                       <a:r>
-                        <a:rPr lang="en-US" altLang="ko-KR" sz="1800" b="0" u="none" strike="noStrike" cap="none" dirty="0" err="1" smtClean="0">
+                        <a:rPr lang="en-US" altLang="ko-KR" sz="1800" b="0" u="none" strike="noStrike" cap="none" dirty="0" err="1">
                           <a:solidFill>
                             <a:schemeClr val="dk1"/>
                           </a:solidFill>
@@ -6191,6 +6088,11 @@
                     </a:solidFill>
                   </a:tcPr>
                 </a:tc>
+                <a:extLst>
+                  <a:ext uri="{0D108BD9-81ED-4DB2-BD59-A6C34878D82A}">
+                    <a16:rowId xmlns:a16="http://schemas.microsoft.com/office/drawing/2014/main" val="10001"/>
+                  </a:ext>
+                </a:extLst>
               </a:tr>
             </a:tbl>
           </a:graphicData>
@@ -6225,7 +6127,7 @@
               <a:defRPr/>
             </a:pPr>
             <a:r>
-              <a:rPr lang="en-US" altLang="ko-KR" sz="2500" dirty="0" smtClean="0">
+              <a:rPr lang="en-US" altLang="ko-KR" sz="2500" dirty="0">
                 <a:solidFill>
                   <a:schemeClr val="bg1"/>
                 </a:solidFill>
@@ -6234,7 +6136,7 @@
               <a:t>[</a:t>
             </a:r>
             <a:r>
-              <a:rPr lang="ko-KR" altLang="en-US" sz="2500" dirty="0" smtClean="0">
+              <a:rPr lang="ko-KR" altLang="en-US" sz="2500" dirty="0">
                 <a:solidFill>
                   <a:schemeClr val="bg1"/>
                 </a:solidFill>
@@ -6243,7 +6145,7 @@
               <a:t>화면 설계</a:t>
             </a:r>
             <a:r>
-              <a:rPr lang="en-US" altLang="ko-KR" sz="2500" dirty="0" smtClean="0">
+              <a:rPr lang="en-US" altLang="ko-KR" sz="2500" dirty="0">
                 <a:solidFill>
                   <a:schemeClr val="bg1"/>
                 </a:solidFill>
@@ -6252,7 +6154,7 @@
               <a:t>]</a:t>
             </a:r>
             <a:r>
-              <a:rPr lang="ko-KR" altLang="en-US" sz="2500" dirty="0" smtClean="0">
+              <a:rPr lang="ko-KR" altLang="en-US" sz="2500" dirty="0">
                 <a:solidFill>
                   <a:schemeClr val="bg1"/>
                 </a:solidFill>
@@ -6261,7 +6163,7 @@
               <a:t>사용자 </a:t>
             </a:r>
             <a:r>
-              <a:rPr lang="en-US" altLang="ko-KR" sz="2500" dirty="0" smtClean="0">
+              <a:rPr lang="en-US" altLang="ko-KR" sz="2500" dirty="0">
                 <a:solidFill>
                   <a:schemeClr val="bg1"/>
                 </a:solidFill>
@@ -6270,7 +6172,7 @@
               <a:t>– </a:t>
             </a:r>
             <a:r>
-              <a:rPr lang="ko-KR" altLang="en-US" sz="2500" dirty="0" smtClean="0">
+              <a:rPr lang="ko-KR" altLang="en-US" sz="2500" dirty="0">
                 <a:solidFill>
                   <a:schemeClr val="bg1"/>
                 </a:solidFill>
@@ -6279,7 +6181,7 @@
               <a:t>웹 </a:t>
             </a:r>
             <a:r>
-              <a:rPr lang="en-US" altLang="ko-KR" sz="2500" dirty="0" smtClean="0">
+              <a:rPr lang="en-US" altLang="ko-KR" sz="2500" dirty="0">
                 <a:solidFill>
                   <a:schemeClr val="bg1"/>
                 </a:solidFill>
@@ -6288,7 +6190,7 @@
               <a:t>– </a:t>
             </a:r>
             <a:r>
-              <a:rPr lang="ko-KR" altLang="en-US" sz="2500" dirty="0" smtClean="0">
+              <a:rPr lang="ko-KR" altLang="en-US" sz="2500" dirty="0">
                 <a:solidFill>
                   <a:schemeClr val="bg1"/>
                 </a:solidFill>
@@ -6297,7 +6199,7 @@
               <a:t>세미나 결제 페이지</a:t>
             </a:r>
             <a:r>
-              <a:rPr lang="en-US" altLang="ko-KR" sz="2500" dirty="0" smtClean="0">
+              <a:rPr lang="en-US" altLang="ko-KR" sz="2500" dirty="0">
                 <a:solidFill>
                   <a:schemeClr val="bg1"/>
                 </a:solidFill>
@@ -6324,13 +6226,6 @@
   <p:clrMapOvr>
     <a:masterClrMapping/>
   </p:clrMapOvr>
-  <p:timing>
-    <p:tnLst>
-      <p:par>
-        <p:cTn id="1" dur="indefinite" restart="never" nodeType="tmRoot"/>
-      </p:par>
-    </p:tnLst>
-  </p:timing>
 </p:sld>
 </file>
 
@@ -6628,7 +6523,7 @@
               <a:defRPr/>
             </a:pPr>
             <a:r>
-              <a:rPr lang="en-US" altLang="ko-KR" sz="2500" dirty="0" smtClean="0">
+              <a:rPr lang="en-US" altLang="ko-KR" sz="2500" dirty="0">
                 <a:solidFill>
                   <a:schemeClr val="bg1"/>
                 </a:solidFill>
@@ -6637,7 +6532,7 @@
               <a:t>[</a:t>
             </a:r>
             <a:r>
-              <a:rPr lang="ko-KR" altLang="en-US" sz="2500" dirty="0" smtClean="0">
+              <a:rPr lang="ko-KR" altLang="en-US" sz="2500" dirty="0">
                 <a:solidFill>
                   <a:schemeClr val="bg1"/>
                 </a:solidFill>
@@ -6646,7 +6541,7 @@
               <a:t>화면 구현</a:t>
             </a:r>
             <a:r>
-              <a:rPr lang="en-US" altLang="ko-KR" sz="2500" dirty="0" smtClean="0">
+              <a:rPr lang="en-US" altLang="ko-KR" sz="2500" dirty="0">
                 <a:solidFill>
                   <a:schemeClr val="bg1"/>
                 </a:solidFill>
@@ -6655,7 +6550,7 @@
               <a:t>]</a:t>
             </a:r>
             <a:r>
-              <a:rPr lang="ko-KR" altLang="en-US" sz="2500" dirty="0" smtClean="0">
+              <a:rPr lang="ko-KR" altLang="en-US" sz="2500" dirty="0">
                 <a:solidFill>
                   <a:schemeClr val="bg1"/>
                 </a:solidFill>
@@ -6680,7 +6575,7 @@
               <a:t>웹</a:t>
             </a:r>
             <a:r>
-              <a:rPr lang="ko-KR" altLang="en-US" sz="2500" dirty="0" smtClean="0">
+              <a:rPr lang="ko-KR" altLang="en-US" sz="2500" dirty="0">
                 <a:solidFill>
                   <a:schemeClr val="bg1"/>
                 </a:solidFill>
@@ -6689,7 +6584,7 @@
               <a:t> </a:t>
             </a:r>
             <a:r>
-              <a:rPr lang="en-US" altLang="ko-KR" sz="2500" dirty="0" smtClean="0">
+              <a:rPr lang="en-US" altLang="ko-KR" sz="2500" dirty="0">
                 <a:solidFill>
                   <a:schemeClr val="bg1"/>
                 </a:solidFill>
@@ -6698,7 +6593,7 @@
               <a:t>– </a:t>
             </a:r>
             <a:r>
-              <a:rPr lang="ko-KR" altLang="en-US" sz="2500" dirty="0" smtClean="0">
+              <a:rPr lang="ko-KR" altLang="en-US" sz="2500" dirty="0">
                 <a:solidFill>
                   <a:schemeClr val="bg1"/>
                 </a:solidFill>
@@ -6706,12 +6601,6 @@
               </a:rPr>
               <a:t>세미나 결제 페이지</a:t>
             </a:r>
-            <a:endParaRPr lang="ko-KR" altLang="en-US" sz="2500" dirty="0">
-              <a:solidFill>
-                <a:schemeClr val="bg1"/>
-              </a:solidFill>
-              <a:latin typeface="+mj-lt"/>
-            </a:endParaRPr>
           </a:p>
         </p:txBody>
       </p:sp>
@@ -6815,14 +6704,14 @@
                 <a:gridCol w="342705">
                   <a:extLst>
                     <a:ext uri="{9D8B030D-6E8A-4147-A177-3AD203B41FA5}">
-                      <a16:colId xmlns:a16="http://schemas.microsoft.com/office/drawing/2014/main" xmlns="" val="20000"/>
+                      <a16:colId xmlns:a16="http://schemas.microsoft.com/office/drawing/2014/main" val="20000"/>
                     </a:ext>
                   </a:extLst>
                 </a:gridCol>
                 <a:gridCol w="3149108">
                   <a:extLst>
                     <a:ext uri="{9D8B030D-6E8A-4147-A177-3AD203B41FA5}">
-                      <a16:colId xmlns:a16="http://schemas.microsoft.com/office/drawing/2014/main" xmlns="" val="20001"/>
+                      <a16:colId xmlns:a16="http://schemas.microsoft.com/office/drawing/2014/main" val="20001"/>
                     </a:ext>
                   </a:extLst>
                 </a:gridCol>
@@ -6918,7 +6807,7 @@
                 </a:tc>
                 <a:extLst>
                   <a:ext uri="{0D108BD9-81ED-4DB2-BD59-A6C34878D82A}">
-                    <a16:rowId xmlns:a16="http://schemas.microsoft.com/office/drawing/2014/main" xmlns="" val="10000"/>
+                    <a16:rowId xmlns:a16="http://schemas.microsoft.com/office/drawing/2014/main" val="10000"/>
                   </a:ext>
                 </a:extLst>
               </a:tr>
@@ -6972,10 +6861,10 @@
                         <a:defRPr sz="1500"/>
                       </a:pPr>
                       <a:r>
-                        <a:rPr lang="ko-KR" altLang="en-US" dirty="0" smtClean="0"/>
+                        <a:rPr lang="ko-KR" altLang="en-US" dirty="0"/>
                         <a:t>신청 완료 페이지</a:t>
                       </a:r>
-                      <a:endParaRPr lang="en-US" altLang="ko-KR" dirty="0" smtClean="0"/>
+                      <a:endParaRPr lang="en-US" altLang="ko-KR" dirty="0"/>
                     </a:p>
                     <a:p>
                       <a:pPr marL="171450" indent="-171450" algn="l">
@@ -6984,15 +6873,15 @@
                         <a:defRPr sz="1500"/>
                       </a:pPr>
                       <a:r>
-                        <a:rPr lang="ko-KR" altLang="en-US" sz="1200" dirty="0" smtClean="0"/>
+                        <a:rPr lang="ko-KR" altLang="en-US" sz="1200" dirty="0"/>
                         <a:t>무통장 입금 은행</a:t>
                       </a:r>
                       <a:r>
-                        <a:rPr lang="en-US" altLang="ko-KR" sz="1200" dirty="0" smtClean="0"/>
+                        <a:rPr lang="en-US" altLang="ko-KR" sz="1200" dirty="0"/>
                         <a:t>/</a:t>
                       </a:r>
                       <a:r>
-                        <a:rPr lang="ko-KR" altLang="en-US" sz="1200" dirty="0" smtClean="0"/>
+                        <a:rPr lang="ko-KR" altLang="en-US" sz="1200" dirty="0"/>
                         <a:t>계좌번호 안내</a:t>
                       </a:r>
                       <a:endParaRPr sz="1200" dirty="0"/>
@@ -7026,7 +6915,7 @@
                 </a:tc>
                 <a:extLst>
                   <a:ext uri="{0D108BD9-81ED-4DB2-BD59-A6C34878D82A}">
-                    <a16:rowId xmlns:a16="http://schemas.microsoft.com/office/drawing/2014/main" xmlns="" val="10001"/>
+                    <a16:rowId xmlns:a16="http://schemas.microsoft.com/office/drawing/2014/main" val="10001"/>
                   </a:ext>
                 </a:extLst>
               </a:tr>
@@ -7040,9 +6929,7 @@
           <p:cNvGraphicFramePr>
             <a:graphicFrameLocks noGrp="1"/>
           </p:cNvGraphicFramePr>
-          <p:nvPr>
-            <p:extLst/>
-          </p:nvPr>
+          <p:nvPr/>
         </p:nvGraphicFramePr>
         <p:xfrm>
           <a:off x="131601" y="1283516"/>
@@ -7058,7 +6945,7 @@
                 <a:gridCol w="8032096">
                   <a:extLst>
                     <a:ext uri="{9D8B030D-6E8A-4147-A177-3AD203B41FA5}">
-                      <a16:colId xmlns:a16="http://schemas.microsoft.com/office/drawing/2014/main" xmlns="" val="20000"/>
+                      <a16:colId xmlns:a16="http://schemas.microsoft.com/office/drawing/2014/main" val="20000"/>
                     </a:ext>
                   </a:extLst>
                 </a:gridCol>
@@ -7123,7 +7010,7 @@
                 </a:tc>
                 <a:extLst>
                   <a:ext uri="{0D108BD9-81ED-4DB2-BD59-A6C34878D82A}">
-                    <a16:rowId xmlns:a16="http://schemas.microsoft.com/office/drawing/2014/main" xmlns="" val="10000"/>
+                    <a16:rowId xmlns:a16="http://schemas.microsoft.com/office/drawing/2014/main" val="10000"/>
                   </a:ext>
                 </a:extLst>
               </a:tr>
@@ -7187,7 +7074,7 @@
                 </a:tc>
                 <a:extLst>
                   <a:ext uri="{0D108BD9-81ED-4DB2-BD59-A6C34878D82A}">
-                    <a16:rowId xmlns:a16="http://schemas.microsoft.com/office/drawing/2014/main" xmlns="" val="10001"/>
+                    <a16:rowId xmlns:a16="http://schemas.microsoft.com/office/drawing/2014/main" val="10001"/>
                   </a:ext>
                 </a:extLst>
               </a:tr>
@@ -7240,11 +7127,7 @@
               </a:pPr>
               <a:r>
                 <a:rPr lang="en-US" sz="1900" dirty="0"/>
-                <a:t>e</a:t>
-              </a:r>
-              <a:r>
-                <a:rPr lang="en-US" sz="1900" dirty="0" smtClean="0"/>
-                <a:t>-Zone</a:t>
+                <a:t>e-Zone</a:t>
               </a:r>
               <a:endParaRPr sz="1900" dirty="0"/>
             </a:p>
@@ -7349,7 +7232,7 @@
                 <a:gridCol w="5556421">
                   <a:extLst>
                     <a:ext uri="{9D8B030D-6E8A-4147-A177-3AD203B41FA5}">
-                      <a16:colId xmlns:a16="http://schemas.microsoft.com/office/drawing/2014/main" xmlns="" val="20000"/>
+                      <a16:colId xmlns:a16="http://schemas.microsoft.com/office/drawing/2014/main" val="20000"/>
                     </a:ext>
                   </a:extLst>
                 </a:gridCol>
@@ -7361,7 +7244,7 @@
                     <a:lstStyle/>
                     <a:p>
                       <a:pPr algn="ctr" latinLnBrk="1"/>
-                      <a:endParaRPr lang="en-US" altLang="ko-KR" sz="1200" dirty="0" smtClean="0">
+                      <a:endParaRPr lang="en-US" altLang="ko-KR" sz="1200" dirty="0">
                         <a:solidFill>
                           <a:schemeClr val="tx1"/>
                         </a:solidFill>
@@ -7369,7 +7252,7 @@
                     </a:p>
                     <a:p>
                       <a:pPr algn="ctr" latinLnBrk="1"/>
-                      <a:endParaRPr lang="en-US" altLang="ko-KR" sz="1200" dirty="0" smtClean="0">
+                      <a:endParaRPr lang="en-US" altLang="ko-KR" sz="1200" dirty="0">
                         <a:solidFill>
                           <a:schemeClr val="tx1"/>
                         </a:solidFill>
@@ -7377,7 +7260,7 @@
                     </a:p>
                     <a:p>
                       <a:pPr algn="ctr" latinLnBrk="1"/>
-                      <a:endParaRPr lang="en-US" altLang="ko-KR" sz="1200" dirty="0" smtClean="0">
+                      <a:endParaRPr lang="en-US" altLang="ko-KR" sz="1200" dirty="0">
                         <a:solidFill>
                           <a:schemeClr val="tx1"/>
                         </a:solidFill>
@@ -7385,7 +7268,7 @@
                     </a:p>
                     <a:p>
                       <a:pPr algn="ctr" latinLnBrk="1"/>
-                      <a:endParaRPr lang="en-US" altLang="ko-KR" sz="1200" dirty="0" smtClean="0">
+                      <a:endParaRPr lang="en-US" altLang="ko-KR" sz="1200" dirty="0">
                         <a:solidFill>
                           <a:schemeClr val="tx1"/>
                         </a:solidFill>
@@ -7394,14 +7277,14 @@
                     <a:p>
                       <a:pPr algn="ctr" latinLnBrk="1"/>
                       <a:r>
-                        <a:rPr lang="ko-KR" altLang="en-US" sz="1200" dirty="0" smtClean="0">
+                        <a:rPr lang="ko-KR" altLang="en-US" sz="1200" dirty="0">
                           <a:solidFill>
                             <a:schemeClr val="tx1"/>
                           </a:solidFill>
                         </a:rPr>
                         <a:t>신청이 완료 되었습니다</a:t>
                       </a:r>
-                      <a:endParaRPr lang="en-US" altLang="ko-KR" sz="1200" dirty="0" smtClean="0">
+                      <a:endParaRPr lang="en-US" altLang="ko-KR" sz="1200" dirty="0">
                         <a:solidFill>
                           <a:schemeClr val="tx1"/>
                         </a:solidFill>
@@ -7409,7 +7292,7 @@
                     </a:p>
                     <a:p>
                       <a:pPr algn="ctr" latinLnBrk="1"/>
-                      <a:endParaRPr lang="en-US" altLang="ko-KR" sz="1200" dirty="0" smtClean="0">
+                      <a:endParaRPr lang="en-US" altLang="ko-KR" sz="1200" dirty="0">
                         <a:solidFill>
                           <a:schemeClr val="tx1"/>
                         </a:solidFill>
@@ -7418,14 +7301,14 @@
                     <a:p>
                       <a:pPr algn="ctr" latinLnBrk="1"/>
                       <a:r>
-                        <a:rPr lang="ko-KR" altLang="en-US" sz="1200" dirty="0" smtClean="0">
+                        <a:rPr lang="ko-KR" altLang="en-US" sz="1200" dirty="0">
                           <a:solidFill>
                             <a:schemeClr val="tx1"/>
                           </a:solidFill>
                         </a:rPr>
                         <a:t>신청 확정을 위해서는 아래의 계좌번호로 무통장입금이 필요합니다</a:t>
                       </a:r>
-                      <a:endParaRPr lang="en-US" altLang="ko-KR" sz="1200" dirty="0" smtClean="0">
+                      <a:endParaRPr lang="en-US" altLang="ko-KR" sz="1200" dirty="0">
                         <a:solidFill>
                           <a:schemeClr val="tx1"/>
                         </a:solidFill>
@@ -7433,7 +7316,7 @@
                     </a:p>
                     <a:p>
                       <a:pPr latinLnBrk="1"/>
-                      <a:endParaRPr lang="en-US" altLang="ko-KR" sz="1200" dirty="0" smtClean="0">
+                      <a:endParaRPr lang="en-US" altLang="ko-KR" sz="1200" dirty="0">
                         <a:solidFill>
                           <a:schemeClr val="tx1"/>
                         </a:solidFill>
@@ -7441,7 +7324,7 @@
                     </a:p>
                     <a:p>
                       <a:pPr latinLnBrk="1"/>
-                      <a:endParaRPr lang="en-US" altLang="ko-KR" sz="1200" dirty="0" smtClean="0">
+                      <a:endParaRPr lang="en-US" altLang="ko-KR" sz="1200" dirty="0">
                         <a:solidFill>
                           <a:schemeClr val="tx1"/>
                         </a:solidFill>
@@ -7500,7 +7383,7 @@
                 </a:tc>
                 <a:extLst>
                   <a:ext uri="{0D108BD9-81ED-4DB2-BD59-A6C34878D82A}">
-                    <a16:rowId xmlns:a16="http://schemas.microsoft.com/office/drawing/2014/main" xmlns="" val="10000"/>
+                    <a16:rowId xmlns:a16="http://schemas.microsoft.com/office/drawing/2014/main" val="10000"/>
                   </a:ext>
                 </a:extLst>
               </a:tr>
@@ -7536,14 +7419,14 @@
                 <a:gridCol w="904763">
                   <a:extLst>
                     <a:ext uri="{9D8B030D-6E8A-4147-A177-3AD203B41FA5}">
-                      <a16:colId xmlns:a16="http://schemas.microsoft.com/office/drawing/2014/main" xmlns="" val="20000"/>
+                      <a16:colId xmlns:a16="http://schemas.microsoft.com/office/drawing/2014/main" val="20000"/>
                     </a:ext>
                   </a:extLst>
                 </a:gridCol>
                 <a:gridCol w="3196281">
                   <a:extLst>
                     <a:ext uri="{9D8B030D-6E8A-4147-A177-3AD203B41FA5}">
-                      <a16:colId xmlns:a16="http://schemas.microsoft.com/office/drawing/2014/main" xmlns="" val="20001"/>
+                      <a16:colId xmlns:a16="http://schemas.microsoft.com/office/drawing/2014/main" val="20001"/>
                     </a:ext>
                   </a:extLst>
                 </a:gridCol>
@@ -7556,7 +7439,7 @@
                     <a:p>
                       <a:pPr algn="l" latinLnBrk="1"/>
                       <a:r>
-                        <a:rPr lang="ko-KR" altLang="en-US" sz="1200" b="0" dirty="0" smtClean="0">
+                        <a:rPr lang="ko-KR" altLang="en-US" sz="1200" b="0" dirty="0">
                           <a:solidFill>
                             <a:schemeClr val="tx1"/>
                           </a:solidFill>
@@ -7624,7 +7507,7 @@
                     <a:p>
                       <a:pPr algn="r" latinLnBrk="1"/>
                       <a:r>
-                        <a:rPr lang="en-US" altLang="ko-KR" sz="1200" b="0" dirty="0" smtClean="0">
+                        <a:rPr lang="en-US" altLang="ko-KR" sz="1200" b="0" dirty="0">
                           <a:solidFill>
                             <a:schemeClr val="tx1"/>
                           </a:solidFill>
@@ -7690,7 +7573,7 @@
                 </a:tc>
                 <a:extLst>
                   <a:ext uri="{0D108BD9-81ED-4DB2-BD59-A6C34878D82A}">
-                    <a16:rowId xmlns:a16="http://schemas.microsoft.com/office/drawing/2014/main" xmlns="" val="10000"/>
+                    <a16:rowId xmlns:a16="http://schemas.microsoft.com/office/drawing/2014/main" val="10000"/>
                   </a:ext>
                 </a:extLst>
               </a:tr>
@@ -7743,7 +7626,7 @@
           <a:p>
             <a:pPr algn="ctr"/>
             <a:r>
-              <a:rPr lang="ko-KR" altLang="en-US" sz="1100" dirty="0" smtClean="0">
+              <a:rPr lang="ko-KR" altLang="en-US" sz="1100" dirty="0">
                 <a:ln>
                   <a:solidFill>
                     <a:schemeClr val="bg1"/>
@@ -7755,16 +7638,6 @@
               </a:rPr>
               <a:t>홈으로</a:t>
             </a:r>
-            <a:endParaRPr lang="ko-KR" altLang="en-US" sz="1100" dirty="0">
-              <a:ln>
-                <a:solidFill>
-                  <a:schemeClr val="bg1"/>
-                </a:solidFill>
-              </a:ln>
-              <a:solidFill>
-                <a:srgbClr val="FFC000"/>
-              </a:solidFill>
-            </a:endParaRPr>
           </a:p>
         </p:txBody>
       </p:sp>
@@ -7793,7 +7666,13 @@
                 <a:noFill/>
               </a:tblPr>
               <a:tblGrid>
-                <a:gridCol w="3491813"/>
+                <a:gridCol w="3491813">
+                  <a:extLst>
+                    <a:ext uri="{9D8B030D-6E8A-4147-A177-3AD203B41FA5}">
+                      <a16:colId xmlns:a16="http://schemas.microsoft.com/office/drawing/2014/main" val="20000"/>
+                    </a:ext>
+                  </a:extLst>
+                </a:gridCol>
               </a:tblGrid>
               <a:tr h="413450">
                 <a:tc>
@@ -7819,7 +7698,7 @@
                         <a:buNone/>
                       </a:pPr>
                       <a:r>
-                        <a:rPr lang="ko-KR" altLang="en-US" sz="1700" b="0" u="none" strike="noStrike" cap="none" dirty="0" smtClean="0">
+                        <a:rPr lang="ko-KR" altLang="en-US" sz="1700" b="0" u="none" strike="noStrike" cap="none" dirty="0">
                           <a:solidFill>
                             <a:schemeClr val="dk1"/>
                           </a:solidFill>
@@ -7875,6 +7754,11 @@
                     </a:solidFill>
                   </a:tcPr>
                 </a:tc>
+                <a:extLst>
+                  <a:ext uri="{0D108BD9-81ED-4DB2-BD59-A6C34878D82A}">
+                    <a16:rowId xmlns:a16="http://schemas.microsoft.com/office/drawing/2014/main" val="10000"/>
+                  </a:ext>
+                </a:extLst>
               </a:tr>
               <a:tr h="434794">
                 <a:tc>
@@ -7908,7 +7792,7 @@
                         </a:defRPr>
                       </a:pPr>
                       <a:r>
-                        <a:rPr lang="en-US" altLang="ko-KR" sz="1800" b="0" u="none" strike="noStrike" cap="none" dirty="0" err="1" smtClean="0">
+                        <a:rPr lang="en-US" altLang="ko-KR" sz="1800" b="0" u="none" strike="noStrike" cap="none" dirty="0" err="1">
                           <a:solidFill>
                             <a:schemeClr val="dk1"/>
                           </a:solidFill>
@@ -7964,6 +7848,11 @@
                     </a:solidFill>
                   </a:tcPr>
                 </a:tc>
+                <a:extLst>
+                  <a:ext uri="{0D108BD9-81ED-4DB2-BD59-A6C34878D82A}">
+                    <a16:rowId xmlns:a16="http://schemas.microsoft.com/office/drawing/2014/main" val="10001"/>
+                  </a:ext>
+                </a:extLst>
               </a:tr>
             </a:tbl>
           </a:graphicData>
@@ -7998,7 +7887,7 @@
               <a:defRPr/>
             </a:pPr>
             <a:r>
-              <a:rPr lang="en-US" altLang="ko-KR" sz="2500" dirty="0" smtClean="0">
+              <a:rPr lang="en-US" altLang="ko-KR" sz="2500" dirty="0">
                 <a:solidFill>
                   <a:schemeClr val="bg1"/>
                 </a:solidFill>
@@ -8007,7 +7896,7 @@
               <a:t>[</a:t>
             </a:r>
             <a:r>
-              <a:rPr lang="ko-KR" altLang="en-US" sz="2500" dirty="0" smtClean="0">
+              <a:rPr lang="ko-KR" altLang="en-US" sz="2500" dirty="0">
                 <a:solidFill>
                   <a:schemeClr val="bg1"/>
                 </a:solidFill>
@@ -8016,7 +7905,7 @@
               <a:t>화면 설계</a:t>
             </a:r>
             <a:r>
-              <a:rPr lang="en-US" altLang="ko-KR" sz="2500" dirty="0" smtClean="0">
+              <a:rPr lang="en-US" altLang="ko-KR" sz="2500" dirty="0">
                 <a:solidFill>
                   <a:schemeClr val="bg1"/>
                 </a:solidFill>
@@ -8025,7 +7914,7 @@
               <a:t>]</a:t>
             </a:r>
             <a:r>
-              <a:rPr lang="ko-KR" altLang="en-US" sz="2500" dirty="0" smtClean="0">
+              <a:rPr lang="ko-KR" altLang="en-US" sz="2500" dirty="0">
                 <a:solidFill>
                   <a:schemeClr val="bg1"/>
                 </a:solidFill>
@@ -8050,7 +7939,7 @@
               <a:t>웹</a:t>
             </a:r>
             <a:r>
-              <a:rPr lang="ko-KR" altLang="en-US" sz="2500" dirty="0" smtClean="0">
+              <a:rPr lang="ko-KR" altLang="en-US" sz="2500" dirty="0">
                 <a:solidFill>
                   <a:schemeClr val="bg1"/>
                 </a:solidFill>
@@ -8059,7 +7948,7 @@
               <a:t> </a:t>
             </a:r>
             <a:r>
-              <a:rPr lang="en-US" altLang="ko-KR" sz="2500" dirty="0" smtClean="0">
+              <a:rPr lang="en-US" altLang="ko-KR" sz="2500" dirty="0">
                 <a:solidFill>
                   <a:schemeClr val="bg1"/>
                 </a:solidFill>
@@ -8068,7 +7957,7 @@
               <a:t>– </a:t>
             </a:r>
             <a:r>
-              <a:rPr lang="ko-KR" altLang="en-US" sz="2500" dirty="0" smtClean="0">
+              <a:rPr lang="ko-KR" altLang="en-US" sz="2500" dirty="0">
                 <a:solidFill>
                   <a:schemeClr val="bg1"/>
                 </a:solidFill>
@@ -8077,7 +7966,7 @@
               <a:t>세미나 결제 페이지</a:t>
             </a:r>
             <a:r>
-              <a:rPr lang="en-US" altLang="ko-KR" sz="2500" dirty="0" smtClean="0">
+              <a:rPr lang="en-US" altLang="ko-KR" sz="2500" dirty="0">
                 <a:solidFill>
                   <a:schemeClr val="bg1"/>
                 </a:solidFill>
@@ -8104,13 +7993,6 @@
   <p:clrMapOvr>
     <a:masterClrMapping/>
   </p:clrMapOvr>
-  <p:timing>
-    <p:tnLst>
-      <p:par>
-        <p:cTn id="1" dur="indefinite" restart="never" nodeType="tmRoot"/>
-      </p:par>
-    </p:tnLst>
-  </p:timing>
 </p:sld>
 </file>
 
@@ -8160,7 +8042,7 @@
               <a:defRPr/>
             </a:pPr>
             <a:r>
-              <a:rPr lang="en-US" altLang="ko-KR" sz="2500" dirty="0" smtClean="0">
+              <a:rPr lang="en-US" altLang="ko-KR" sz="2500" dirty="0">
                 <a:solidFill>
                   <a:schemeClr val="bg1"/>
                 </a:solidFill>
@@ -8169,7 +8051,7 @@
               <a:t>[</a:t>
             </a:r>
             <a:r>
-              <a:rPr lang="ko-KR" altLang="en-US" sz="2500" dirty="0" smtClean="0">
+              <a:rPr lang="ko-KR" altLang="en-US" sz="2500" dirty="0">
                 <a:solidFill>
                   <a:schemeClr val="bg1"/>
                 </a:solidFill>
@@ -8178,7 +8060,7 @@
               <a:t>화면 설계</a:t>
             </a:r>
             <a:r>
-              <a:rPr lang="en-US" altLang="ko-KR" sz="2500" dirty="0" smtClean="0">
+              <a:rPr lang="en-US" altLang="ko-KR" sz="2500" dirty="0">
                 <a:solidFill>
                   <a:schemeClr val="bg1"/>
                 </a:solidFill>
@@ -8187,7 +8069,7 @@
               <a:t>]</a:t>
             </a:r>
             <a:r>
-              <a:rPr lang="ko-KR" altLang="en-US" sz="2500" dirty="0" smtClean="0">
+              <a:rPr lang="ko-KR" altLang="en-US" sz="2500" dirty="0">
                 <a:solidFill>
                   <a:schemeClr val="bg1"/>
                 </a:solidFill>
@@ -8212,7 +8094,7 @@
               <a:t>웹</a:t>
             </a:r>
             <a:r>
-              <a:rPr lang="ko-KR" altLang="en-US" sz="2500" dirty="0" smtClean="0">
+              <a:rPr lang="ko-KR" altLang="en-US" sz="2500" dirty="0">
                 <a:solidFill>
                   <a:schemeClr val="bg1"/>
                 </a:solidFill>
@@ -8221,7 +8103,7 @@
               <a:t> </a:t>
             </a:r>
             <a:r>
-              <a:rPr lang="en-US" altLang="ko-KR" sz="2500" dirty="0" smtClean="0">
+              <a:rPr lang="en-US" altLang="ko-KR" sz="2500" dirty="0">
                 <a:solidFill>
                   <a:schemeClr val="bg1"/>
                 </a:solidFill>
@@ -8230,7 +8112,7 @@
               <a:t>– </a:t>
             </a:r>
             <a:r>
-              <a:rPr lang="ko-KR" altLang="en-US" sz="2500" dirty="0" smtClean="0">
+              <a:rPr lang="ko-KR" altLang="en-US" sz="2500" dirty="0">
                 <a:solidFill>
                   <a:schemeClr val="bg1"/>
                 </a:solidFill>
@@ -8239,7 +8121,7 @@
               <a:t>세미나 결제 페이지</a:t>
             </a:r>
             <a:r>
-              <a:rPr lang="en-US" altLang="ko-KR" sz="2500" dirty="0" smtClean="0">
+              <a:rPr lang="en-US" altLang="ko-KR" sz="2500" dirty="0">
                 <a:solidFill>
                   <a:schemeClr val="bg1"/>
                 </a:solidFill>
@@ -8445,13 +8327,2097 @@
   <p:clrMapOvr>
     <a:masterClrMapping/>
   </p:clrMapOvr>
-  <p:timing>
-    <p:tnLst>
-      <p:par>
-        <p:cTn id="1" dur="indefinite" restart="never" nodeType="tmRoot"/>
-      </p:par>
-    </p:tnLst>
-  </p:timing>
+</p:sld>
+</file>
+
+<file path=ppt/slides/slide15.xml><?xml version="1.0" encoding="utf-8"?>
+<p:sld xmlns:a="http://schemas.openxmlformats.org/drawingml/2006/main" xmlns:r="http://schemas.openxmlformats.org/officeDocument/2006/relationships" xmlns:p="http://schemas.openxmlformats.org/presentationml/2006/main">
+  <p:cSld>
+    <p:spTree>
+      <p:nvGrpSpPr>
+        <p:cNvPr id="1" name=""/>
+        <p:cNvGrpSpPr/>
+        <p:nvPr/>
+      </p:nvGrpSpPr>
+      <p:grpSpPr>
+        <a:xfrm>
+          <a:off x="0" y="0"/>
+          <a:ext cx="0" cy="0"/>
+          <a:chOff x="0" y="0"/>
+          <a:chExt cx="0" cy="0"/>
+        </a:xfrm>
+      </p:grpSpPr>
+      <p:graphicFrame>
+        <p:nvGraphicFramePr>
+          <p:cNvPr id="9" name="표 8"/>
+          <p:cNvGraphicFramePr>
+            <a:graphicFrameLocks noGrp="1"/>
+          </p:cNvGraphicFramePr>
+          <p:nvPr/>
+        </p:nvGraphicFramePr>
+        <p:xfrm>
+          <a:off x="131601" y="1283516"/>
+          <a:ext cx="8032096" cy="5347943"/>
+        </p:xfrm>
+        <a:graphic>
+          <a:graphicData uri="http://schemas.openxmlformats.org/drawingml/2006/table">
+            <a:tbl>
+              <a:tblPr firstRow="1" bandRow="1">
+                <a:tableStyleId>{5C22544A-7EE6-4342-B048-85BDC9FD1C3A}</a:tableStyleId>
+              </a:tblPr>
+              <a:tblGrid>
+                <a:gridCol w="8032096">
+                  <a:extLst>
+                    <a:ext uri="{9D8B030D-6E8A-4147-A177-3AD203B41FA5}">
+                      <a16:colId xmlns:a16="http://schemas.microsoft.com/office/drawing/2014/main" val="20000"/>
+                    </a:ext>
+                  </a:extLst>
+                </a:gridCol>
+              </a:tblGrid>
+              <a:tr h="5347943">
+                <a:tc>
+                  <a:txBody>
+                    <a:bodyPr/>
+                    <a:lstStyle/>
+                    <a:p>
+                      <a:pPr latinLnBrk="1"/>
+                      <a:endParaRPr lang="ko-KR" altLang="en-US" dirty="0"/>
+                    </a:p>
+                  </a:txBody>
+                  <a:tcPr>
+                    <a:lnL w="12700" cap="flat" cmpd="sng" algn="ctr">
+                      <a:solidFill>
+                        <a:schemeClr val="tx1"/>
+                      </a:solidFill>
+                      <a:prstDash val="solid"/>
+                      <a:round/>
+                      <a:headEnd type="none" w="med" len="med"/>
+                      <a:tailEnd type="none" w="med" len="med"/>
+                    </a:lnL>
+                    <a:lnR w="12700" cap="flat" cmpd="sng" algn="ctr">
+                      <a:solidFill>
+                        <a:schemeClr val="tx1"/>
+                      </a:solidFill>
+                      <a:prstDash val="solid"/>
+                      <a:round/>
+                      <a:headEnd type="none" w="med" len="med"/>
+                      <a:tailEnd type="none" w="med" len="med"/>
+                    </a:lnR>
+                    <a:lnT w="12700" cap="flat" cmpd="sng" algn="ctr">
+                      <a:solidFill>
+                        <a:schemeClr val="tx1"/>
+                      </a:solidFill>
+                      <a:prstDash val="solid"/>
+                      <a:round/>
+                      <a:headEnd type="none" w="med" len="med"/>
+                      <a:tailEnd type="none" w="med" len="med"/>
+                    </a:lnT>
+                    <a:lnB w="12700" cap="flat" cmpd="sng" algn="ctr">
+                      <a:solidFill>
+                        <a:schemeClr val="tx1"/>
+                      </a:solidFill>
+                      <a:prstDash val="solid"/>
+                      <a:round/>
+                      <a:headEnd type="none" w="med" len="med"/>
+                      <a:tailEnd type="none" w="med" len="med"/>
+                    </a:lnB>
+                    <a:lnTlToBr w="12700" cmpd="sng">
+                      <a:noFill/>
+                      <a:prstDash val="solid"/>
+                    </a:lnTlToBr>
+                    <a:lnBlToTr w="12700" cmpd="sng">
+                      <a:noFill/>
+                      <a:prstDash val="solid"/>
+                    </a:lnBlToTr>
+                    <a:solidFill>
+                      <a:schemeClr val="bg1"/>
+                    </a:solidFill>
+                  </a:tcPr>
+                </a:tc>
+                <a:extLst>
+                  <a:ext uri="{0D108BD9-81ED-4DB2-BD59-A6C34878D82A}">
+                    <a16:rowId xmlns:a16="http://schemas.microsoft.com/office/drawing/2014/main" val="10000"/>
+                  </a:ext>
+                </a:extLst>
+              </a:tr>
+            </a:tbl>
+          </a:graphicData>
+        </a:graphic>
+      </p:graphicFrame>
+      <p:graphicFrame>
+        <p:nvGraphicFramePr>
+          <p:cNvPr id="21" name="표 13"/>
+          <p:cNvGraphicFramePr/>
+          <p:nvPr/>
+        </p:nvGraphicFramePr>
+        <p:xfrm>
+          <a:off x="8534400" y="2405366"/>
+          <a:ext cx="3491813" cy="1326453"/>
+        </p:xfrm>
+        <a:graphic>
+          <a:graphicData uri="http://schemas.openxmlformats.org/drawingml/2006/table">
+            <a:tbl>
+              <a:tblPr firstRow="1"/>
+              <a:tblGrid>
+                <a:gridCol w="342705">
+                  <a:extLst>
+                    <a:ext uri="{9D8B030D-6E8A-4147-A177-3AD203B41FA5}">
+                      <a16:colId xmlns:a16="http://schemas.microsoft.com/office/drawing/2014/main" val="20000"/>
+                    </a:ext>
+                  </a:extLst>
+                </a:gridCol>
+                <a:gridCol w="3149108">
+                  <a:extLst>
+                    <a:ext uri="{9D8B030D-6E8A-4147-A177-3AD203B41FA5}">
+                      <a16:colId xmlns:a16="http://schemas.microsoft.com/office/drawing/2014/main" val="20001"/>
+                    </a:ext>
+                  </a:extLst>
+                </a:gridCol>
+              </a:tblGrid>
+              <a:tr h="378460">
+                <a:tc>
+                  <a:txBody>
+                    <a:bodyPr/>
+                    <a:lstStyle/>
+                    <a:p>
+                      <a:pPr algn="ctr">
+                        <a:defRPr sz="1800" b="0">
+                          <a:solidFill>
+                            <a:srgbClr val="000000"/>
+                          </a:solidFill>
+                        </a:defRPr>
+                      </a:pPr>
+                      <a:r>
+                        <a:rPr sz="1500" b="1" dirty="0"/>
+                        <a:t>#</a:t>
+                      </a:r>
+                    </a:p>
+                  </a:txBody>
+                  <a:tcPr marL="45720" marR="45720" anchor="ctr" horzOverflow="overflow">
+                    <a:lnL w="12700">
+                      <a:solidFill>
+                        <a:srgbClr val="000000"/>
+                      </a:solidFill>
+                    </a:lnL>
+                    <a:lnR w="12700">
+                      <a:solidFill>
+                        <a:srgbClr val="000000"/>
+                      </a:solidFill>
+                    </a:lnR>
+                    <a:lnT w="12700">
+                      <a:solidFill>
+                        <a:srgbClr val="000000"/>
+                      </a:solidFill>
+                    </a:lnT>
+                    <a:lnB w="12700">
+                      <a:solidFill>
+                        <a:srgbClr val="000000"/>
+                      </a:solidFill>
+                    </a:lnB>
+                    <a:solidFill>
+                      <a:srgbClr val="D9D9D9"/>
+                    </a:solidFill>
+                  </a:tcPr>
+                </a:tc>
+                <a:tc>
+                  <a:txBody>
+                    <a:bodyPr/>
+                    <a:lstStyle/>
+                    <a:p>
+                      <a:pPr algn="ctr">
+                        <a:defRPr sz="1800" b="0">
+                          <a:solidFill>
+                            <a:srgbClr val="000000"/>
+                          </a:solidFill>
+                        </a:defRPr>
+                      </a:pPr>
+                      <a:r>
+                        <a:rPr sz="1500" b="1"/>
+                        <a:t>기능명</a:t>
+                      </a:r>
+                    </a:p>
+                  </a:txBody>
+                  <a:tcPr marL="45720" marR="45720" anchor="ctr" horzOverflow="overflow">
+                    <a:lnL w="12700">
+                      <a:solidFill>
+                        <a:srgbClr val="000000"/>
+                      </a:solidFill>
+                    </a:lnL>
+                    <a:lnR w="12700">
+                      <a:solidFill>
+                        <a:srgbClr val="000000"/>
+                      </a:solidFill>
+                    </a:lnR>
+                    <a:lnT w="12700">
+                      <a:solidFill>
+                        <a:srgbClr val="000000"/>
+                      </a:solidFill>
+                    </a:lnT>
+                    <a:lnB w="12700">
+                      <a:solidFill>
+                        <a:srgbClr val="000000"/>
+                      </a:solidFill>
+                    </a:lnB>
+                    <a:solidFill>
+                      <a:srgbClr val="D9D9D9"/>
+                    </a:solidFill>
+                  </a:tcPr>
+                </a:tc>
+                <a:extLst>
+                  <a:ext uri="{0D108BD9-81ED-4DB2-BD59-A6C34878D82A}">
+                    <a16:rowId xmlns:a16="http://schemas.microsoft.com/office/drawing/2014/main" val="10000"/>
+                  </a:ext>
+                </a:extLst>
+              </a:tr>
+              <a:tr h="947993">
+                <a:tc>
+                  <a:txBody>
+                    <a:bodyPr/>
+                    <a:lstStyle/>
+                    <a:p>
+                      <a:pPr algn="ctr">
+                        <a:defRPr sz="1800"/>
+                      </a:pPr>
+                      <a:r>
+                        <a:rPr sz="1500"/>
+                        <a:t>1</a:t>
+                      </a:r>
+                    </a:p>
+                  </a:txBody>
+                  <a:tcPr marL="45720" marR="45720" anchor="ctr" horzOverflow="overflow">
+                    <a:lnL w="12700">
+                      <a:solidFill>
+                        <a:srgbClr val="000000"/>
+                      </a:solidFill>
+                    </a:lnL>
+                    <a:lnR w="12700">
+                      <a:solidFill>
+                        <a:srgbClr val="000000"/>
+                      </a:solidFill>
+                    </a:lnR>
+                    <a:lnT w="12700">
+                      <a:solidFill>
+                        <a:srgbClr val="000000"/>
+                      </a:solidFill>
+                    </a:lnT>
+                    <a:lnB w="12700">
+                      <a:solidFill>
+                        <a:srgbClr val="000000"/>
+                      </a:solidFill>
+                    </a:lnB>
+                    <a:solidFill>
+                      <a:srgbClr val="FFFFFF"/>
+                    </a:solidFill>
+                  </a:tcPr>
+                </a:tc>
+                <a:tc>
+                  <a:txBody>
+                    <a:bodyPr/>
+                    <a:lstStyle/>
+                    <a:p>
+                      <a:pPr algn="l">
+                        <a:defRPr sz="1500"/>
+                      </a:pPr>
+                      <a:r>
+                        <a:rPr lang="ko-KR" altLang="en-US" dirty="0"/>
+                        <a:t>참여 인원 선택</a:t>
+                      </a:r>
+                      <a:endParaRPr lang="en-US" altLang="ko-KR" dirty="0"/>
+                    </a:p>
+                  </a:txBody>
+                  <a:tcPr marL="45720" marR="45720" horzOverflow="overflow">
+                    <a:lnL w="12700">
+                      <a:solidFill>
+                        <a:srgbClr val="000000"/>
+                      </a:solidFill>
+                    </a:lnL>
+                    <a:lnR w="12700">
+                      <a:solidFill>
+                        <a:srgbClr val="000000"/>
+                      </a:solidFill>
+                    </a:lnR>
+                    <a:lnT w="12700">
+                      <a:solidFill>
+                        <a:srgbClr val="000000"/>
+                      </a:solidFill>
+                    </a:lnT>
+                    <a:lnB w="12700">
+                      <a:solidFill>
+                        <a:srgbClr val="000000"/>
+                      </a:solidFill>
+                    </a:lnB>
+                    <a:solidFill>
+                      <a:srgbClr val="FFFFFF"/>
+                    </a:solidFill>
+                  </a:tcPr>
+                </a:tc>
+                <a:extLst>
+                  <a:ext uri="{0D108BD9-81ED-4DB2-BD59-A6C34878D82A}">
+                    <a16:rowId xmlns:a16="http://schemas.microsoft.com/office/drawing/2014/main" val="10001"/>
+                  </a:ext>
+                </a:extLst>
+              </a:tr>
+            </a:tbl>
+          </a:graphicData>
+        </a:graphic>
+      </p:graphicFrame>
+      <p:pic>
+        <p:nvPicPr>
+          <p:cNvPr id="3" name="그림 2"/>
+          <p:cNvPicPr>
+            <a:picLocks noChangeAspect="1"/>
+          </p:cNvPicPr>
+          <p:nvPr/>
+        </p:nvPicPr>
+        <p:blipFill>
+          <a:blip r:embed="rId2"/>
+          <a:stretch>
+            <a:fillRect/>
+          </a:stretch>
+        </p:blipFill>
+        <p:spPr>
+          <a:xfrm>
+            <a:off x="2883242" y="1492338"/>
+            <a:ext cx="2413687" cy="4764300"/>
+          </a:xfrm>
+          <a:prstGeom prst="rect">
+            <a:avLst/>
+          </a:prstGeom>
+          <a:ln>
+            <a:solidFill>
+              <a:schemeClr val="tx1"/>
+            </a:solidFill>
+          </a:ln>
+        </p:spPr>
+      </p:pic>
+      <p:pic>
+        <p:nvPicPr>
+          <p:cNvPr id="7" name="그림 6"/>
+          <p:cNvPicPr>
+            <a:picLocks noChangeAspect="1"/>
+          </p:cNvPicPr>
+          <p:nvPr/>
+        </p:nvPicPr>
+        <p:blipFill>
+          <a:blip r:embed="rId3"/>
+          <a:stretch>
+            <a:fillRect/>
+          </a:stretch>
+        </p:blipFill>
+        <p:spPr>
+          <a:xfrm>
+            <a:off x="3058930" y="4293191"/>
+            <a:ext cx="142895" cy="133369"/>
+          </a:xfrm>
+          <a:prstGeom prst="rect">
+            <a:avLst/>
+          </a:prstGeom>
+        </p:spPr>
+      </p:pic>
+      <p:graphicFrame>
+        <p:nvGraphicFramePr>
+          <p:cNvPr id="16" name="표 15"/>
+          <p:cNvGraphicFramePr>
+            <a:graphicFrameLocks noGrp="1"/>
+          </p:cNvGraphicFramePr>
+          <p:nvPr/>
+        </p:nvGraphicFramePr>
+        <p:xfrm>
+          <a:off x="8534400" y="1283516"/>
+          <a:ext cx="3491813" cy="848244"/>
+        </p:xfrm>
+        <a:graphic>
+          <a:graphicData uri="http://schemas.openxmlformats.org/drawingml/2006/table">
+            <a:tbl>
+              <a:tblPr firstRow="1" bandRow="1">
+                <a:noFill/>
+              </a:tblPr>
+              <a:tblGrid>
+                <a:gridCol w="3491813">
+                  <a:extLst>
+                    <a:ext uri="{9D8B030D-6E8A-4147-A177-3AD203B41FA5}">
+                      <a16:colId xmlns:a16="http://schemas.microsoft.com/office/drawing/2014/main" val="20000"/>
+                    </a:ext>
+                  </a:extLst>
+                </a:gridCol>
+              </a:tblGrid>
+              <a:tr h="413450">
+                <a:tc>
+                  <a:txBody>
+                    <a:bodyPr/>
+                    <a:lstStyle/>
+                    <a:p>
+                      <a:pPr marL="0" marR="0" lvl="0" indent="0" algn="ctr" rtl="0">
+                        <a:lnSpc>
+                          <a:spcPct val="100000"/>
+                        </a:lnSpc>
+                        <a:spcBef>
+                          <a:spcPts val="0"/>
+                        </a:spcBef>
+                        <a:spcAft>
+                          <a:spcPts val="0"/>
+                        </a:spcAft>
+                        <a:buClr>
+                          <a:srgbClr val="000000"/>
+                        </a:buClr>
+                        <a:buSzPts val="1500"/>
+                        <a:buFont typeface="Arial"/>
+                        <a:buNone/>
+                      </a:pPr>
+                      <a:r>
+                        <a:rPr lang="ko-KR" altLang="en-US" sz="1700" b="0" u="none" strike="noStrike" cap="none" dirty="0">
+                          <a:solidFill>
+                            <a:schemeClr val="dk1"/>
+                          </a:solidFill>
+                        </a:rPr>
+                        <a:t>화면코드</a:t>
+                      </a:r>
+                      <a:endParaRPr sz="1700" b="0" u="none" strike="noStrike" cap="none" dirty="0">
+                        <a:solidFill>
+                          <a:schemeClr val="dk1"/>
+                        </a:solidFill>
+                      </a:endParaRPr>
+                    </a:p>
+                  </a:txBody>
+                  <a:tcPr marL="74304" marR="74304" marT="45725" marB="45725" anchor="ctr">
+                    <a:lnL w="12700" cap="flat" cmpd="sng">
+                      <a:solidFill>
+                        <a:schemeClr val="dk1"/>
+                      </a:solidFill>
+                      <a:prstDash val="solid"/>
+                      <a:round/>
+                      <a:headEnd type="none" w="sm" len="sm"/>
+                      <a:tailEnd type="none" w="sm" len="sm"/>
+                    </a:lnL>
+                    <a:lnR w="12700" cap="flat" cmpd="sng">
+                      <a:solidFill>
+                        <a:schemeClr val="dk1"/>
+                      </a:solidFill>
+                      <a:prstDash val="solid"/>
+                      <a:round/>
+                      <a:headEnd type="none" w="sm" len="sm"/>
+                      <a:tailEnd type="none" w="sm" len="sm"/>
+                    </a:lnR>
+                    <a:lnT w="12700" cap="flat" cmpd="sng">
+                      <a:solidFill>
+                        <a:schemeClr val="dk1"/>
+                      </a:solidFill>
+                      <a:prstDash val="solid"/>
+                      <a:round/>
+                      <a:headEnd type="none" w="sm" len="sm"/>
+                      <a:tailEnd type="none" w="sm" len="sm"/>
+                    </a:lnT>
+                    <a:lnB w="12700" cap="flat" cmpd="sng" algn="ctr">
+                      <a:solidFill>
+                        <a:schemeClr val="dk1"/>
+                      </a:solidFill>
+                      <a:prstDash val="solid"/>
+                      <a:round/>
+                      <a:headEnd type="none" w="sm" len="sm"/>
+                      <a:tailEnd type="none" w="sm" len="sm"/>
+                    </a:lnB>
+                    <a:solidFill>
+                      <a:srgbClr val="D8D8D8"/>
+                    </a:solidFill>
+                  </a:tcPr>
+                </a:tc>
+                <a:extLst>
+                  <a:ext uri="{0D108BD9-81ED-4DB2-BD59-A6C34878D82A}">
+                    <a16:rowId xmlns:a16="http://schemas.microsoft.com/office/drawing/2014/main" val="10000"/>
+                  </a:ext>
+                </a:extLst>
+              </a:tr>
+              <a:tr h="434794">
+                <a:tc>
+                  <a:txBody>
+                    <a:bodyPr/>
+                    <a:lstStyle/>
+                    <a:p>
+                      <a:pPr marL="0" marR="0" lvl="0" indent="0" algn="ctr" defTabSz="914400" rtl="0" eaLnBrk="1" fontAlgn="auto" latinLnBrk="1" hangingPunct="1">
+                        <a:lnSpc>
+                          <a:spcPct val="100000"/>
+                        </a:lnSpc>
+                        <a:spcBef>
+                          <a:spcPts val="0"/>
+                        </a:spcBef>
+                        <a:spcAft>
+                          <a:spcPts val="0"/>
+                        </a:spcAft>
+                        <a:buClrTx/>
+                        <a:buSzTx/>
+                        <a:buFontTx/>
+                        <a:buNone/>
+                        <a:tabLst/>
+                        <a:defRPr sz="1000" b="0">
+                          <a:solidFill>
+                            <a:srgbClr val="000000"/>
+                          </a:solidFill>
+                          <a:latin typeface="Arial"/>
+                          <a:ea typeface="Arial"/>
+                          <a:cs typeface="Arial"/>
+                          <a:sym typeface="Arial"/>
+                        </a:defRPr>
+                      </a:pPr>
+                      <a:r>
+                        <a:rPr lang="en-US" altLang="ko-KR" sz="1700" b="0" u="none" strike="noStrike" cap="none" dirty="0" err="1">
+                          <a:solidFill>
+                            <a:schemeClr val="dk1"/>
+                          </a:solidFill>
+                        </a:rPr>
+                        <a:t>sh_user_m_semiDetail</a:t>
+                      </a:r>
+                      <a:endParaRPr lang="en-US" altLang="ko-KR" sz="1700" b="0" u="none" strike="noStrike" cap="none" dirty="0">
+                        <a:solidFill>
+                          <a:schemeClr val="dk1"/>
+                        </a:solidFill>
+                      </a:endParaRPr>
+                    </a:p>
+                  </a:txBody>
+                  <a:tcPr marL="74304" marR="74304" marT="45725" marB="45725" anchor="ctr">
+                    <a:lnL w="12700" cap="flat" cmpd="sng" algn="ctr">
+                      <a:solidFill>
+                        <a:schemeClr val="dk1"/>
+                      </a:solidFill>
+                      <a:prstDash val="solid"/>
+                      <a:round/>
+                      <a:headEnd type="none" w="sm" len="sm"/>
+                      <a:tailEnd type="none" w="sm" len="sm"/>
+                    </a:lnL>
+                    <a:lnR w="12700" cap="flat" cmpd="sng" algn="ctr">
+                      <a:solidFill>
+                        <a:schemeClr val="dk1"/>
+                      </a:solidFill>
+                      <a:prstDash val="solid"/>
+                      <a:round/>
+                      <a:headEnd type="none" w="sm" len="sm"/>
+                      <a:tailEnd type="none" w="sm" len="sm"/>
+                    </a:lnR>
+                    <a:lnT w="12700" cap="flat" cmpd="sng" algn="ctr">
+                      <a:solidFill>
+                        <a:schemeClr val="dk1"/>
+                      </a:solidFill>
+                      <a:prstDash val="solid"/>
+                      <a:round/>
+                      <a:headEnd type="none" w="sm" len="sm"/>
+                      <a:tailEnd type="none" w="sm" len="sm"/>
+                    </a:lnT>
+                    <a:lnB w="12700" cap="flat" cmpd="sng">
+                      <a:solidFill>
+                        <a:schemeClr val="dk1"/>
+                      </a:solidFill>
+                      <a:prstDash val="solid"/>
+                      <a:round/>
+                      <a:headEnd type="none" w="sm" len="sm"/>
+                      <a:tailEnd type="none" w="sm" len="sm"/>
+                    </a:lnB>
+                    <a:solidFill>
+                      <a:schemeClr val="bg1"/>
+                    </a:solidFill>
+                  </a:tcPr>
+                </a:tc>
+                <a:extLst>
+                  <a:ext uri="{0D108BD9-81ED-4DB2-BD59-A6C34878D82A}">
+                    <a16:rowId xmlns:a16="http://schemas.microsoft.com/office/drawing/2014/main" val="10001"/>
+                  </a:ext>
+                </a:extLst>
+              </a:tr>
+            </a:tbl>
+          </a:graphicData>
+        </a:graphic>
+      </p:graphicFrame>
+      <p:sp>
+        <p:nvSpPr>
+          <p:cNvPr id="10" name="직사각형 9"/>
+          <p:cNvSpPr/>
+          <p:nvPr/>
+        </p:nvSpPr>
+        <p:spPr>
+          <a:xfrm>
+            <a:off x="114866" y="241014"/>
+            <a:ext cx="7653057" cy="477054"/>
+          </a:xfrm>
+          <a:prstGeom prst="rect">
+            <a:avLst/>
+          </a:prstGeom>
+        </p:spPr>
+        <p:txBody>
+          <a:bodyPr wrap="none">
+            <a:spAutoFit/>
+          </a:bodyPr>
+          <a:lstStyle/>
+          <a:p>
+            <a:pPr lvl="0">
+              <a:buClr>
+                <a:srgbClr val="000000"/>
+              </a:buClr>
+              <a:buSzPts val="1500"/>
+              <a:defRPr/>
+            </a:pPr>
+            <a:r>
+              <a:rPr lang="en-US" altLang="ko-KR" sz="2500" dirty="0">
+                <a:solidFill>
+                  <a:schemeClr val="bg1"/>
+                </a:solidFill>
+                <a:latin typeface="+mj-lt"/>
+              </a:rPr>
+              <a:t>[</a:t>
+            </a:r>
+            <a:r>
+              <a:rPr lang="ko-KR" altLang="en-US" sz="2500" dirty="0">
+                <a:solidFill>
+                  <a:schemeClr val="bg1"/>
+                </a:solidFill>
+                <a:latin typeface="+mj-lt"/>
+              </a:rPr>
+              <a:t>화면 설계</a:t>
+            </a:r>
+            <a:r>
+              <a:rPr lang="en-US" altLang="ko-KR" sz="2500" dirty="0">
+                <a:solidFill>
+                  <a:schemeClr val="bg1"/>
+                </a:solidFill>
+                <a:latin typeface="+mj-lt"/>
+              </a:rPr>
+              <a:t>]</a:t>
+            </a:r>
+            <a:r>
+              <a:rPr lang="ko-KR" altLang="en-US" sz="2500" dirty="0">
+                <a:solidFill>
+                  <a:schemeClr val="bg1"/>
+                </a:solidFill>
+                <a:latin typeface="+mj-lt"/>
+              </a:rPr>
+              <a:t>사용자</a:t>
+            </a:r>
+            <a:r>
+              <a:rPr lang="en-US" altLang="ko-KR" sz="2500" dirty="0">
+                <a:solidFill>
+                  <a:schemeClr val="bg1"/>
+                </a:solidFill>
+              </a:rPr>
+              <a:t> - </a:t>
+            </a:r>
+            <a:r>
+              <a:rPr lang="ko-KR" altLang="en-US" sz="2500" dirty="0" err="1">
+                <a:solidFill>
+                  <a:schemeClr val="bg1"/>
+                </a:solidFill>
+              </a:rPr>
+              <a:t>모바일</a:t>
+            </a:r>
+            <a:r>
+              <a:rPr lang="ko-KR" altLang="en-US" sz="2500" dirty="0">
+                <a:solidFill>
+                  <a:schemeClr val="bg1"/>
+                </a:solidFill>
+                <a:latin typeface="+mj-lt"/>
+              </a:rPr>
+              <a:t> </a:t>
+            </a:r>
+            <a:r>
+              <a:rPr lang="en-US" altLang="ko-KR" sz="2500" dirty="0">
+                <a:solidFill>
+                  <a:schemeClr val="bg1"/>
+                </a:solidFill>
+                <a:latin typeface="+mj-lt"/>
+              </a:rPr>
+              <a:t>– </a:t>
+            </a:r>
+            <a:r>
+              <a:rPr lang="ko-KR" altLang="en-US" sz="2500" dirty="0">
+                <a:solidFill>
+                  <a:schemeClr val="bg1"/>
+                </a:solidFill>
+                <a:latin typeface="+mj-lt"/>
+              </a:rPr>
+              <a:t>세미나 상세페이지 </a:t>
+            </a:r>
+            <a:r>
+              <a:rPr lang="en-US" altLang="ko-KR" sz="2500" dirty="0">
+                <a:solidFill>
+                  <a:schemeClr val="bg1"/>
+                </a:solidFill>
+                <a:latin typeface="+mj-lt"/>
+              </a:rPr>
+              <a:t>- 1</a:t>
+            </a:r>
+            <a:endParaRPr lang="ko-KR" altLang="en-US" sz="2500" dirty="0">
+              <a:solidFill>
+                <a:schemeClr val="bg1"/>
+              </a:solidFill>
+              <a:latin typeface="+mj-lt"/>
+            </a:endParaRPr>
+          </a:p>
+        </p:txBody>
+      </p:sp>
+    </p:spTree>
+    <p:extLst>
+      <p:ext uri="{BB962C8B-B14F-4D97-AF65-F5344CB8AC3E}">
+        <p14:creationId xmlns:p14="http://schemas.microsoft.com/office/powerpoint/2010/main" val="3919613816"/>
+      </p:ext>
+    </p:extLst>
+  </p:cSld>
+  <p:clrMapOvr>
+    <a:masterClrMapping/>
+  </p:clrMapOvr>
+</p:sld>
+</file>
+
+<file path=ppt/slides/slide16.xml><?xml version="1.0" encoding="utf-8"?>
+<p:sld xmlns:a="http://schemas.openxmlformats.org/drawingml/2006/main" xmlns:r="http://schemas.openxmlformats.org/officeDocument/2006/relationships" xmlns:p="http://schemas.openxmlformats.org/presentationml/2006/main">
+  <p:cSld>
+    <p:spTree>
+      <p:nvGrpSpPr>
+        <p:cNvPr id="1" name=""/>
+        <p:cNvGrpSpPr/>
+        <p:nvPr/>
+      </p:nvGrpSpPr>
+      <p:grpSpPr>
+        <a:xfrm>
+          <a:off x="0" y="0"/>
+          <a:ext cx="0" cy="0"/>
+          <a:chOff x="0" y="0"/>
+          <a:chExt cx="0" cy="0"/>
+        </a:xfrm>
+      </p:grpSpPr>
+      <p:graphicFrame>
+        <p:nvGraphicFramePr>
+          <p:cNvPr id="9" name="표 8"/>
+          <p:cNvGraphicFramePr>
+            <a:graphicFrameLocks noGrp="1"/>
+          </p:cNvGraphicFramePr>
+          <p:nvPr/>
+        </p:nvGraphicFramePr>
+        <p:xfrm>
+          <a:off x="131601" y="1283516"/>
+          <a:ext cx="8032096" cy="5347943"/>
+        </p:xfrm>
+        <a:graphic>
+          <a:graphicData uri="http://schemas.openxmlformats.org/drawingml/2006/table">
+            <a:tbl>
+              <a:tblPr firstRow="1" bandRow="1">
+                <a:tableStyleId>{5C22544A-7EE6-4342-B048-85BDC9FD1C3A}</a:tableStyleId>
+              </a:tblPr>
+              <a:tblGrid>
+                <a:gridCol w="8032096">
+                  <a:extLst>
+                    <a:ext uri="{9D8B030D-6E8A-4147-A177-3AD203B41FA5}">
+                      <a16:colId xmlns:a16="http://schemas.microsoft.com/office/drawing/2014/main" val="20000"/>
+                    </a:ext>
+                  </a:extLst>
+                </a:gridCol>
+              </a:tblGrid>
+              <a:tr h="5347943">
+                <a:tc>
+                  <a:txBody>
+                    <a:bodyPr/>
+                    <a:lstStyle/>
+                    <a:p>
+                      <a:pPr latinLnBrk="1"/>
+                      <a:endParaRPr lang="ko-KR" altLang="en-US" dirty="0"/>
+                    </a:p>
+                  </a:txBody>
+                  <a:tcPr>
+                    <a:lnL w="12700" cap="flat" cmpd="sng" algn="ctr">
+                      <a:solidFill>
+                        <a:schemeClr val="tx1"/>
+                      </a:solidFill>
+                      <a:prstDash val="solid"/>
+                      <a:round/>
+                      <a:headEnd type="none" w="med" len="med"/>
+                      <a:tailEnd type="none" w="med" len="med"/>
+                    </a:lnL>
+                    <a:lnR w="12700" cap="flat" cmpd="sng" algn="ctr">
+                      <a:solidFill>
+                        <a:schemeClr val="tx1"/>
+                      </a:solidFill>
+                      <a:prstDash val="solid"/>
+                      <a:round/>
+                      <a:headEnd type="none" w="med" len="med"/>
+                      <a:tailEnd type="none" w="med" len="med"/>
+                    </a:lnR>
+                    <a:lnT w="12700" cap="flat" cmpd="sng" algn="ctr">
+                      <a:solidFill>
+                        <a:schemeClr val="tx1"/>
+                      </a:solidFill>
+                      <a:prstDash val="solid"/>
+                      <a:round/>
+                      <a:headEnd type="none" w="med" len="med"/>
+                      <a:tailEnd type="none" w="med" len="med"/>
+                    </a:lnT>
+                    <a:lnB w="12700" cap="flat" cmpd="sng" algn="ctr">
+                      <a:solidFill>
+                        <a:schemeClr val="tx1"/>
+                      </a:solidFill>
+                      <a:prstDash val="solid"/>
+                      <a:round/>
+                      <a:headEnd type="none" w="med" len="med"/>
+                      <a:tailEnd type="none" w="med" len="med"/>
+                    </a:lnB>
+                    <a:lnTlToBr w="12700" cmpd="sng">
+                      <a:noFill/>
+                      <a:prstDash val="solid"/>
+                    </a:lnTlToBr>
+                    <a:lnBlToTr w="12700" cmpd="sng">
+                      <a:noFill/>
+                      <a:prstDash val="solid"/>
+                    </a:lnBlToTr>
+                    <a:solidFill>
+                      <a:schemeClr val="bg1"/>
+                    </a:solidFill>
+                  </a:tcPr>
+                </a:tc>
+                <a:extLst>
+                  <a:ext uri="{0D108BD9-81ED-4DB2-BD59-A6C34878D82A}">
+                    <a16:rowId xmlns:a16="http://schemas.microsoft.com/office/drawing/2014/main" val="10000"/>
+                  </a:ext>
+                </a:extLst>
+              </a:tr>
+            </a:tbl>
+          </a:graphicData>
+        </a:graphic>
+      </p:graphicFrame>
+      <p:graphicFrame>
+        <p:nvGraphicFramePr>
+          <p:cNvPr id="21" name="표 13"/>
+          <p:cNvGraphicFramePr/>
+          <p:nvPr/>
+        </p:nvGraphicFramePr>
+        <p:xfrm>
+          <a:off x="8494241" y="2405366"/>
+          <a:ext cx="3491813" cy="1326453"/>
+        </p:xfrm>
+        <a:graphic>
+          <a:graphicData uri="http://schemas.openxmlformats.org/drawingml/2006/table">
+            <a:tbl>
+              <a:tblPr firstRow="1"/>
+              <a:tblGrid>
+                <a:gridCol w="342705">
+                  <a:extLst>
+                    <a:ext uri="{9D8B030D-6E8A-4147-A177-3AD203B41FA5}">
+                      <a16:colId xmlns:a16="http://schemas.microsoft.com/office/drawing/2014/main" val="20000"/>
+                    </a:ext>
+                  </a:extLst>
+                </a:gridCol>
+                <a:gridCol w="3149108">
+                  <a:extLst>
+                    <a:ext uri="{9D8B030D-6E8A-4147-A177-3AD203B41FA5}">
+                      <a16:colId xmlns:a16="http://schemas.microsoft.com/office/drawing/2014/main" val="20001"/>
+                    </a:ext>
+                  </a:extLst>
+                </a:gridCol>
+              </a:tblGrid>
+              <a:tr h="378460">
+                <a:tc>
+                  <a:txBody>
+                    <a:bodyPr/>
+                    <a:lstStyle/>
+                    <a:p>
+                      <a:pPr algn="ctr">
+                        <a:defRPr sz="1800" b="0">
+                          <a:solidFill>
+                            <a:srgbClr val="000000"/>
+                          </a:solidFill>
+                        </a:defRPr>
+                      </a:pPr>
+                      <a:r>
+                        <a:rPr sz="1500" b="1" dirty="0"/>
+                        <a:t>#</a:t>
+                      </a:r>
+                    </a:p>
+                  </a:txBody>
+                  <a:tcPr marL="45720" marR="45720" anchor="ctr" horzOverflow="overflow">
+                    <a:lnL w="12700">
+                      <a:solidFill>
+                        <a:srgbClr val="000000"/>
+                      </a:solidFill>
+                    </a:lnL>
+                    <a:lnR w="12700">
+                      <a:solidFill>
+                        <a:srgbClr val="000000"/>
+                      </a:solidFill>
+                    </a:lnR>
+                    <a:lnT w="12700">
+                      <a:solidFill>
+                        <a:srgbClr val="000000"/>
+                      </a:solidFill>
+                    </a:lnT>
+                    <a:lnB w="12700">
+                      <a:solidFill>
+                        <a:srgbClr val="000000"/>
+                      </a:solidFill>
+                    </a:lnB>
+                    <a:solidFill>
+                      <a:srgbClr val="D9D9D9"/>
+                    </a:solidFill>
+                  </a:tcPr>
+                </a:tc>
+                <a:tc>
+                  <a:txBody>
+                    <a:bodyPr/>
+                    <a:lstStyle/>
+                    <a:p>
+                      <a:pPr algn="ctr">
+                        <a:defRPr sz="1800" b="0">
+                          <a:solidFill>
+                            <a:srgbClr val="000000"/>
+                          </a:solidFill>
+                        </a:defRPr>
+                      </a:pPr>
+                      <a:r>
+                        <a:rPr sz="1500" b="1"/>
+                        <a:t>기능명</a:t>
+                      </a:r>
+                    </a:p>
+                  </a:txBody>
+                  <a:tcPr marL="45720" marR="45720" anchor="ctr" horzOverflow="overflow">
+                    <a:lnL w="12700">
+                      <a:solidFill>
+                        <a:srgbClr val="000000"/>
+                      </a:solidFill>
+                    </a:lnL>
+                    <a:lnR w="12700">
+                      <a:solidFill>
+                        <a:srgbClr val="000000"/>
+                      </a:solidFill>
+                    </a:lnR>
+                    <a:lnT w="12700">
+                      <a:solidFill>
+                        <a:srgbClr val="000000"/>
+                      </a:solidFill>
+                    </a:lnT>
+                    <a:lnB w="12700">
+                      <a:solidFill>
+                        <a:srgbClr val="000000"/>
+                      </a:solidFill>
+                    </a:lnB>
+                    <a:solidFill>
+                      <a:srgbClr val="D9D9D9"/>
+                    </a:solidFill>
+                  </a:tcPr>
+                </a:tc>
+                <a:extLst>
+                  <a:ext uri="{0D108BD9-81ED-4DB2-BD59-A6C34878D82A}">
+                    <a16:rowId xmlns:a16="http://schemas.microsoft.com/office/drawing/2014/main" val="10000"/>
+                  </a:ext>
+                </a:extLst>
+              </a:tr>
+              <a:tr h="947993">
+                <a:tc>
+                  <a:txBody>
+                    <a:bodyPr/>
+                    <a:lstStyle/>
+                    <a:p>
+                      <a:pPr algn="ctr">
+                        <a:defRPr sz="1800"/>
+                      </a:pPr>
+                      <a:r>
+                        <a:rPr sz="1500"/>
+                        <a:t>1</a:t>
+                      </a:r>
+                    </a:p>
+                  </a:txBody>
+                  <a:tcPr marL="45720" marR="45720" anchor="ctr" horzOverflow="overflow">
+                    <a:lnL w="12700">
+                      <a:solidFill>
+                        <a:srgbClr val="000000"/>
+                      </a:solidFill>
+                    </a:lnL>
+                    <a:lnR w="12700">
+                      <a:solidFill>
+                        <a:srgbClr val="000000"/>
+                      </a:solidFill>
+                    </a:lnR>
+                    <a:lnT w="12700">
+                      <a:solidFill>
+                        <a:srgbClr val="000000"/>
+                      </a:solidFill>
+                    </a:lnT>
+                    <a:lnB w="12700">
+                      <a:solidFill>
+                        <a:srgbClr val="000000"/>
+                      </a:solidFill>
+                    </a:lnB>
+                    <a:solidFill>
+                      <a:srgbClr val="FFFFFF"/>
+                    </a:solidFill>
+                  </a:tcPr>
+                </a:tc>
+                <a:tc>
+                  <a:txBody>
+                    <a:bodyPr/>
+                    <a:lstStyle/>
+                    <a:p>
+                      <a:pPr algn="l">
+                        <a:defRPr sz="1500"/>
+                      </a:pPr>
+                      <a:r>
+                        <a:rPr lang="ko-KR" altLang="en-US" dirty="0"/>
+                        <a:t>세미나 소개</a:t>
+                      </a:r>
+                      <a:endParaRPr lang="en-US" altLang="ko-KR" dirty="0"/>
+                    </a:p>
+                    <a:p>
+                      <a:pPr algn="l">
+                        <a:defRPr sz="1500"/>
+                      </a:pPr>
+                      <a:r>
+                        <a:rPr lang="en-US" sz="1200" dirty="0"/>
+                        <a:t>- </a:t>
+                      </a:r>
+                      <a:r>
+                        <a:rPr lang="ko-KR" altLang="en-US" sz="1200" dirty="0" err="1"/>
+                        <a:t>콘텐츠</a:t>
+                      </a:r>
+                      <a:endParaRPr sz="1200" dirty="0"/>
+                    </a:p>
+                  </a:txBody>
+                  <a:tcPr marL="45720" marR="45720" horzOverflow="overflow">
+                    <a:lnL w="12700">
+                      <a:solidFill>
+                        <a:srgbClr val="000000"/>
+                      </a:solidFill>
+                    </a:lnL>
+                    <a:lnR w="12700">
+                      <a:solidFill>
+                        <a:srgbClr val="000000"/>
+                      </a:solidFill>
+                    </a:lnR>
+                    <a:lnT w="12700">
+                      <a:solidFill>
+                        <a:srgbClr val="000000"/>
+                      </a:solidFill>
+                    </a:lnT>
+                    <a:lnB w="12700">
+                      <a:solidFill>
+                        <a:srgbClr val="000000"/>
+                      </a:solidFill>
+                    </a:lnB>
+                    <a:solidFill>
+                      <a:srgbClr val="FFFFFF"/>
+                    </a:solidFill>
+                  </a:tcPr>
+                </a:tc>
+                <a:extLst>
+                  <a:ext uri="{0D108BD9-81ED-4DB2-BD59-A6C34878D82A}">
+                    <a16:rowId xmlns:a16="http://schemas.microsoft.com/office/drawing/2014/main" val="10001"/>
+                  </a:ext>
+                </a:extLst>
+              </a:tr>
+            </a:tbl>
+          </a:graphicData>
+        </a:graphic>
+      </p:graphicFrame>
+      <p:pic>
+        <p:nvPicPr>
+          <p:cNvPr id="2" name="그림 1"/>
+          <p:cNvPicPr>
+            <a:picLocks noChangeAspect="1"/>
+          </p:cNvPicPr>
+          <p:nvPr/>
+        </p:nvPicPr>
+        <p:blipFill>
+          <a:blip r:embed="rId2"/>
+          <a:stretch>
+            <a:fillRect/>
+          </a:stretch>
+        </p:blipFill>
+        <p:spPr>
+          <a:xfrm>
+            <a:off x="2796702" y="1479639"/>
+            <a:ext cx="2633432" cy="4955695"/>
+          </a:xfrm>
+          <a:prstGeom prst="rect">
+            <a:avLst/>
+          </a:prstGeom>
+          <a:ln>
+            <a:solidFill>
+              <a:schemeClr val="tx1"/>
+            </a:solidFill>
+          </a:ln>
+        </p:spPr>
+      </p:pic>
+      <p:graphicFrame>
+        <p:nvGraphicFramePr>
+          <p:cNvPr id="10" name="표 9"/>
+          <p:cNvGraphicFramePr>
+            <a:graphicFrameLocks noGrp="1"/>
+          </p:cNvGraphicFramePr>
+          <p:nvPr/>
+        </p:nvGraphicFramePr>
+        <p:xfrm>
+          <a:off x="8494241" y="1283516"/>
+          <a:ext cx="3491813" cy="848244"/>
+        </p:xfrm>
+        <a:graphic>
+          <a:graphicData uri="http://schemas.openxmlformats.org/drawingml/2006/table">
+            <a:tbl>
+              <a:tblPr firstRow="1" bandRow="1">
+                <a:noFill/>
+              </a:tblPr>
+              <a:tblGrid>
+                <a:gridCol w="3491813">
+                  <a:extLst>
+                    <a:ext uri="{9D8B030D-6E8A-4147-A177-3AD203B41FA5}">
+                      <a16:colId xmlns:a16="http://schemas.microsoft.com/office/drawing/2014/main" val="20000"/>
+                    </a:ext>
+                  </a:extLst>
+                </a:gridCol>
+              </a:tblGrid>
+              <a:tr h="413450">
+                <a:tc>
+                  <a:txBody>
+                    <a:bodyPr/>
+                    <a:lstStyle/>
+                    <a:p>
+                      <a:pPr marL="0" marR="0" lvl="0" indent="0" algn="ctr" rtl="0">
+                        <a:lnSpc>
+                          <a:spcPct val="100000"/>
+                        </a:lnSpc>
+                        <a:spcBef>
+                          <a:spcPts val="0"/>
+                        </a:spcBef>
+                        <a:spcAft>
+                          <a:spcPts val="0"/>
+                        </a:spcAft>
+                        <a:buClr>
+                          <a:srgbClr val="000000"/>
+                        </a:buClr>
+                        <a:buSzPts val="1500"/>
+                        <a:buFont typeface="Arial"/>
+                        <a:buNone/>
+                      </a:pPr>
+                      <a:r>
+                        <a:rPr lang="ko-KR" altLang="en-US" sz="1700" b="0" u="none" strike="noStrike" cap="none" dirty="0">
+                          <a:solidFill>
+                            <a:schemeClr val="dk1"/>
+                          </a:solidFill>
+                        </a:rPr>
+                        <a:t>화면코드</a:t>
+                      </a:r>
+                      <a:endParaRPr sz="1700" b="0" u="none" strike="noStrike" cap="none" dirty="0">
+                        <a:solidFill>
+                          <a:schemeClr val="dk1"/>
+                        </a:solidFill>
+                      </a:endParaRPr>
+                    </a:p>
+                  </a:txBody>
+                  <a:tcPr marL="74304" marR="74304" marT="45725" marB="45725" anchor="ctr">
+                    <a:lnL w="12700" cap="flat" cmpd="sng">
+                      <a:solidFill>
+                        <a:schemeClr val="dk1"/>
+                      </a:solidFill>
+                      <a:prstDash val="solid"/>
+                      <a:round/>
+                      <a:headEnd type="none" w="sm" len="sm"/>
+                      <a:tailEnd type="none" w="sm" len="sm"/>
+                    </a:lnL>
+                    <a:lnR w="12700" cap="flat" cmpd="sng">
+                      <a:solidFill>
+                        <a:schemeClr val="dk1"/>
+                      </a:solidFill>
+                      <a:prstDash val="solid"/>
+                      <a:round/>
+                      <a:headEnd type="none" w="sm" len="sm"/>
+                      <a:tailEnd type="none" w="sm" len="sm"/>
+                    </a:lnR>
+                    <a:lnT w="12700" cap="flat" cmpd="sng">
+                      <a:solidFill>
+                        <a:schemeClr val="dk1"/>
+                      </a:solidFill>
+                      <a:prstDash val="solid"/>
+                      <a:round/>
+                      <a:headEnd type="none" w="sm" len="sm"/>
+                      <a:tailEnd type="none" w="sm" len="sm"/>
+                    </a:lnT>
+                    <a:lnB w="12700" cap="flat" cmpd="sng" algn="ctr">
+                      <a:solidFill>
+                        <a:schemeClr val="dk1"/>
+                      </a:solidFill>
+                      <a:prstDash val="solid"/>
+                      <a:round/>
+                      <a:headEnd type="none" w="sm" len="sm"/>
+                      <a:tailEnd type="none" w="sm" len="sm"/>
+                    </a:lnB>
+                    <a:solidFill>
+                      <a:srgbClr val="D8D8D8"/>
+                    </a:solidFill>
+                  </a:tcPr>
+                </a:tc>
+                <a:extLst>
+                  <a:ext uri="{0D108BD9-81ED-4DB2-BD59-A6C34878D82A}">
+                    <a16:rowId xmlns:a16="http://schemas.microsoft.com/office/drawing/2014/main" val="10000"/>
+                  </a:ext>
+                </a:extLst>
+              </a:tr>
+              <a:tr h="434794">
+                <a:tc>
+                  <a:txBody>
+                    <a:bodyPr/>
+                    <a:lstStyle/>
+                    <a:p>
+                      <a:pPr marL="0" marR="0" lvl="0" indent="0" algn="ctr" defTabSz="914400" rtl="0" eaLnBrk="1" fontAlgn="auto" latinLnBrk="1" hangingPunct="1">
+                        <a:lnSpc>
+                          <a:spcPct val="100000"/>
+                        </a:lnSpc>
+                        <a:spcBef>
+                          <a:spcPts val="0"/>
+                        </a:spcBef>
+                        <a:spcAft>
+                          <a:spcPts val="0"/>
+                        </a:spcAft>
+                        <a:buClrTx/>
+                        <a:buSzTx/>
+                        <a:buFontTx/>
+                        <a:buNone/>
+                        <a:tabLst/>
+                        <a:defRPr sz="1000" b="0">
+                          <a:solidFill>
+                            <a:srgbClr val="000000"/>
+                          </a:solidFill>
+                          <a:latin typeface="Arial"/>
+                          <a:ea typeface="Arial"/>
+                          <a:cs typeface="Arial"/>
+                          <a:sym typeface="Arial"/>
+                        </a:defRPr>
+                      </a:pPr>
+                      <a:r>
+                        <a:rPr lang="en-US" altLang="ko-KR" sz="1700" b="0" u="none" strike="noStrike" cap="none" dirty="0" err="1">
+                          <a:solidFill>
+                            <a:schemeClr val="dk1"/>
+                          </a:solidFill>
+                        </a:rPr>
+                        <a:t>sh_user_m_semiDetail</a:t>
+                      </a:r>
+                      <a:endParaRPr lang="en-US" altLang="ko-KR" sz="1700" b="0" u="none" strike="noStrike" cap="none" dirty="0">
+                        <a:solidFill>
+                          <a:schemeClr val="dk1"/>
+                        </a:solidFill>
+                      </a:endParaRPr>
+                    </a:p>
+                  </a:txBody>
+                  <a:tcPr marL="74304" marR="74304" marT="45725" marB="45725" anchor="ctr">
+                    <a:lnL w="12700" cap="flat" cmpd="sng" algn="ctr">
+                      <a:solidFill>
+                        <a:schemeClr val="dk1"/>
+                      </a:solidFill>
+                      <a:prstDash val="solid"/>
+                      <a:round/>
+                      <a:headEnd type="none" w="sm" len="sm"/>
+                      <a:tailEnd type="none" w="sm" len="sm"/>
+                    </a:lnL>
+                    <a:lnR w="12700" cap="flat" cmpd="sng" algn="ctr">
+                      <a:solidFill>
+                        <a:schemeClr val="dk1"/>
+                      </a:solidFill>
+                      <a:prstDash val="solid"/>
+                      <a:round/>
+                      <a:headEnd type="none" w="sm" len="sm"/>
+                      <a:tailEnd type="none" w="sm" len="sm"/>
+                    </a:lnR>
+                    <a:lnT w="12700" cap="flat" cmpd="sng" algn="ctr">
+                      <a:solidFill>
+                        <a:schemeClr val="dk1"/>
+                      </a:solidFill>
+                      <a:prstDash val="solid"/>
+                      <a:round/>
+                      <a:headEnd type="none" w="sm" len="sm"/>
+                      <a:tailEnd type="none" w="sm" len="sm"/>
+                    </a:lnT>
+                    <a:lnB w="12700" cap="flat" cmpd="sng">
+                      <a:solidFill>
+                        <a:schemeClr val="dk1"/>
+                      </a:solidFill>
+                      <a:prstDash val="solid"/>
+                      <a:round/>
+                      <a:headEnd type="none" w="sm" len="sm"/>
+                      <a:tailEnd type="none" w="sm" len="sm"/>
+                    </a:lnB>
+                    <a:solidFill>
+                      <a:schemeClr val="bg1"/>
+                    </a:solidFill>
+                  </a:tcPr>
+                </a:tc>
+                <a:extLst>
+                  <a:ext uri="{0D108BD9-81ED-4DB2-BD59-A6C34878D82A}">
+                    <a16:rowId xmlns:a16="http://schemas.microsoft.com/office/drawing/2014/main" val="10001"/>
+                  </a:ext>
+                </a:extLst>
+              </a:tr>
+            </a:tbl>
+          </a:graphicData>
+        </a:graphic>
+      </p:graphicFrame>
+      <p:sp>
+        <p:nvSpPr>
+          <p:cNvPr id="7" name="직사각형 6"/>
+          <p:cNvSpPr/>
+          <p:nvPr/>
+        </p:nvSpPr>
+        <p:spPr>
+          <a:xfrm>
+            <a:off x="114866" y="241014"/>
+            <a:ext cx="7765267" cy="477054"/>
+          </a:xfrm>
+          <a:prstGeom prst="rect">
+            <a:avLst/>
+          </a:prstGeom>
+        </p:spPr>
+        <p:txBody>
+          <a:bodyPr wrap="none">
+            <a:spAutoFit/>
+          </a:bodyPr>
+          <a:lstStyle/>
+          <a:p>
+            <a:pPr lvl="0">
+              <a:buClr>
+                <a:srgbClr val="000000"/>
+              </a:buClr>
+              <a:buSzPts val="1500"/>
+              <a:defRPr/>
+            </a:pPr>
+            <a:r>
+              <a:rPr lang="en-US" altLang="ko-KR" sz="2500" dirty="0">
+                <a:solidFill>
+                  <a:schemeClr val="bg1"/>
+                </a:solidFill>
+                <a:latin typeface="+mj-lt"/>
+              </a:rPr>
+              <a:t>[</a:t>
+            </a:r>
+            <a:r>
+              <a:rPr lang="ko-KR" altLang="en-US" sz="2500" dirty="0">
+                <a:solidFill>
+                  <a:schemeClr val="bg1"/>
+                </a:solidFill>
+                <a:latin typeface="+mj-lt"/>
+              </a:rPr>
+              <a:t>화면 설계</a:t>
+            </a:r>
+            <a:r>
+              <a:rPr lang="en-US" altLang="ko-KR" sz="2500" dirty="0">
+                <a:solidFill>
+                  <a:schemeClr val="bg1"/>
+                </a:solidFill>
+                <a:latin typeface="+mj-lt"/>
+              </a:rPr>
+              <a:t>]</a:t>
+            </a:r>
+            <a:r>
+              <a:rPr lang="ko-KR" altLang="en-US" sz="2500" dirty="0">
+                <a:solidFill>
+                  <a:schemeClr val="bg1"/>
+                </a:solidFill>
+              </a:rPr>
+              <a:t> 사용자</a:t>
+            </a:r>
+            <a:r>
+              <a:rPr lang="en-US" altLang="ko-KR" sz="2500" dirty="0">
+                <a:solidFill>
+                  <a:schemeClr val="bg1"/>
+                </a:solidFill>
+              </a:rPr>
+              <a:t> - </a:t>
+            </a:r>
+            <a:r>
+              <a:rPr lang="ko-KR" altLang="en-US" sz="2500" dirty="0" err="1">
+                <a:solidFill>
+                  <a:schemeClr val="bg1"/>
+                </a:solidFill>
+              </a:rPr>
+              <a:t>모바일</a:t>
+            </a:r>
+            <a:r>
+              <a:rPr lang="ko-KR" altLang="en-US" sz="2500" dirty="0">
+                <a:solidFill>
+                  <a:schemeClr val="bg1"/>
+                </a:solidFill>
+              </a:rPr>
+              <a:t> </a:t>
+            </a:r>
+            <a:r>
+              <a:rPr lang="en-US" altLang="ko-KR" sz="2500" dirty="0">
+                <a:solidFill>
+                  <a:schemeClr val="bg1"/>
+                </a:solidFill>
+                <a:latin typeface="+mj-lt"/>
+              </a:rPr>
+              <a:t>– </a:t>
+            </a:r>
+            <a:r>
+              <a:rPr lang="ko-KR" altLang="en-US" sz="2500" dirty="0">
+                <a:solidFill>
+                  <a:schemeClr val="bg1"/>
+                </a:solidFill>
+                <a:latin typeface="+mj-lt"/>
+              </a:rPr>
+              <a:t>세미나 상세페이지 </a:t>
+            </a:r>
+            <a:r>
+              <a:rPr lang="en-US" altLang="ko-KR" sz="2500" dirty="0">
+                <a:solidFill>
+                  <a:schemeClr val="bg1"/>
+                </a:solidFill>
+                <a:latin typeface="+mj-lt"/>
+              </a:rPr>
+              <a:t>- 2</a:t>
+            </a:r>
+            <a:endParaRPr lang="ko-KR" altLang="en-US" sz="2500" dirty="0">
+              <a:solidFill>
+                <a:schemeClr val="bg1"/>
+              </a:solidFill>
+              <a:latin typeface="+mj-lt"/>
+            </a:endParaRPr>
+          </a:p>
+        </p:txBody>
+      </p:sp>
+    </p:spTree>
+    <p:extLst>
+      <p:ext uri="{BB962C8B-B14F-4D97-AF65-F5344CB8AC3E}">
+        <p14:creationId xmlns:p14="http://schemas.microsoft.com/office/powerpoint/2010/main" val="4178593904"/>
+      </p:ext>
+    </p:extLst>
+  </p:cSld>
+  <p:clrMapOvr>
+    <a:masterClrMapping/>
+  </p:clrMapOvr>
+</p:sld>
+</file>
+
+<file path=ppt/slides/slide17.xml><?xml version="1.0" encoding="utf-8"?>
+<p:sld xmlns:a="http://schemas.openxmlformats.org/drawingml/2006/main" xmlns:r="http://schemas.openxmlformats.org/officeDocument/2006/relationships" xmlns:p="http://schemas.openxmlformats.org/presentationml/2006/main">
+  <p:cSld>
+    <p:spTree>
+      <p:nvGrpSpPr>
+        <p:cNvPr id="1" name=""/>
+        <p:cNvGrpSpPr/>
+        <p:nvPr/>
+      </p:nvGrpSpPr>
+      <p:grpSpPr>
+        <a:xfrm>
+          <a:off x="0" y="0"/>
+          <a:ext cx="0" cy="0"/>
+          <a:chOff x="0" y="0"/>
+          <a:chExt cx="0" cy="0"/>
+        </a:xfrm>
+      </p:grpSpPr>
+      <p:sp>
+        <p:nvSpPr>
+          <p:cNvPr id="4" name="직사각형 6">
+            <a:extLst>
+              <a:ext uri="{FF2B5EF4-FFF2-40B4-BE49-F238E27FC236}">
+                <a16:creationId xmlns:a16="http://schemas.microsoft.com/office/drawing/2014/main" id="{A045B5DA-2082-46F8-B9D6-4E62E0949447}"/>
+              </a:ext>
+            </a:extLst>
+          </p:cNvPr>
+          <p:cNvSpPr/>
+          <p:nvPr/>
+        </p:nvSpPr>
+        <p:spPr>
+          <a:xfrm>
+            <a:off x="114866" y="241014"/>
+            <a:ext cx="7233070" cy="477054"/>
+          </a:xfrm>
+          <a:prstGeom prst="rect">
+            <a:avLst/>
+          </a:prstGeom>
+        </p:spPr>
+        <p:txBody>
+          <a:bodyPr wrap="none">
+            <a:spAutoFit/>
+          </a:bodyPr>
+          <a:lstStyle/>
+          <a:p>
+            <a:pPr lvl="0">
+              <a:buClr>
+                <a:srgbClr val="000000"/>
+              </a:buClr>
+              <a:buSzPts val="1500"/>
+              <a:defRPr/>
+            </a:pPr>
+            <a:r>
+              <a:rPr lang="en-US" altLang="ko-KR" sz="2500" dirty="0">
+                <a:solidFill>
+                  <a:schemeClr val="bg1"/>
+                </a:solidFill>
+                <a:latin typeface="+mj-lt"/>
+              </a:rPr>
+              <a:t>[</a:t>
+            </a:r>
+            <a:r>
+              <a:rPr lang="ko-KR" altLang="en-US" sz="2500" dirty="0">
+                <a:solidFill>
+                  <a:schemeClr val="bg1"/>
+                </a:solidFill>
+                <a:latin typeface="+mj-lt"/>
+              </a:rPr>
+              <a:t>화면 구현</a:t>
+            </a:r>
+            <a:r>
+              <a:rPr lang="en-US" altLang="ko-KR" sz="2500" dirty="0">
+                <a:solidFill>
+                  <a:schemeClr val="bg1"/>
+                </a:solidFill>
+                <a:latin typeface="+mj-lt"/>
+              </a:rPr>
+              <a:t>]</a:t>
+            </a:r>
+            <a:r>
+              <a:rPr lang="ko-KR" altLang="en-US" sz="2500" dirty="0">
+                <a:solidFill>
+                  <a:schemeClr val="bg1"/>
+                </a:solidFill>
+              </a:rPr>
+              <a:t> 사용자</a:t>
+            </a:r>
+            <a:r>
+              <a:rPr lang="en-US" altLang="ko-KR" sz="2500" dirty="0">
+                <a:solidFill>
+                  <a:schemeClr val="bg1"/>
+                </a:solidFill>
+              </a:rPr>
+              <a:t> - </a:t>
+            </a:r>
+            <a:r>
+              <a:rPr lang="ko-KR" altLang="en-US" sz="2500" dirty="0" err="1">
+                <a:solidFill>
+                  <a:schemeClr val="bg1"/>
+                </a:solidFill>
+              </a:rPr>
+              <a:t>모바일</a:t>
+            </a:r>
+            <a:r>
+              <a:rPr lang="ko-KR" altLang="en-US" sz="2500" dirty="0">
+                <a:solidFill>
+                  <a:schemeClr val="bg1"/>
+                </a:solidFill>
+              </a:rPr>
+              <a:t> </a:t>
+            </a:r>
+            <a:r>
+              <a:rPr lang="en-US" altLang="ko-KR" sz="2500" dirty="0">
+                <a:solidFill>
+                  <a:schemeClr val="bg1"/>
+                </a:solidFill>
+                <a:latin typeface="+mj-lt"/>
+              </a:rPr>
+              <a:t>– </a:t>
+            </a:r>
+            <a:r>
+              <a:rPr lang="ko-KR" altLang="en-US" sz="2500" dirty="0">
+                <a:solidFill>
+                  <a:schemeClr val="bg1"/>
+                </a:solidFill>
+                <a:latin typeface="+mj-lt"/>
+              </a:rPr>
+              <a:t>세미나 상세페이지</a:t>
+            </a:r>
+          </a:p>
+        </p:txBody>
+      </p:sp>
+      <p:pic>
+        <p:nvPicPr>
+          <p:cNvPr id="5" name="Picture 4">
+            <a:extLst>
+              <a:ext uri="{FF2B5EF4-FFF2-40B4-BE49-F238E27FC236}">
+                <a16:creationId xmlns:a16="http://schemas.microsoft.com/office/drawing/2014/main" id="{2934BBDF-A1D1-49F8-BC4D-6958414E6E1B}"/>
+              </a:ext>
+            </a:extLst>
+          </p:cNvPr>
+          <p:cNvPicPr>
+            <a:picLocks noChangeAspect="1"/>
+          </p:cNvPicPr>
+          <p:nvPr/>
+        </p:nvPicPr>
+        <p:blipFill>
+          <a:blip r:embed="rId2"/>
+          <a:stretch>
+            <a:fillRect/>
+          </a:stretch>
+        </p:blipFill>
+        <p:spPr>
+          <a:xfrm>
+            <a:off x="820755" y="1445173"/>
+            <a:ext cx="2395559" cy="5054367"/>
+          </a:xfrm>
+          <a:prstGeom prst="rect">
+            <a:avLst/>
+          </a:prstGeom>
+          <a:ln>
+            <a:solidFill>
+              <a:schemeClr val="tx1"/>
+            </a:solidFill>
+          </a:ln>
+        </p:spPr>
+      </p:pic>
+      <p:pic>
+        <p:nvPicPr>
+          <p:cNvPr id="6" name="Picture 5">
+            <a:extLst>
+              <a:ext uri="{FF2B5EF4-FFF2-40B4-BE49-F238E27FC236}">
+                <a16:creationId xmlns:a16="http://schemas.microsoft.com/office/drawing/2014/main" id="{BD0FCB29-CF50-4F21-8460-01F1A792C350}"/>
+              </a:ext>
+            </a:extLst>
+          </p:cNvPr>
+          <p:cNvPicPr>
+            <a:picLocks noChangeAspect="1"/>
+          </p:cNvPicPr>
+          <p:nvPr/>
+        </p:nvPicPr>
+        <p:blipFill>
+          <a:blip r:embed="rId3"/>
+          <a:stretch>
+            <a:fillRect/>
+          </a:stretch>
+        </p:blipFill>
+        <p:spPr>
+          <a:xfrm>
+            <a:off x="8974533" y="1562619"/>
+            <a:ext cx="2395559" cy="5054367"/>
+          </a:xfrm>
+          <a:prstGeom prst="rect">
+            <a:avLst/>
+          </a:prstGeom>
+          <a:ln>
+            <a:solidFill>
+              <a:schemeClr val="tx1"/>
+            </a:solidFill>
+          </a:ln>
+        </p:spPr>
+      </p:pic>
+      <p:sp>
+        <p:nvSpPr>
+          <p:cNvPr id="7" name="Rectangle 6">
+            <a:extLst>
+              <a:ext uri="{FF2B5EF4-FFF2-40B4-BE49-F238E27FC236}">
+                <a16:creationId xmlns:a16="http://schemas.microsoft.com/office/drawing/2014/main" id="{5CBBD8B8-0EFC-4234-844C-05D5B2BD93FC}"/>
+              </a:ext>
+            </a:extLst>
+          </p:cNvPr>
+          <p:cNvSpPr/>
+          <p:nvPr/>
+        </p:nvSpPr>
+        <p:spPr>
+          <a:xfrm>
+            <a:off x="679508" y="2980360"/>
+            <a:ext cx="2684478" cy="662730"/>
+          </a:xfrm>
+          <a:prstGeom prst="rect">
+            <a:avLst/>
+          </a:prstGeom>
+          <a:noFill/>
+          <a:ln w="28575">
+            <a:solidFill>
+              <a:srgbClr val="FF0000"/>
+            </a:solidFill>
+          </a:ln>
+        </p:spPr>
+        <p:style>
+          <a:lnRef idx="2">
+            <a:schemeClr val="accent1">
+              <a:shade val="50000"/>
+            </a:schemeClr>
+          </a:lnRef>
+          <a:fillRef idx="1">
+            <a:schemeClr val="accent1"/>
+          </a:fillRef>
+          <a:effectRef idx="0">
+            <a:schemeClr val="accent1"/>
+          </a:effectRef>
+          <a:fontRef idx="minor">
+            <a:schemeClr val="lt1"/>
+          </a:fontRef>
+        </p:style>
+        <p:txBody>
+          <a:bodyPr rtlCol="0" anchor="ctr"/>
+          <a:lstStyle/>
+          <a:p>
+            <a:pPr algn="ctr"/>
+            <a:endParaRPr lang="ko-KR" altLang="en-US"/>
+          </a:p>
+        </p:txBody>
+      </p:sp>
+      <p:sp>
+        <p:nvSpPr>
+          <p:cNvPr id="8" name="Rectangle 7">
+            <a:extLst>
+              <a:ext uri="{FF2B5EF4-FFF2-40B4-BE49-F238E27FC236}">
+                <a16:creationId xmlns:a16="http://schemas.microsoft.com/office/drawing/2014/main" id="{14482BC7-DA35-4638-838E-4E5286E2960B}"/>
+              </a:ext>
+            </a:extLst>
+          </p:cNvPr>
+          <p:cNvSpPr/>
+          <p:nvPr/>
+        </p:nvSpPr>
+        <p:spPr>
+          <a:xfrm>
+            <a:off x="679508" y="4001020"/>
+            <a:ext cx="2684478" cy="422246"/>
+          </a:xfrm>
+          <a:prstGeom prst="rect">
+            <a:avLst/>
+          </a:prstGeom>
+          <a:noFill/>
+          <a:ln w="28575">
+            <a:solidFill>
+              <a:srgbClr val="FF0000"/>
+            </a:solidFill>
+          </a:ln>
+        </p:spPr>
+        <p:style>
+          <a:lnRef idx="2">
+            <a:schemeClr val="accent1">
+              <a:shade val="50000"/>
+            </a:schemeClr>
+          </a:lnRef>
+          <a:fillRef idx="1">
+            <a:schemeClr val="accent1"/>
+          </a:fillRef>
+          <a:effectRef idx="0">
+            <a:schemeClr val="accent1"/>
+          </a:effectRef>
+          <a:fontRef idx="minor">
+            <a:schemeClr val="lt1"/>
+          </a:fontRef>
+        </p:style>
+        <p:txBody>
+          <a:bodyPr rtlCol="0" anchor="ctr"/>
+          <a:lstStyle/>
+          <a:p>
+            <a:pPr algn="ctr"/>
+            <a:endParaRPr lang="ko-KR" altLang="en-US"/>
+          </a:p>
+        </p:txBody>
+      </p:sp>
+      <p:sp>
+        <p:nvSpPr>
+          <p:cNvPr id="9" name="Rectangle 8">
+            <a:extLst>
+              <a:ext uri="{FF2B5EF4-FFF2-40B4-BE49-F238E27FC236}">
+                <a16:creationId xmlns:a16="http://schemas.microsoft.com/office/drawing/2014/main" id="{B62F5C1A-FE19-4ADF-8431-3D4FA95F7120}"/>
+              </a:ext>
+            </a:extLst>
+          </p:cNvPr>
+          <p:cNvSpPr/>
+          <p:nvPr/>
+        </p:nvSpPr>
+        <p:spPr>
+          <a:xfrm>
+            <a:off x="8830073" y="2442066"/>
+            <a:ext cx="2684478" cy="477054"/>
+          </a:xfrm>
+          <a:prstGeom prst="rect">
+            <a:avLst/>
+          </a:prstGeom>
+          <a:noFill/>
+          <a:ln w="28575">
+            <a:solidFill>
+              <a:srgbClr val="FF0000"/>
+            </a:solidFill>
+          </a:ln>
+        </p:spPr>
+        <p:style>
+          <a:lnRef idx="2">
+            <a:schemeClr val="accent1">
+              <a:shade val="50000"/>
+            </a:schemeClr>
+          </a:lnRef>
+          <a:fillRef idx="1">
+            <a:schemeClr val="accent1"/>
+          </a:fillRef>
+          <a:effectRef idx="0">
+            <a:schemeClr val="accent1"/>
+          </a:effectRef>
+          <a:fontRef idx="minor">
+            <a:schemeClr val="lt1"/>
+          </a:fontRef>
+        </p:style>
+        <p:txBody>
+          <a:bodyPr rtlCol="0" anchor="ctr"/>
+          <a:lstStyle/>
+          <a:p>
+            <a:pPr algn="ctr"/>
+            <a:endParaRPr lang="ko-KR" altLang="en-US"/>
+          </a:p>
+        </p:txBody>
+      </p:sp>
+      <p:sp>
+        <p:nvSpPr>
+          <p:cNvPr id="10" name="Rectangle 9">
+            <a:extLst>
+              <a:ext uri="{FF2B5EF4-FFF2-40B4-BE49-F238E27FC236}">
+                <a16:creationId xmlns:a16="http://schemas.microsoft.com/office/drawing/2014/main" id="{41FD7449-E08D-41C5-9899-E62B861B9438}"/>
+              </a:ext>
+            </a:extLst>
+          </p:cNvPr>
+          <p:cNvSpPr/>
+          <p:nvPr/>
+        </p:nvSpPr>
+        <p:spPr>
+          <a:xfrm>
+            <a:off x="8830073" y="3429171"/>
+            <a:ext cx="2684478" cy="2931952"/>
+          </a:xfrm>
+          <a:prstGeom prst="rect">
+            <a:avLst/>
+          </a:prstGeom>
+          <a:noFill/>
+          <a:ln w="28575">
+            <a:solidFill>
+              <a:srgbClr val="FF0000"/>
+            </a:solidFill>
+          </a:ln>
+        </p:spPr>
+        <p:style>
+          <a:lnRef idx="2">
+            <a:schemeClr val="accent1">
+              <a:shade val="50000"/>
+            </a:schemeClr>
+          </a:lnRef>
+          <a:fillRef idx="1">
+            <a:schemeClr val="accent1"/>
+          </a:fillRef>
+          <a:effectRef idx="0">
+            <a:schemeClr val="accent1"/>
+          </a:effectRef>
+          <a:fontRef idx="minor">
+            <a:schemeClr val="lt1"/>
+          </a:fontRef>
+        </p:style>
+        <p:txBody>
+          <a:bodyPr rtlCol="0" anchor="ctr"/>
+          <a:lstStyle/>
+          <a:p>
+            <a:pPr algn="ctr"/>
+            <a:endParaRPr lang="ko-KR" altLang="en-US"/>
+          </a:p>
+        </p:txBody>
+      </p:sp>
+      <p:pic>
+        <p:nvPicPr>
+          <p:cNvPr id="11" name="Picture 10">
+            <a:extLst>
+              <a:ext uri="{FF2B5EF4-FFF2-40B4-BE49-F238E27FC236}">
+                <a16:creationId xmlns:a16="http://schemas.microsoft.com/office/drawing/2014/main" id="{FD337AA3-BC0D-4039-A4A0-0C410D679AAA}"/>
+              </a:ext>
+            </a:extLst>
+          </p:cNvPr>
+          <p:cNvPicPr>
+            <a:picLocks noChangeAspect="1"/>
+          </p:cNvPicPr>
+          <p:nvPr/>
+        </p:nvPicPr>
+        <p:blipFill>
+          <a:blip r:embed="rId4"/>
+          <a:stretch>
+            <a:fillRect/>
+          </a:stretch>
+        </p:blipFill>
+        <p:spPr>
+          <a:xfrm>
+            <a:off x="4413244" y="3479689"/>
+            <a:ext cx="3219899" cy="1181265"/>
+          </a:xfrm>
+          <a:prstGeom prst="rect">
+            <a:avLst/>
+          </a:prstGeom>
+          <a:ln>
+            <a:solidFill>
+              <a:schemeClr val="tx1"/>
+            </a:solidFill>
+          </a:ln>
+        </p:spPr>
+      </p:pic>
+      <p:cxnSp>
+        <p:nvCxnSpPr>
+          <p:cNvPr id="14" name="Straight Arrow Connector 13">
+            <a:extLst>
+              <a:ext uri="{FF2B5EF4-FFF2-40B4-BE49-F238E27FC236}">
+                <a16:creationId xmlns:a16="http://schemas.microsoft.com/office/drawing/2014/main" id="{14CECE15-72A8-4844-AB42-76B35A6BDA4A}"/>
+              </a:ext>
+            </a:extLst>
+          </p:cNvPr>
+          <p:cNvCxnSpPr>
+            <a:cxnSpLocks/>
+            <a:endCxn id="7" idx="3"/>
+          </p:cNvCxnSpPr>
+          <p:nvPr/>
+        </p:nvCxnSpPr>
+        <p:spPr>
+          <a:xfrm flipH="1" flipV="1">
+            <a:off x="3363986" y="3311725"/>
+            <a:ext cx="1049258" cy="532701"/>
+          </a:xfrm>
+          <a:prstGeom prst="straightConnector1">
+            <a:avLst/>
+          </a:prstGeom>
+          <a:ln w="12700">
+            <a:solidFill>
+              <a:srgbClr val="FF0000"/>
+            </a:solidFill>
+            <a:tailEnd type="triangle"/>
+          </a:ln>
+        </p:spPr>
+        <p:style>
+          <a:lnRef idx="1">
+            <a:schemeClr val="accent1"/>
+          </a:lnRef>
+          <a:fillRef idx="0">
+            <a:schemeClr val="accent1"/>
+          </a:fillRef>
+          <a:effectRef idx="0">
+            <a:schemeClr val="accent1"/>
+          </a:effectRef>
+          <a:fontRef idx="minor">
+            <a:schemeClr val="tx1"/>
+          </a:fontRef>
+        </p:style>
+      </p:cxnSp>
+      <p:cxnSp>
+        <p:nvCxnSpPr>
+          <p:cNvPr id="15" name="Straight Arrow Connector 14">
+            <a:extLst>
+              <a:ext uri="{FF2B5EF4-FFF2-40B4-BE49-F238E27FC236}">
+                <a16:creationId xmlns:a16="http://schemas.microsoft.com/office/drawing/2014/main" id="{F6EBDD92-3F85-4899-ABDC-CBAE957A751B}"/>
+              </a:ext>
+            </a:extLst>
+          </p:cNvPr>
+          <p:cNvCxnSpPr>
+            <a:cxnSpLocks/>
+            <a:stCxn id="11" idx="1"/>
+          </p:cNvCxnSpPr>
+          <p:nvPr/>
+        </p:nvCxnSpPr>
+        <p:spPr>
+          <a:xfrm flipH="1">
+            <a:off x="3349172" y="4070322"/>
+            <a:ext cx="1064072" cy="141821"/>
+          </a:xfrm>
+          <a:prstGeom prst="straightConnector1">
+            <a:avLst/>
+          </a:prstGeom>
+          <a:ln w="12700">
+            <a:solidFill>
+              <a:srgbClr val="FF0000"/>
+            </a:solidFill>
+            <a:tailEnd type="triangle"/>
+          </a:ln>
+        </p:spPr>
+        <p:style>
+          <a:lnRef idx="1">
+            <a:schemeClr val="accent1"/>
+          </a:lnRef>
+          <a:fillRef idx="0">
+            <a:schemeClr val="accent1"/>
+          </a:fillRef>
+          <a:effectRef idx="0">
+            <a:schemeClr val="accent1"/>
+          </a:effectRef>
+          <a:fontRef idx="minor">
+            <a:schemeClr val="tx1"/>
+          </a:fontRef>
+        </p:style>
+      </p:cxnSp>
+      <p:cxnSp>
+        <p:nvCxnSpPr>
+          <p:cNvPr id="18" name="Straight Arrow Connector 17">
+            <a:extLst>
+              <a:ext uri="{FF2B5EF4-FFF2-40B4-BE49-F238E27FC236}">
+                <a16:creationId xmlns:a16="http://schemas.microsoft.com/office/drawing/2014/main" id="{1F798AE7-FAEB-409A-ABC9-D68F1AA9321F}"/>
+              </a:ext>
+            </a:extLst>
+          </p:cNvPr>
+          <p:cNvCxnSpPr>
+            <a:cxnSpLocks/>
+            <a:endCxn id="9" idx="1"/>
+          </p:cNvCxnSpPr>
+          <p:nvPr/>
+        </p:nvCxnSpPr>
+        <p:spPr>
+          <a:xfrm flipV="1">
+            <a:off x="7633143" y="2680593"/>
+            <a:ext cx="1196930" cy="1163833"/>
+          </a:xfrm>
+          <a:prstGeom prst="straightConnector1">
+            <a:avLst/>
+          </a:prstGeom>
+          <a:ln w="12700">
+            <a:solidFill>
+              <a:srgbClr val="FF0000"/>
+            </a:solidFill>
+            <a:tailEnd type="triangle"/>
+          </a:ln>
+        </p:spPr>
+        <p:style>
+          <a:lnRef idx="1">
+            <a:schemeClr val="accent1"/>
+          </a:lnRef>
+          <a:fillRef idx="0">
+            <a:schemeClr val="accent1"/>
+          </a:fillRef>
+          <a:effectRef idx="0">
+            <a:schemeClr val="accent1"/>
+          </a:effectRef>
+          <a:fontRef idx="minor">
+            <a:schemeClr val="tx1"/>
+          </a:fontRef>
+        </p:style>
+      </p:cxnSp>
+      <p:cxnSp>
+        <p:nvCxnSpPr>
+          <p:cNvPr id="20" name="Straight Arrow Connector 19">
+            <a:extLst>
+              <a:ext uri="{FF2B5EF4-FFF2-40B4-BE49-F238E27FC236}">
+                <a16:creationId xmlns:a16="http://schemas.microsoft.com/office/drawing/2014/main" id="{D1AB5549-A44F-442C-90EE-F58EAEA4132E}"/>
+              </a:ext>
+            </a:extLst>
+          </p:cNvPr>
+          <p:cNvCxnSpPr>
+            <a:cxnSpLocks/>
+            <a:stCxn id="11" idx="3"/>
+          </p:cNvCxnSpPr>
+          <p:nvPr/>
+        </p:nvCxnSpPr>
+        <p:spPr>
+          <a:xfrm>
+            <a:off x="7633143" y="4070322"/>
+            <a:ext cx="1196930" cy="12537"/>
+          </a:xfrm>
+          <a:prstGeom prst="straightConnector1">
+            <a:avLst/>
+          </a:prstGeom>
+          <a:ln w="12700">
+            <a:solidFill>
+              <a:srgbClr val="FF0000"/>
+            </a:solidFill>
+            <a:tailEnd type="triangle"/>
+          </a:ln>
+        </p:spPr>
+        <p:style>
+          <a:lnRef idx="1">
+            <a:schemeClr val="accent1"/>
+          </a:lnRef>
+          <a:fillRef idx="0">
+            <a:schemeClr val="accent1"/>
+          </a:fillRef>
+          <a:effectRef idx="0">
+            <a:schemeClr val="accent1"/>
+          </a:effectRef>
+          <a:fontRef idx="minor">
+            <a:schemeClr val="tx1"/>
+          </a:fontRef>
+        </p:style>
+      </p:cxnSp>
+    </p:spTree>
+    <p:extLst>
+      <p:ext uri="{BB962C8B-B14F-4D97-AF65-F5344CB8AC3E}">
+        <p14:creationId xmlns:p14="http://schemas.microsoft.com/office/powerpoint/2010/main" val="1721220278"/>
+      </p:ext>
+    </p:extLst>
+  </p:cSld>
+  <p:clrMapOvr>
+    <a:masterClrMapping/>
+  </p:clrMapOvr>
 </p:sld>
 </file>
 
@@ -8500,7 +10466,7 @@
                 <a:gridCol w="8032096">
                   <a:extLst>
                     <a:ext uri="{9D8B030D-6E8A-4147-A177-3AD203B41FA5}">
-                      <a16:colId xmlns:a16="http://schemas.microsoft.com/office/drawing/2014/main" xmlns="" val="20000"/>
+                      <a16:colId xmlns:a16="http://schemas.microsoft.com/office/drawing/2014/main" val="20000"/>
                     </a:ext>
                   </a:extLst>
                 </a:gridCol>
@@ -8565,7 +10531,7 @@
                 </a:tc>
                 <a:extLst>
                   <a:ext uri="{0D108BD9-81ED-4DB2-BD59-A6C34878D82A}">
-                    <a16:rowId xmlns:a16="http://schemas.microsoft.com/office/drawing/2014/main" xmlns="" val="10000"/>
+                    <a16:rowId xmlns:a16="http://schemas.microsoft.com/office/drawing/2014/main" val="10000"/>
                   </a:ext>
                 </a:extLst>
               </a:tr>
@@ -8629,7 +10595,7 @@
                 </a:tc>
                 <a:extLst>
                   <a:ext uri="{0D108BD9-81ED-4DB2-BD59-A6C34878D82A}">
-                    <a16:rowId xmlns:a16="http://schemas.microsoft.com/office/drawing/2014/main" xmlns="" val="10001"/>
+                    <a16:rowId xmlns:a16="http://schemas.microsoft.com/office/drawing/2014/main" val="10001"/>
                   </a:ext>
                 </a:extLst>
               </a:tr>
@@ -8682,11 +10648,7 @@
               </a:pPr>
               <a:r>
                 <a:rPr lang="en-US" sz="1900" dirty="0"/>
-                <a:t>e</a:t>
-              </a:r>
-              <a:r>
-                <a:rPr lang="en-US" sz="1900" dirty="0" smtClean="0"/>
-                <a:t>-Zone</a:t>
+                <a:t>e-Zone</a:t>
               </a:r>
               <a:endParaRPr sz="1900" dirty="0"/>
             </a:p>
@@ -8977,7 +10939,7 @@
           <a:p>
             <a:pPr algn="ctr"/>
             <a:r>
-              <a:rPr lang="ko-KR" altLang="en-US" sz="1100" dirty="0" smtClean="0">
+              <a:rPr lang="ko-KR" altLang="en-US" sz="1100" dirty="0">
                 <a:ln>
                   <a:solidFill>
                     <a:schemeClr val="bg1"/>
@@ -8989,16 +10951,6 @@
               </a:rPr>
               <a:t>바로 예약하기</a:t>
             </a:r>
-            <a:endParaRPr lang="ko-KR" altLang="en-US" sz="1100" dirty="0">
-              <a:ln>
-                <a:solidFill>
-                  <a:schemeClr val="bg1"/>
-                </a:solidFill>
-              </a:ln>
-              <a:solidFill>
-                <a:srgbClr val="FFC000"/>
-              </a:solidFill>
-            </a:endParaRPr>
           </a:p>
         </p:txBody>
       </p:sp>
@@ -9045,7 +10997,7 @@
           <a:p>
             <a:pPr algn="ctr"/>
             <a:r>
-              <a:rPr lang="en-US" altLang="ko-KR" b="1" dirty="0" smtClean="0">
+              <a:rPr lang="en-US" altLang="ko-KR" b="1" dirty="0">
                 <a:solidFill>
                   <a:schemeClr val="bg1"/>
                 </a:solidFill>
@@ -9142,14 +11094,14 @@
                 <a:gridCol w="342705">
                   <a:extLst>
                     <a:ext uri="{9D8B030D-6E8A-4147-A177-3AD203B41FA5}">
-                      <a16:colId xmlns:a16="http://schemas.microsoft.com/office/drawing/2014/main" xmlns="" val="20000"/>
+                      <a16:colId xmlns:a16="http://schemas.microsoft.com/office/drawing/2014/main" val="20000"/>
                     </a:ext>
                   </a:extLst>
                 </a:gridCol>
                 <a:gridCol w="3149108">
                   <a:extLst>
                     <a:ext uri="{9D8B030D-6E8A-4147-A177-3AD203B41FA5}">
-                      <a16:colId xmlns:a16="http://schemas.microsoft.com/office/drawing/2014/main" xmlns="" val="20001"/>
+                      <a16:colId xmlns:a16="http://schemas.microsoft.com/office/drawing/2014/main" val="20001"/>
                     </a:ext>
                   </a:extLst>
                 </a:gridCol>
@@ -9246,7 +11198,7 @@
                 </a:tc>
                 <a:extLst>
                   <a:ext uri="{0D108BD9-81ED-4DB2-BD59-A6C34878D82A}">
-                    <a16:rowId xmlns:a16="http://schemas.microsoft.com/office/drawing/2014/main" xmlns="" val="10000"/>
+                    <a16:rowId xmlns:a16="http://schemas.microsoft.com/office/drawing/2014/main" val="10000"/>
                   </a:ext>
                 </a:extLst>
               </a:tr>
@@ -9304,30 +11256,30 @@
                         <a:defRPr sz="1500"/>
                       </a:pPr>
                       <a:r>
-                        <a:rPr lang="ko-KR" altLang="en-US" dirty="0" err="1" smtClean="0"/>
+                        <a:rPr lang="ko-KR" altLang="en-US" dirty="0" err="1"/>
                         <a:t>컨텐츠</a:t>
                       </a:r>
-                      <a:endParaRPr lang="en-US" altLang="ko-KR" dirty="0" smtClean="0"/>
+                      <a:endParaRPr lang="en-US" altLang="ko-KR" dirty="0"/>
                     </a:p>
                     <a:p>
                       <a:pPr algn="l">
                         <a:defRPr sz="1500"/>
                       </a:pPr>
-                      <a:endParaRPr lang="en-US" altLang="ko-KR" sz="1000" dirty="0" smtClean="0"/>
+                      <a:endParaRPr lang="en-US" altLang="ko-KR" sz="1000" dirty="0"/>
                     </a:p>
                     <a:p>
                       <a:pPr algn="l">
                         <a:defRPr sz="1500"/>
                       </a:pPr>
                       <a:r>
-                        <a:rPr lang="en-US" altLang="ko-KR" sz="1200" b="0" dirty="0" smtClean="0"/>
+                        <a:rPr lang="en-US" altLang="ko-KR" sz="1200" b="0" dirty="0"/>
                         <a:t>-</a:t>
                       </a:r>
                       <a:r>
-                        <a:rPr lang="ko-KR" altLang="en-US" sz="1200" b="0" baseline="0" dirty="0" smtClean="0"/>
+                        <a:rPr lang="ko-KR" altLang="en-US" sz="1200" b="0" baseline="0" dirty="0"/>
                         <a:t> 세미나를 소개하는 페이지</a:t>
                       </a:r>
-                      <a:endParaRPr lang="en-US" altLang="ko-KR" sz="1200" b="0" dirty="0" smtClean="0"/>
+                      <a:endParaRPr lang="en-US" altLang="ko-KR" sz="1200" b="0" dirty="0"/>
                     </a:p>
                   </a:txBody>
                   <a:tcPr marL="45720" marR="45720" horzOverflow="overflow">
@@ -9362,7 +11314,7 @@
                 </a:tc>
                 <a:extLst>
                   <a:ext uri="{0D108BD9-81ED-4DB2-BD59-A6C34878D82A}">
-                    <a16:rowId xmlns:a16="http://schemas.microsoft.com/office/drawing/2014/main" xmlns="" val="10001"/>
+                    <a16:rowId xmlns:a16="http://schemas.microsoft.com/office/drawing/2014/main" val="10001"/>
                   </a:ext>
                 </a:extLst>
               </a:tr>
@@ -9376,7 +11328,7 @@
                         <a:defRPr sz="1800"/>
                       </a:pPr>
                       <a:r>
-                        <a:rPr lang="en-US" sz="1500" dirty="0" smtClean="0"/>
+                        <a:rPr lang="en-US" sz="1500" dirty="0"/>
                         <a:t>3</a:t>
                       </a:r>
                       <a:endParaRPr sz="1500" dirty="0"/>
@@ -9433,56 +11385,56 @@
                         <a:defRPr sz="1500"/>
                       </a:pPr>
                       <a:r>
-                        <a:rPr lang="ko-KR" altLang="en-US" sz="1500" dirty="0" smtClean="0"/>
+                        <a:rPr lang="ko-KR" altLang="en-US" sz="1500" dirty="0"/>
                         <a:t>세미나 정보</a:t>
                       </a:r>
-                      <a:endParaRPr lang="en-US" altLang="ko-KR" sz="1500" dirty="0" smtClean="0"/>
+                      <a:endParaRPr lang="en-US" altLang="ko-KR" sz="1500" dirty="0"/>
                     </a:p>
                     <a:p>
                       <a:pPr algn="l">
                         <a:defRPr sz="1500"/>
                       </a:pPr>
                       <a:r>
-                        <a:rPr lang="en-US" altLang="ko-KR" sz="1200" dirty="0" smtClean="0"/>
+                        <a:rPr lang="en-US" altLang="ko-KR" sz="1200" dirty="0"/>
                         <a:t>- </a:t>
                       </a:r>
                       <a:r>
-                        <a:rPr lang="ko-KR" altLang="en-US" sz="1200" dirty="0" smtClean="0"/>
+                        <a:rPr lang="ko-KR" altLang="en-US" sz="1200" dirty="0"/>
                         <a:t>주최자</a:t>
                       </a:r>
                       <a:r>
-                        <a:rPr lang="en-US" altLang="ko-KR" sz="1200" dirty="0" smtClean="0"/>
+                        <a:rPr lang="en-US" altLang="ko-KR" sz="1200" dirty="0"/>
                         <a:t>, </a:t>
                       </a:r>
                       <a:r>
-                        <a:rPr lang="ko-KR" altLang="en-US" sz="1200" dirty="0" smtClean="0"/>
+                        <a:rPr lang="ko-KR" altLang="en-US" sz="1200" dirty="0"/>
                         <a:t>시간</a:t>
                       </a:r>
                       <a:r>
-                        <a:rPr lang="en-US" altLang="ko-KR" sz="1200" dirty="0" smtClean="0"/>
+                        <a:rPr lang="en-US" altLang="ko-KR" sz="1200" dirty="0"/>
                         <a:t>, </a:t>
                       </a:r>
                       <a:r>
-                        <a:rPr lang="ko-KR" altLang="en-US" sz="1200" dirty="0" smtClean="0"/>
+                        <a:rPr lang="ko-KR" altLang="en-US" sz="1200" dirty="0"/>
                         <a:t>카테고리</a:t>
                       </a:r>
                       <a:r>
-                        <a:rPr lang="en-US" altLang="ko-KR" sz="1200" dirty="0" smtClean="0"/>
+                        <a:rPr lang="en-US" altLang="ko-KR" sz="1200" dirty="0"/>
                         <a:t>, </a:t>
                       </a:r>
                       <a:r>
-                        <a:rPr lang="ko-KR" altLang="en-US" sz="1200" dirty="0" smtClean="0"/>
+                        <a:rPr lang="ko-KR" altLang="en-US" sz="1200" dirty="0"/>
                         <a:t>최대인원</a:t>
                       </a:r>
                       <a:r>
-                        <a:rPr lang="en-US" altLang="ko-KR" sz="1200" dirty="0" smtClean="0"/>
+                        <a:rPr lang="en-US" altLang="ko-KR" sz="1200" dirty="0"/>
                         <a:t>, </a:t>
                       </a:r>
                       <a:r>
-                        <a:rPr lang="ko-KR" altLang="en-US" sz="1200" dirty="0" smtClean="0"/>
+                        <a:rPr lang="ko-KR" altLang="en-US" sz="1200" dirty="0"/>
                         <a:t>장소 표시</a:t>
                       </a:r>
-                      <a:endParaRPr lang="en-US" altLang="ko-KR" sz="1200" dirty="0" smtClean="0"/>
+                      <a:endParaRPr lang="en-US" altLang="ko-KR" sz="1200" dirty="0"/>
                     </a:p>
                     <a:p>
                       <a:pPr algn="l">
@@ -9535,7 +11487,7 @@
                 </a:tc>
                 <a:extLst>
                   <a:ext uri="{0D108BD9-81ED-4DB2-BD59-A6C34878D82A}">
-                    <a16:rowId xmlns:a16="http://schemas.microsoft.com/office/drawing/2014/main" xmlns="" val="10002"/>
+                    <a16:rowId xmlns:a16="http://schemas.microsoft.com/office/drawing/2014/main" val="10002"/>
                   </a:ext>
                 </a:extLst>
               </a:tr>
@@ -9612,7 +11564,7 @@
           <a:p>
             <a:pPr algn="ctr"/>
             <a:r>
-              <a:rPr lang="ko-KR" altLang="en-US" sz="700" dirty="0" err="1" smtClean="0">
+              <a:rPr lang="ko-KR" altLang="en-US" sz="700" dirty="0" err="1">
                 <a:solidFill>
                   <a:schemeClr val="tx1"/>
                 </a:solidFill>
@@ -9672,7 +11624,7 @@
           <a:p>
             <a:pPr algn="r"/>
             <a:r>
-              <a:rPr lang="ko-KR" altLang="en-US" sz="900" b="1" smtClean="0">
+              <a:rPr lang="ko-KR" altLang="en-US" sz="900" b="1">
                 <a:solidFill>
                   <a:schemeClr val="tx1"/>
                 </a:solidFill>
@@ -9756,18 +11708,13 @@
           <a:p>
             <a:pPr algn="ctr"/>
             <a:r>
-              <a:rPr lang="ko-KR" altLang="en-US" sz="700" dirty="0" smtClean="0">
+              <a:rPr lang="ko-KR" altLang="en-US" sz="700" dirty="0">
                 <a:solidFill>
                   <a:schemeClr val="tx1"/>
                 </a:solidFill>
               </a:rPr>
               <a:t>친목</a:t>
             </a:r>
-            <a:endParaRPr lang="ko-KR" altLang="en-US" sz="700" dirty="0">
-              <a:solidFill>
-                <a:schemeClr val="tx1"/>
-              </a:solidFill>
-            </a:endParaRPr>
           </a:p>
         </p:txBody>
       </p:sp>
@@ -9816,18 +11763,13 @@
           <a:p>
             <a:pPr algn="r"/>
             <a:r>
-              <a:rPr lang="ko-KR" altLang="en-US" sz="900" b="1" dirty="0" smtClean="0">
+              <a:rPr lang="ko-KR" altLang="en-US" sz="900" b="1" dirty="0">
                 <a:solidFill>
                   <a:schemeClr val="tx1"/>
                 </a:solidFill>
               </a:rPr>
               <a:t>세미나 정보</a:t>
             </a:r>
-            <a:endParaRPr lang="ko-KR" altLang="en-US" sz="900" b="1" dirty="0">
-              <a:solidFill>
-                <a:schemeClr val="tx1"/>
-              </a:solidFill>
-            </a:endParaRPr>
           </a:p>
         </p:txBody>
       </p:sp>
@@ -9859,14 +11801,14 @@
                 <a:gridCol w="611879">
                   <a:extLst>
                     <a:ext uri="{9D8B030D-6E8A-4147-A177-3AD203B41FA5}">
-                      <a16:colId xmlns:a16="http://schemas.microsoft.com/office/drawing/2014/main" xmlns="" val="20000"/>
+                      <a16:colId xmlns:a16="http://schemas.microsoft.com/office/drawing/2014/main" val="20000"/>
                     </a:ext>
                   </a:extLst>
                 </a:gridCol>
                 <a:gridCol w="1499571">
                   <a:extLst>
                     <a:ext uri="{9D8B030D-6E8A-4147-A177-3AD203B41FA5}">
-                      <a16:colId xmlns:a16="http://schemas.microsoft.com/office/drawing/2014/main" xmlns="" val="20001"/>
+                      <a16:colId xmlns:a16="http://schemas.microsoft.com/office/drawing/2014/main" val="20001"/>
                     </a:ext>
                   </a:extLst>
                 </a:gridCol>
@@ -9878,18 +11820,13 @@
                     <a:lstStyle/>
                     <a:p>
                       <a:r>
-                        <a:rPr lang="ko-KR" altLang="en-US" sz="800" b="0" dirty="0" smtClean="0">
+                        <a:rPr lang="ko-KR" altLang="en-US" sz="800" b="0" dirty="0">
                           <a:solidFill>
                             <a:schemeClr val="tx1"/>
                           </a:solidFill>
                         </a:rPr>
                         <a:t>주최자</a:t>
                       </a:r>
-                      <a:endParaRPr lang="ko-KR" altLang="en-US" sz="800" b="0" dirty="0">
-                        <a:solidFill>
-                          <a:schemeClr val="tx1"/>
-                        </a:solidFill>
-                      </a:endParaRPr>
                     </a:p>
                   </a:txBody>
                   <a:tcPr anchor="ctr">
@@ -9957,18 +11894,13 @@
                     <a:p>
                       <a:pPr latinLnBrk="1"/>
                       <a:r>
-                        <a:rPr lang="ko-KR" altLang="en-US" sz="800" b="0" dirty="0" smtClean="0">
+                        <a:rPr lang="ko-KR" altLang="en-US" sz="800" b="0" dirty="0">
                           <a:solidFill>
                             <a:schemeClr val="tx1"/>
                           </a:solidFill>
                         </a:rPr>
                         <a:t>김길동</a:t>
                       </a:r>
-                      <a:endParaRPr lang="ko-KR" altLang="en-US" sz="800" b="0" dirty="0">
-                        <a:solidFill>
-                          <a:schemeClr val="tx1"/>
-                        </a:solidFill>
-                      </a:endParaRPr>
                     </a:p>
                   </a:txBody>
                   <a:tcPr anchor="ctr">
@@ -10031,7 +11963,7 @@
                 </a:tc>
                 <a:extLst>
                   <a:ext uri="{0D108BD9-81ED-4DB2-BD59-A6C34878D82A}">
-                    <a16:rowId xmlns:a16="http://schemas.microsoft.com/office/drawing/2014/main" xmlns="" val="10000"/>
+                    <a16:rowId xmlns:a16="http://schemas.microsoft.com/office/drawing/2014/main" val="10000"/>
                   </a:ext>
                 </a:extLst>
               </a:tr>
@@ -10043,18 +11975,13 @@
                     <a:p>
                       <a:pPr latinLnBrk="1"/>
                       <a:r>
-                        <a:rPr lang="ko-KR" altLang="en-US" sz="800" b="0" dirty="0" smtClean="0">
+                        <a:rPr lang="ko-KR" altLang="en-US" sz="800" b="0" dirty="0">
                           <a:solidFill>
                             <a:schemeClr val="tx1"/>
                           </a:solidFill>
                         </a:rPr>
                         <a:t>시간</a:t>
                       </a:r>
-                      <a:endParaRPr lang="ko-KR" altLang="en-US" sz="800" b="0" dirty="0">
-                        <a:solidFill>
-                          <a:schemeClr val="tx1"/>
-                        </a:solidFill>
-                      </a:endParaRPr>
                     </a:p>
                   </a:txBody>
                   <a:tcPr anchor="ctr">
@@ -10122,7 +12049,7 @@
                     <a:p>
                       <a:pPr latinLnBrk="1"/>
                       <a:r>
-                        <a:rPr lang="en-US" altLang="ko-KR" sz="700" b="0" dirty="0" smtClean="0">
+                        <a:rPr lang="en-US" altLang="ko-KR" sz="700" b="0" dirty="0">
                           <a:solidFill>
                             <a:schemeClr val="tx1"/>
                           </a:solidFill>
@@ -10130,7 +12057,7 @@
                         <a:t>2020</a:t>
                       </a:r>
                       <a:r>
-                        <a:rPr lang="ko-KR" altLang="en-US" sz="700" b="0" dirty="0" smtClean="0">
+                        <a:rPr lang="ko-KR" altLang="en-US" sz="700" b="0" dirty="0">
                           <a:solidFill>
                             <a:schemeClr val="tx1"/>
                           </a:solidFill>
@@ -10138,7 +12065,7 @@
                         <a:t>년 </a:t>
                       </a:r>
                       <a:r>
-                        <a:rPr lang="en-US" altLang="ko-KR" sz="700" b="0" dirty="0" smtClean="0">
+                        <a:rPr lang="en-US" altLang="ko-KR" sz="700" b="0" dirty="0">
                           <a:solidFill>
                             <a:schemeClr val="tx1"/>
                           </a:solidFill>
@@ -10146,7 +12073,7 @@
                         <a:t>5</a:t>
                       </a:r>
                       <a:r>
-                        <a:rPr lang="ko-KR" altLang="en-US" sz="700" b="0" dirty="0" smtClean="0">
+                        <a:rPr lang="ko-KR" altLang="en-US" sz="700" b="0" dirty="0">
                           <a:solidFill>
                             <a:schemeClr val="tx1"/>
                           </a:solidFill>
@@ -10154,7 +12081,7 @@
                         <a:t>월 </a:t>
                       </a:r>
                       <a:r>
-                        <a:rPr lang="en-US" altLang="ko-KR" sz="700" b="0" dirty="0" smtClean="0">
+                        <a:rPr lang="en-US" altLang="ko-KR" sz="700" b="0" dirty="0">
                           <a:solidFill>
                             <a:schemeClr val="tx1"/>
                           </a:solidFill>
@@ -10162,7 +12089,7 @@
                         <a:t>20</a:t>
                       </a:r>
                       <a:r>
-                        <a:rPr lang="ko-KR" altLang="en-US" sz="700" b="0" dirty="0" smtClean="0">
+                        <a:rPr lang="ko-KR" altLang="en-US" sz="700" b="0" dirty="0">
                           <a:solidFill>
                             <a:schemeClr val="tx1"/>
                           </a:solidFill>
@@ -10170,7 +12097,7 @@
                         <a:t>일 </a:t>
                       </a:r>
                       <a:r>
-                        <a:rPr lang="en-US" altLang="ko-KR" sz="700" b="0" dirty="0" smtClean="0">
+                        <a:rPr lang="en-US" altLang="ko-KR" sz="700" b="0" dirty="0">
                           <a:solidFill>
                             <a:schemeClr val="tx1"/>
                           </a:solidFill>
@@ -10178,7 +12105,7 @@
                         <a:t>13:00:00(2</a:t>
                       </a:r>
                       <a:r>
-                        <a:rPr lang="ko-KR" altLang="en-US" sz="700" b="0" dirty="0" smtClean="0">
+                        <a:rPr lang="ko-KR" altLang="en-US" sz="700" b="0" dirty="0">
                           <a:solidFill>
                             <a:schemeClr val="tx1"/>
                           </a:solidFill>
@@ -10186,7 +12113,7 @@
                         <a:t>시간</a:t>
                       </a:r>
                       <a:r>
-                        <a:rPr lang="en-US" altLang="ko-KR" sz="700" b="0" dirty="0" smtClean="0">
+                        <a:rPr lang="en-US" altLang="ko-KR" sz="700" b="0" dirty="0">
                           <a:solidFill>
                             <a:schemeClr val="tx1"/>
                           </a:solidFill>
@@ -10260,7 +12187,7 @@
                 </a:tc>
                 <a:extLst>
                   <a:ext uri="{0D108BD9-81ED-4DB2-BD59-A6C34878D82A}">
-                    <a16:rowId xmlns:a16="http://schemas.microsoft.com/office/drawing/2014/main" xmlns="" val="10001"/>
+                    <a16:rowId xmlns:a16="http://schemas.microsoft.com/office/drawing/2014/main" val="10001"/>
                   </a:ext>
                 </a:extLst>
               </a:tr>
@@ -10272,18 +12199,13 @@
                     <a:p>
                       <a:pPr latinLnBrk="1"/>
                       <a:r>
-                        <a:rPr lang="ko-KR" altLang="en-US" sz="800" b="0" dirty="0" smtClean="0">
+                        <a:rPr lang="ko-KR" altLang="en-US" sz="800" b="0" dirty="0">
                           <a:solidFill>
                             <a:schemeClr val="tx1"/>
                           </a:solidFill>
                         </a:rPr>
                         <a:t>카테고리</a:t>
                       </a:r>
-                      <a:endParaRPr lang="ko-KR" altLang="en-US" sz="800" b="0" dirty="0">
-                        <a:solidFill>
-                          <a:schemeClr val="tx1"/>
-                        </a:solidFill>
-                      </a:endParaRPr>
                     </a:p>
                   </a:txBody>
                   <a:tcPr anchor="ctr">
@@ -10351,18 +12273,13 @@
                     <a:p>
                       <a:pPr latinLnBrk="1"/>
                       <a:r>
-                        <a:rPr lang="ko-KR" altLang="en-US" sz="800" b="0" dirty="0" smtClean="0">
+                        <a:rPr lang="ko-KR" altLang="en-US" sz="800" b="0" dirty="0">
                           <a:solidFill>
                             <a:schemeClr val="tx1"/>
                           </a:solidFill>
                         </a:rPr>
                         <a:t>예술</a:t>
                       </a:r>
-                      <a:endParaRPr lang="ko-KR" altLang="en-US" sz="800" b="0" dirty="0">
-                        <a:solidFill>
-                          <a:schemeClr val="tx1"/>
-                        </a:solidFill>
-                      </a:endParaRPr>
                     </a:p>
                   </a:txBody>
                   <a:tcPr anchor="ctr">
@@ -10425,7 +12342,7 @@
                 </a:tc>
                 <a:extLst>
                   <a:ext uri="{0D108BD9-81ED-4DB2-BD59-A6C34878D82A}">
-                    <a16:rowId xmlns:a16="http://schemas.microsoft.com/office/drawing/2014/main" xmlns="" val="10002"/>
+                    <a16:rowId xmlns:a16="http://schemas.microsoft.com/office/drawing/2014/main" val="10002"/>
                   </a:ext>
                 </a:extLst>
               </a:tr>
@@ -10437,18 +12354,13 @@
                     <a:p>
                       <a:pPr latinLnBrk="1"/>
                       <a:r>
-                        <a:rPr lang="ko-KR" altLang="en-US" sz="800" b="0" dirty="0" smtClean="0">
+                        <a:rPr lang="ko-KR" altLang="en-US" sz="800" b="0" dirty="0">
                           <a:solidFill>
                             <a:schemeClr val="tx1"/>
                           </a:solidFill>
                         </a:rPr>
                         <a:t>최대인원</a:t>
                       </a:r>
-                      <a:endParaRPr lang="ko-KR" altLang="en-US" sz="800" b="0" dirty="0">
-                        <a:solidFill>
-                          <a:schemeClr val="tx1"/>
-                        </a:solidFill>
-                      </a:endParaRPr>
                     </a:p>
                   </a:txBody>
                   <a:tcPr anchor="ctr">
@@ -10516,7 +12428,7 @@
                     <a:p>
                       <a:pPr latinLnBrk="1"/>
                       <a:r>
-                        <a:rPr lang="en-US" altLang="ko-KR" sz="800" b="0" dirty="0" smtClean="0">
+                        <a:rPr lang="en-US" altLang="ko-KR" sz="800" b="0" dirty="0">
                           <a:solidFill>
                             <a:schemeClr val="tx1"/>
                           </a:solidFill>
@@ -10524,18 +12436,13 @@
                         <a:t>20</a:t>
                       </a:r>
                       <a:r>
-                        <a:rPr lang="ko-KR" altLang="en-US" sz="800" b="0" dirty="0" smtClean="0">
+                        <a:rPr lang="ko-KR" altLang="en-US" sz="800" b="0" dirty="0">
                           <a:solidFill>
                             <a:schemeClr val="tx1"/>
                           </a:solidFill>
                         </a:rPr>
                         <a:t>명</a:t>
                       </a:r>
-                      <a:endParaRPr lang="ko-KR" altLang="en-US" sz="800" b="0" dirty="0">
-                        <a:solidFill>
-                          <a:schemeClr val="tx1"/>
-                        </a:solidFill>
-                      </a:endParaRPr>
                     </a:p>
                   </a:txBody>
                   <a:tcPr anchor="ctr">
@@ -10598,7 +12505,7 @@
                 </a:tc>
                 <a:extLst>
                   <a:ext uri="{0D108BD9-81ED-4DB2-BD59-A6C34878D82A}">
-                    <a16:rowId xmlns:a16="http://schemas.microsoft.com/office/drawing/2014/main" xmlns="" val="10003"/>
+                    <a16:rowId xmlns:a16="http://schemas.microsoft.com/office/drawing/2014/main" val="10003"/>
                   </a:ext>
                 </a:extLst>
               </a:tr>
@@ -10610,18 +12517,13 @@
                     <a:p>
                       <a:pPr latinLnBrk="1"/>
                       <a:r>
-                        <a:rPr lang="ko-KR" altLang="en-US" sz="800" b="0" dirty="0" smtClean="0">
+                        <a:rPr lang="ko-KR" altLang="en-US" sz="800" b="0" dirty="0">
                           <a:solidFill>
                             <a:schemeClr val="tx1"/>
                           </a:solidFill>
                         </a:rPr>
                         <a:t>장소</a:t>
                       </a:r>
-                      <a:endParaRPr lang="ko-KR" altLang="en-US" sz="800" b="0" dirty="0">
-                        <a:solidFill>
-                          <a:schemeClr val="tx1"/>
-                        </a:solidFill>
-                      </a:endParaRPr>
                     </a:p>
                   </a:txBody>
                   <a:tcPr anchor="ctr">
@@ -10689,7 +12591,7 @@
                     <a:p>
                       <a:pPr latinLnBrk="1"/>
                       <a:r>
-                        <a:rPr lang="en-US" altLang="ko-KR" sz="800" b="0" dirty="0" smtClean="0">
+                        <a:rPr lang="en-US" altLang="ko-KR" sz="800" b="0" dirty="0">
                           <a:solidFill>
                             <a:schemeClr val="tx1"/>
                           </a:solidFill>
@@ -10697,7 +12599,7 @@
                         <a:t>e</a:t>
                       </a:r>
                       <a:r>
-                        <a:rPr lang="en-US" altLang="ko-KR" sz="800" b="0" baseline="0" dirty="0" smtClean="0">
+                        <a:rPr lang="en-US" altLang="ko-KR" sz="800" b="0" baseline="0" dirty="0">
                           <a:solidFill>
                             <a:schemeClr val="tx1"/>
                           </a:solidFill>
@@ -10705,7 +12607,7 @@
                         <a:t>-Zone &lt;</a:t>
                       </a:r>
                       <a:r>
-                        <a:rPr lang="ko-KR" altLang="en-US" sz="800" b="0" baseline="0" dirty="0" err="1" smtClean="0">
+                        <a:rPr lang="ko-KR" altLang="en-US" sz="800" b="0" baseline="0" dirty="0" err="1">
                           <a:solidFill>
                             <a:schemeClr val="tx1"/>
                           </a:solidFill>
@@ -10713,7 +12615,7 @@
                         <a:t>블루문</a:t>
                       </a:r>
                       <a:r>
-                        <a:rPr lang="en-US" altLang="ko-KR" sz="800" b="0" baseline="0" dirty="0" smtClean="0">
+                        <a:rPr lang="en-US" altLang="ko-KR" sz="800" b="0" baseline="0" dirty="0">
                           <a:solidFill>
                             <a:schemeClr val="tx1"/>
                           </a:solidFill>
@@ -10721,7 +12623,7 @@
                         <a:t>&gt;</a:t>
                       </a:r>
                       <a:r>
-                        <a:rPr lang="ko-KR" altLang="en-US" sz="800" b="0" baseline="0" dirty="0" smtClean="0">
+                        <a:rPr lang="ko-KR" altLang="en-US" sz="800" b="0" baseline="0" dirty="0">
                           <a:solidFill>
                             <a:schemeClr val="tx1"/>
                           </a:solidFill>
@@ -10729,7 +12631,7 @@
                         <a:t> </a:t>
                       </a:r>
                       <a:r>
-                        <a:rPr lang="ko-KR" altLang="en-US" sz="800" b="0" baseline="0" dirty="0" err="1" smtClean="0">
+                        <a:rPr lang="ko-KR" altLang="en-US" sz="800" b="0" baseline="0" dirty="0" err="1">
                           <a:solidFill>
                             <a:schemeClr val="tx1"/>
                           </a:solidFill>
@@ -10803,7 +12705,7 @@
                 </a:tc>
                 <a:extLst>
                   <a:ext uri="{0D108BD9-81ED-4DB2-BD59-A6C34878D82A}">
-                    <a16:rowId xmlns:a16="http://schemas.microsoft.com/office/drawing/2014/main" xmlns="" val="10004"/>
+                    <a16:rowId xmlns:a16="http://schemas.microsoft.com/office/drawing/2014/main" val="10004"/>
                   </a:ext>
                 </a:extLst>
               </a:tr>
@@ -10860,7 +12762,13 @@
                 <a:noFill/>
               </a:tblPr>
               <a:tblGrid>
-                <a:gridCol w="3491813"/>
+                <a:gridCol w="3491813">
+                  <a:extLst>
+                    <a:ext uri="{9D8B030D-6E8A-4147-A177-3AD203B41FA5}">
+                      <a16:colId xmlns:a16="http://schemas.microsoft.com/office/drawing/2014/main" val="20000"/>
+                    </a:ext>
+                  </a:extLst>
+                </a:gridCol>
               </a:tblGrid>
               <a:tr h="505123">
                 <a:tc>
@@ -10886,7 +12794,7 @@
                         <a:buNone/>
                       </a:pPr>
                       <a:r>
-                        <a:rPr lang="ko-KR" altLang="en-US" sz="1700" b="0" u="none" strike="noStrike" cap="none" dirty="0" smtClean="0">
+                        <a:rPr lang="ko-KR" altLang="en-US" sz="1700" b="0" u="none" strike="noStrike" cap="none" dirty="0">
                           <a:solidFill>
                             <a:schemeClr val="dk1"/>
                           </a:solidFill>
@@ -10942,6 +12850,11 @@
                     </a:solidFill>
                   </a:tcPr>
                 </a:tc>
+                <a:extLst>
+                  <a:ext uri="{0D108BD9-81ED-4DB2-BD59-A6C34878D82A}">
+                    <a16:rowId xmlns:a16="http://schemas.microsoft.com/office/drawing/2014/main" val="10000"/>
+                  </a:ext>
+                </a:extLst>
               </a:tr>
               <a:tr h="531200">
                 <a:tc>
@@ -10975,7 +12888,7 @@
                         </a:defRPr>
                       </a:pPr>
                       <a:r>
-                        <a:rPr lang="en-US" altLang="ko-KR" sz="1700" b="0" u="none" strike="noStrike" cap="none" dirty="0" err="1" smtClean="0">
+                        <a:rPr lang="en-US" altLang="ko-KR" sz="1700" b="0" u="none" strike="noStrike" cap="none" dirty="0" err="1">
                           <a:solidFill>
                             <a:schemeClr val="dk1"/>
                           </a:solidFill>
@@ -11031,6 +12944,11 @@
                     </a:solidFill>
                   </a:tcPr>
                 </a:tc>
+                <a:extLst>
+                  <a:ext uri="{0D108BD9-81ED-4DB2-BD59-A6C34878D82A}">
+                    <a16:rowId xmlns:a16="http://schemas.microsoft.com/office/drawing/2014/main" val="10001"/>
+                  </a:ext>
+                </a:extLst>
               </a:tr>
             </a:tbl>
           </a:graphicData>
@@ -11065,7 +12983,7 @@
               <a:defRPr/>
             </a:pPr>
             <a:r>
-              <a:rPr lang="en-US" altLang="ko-KR" sz="2500" dirty="0" smtClean="0">
+              <a:rPr lang="en-US" altLang="ko-KR" sz="2500" dirty="0">
                 <a:solidFill>
                   <a:schemeClr val="bg1"/>
                 </a:solidFill>
@@ -11074,7 +12992,7 @@
               <a:t>[</a:t>
             </a:r>
             <a:r>
-              <a:rPr lang="ko-KR" altLang="en-US" sz="2500" dirty="0" smtClean="0">
+              <a:rPr lang="ko-KR" altLang="en-US" sz="2500" dirty="0">
                 <a:solidFill>
                   <a:schemeClr val="bg1"/>
                 </a:solidFill>
@@ -11083,7 +13001,7 @@
               <a:t>화면 설계</a:t>
             </a:r>
             <a:r>
-              <a:rPr lang="en-US" altLang="ko-KR" sz="2500" dirty="0" smtClean="0">
+              <a:rPr lang="en-US" altLang="ko-KR" sz="2500" dirty="0">
                 <a:solidFill>
                   <a:schemeClr val="bg1"/>
                 </a:solidFill>
@@ -11092,7 +13010,7 @@
               <a:t>]</a:t>
             </a:r>
             <a:r>
-              <a:rPr lang="ko-KR" altLang="en-US" sz="2500" dirty="0" smtClean="0">
+              <a:rPr lang="ko-KR" altLang="en-US" sz="2500" dirty="0">
                 <a:solidFill>
                   <a:schemeClr val="bg1"/>
                 </a:solidFill>
@@ -11101,7 +13019,7 @@
               <a:t>사용자 </a:t>
             </a:r>
             <a:r>
-              <a:rPr lang="en-US" altLang="ko-KR" sz="2500" dirty="0" smtClean="0">
+              <a:rPr lang="en-US" altLang="ko-KR" sz="2500" dirty="0">
                 <a:solidFill>
                   <a:schemeClr val="bg1"/>
                 </a:solidFill>
@@ -11110,7 +13028,7 @@
               <a:t>- </a:t>
             </a:r>
             <a:r>
-              <a:rPr lang="ko-KR" altLang="en-US" sz="2500" dirty="0" smtClean="0">
+              <a:rPr lang="ko-KR" altLang="en-US" sz="2500" dirty="0">
                 <a:solidFill>
                   <a:schemeClr val="bg1"/>
                 </a:solidFill>
@@ -11125,28 +13043,19 @@
                 </a:solidFill>
                 <a:latin typeface="+mj-lt"/>
               </a:rPr>
-              <a:t>-</a:t>
-            </a:r>
-            <a:r>
-              <a:rPr lang="en-US" altLang="ko-KR" sz="2500" dirty="0" smtClean="0">
+              <a:t>- </a:t>
+            </a:r>
+            <a:r>
+              <a:rPr lang="ko-KR" altLang="en-US" sz="2500" dirty="0">
                 <a:solidFill>
                   <a:schemeClr val="bg1"/>
                 </a:solidFill>
                 <a:latin typeface="+mj-lt"/>
               </a:rPr>
-              <a:t> </a:t>
-            </a:r>
-            <a:r>
-              <a:rPr lang="ko-KR" altLang="en-US" sz="2500" dirty="0" smtClean="0">
-                <a:solidFill>
-                  <a:schemeClr val="bg1"/>
-                </a:solidFill>
-                <a:latin typeface="+mj-lt"/>
-              </a:rPr>
               <a:t>세미나 상세페이지 </a:t>
             </a:r>
             <a:r>
-              <a:rPr lang="en-US" altLang="ko-KR" sz="2500" dirty="0" smtClean="0">
+              <a:rPr lang="en-US" altLang="ko-KR" sz="2500" dirty="0">
                 <a:solidFill>
                   <a:schemeClr val="bg1"/>
                 </a:solidFill>
@@ -11173,13 +13082,6 @@
   <p:clrMapOvr>
     <a:masterClrMapping/>
   </p:clrMapOvr>
-  <p:timing>
-    <p:tnLst>
-      <p:par>
-        <p:cTn id="1" dur="indefinite" restart="never" nodeType="tmRoot"/>
-      </p:par>
-    </p:tnLst>
-  </p:timing>
 </p:sld>
 </file>
 
@@ -11393,7 +13295,7 @@
               <a:defRPr/>
             </a:pPr>
             <a:r>
-              <a:rPr lang="en-US" altLang="ko-KR" sz="2500" dirty="0" smtClean="0">
+              <a:rPr lang="en-US" altLang="ko-KR" sz="2500" dirty="0">
                 <a:solidFill>
                   <a:schemeClr val="bg1"/>
                 </a:solidFill>
@@ -11402,7 +13304,7 @@
               <a:t>[</a:t>
             </a:r>
             <a:r>
-              <a:rPr lang="ko-KR" altLang="en-US" sz="2500" dirty="0" smtClean="0">
+              <a:rPr lang="ko-KR" altLang="en-US" sz="2500" dirty="0">
                 <a:solidFill>
                   <a:schemeClr val="bg1"/>
                 </a:solidFill>
@@ -11411,7 +13313,7 @@
               <a:t>화면 구현</a:t>
             </a:r>
             <a:r>
-              <a:rPr lang="en-US" altLang="ko-KR" sz="2500" dirty="0" smtClean="0">
+              <a:rPr lang="en-US" altLang="ko-KR" sz="2500" dirty="0">
                 <a:solidFill>
                   <a:schemeClr val="bg1"/>
                 </a:solidFill>
@@ -11420,7 +13322,7 @@
               <a:t>]</a:t>
             </a:r>
             <a:r>
-              <a:rPr lang="ko-KR" altLang="en-US" sz="2500" dirty="0" smtClean="0">
+              <a:rPr lang="ko-KR" altLang="en-US" sz="2500" dirty="0">
                 <a:solidFill>
                   <a:schemeClr val="bg1"/>
                 </a:solidFill>
@@ -11445,7 +13347,7 @@
               <a:t>웹</a:t>
             </a:r>
             <a:r>
-              <a:rPr lang="ko-KR" altLang="en-US" sz="2500" dirty="0" smtClean="0">
+              <a:rPr lang="ko-KR" altLang="en-US" sz="2500" dirty="0">
                 <a:solidFill>
                   <a:schemeClr val="bg1"/>
                 </a:solidFill>
@@ -11454,7 +13356,7 @@
               <a:t> </a:t>
             </a:r>
             <a:r>
-              <a:rPr lang="en-US" altLang="ko-KR" sz="2500" dirty="0" smtClean="0">
+              <a:rPr lang="en-US" altLang="ko-KR" sz="2500" dirty="0">
                 <a:solidFill>
                   <a:schemeClr val="bg1"/>
                 </a:solidFill>
@@ -11463,22 +13365,13 @@
               <a:t>– </a:t>
             </a:r>
             <a:r>
-              <a:rPr lang="ko-KR" altLang="en-US" sz="2500" dirty="0" smtClean="0">
+              <a:rPr lang="ko-KR" altLang="en-US" sz="2500" dirty="0">
                 <a:solidFill>
                   <a:schemeClr val="bg1"/>
                 </a:solidFill>
                 <a:latin typeface="+mj-lt"/>
               </a:rPr>
-              <a:t>세미나 상세페이</a:t>
-            </a:r>
-            <a:r>
-              <a:rPr lang="ko-KR" altLang="en-US" sz="2500" dirty="0">
-                <a:solidFill>
-                  <a:schemeClr val="bg1"/>
-                </a:solidFill>
-                <a:latin typeface="+mj-lt"/>
-              </a:rPr>
-              <a:t>지</a:t>
+              <a:t>세미나 상세페이지</a:t>
             </a:r>
           </a:p>
         </p:txBody>
@@ -11718,7 +13611,7 @@
               <a:defRPr/>
             </a:pPr>
             <a:r>
-              <a:rPr lang="en-US" altLang="ko-KR" sz="2500" dirty="0" smtClean="0">
+              <a:rPr lang="en-US" altLang="ko-KR" sz="2500" dirty="0">
                 <a:solidFill>
                   <a:schemeClr val="bg1"/>
                 </a:solidFill>
@@ -11727,7 +13620,7 @@
               <a:t>[</a:t>
             </a:r>
             <a:r>
-              <a:rPr lang="ko-KR" altLang="en-US" sz="2500" dirty="0" smtClean="0">
+              <a:rPr lang="ko-KR" altLang="en-US" sz="2500" dirty="0">
                 <a:solidFill>
                   <a:schemeClr val="bg1"/>
                 </a:solidFill>
@@ -11736,7 +13629,7 @@
               <a:t>화면 구현</a:t>
             </a:r>
             <a:r>
-              <a:rPr lang="en-US" altLang="ko-KR" sz="2500" dirty="0" smtClean="0">
+              <a:rPr lang="en-US" altLang="ko-KR" sz="2500" dirty="0">
                 <a:solidFill>
                   <a:schemeClr val="bg1"/>
                 </a:solidFill>
@@ -11745,7 +13638,7 @@
               <a:t>]</a:t>
             </a:r>
             <a:r>
-              <a:rPr lang="ko-KR" altLang="en-US" sz="2500" dirty="0" smtClean="0">
+              <a:rPr lang="ko-KR" altLang="en-US" sz="2500" dirty="0">
                 <a:solidFill>
                   <a:schemeClr val="bg1"/>
                 </a:solidFill>
@@ -11770,7 +13663,7 @@
               <a:t>웹</a:t>
             </a:r>
             <a:r>
-              <a:rPr lang="ko-KR" altLang="en-US" sz="2500" dirty="0" smtClean="0">
+              <a:rPr lang="ko-KR" altLang="en-US" sz="2500" dirty="0">
                 <a:solidFill>
                   <a:schemeClr val="bg1"/>
                 </a:solidFill>
@@ -11779,7 +13672,7 @@
               <a:t> </a:t>
             </a:r>
             <a:r>
-              <a:rPr lang="en-US" altLang="ko-KR" sz="2500" dirty="0" smtClean="0">
+              <a:rPr lang="en-US" altLang="ko-KR" sz="2500" dirty="0">
                 <a:solidFill>
                   <a:schemeClr val="bg1"/>
                 </a:solidFill>
@@ -11788,22 +13681,13 @@
               <a:t>– </a:t>
             </a:r>
             <a:r>
-              <a:rPr lang="ko-KR" altLang="en-US" sz="2500" dirty="0" smtClean="0">
+              <a:rPr lang="ko-KR" altLang="en-US" sz="2500" dirty="0">
                 <a:solidFill>
                   <a:schemeClr val="bg1"/>
                 </a:solidFill>
                 <a:latin typeface="+mj-lt"/>
               </a:rPr>
-              <a:t>세미나 상세페이</a:t>
-            </a:r>
-            <a:r>
-              <a:rPr lang="ko-KR" altLang="en-US" sz="2500" dirty="0">
-                <a:solidFill>
-                  <a:schemeClr val="bg1"/>
-                </a:solidFill>
-                <a:latin typeface="+mj-lt"/>
-              </a:rPr>
-              <a:t>지</a:t>
+              <a:t>세미나 상세페이지</a:t>
             </a:r>
           </a:p>
         </p:txBody>
@@ -12053,26 +13937,21 @@
           <a:lstStyle/>
           <a:p>
             <a:r>
-              <a:rPr lang="en-US" altLang="ko-KR" dirty="0" smtClean="0"/>
+              <a:rPr lang="en-US" altLang="ko-KR" dirty="0"/>
               <a:t>[ EL/JSTL +Database] ‘</a:t>
             </a:r>
             <a:r>
-              <a:rPr lang="ko-KR" altLang="en-US" dirty="0" smtClean="0"/>
+              <a:rPr lang="ko-KR" altLang="en-US" dirty="0"/>
               <a:t>신청 마감된 세미나</a:t>
             </a:r>
             <a:r>
-              <a:rPr lang="en-US" altLang="ko-KR" dirty="0" smtClean="0"/>
+              <a:rPr lang="en-US" altLang="ko-KR" dirty="0"/>
               <a:t>’</a:t>
             </a:r>
             <a:r>
               <a:rPr lang="ko-KR" altLang="en-US" dirty="0"/>
-              <a:t> </a:t>
-            </a:r>
-            <a:r>
-              <a:rPr lang="ko-KR" altLang="en-US" dirty="0" smtClean="0"/>
-              <a:t>페이지 세미나 정보 다르게 출력</a:t>
-            </a:r>
-            <a:endParaRPr lang="ko-KR" altLang="en-US" dirty="0"/>
+              <a:t> 페이지 세미나 정보 다르게 출력</a:t>
+            </a:r>
           </a:p>
         </p:txBody>
       </p:sp>
@@ -12105,7 +13984,7 @@
               <a:defRPr/>
             </a:pPr>
             <a:r>
-              <a:rPr lang="en-US" altLang="ko-KR" sz="2500" dirty="0" smtClean="0">
+              <a:rPr lang="en-US" altLang="ko-KR" sz="2500" dirty="0">
                 <a:solidFill>
                   <a:schemeClr val="bg1"/>
                 </a:solidFill>
@@ -12114,7 +13993,7 @@
               <a:t>[</a:t>
             </a:r>
             <a:r>
-              <a:rPr lang="ko-KR" altLang="en-US" sz="2500" dirty="0" smtClean="0">
+              <a:rPr lang="ko-KR" altLang="en-US" sz="2500" dirty="0">
                 <a:solidFill>
                   <a:schemeClr val="bg1"/>
                 </a:solidFill>
@@ -12123,7 +14002,7 @@
               <a:t>화면 구현</a:t>
             </a:r>
             <a:r>
-              <a:rPr lang="en-US" altLang="ko-KR" sz="2500" dirty="0" smtClean="0">
+              <a:rPr lang="en-US" altLang="ko-KR" sz="2500" dirty="0">
                 <a:solidFill>
                   <a:schemeClr val="bg1"/>
                 </a:solidFill>
@@ -12132,7 +14011,7 @@
               <a:t>]</a:t>
             </a:r>
             <a:r>
-              <a:rPr lang="ko-KR" altLang="en-US" sz="2500" dirty="0" smtClean="0">
+              <a:rPr lang="ko-KR" altLang="en-US" sz="2500" dirty="0">
                 <a:solidFill>
                   <a:schemeClr val="bg1"/>
                 </a:solidFill>
@@ -12157,7 +14036,7 @@
               <a:t>웹</a:t>
             </a:r>
             <a:r>
-              <a:rPr lang="ko-KR" altLang="en-US" sz="2500" dirty="0" smtClean="0">
+              <a:rPr lang="ko-KR" altLang="en-US" sz="2500" dirty="0">
                 <a:solidFill>
                   <a:schemeClr val="bg1"/>
                 </a:solidFill>
@@ -12166,7 +14045,7 @@
               <a:t> </a:t>
             </a:r>
             <a:r>
-              <a:rPr lang="en-US" altLang="ko-KR" sz="2500" dirty="0" smtClean="0">
+              <a:rPr lang="en-US" altLang="ko-KR" sz="2500" dirty="0">
                 <a:solidFill>
                   <a:schemeClr val="bg1"/>
                 </a:solidFill>
@@ -12175,22 +14054,13 @@
               <a:t>– </a:t>
             </a:r>
             <a:r>
-              <a:rPr lang="ko-KR" altLang="en-US" sz="2500" dirty="0" smtClean="0">
+              <a:rPr lang="ko-KR" altLang="en-US" sz="2500" dirty="0">
                 <a:solidFill>
                   <a:schemeClr val="bg1"/>
                 </a:solidFill>
                 <a:latin typeface="+mj-lt"/>
               </a:rPr>
-              <a:t>세미나 상세페이</a:t>
-            </a:r>
-            <a:r>
-              <a:rPr lang="ko-KR" altLang="en-US" sz="2500" dirty="0">
-                <a:solidFill>
-                  <a:schemeClr val="bg1"/>
-                </a:solidFill>
-                <a:latin typeface="+mj-lt"/>
-              </a:rPr>
-              <a:t>지</a:t>
+              <a:t>세미나 상세페이지</a:t>
             </a:r>
           </a:p>
         </p:txBody>
@@ -12253,7 +14123,7 @@
                 <a:gridCol w="8032096">
                   <a:extLst>
                     <a:ext uri="{9D8B030D-6E8A-4147-A177-3AD203B41FA5}">
-                      <a16:colId xmlns="" xmlns:a16="http://schemas.microsoft.com/office/drawing/2014/main" val="20000"/>
+                      <a16:colId xmlns:a16="http://schemas.microsoft.com/office/drawing/2014/main" val="20000"/>
                     </a:ext>
                   </a:extLst>
                 </a:gridCol>
@@ -12318,7 +14188,7 @@
                 </a:tc>
                 <a:extLst>
                   <a:ext uri="{0D108BD9-81ED-4DB2-BD59-A6C34878D82A}">
-                    <a16:rowId xmlns="" xmlns:a16="http://schemas.microsoft.com/office/drawing/2014/main" val="10000"/>
+                    <a16:rowId xmlns:a16="http://schemas.microsoft.com/office/drawing/2014/main" val="10000"/>
                   </a:ext>
                 </a:extLst>
               </a:tr>
@@ -12382,7 +14252,7 @@
                 </a:tc>
                 <a:extLst>
                   <a:ext uri="{0D108BD9-81ED-4DB2-BD59-A6C34878D82A}">
-                    <a16:rowId xmlns="" xmlns:a16="http://schemas.microsoft.com/office/drawing/2014/main" val="10001"/>
+                    <a16:rowId xmlns:a16="http://schemas.microsoft.com/office/drawing/2014/main" val="10001"/>
                   </a:ext>
                 </a:extLst>
               </a:tr>
@@ -12435,11 +14305,7 @@
               </a:pPr>
               <a:r>
                 <a:rPr lang="en-US" sz="1900" dirty="0"/>
-                <a:t>e</a:t>
-              </a:r>
-              <a:r>
-                <a:rPr lang="en-US" sz="1900" dirty="0" smtClean="0"/>
-                <a:t>-Zone</a:t>
+                <a:t>e-Zone</a:t>
               </a:r>
               <a:endParaRPr sz="1900" dirty="0"/>
             </a:p>
@@ -12585,7 +14451,7 @@
           <a:p>
             <a:pPr algn="ctr"/>
             <a:r>
-              <a:rPr lang="ko-KR" altLang="en-US" sz="1100" dirty="0" err="1" smtClean="0">
+              <a:rPr lang="ko-KR" altLang="en-US" sz="1100" dirty="0" err="1">
                 <a:ln>
                   <a:solidFill>
                     <a:schemeClr val="bg1"/>
@@ -12689,7 +14555,7 @@
             <a:p>
               <a:pPr algn="ctr"/>
               <a:r>
-                <a:rPr lang="ko-KR" altLang="en-US" sz="800" b="1" smtClean="0">
+                <a:rPr lang="ko-KR" altLang="en-US" sz="800" b="1">
                   <a:solidFill>
                     <a:schemeClr val="tx1"/>
                   </a:solidFill>
@@ -12697,7 +14563,7 @@
                 <a:t>세미나 문의</a:t>
               </a:r>
               <a:r>
-                <a:rPr lang="en-US" altLang="ko-KR" sz="800" b="1" dirty="0" smtClean="0">
+                <a:rPr lang="en-US" altLang="ko-KR" sz="800" b="1" dirty="0">
                   <a:solidFill>
                     <a:srgbClr val="704DE4"/>
                   </a:solidFill>
@@ -12705,18 +14571,13 @@
                 <a:t>5</a:t>
               </a:r>
               <a:r>
-                <a:rPr lang="ko-KR" altLang="en-US" sz="800" b="1" dirty="0" smtClean="0">
+                <a:rPr lang="ko-KR" altLang="en-US" sz="800" b="1" dirty="0">
                   <a:solidFill>
                     <a:srgbClr val="704DE4"/>
                   </a:solidFill>
                 </a:rPr>
                 <a:t>개</a:t>
               </a:r>
-              <a:endParaRPr lang="ko-KR" altLang="en-US" sz="800" b="1" dirty="0">
-                <a:solidFill>
-                  <a:srgbClr val="704DE4"/>
-                </a:solidFill>
-              </a:endParaRPr>
             </a:p>
           </p:txBody>
         </p:sp>
@@ -12765,10 +14626,9 @@
             <a:p>
               <a:pPr algn="ctr"/>
               <a:r>
-                <a:rPr lang="ko-KR" altLang="en-US" sz="700" b="1" dirty="0" smtClean="0"/>
+                <a:rPr lang="ko-KR" altLang="en-US" sz="700" b="1" dirty="0"/>
                 <a:t>질문작성하기</a:t>
               </a:r>
-              <a:endParaRPr lang="ko-KR" altLang="en-US" sz="700" b="1" dirty="0"/>
             </a:p>
           </p:txBody>
         </p:sp>
@@ -12865,7 +14725,7 @@
             <a:p>
               <a:pPr algn="ctr"/>
               <a:r>
-                <a:rPr lang="ko-KR" altLang="en-US" sz="700" b="1" dirty="0" err="1" smtClean="0">
+                <a:rPr lang="ko-KR" altLang="en-US" sz="700" b="1" dirty="0" err="1">
                   <a:solidFill>
                     <a:schemeClr val="tx1"/>
                   </a:solidFill>
@@ -12929,14 +14789,14 @@
                 <a:gridCol w="342705">
                   <a:extLst>
                     <a:ext uri="{9D8B030D-6E8A-4147-A177-3AD203B41FA5}">
-                      <a16:colId xmlns="" xmlns:a16="http://schemas.microsoft.com/office/drawing/2014/main" val="20000"/>
+                      <a16:colId xmlns:a16="http://schemas.microsoft.com/office/drawing/2014/main" val="20000"/>
                     </a:ext>
                   </a:extLst>
                 </a:gridCol>
                 <a:gridCol w="3149108">
                   <a:extLst>
                     <a:ext uri="{9D8B030D-6E8A-4147-A177-3AD203B41FA5}">
-                      <a16:colId xmlns="" xmlns:a16="http://schemas.microsoft.com/office/drawing/2014/main" val="20001"/>
+                      <a16:colId xmlns:a16="http://schemas.microsoft.com/office/drawing/2014/main" val="20001"/>
                     </a:ext>
                   </a:extLst>
                 </a:gridCol>
@@ -13033,7 +14893,7 @@
                 </a:tc>
                 <a:extLst>
                   <a:ext uri="{0D108BD9-81ED-4DB2-BD59-A6C34878D82A}">
-                    <a16:rowId xmlns="" xmlns:a16="http://schemas.microsoft.com/office/drawing/2014/main" val="10000"/>
+                    <a16:rowId xmlns:a16="http://schemas.microsoft.com/office/drawing/2014/main" val="10000"/>
                   </a:ext>
                 </a:extLst>
               </a:tr>
@@ -13047,7 +14907,7 @@
                         <a:defRPr sz="1800"/>
                       </a:pPr>
                       <a:r>
-                        <a:rPr lang="en-US" sz="1500" dirty="0" smtClean="0"/>
+                        <a:rPr lang="en-US" sz="1500" dirty="0"/>
                         <a:t>5</a:t>
                       </a:r>
                       <a:endParaRPr sz="1500" dirty="0"/>
@@ -13092,7 +14952,7 @@
                         <a:defRPr sz="1500"/>
                       </a:pPr>
                       <a:r>
-                        <a:rPr lang="en-US" altLang="ko-KR" dirty="0" smtClean="0"/>
+                        <a:rPr lang="en-US" altLang="ko-KR" dirty="0"/>
                         <a:t>Q&amp;A</a:t>
                       </a:r>
                     </a:p>
@@ -13103,26 +14963,26 @@
                         <a:defRPr sz="1500"/>
                       </a:pPr>
                       <a:r>
-                        <a:rPr lang="ko-KR" altLang="en-US" sz="1200" baseline="0" dirty="0" smtClean="0"/>
+                        <a:rPr lang="ko-KR" altLang="en-US" sz="1200" baseline="0" dirty="0"/>
                         <a:t>세미나에 대해 궁금한 것을 물어 볼 수 </a:t>
                       </a:r>
                       <a:r>
-                        <a:rPr lang="ko-KR" altLang="en-US" sz="1200" baseline="0" dirty="0" err="1" smtClean="0"/>
+                        <a:rPr lang="ko-KR" altLang="en-US" sz="1200" baseline="0" dirty="0" err="1"/>
                         <a:t>있</a:t>
                       </a:r>
                       <a:r>
-                        <a:rPr lang="ko-KR" altLang="en-US" sz="1200" baseline="0" dirty="0" smtClean="0"/>
+                        <a:rPr lang="ko-KR" altLang="en-US" sz="1200" baseline="0" dirty="0"/>
                         <a:t> 는 공간으로 주최자만 </a:t>
                       </a:r>
                       <a:r>
-                        <a:rPr lang="ko-KR" altLang="en-US" sz="1200" baseline="0" dirty="0" err="1" smtClean="0"/>
+                        <a:rPr lang="ko-KR" altLang="en-US" sz="1200" baseline="0" dirty="0" err="1"/>
                         <a:t>답글을</a:t>
                       </a:r>
                       <a:r>
-                        <a:rPr lang="ko-KR" altLang="en-US" sz="1200" baseline="0" dirty="0" smtClean="0"/>
+                        <a:rPr lang="ko-KR" altLang="en-US" sz="1200" baseline="0" dirty="0"/>
                         <a:t> 달 수 있음</a:t>
                       </a:r>
-                      <a:endParaRPr lang="en-US" altLang="ko-KR" sz="1200" baseline="0" dirty="0" smtClean="0"/>
+                      <a:endParaRPr lang="en-US" altLang="ko-KR" sz="1200" baseline="0" dirty="0"/>
                     </a:p>
                   </a:txBody>
                   <a:tcPr marL="45720" marR="45720" horzOverflow="overflow">
@@ -13157,7 +15017,7 @@
                 </a:tc>
                 <a:extLst>
                   <a:ext uri="{0D108BD9-81ED-4DB2-BD59-A6C34878D82A}">
-                    <a16:rowId xmlns="" xmlns:a16="http://schemas.microsoft.com/office/drawing/2014/main" val="10001"/>
+                    <a16:rowId xmlns:a16="http://schemas.microsoft.com/office/drawing/2014/main" val="10001"/>
                   </a:ext>
                 </a:extLst>
               </a:tr>
@@ -13208,7 +15068,7 @@
           <a:p>
             <a:pPr algn="ctr"/>
             <a:r>
-              <a:rPr lang="en-US" altLang="ko-KR" b="1" dirty="0" smtClean="0">
+              <a:rPr lang="en-US" altLang="ko-KR" b="1" dirty="0">
                 <a:solidFill>
                   <a:schemeClr val="bg1"/>
                 </a:solidFill>
@@ -13272,7 +15132,13 @@
                 <a:noFill/>
               </a:tblPr>
               <a:tblGrid>
-                <a:gridCol w="3491813"/>
+                <a:gridCol w="3491813">
+                  <a:extLst>
+                    <a:ext uri="{9D8B030D-6E8A-4147-A177-3AD203B41FA5}">
+                      <a16:colId xmlns:a16="http://schemas.microsoft.com/office/drawing/2014/main" val="20000"/>
+                    </a:ext>
+                  </a:extLst>
+                </a:gridCol>
               </a:tblGrid>
               <a:tr h="413450">
                 <a:tc>
@@ -13298,7 +15164,7 @@
                         <a:buNone/>
                       </a:pPr>
                       <a:r>
-                        <a:rPr lang="ko-KR" altLang="en-US" sz="1700" b="0" u="none" strike="noStrike" cap="none" dirty="0" smtClean="0">
+                        <a:rPr lang="ko-KR" altLang="en-US" sz="1700" b="0" u="none" strike="noStrike" cap="none" dirty="0">
                           <a:solidFill>
                             <a:schemeClr val="dk1"/>
                           </a:solidFill>
@@ -13354,6 +15220,11 @@
                     </a:solidFill>
                   </a:tcPr>
                 </a:tc>
+                <a:extLst>
+                  <a:ext uri="{0D108BD9-81ED-4DB2-BD59-A6C34878D82A}">
+                    <a16:rowId xmlns:a16="http://schemas.microsoft.com/office/drawing/2014/main" val="10000"/>
+                  </a:ext>
+                </a:extLst>
               </a:tr>
               <a:tr h="434794">
                 <a:tc>
@@ -13387,7 +15258,7 @@
                         </a:defRPr>
                       </a:pPr>
                       <a:r>
-                        <a:rPr lang="en-US" altLang="ko-KR" sz="1700" b="0" u="none" strike="noStrike" cap="none" dirty="0" err="1" smtClean="0">
+                        <a:rPr lang="en-US" altLang="ko-KR" sz="1700" b="0" u="none" strike="noStrike" cap="none" dirty="0" err="1">
                           <a:solidFill>
                             <a:schemeClr val="dk1"/>
                           </a:solidFill>
@@ -13443,6 +15314,11 @@
                     </a:solidFill>
                   </a:tcPr>
                 </a:tc>
+                <a:extLst>
+                  <a:ext uri="{0D108BD9-81ED-4DB2-BD59-A6C34878D82A}">
+                    <a16:rowId xmlns:a16="http://schemas.microsoft.com/office/drawing/2014/main" val="10001"/>
+                  </a:ext>
+                </a:extLst>
               </a:tr>
             </a:tbl>
           </a:graphicData>
@@ -13477,7 +15353,7 @@
               <a:defRPr/>
             </a:pPr>
             <a:r>
-              <a:rPr lang="en-US" altLang="ko-KR" sz="2500" dirty="0" smtClean="0">
+              <a:rPr lang="en-US" altLang="ko-KR" sz="2500" dirty="0">
                 <a:solidFill>
                   <a:schemeClr val="bg1"/>
                 </a:solidFill>
@@ -13486,7 +15362,7 @@
               <a:t>[</a:t>
             </a:r>
             <a:r>
-              <a:rPr lang="ko-KR" altLang="en-US" sz="2500" dirty="0" smtClean="0">
+              <a:rPr lang="ko-KR" altLang="en-US" sz="2500" dirty="0">
                 <a:solidFill>
                   <a:schemeClr val="bg1"/>
                 </a:solidFill>
@@ -13495,7 +15371,7 @@
               <a:t>화면 설계</a:t>
             </a:r>
             <a:r>
-              <a:rPr lang="en-US" altLang="ko-KR" sz="2500" dirty="0" smtClean="0">
+              <a:rPr lang="en-US" altLang="ko-KR" sz="2500" dirty="0">
                 <a:solidFill>
                   <a:schemeClr val="bg1"/>
                 </a:solidFill>
@@ -13504,7 +15380,7 @@
               <a:t>]</a:t>
             </a:r>
             <a:r>
-              <a:rPr lang="ko-KR" altLang="en-US" sz="2500" dirty="0" smtClean="0">
+              <a:rPr lang="ko-KR" altLang="en-US" sz="2500" dirty="0">
                 <a:solidFill>
                   <a:schemeClr val="bg1"/>
                 </a:solidFill>
@@ -13529,7 +15405,7 @@
               <a:t>웹</a:t>
             </a:r>
             <a:r>
-              <a:rPr lang="ko-KR" altLang="en-US" sz="2500" dirty="0" smtClean="0">
+              <a:rPr lang="ko-KR" altLang="en-US" sz="2500" dirty="0">
                 <a:solidFill>
                   <a:schemeClr val="bg1"/>
                 </a:solidFill>
@@ -13538,7 +15414,7 @@
               <a:t> </a:t>
             </a:r>
             <a:r>
-              <a:rPr lang="en-US" altLang="ko-KR" sz="2500" dirty="0" smtClean="0">
+              <a:rPr lang="en-US" altLang="ko-KR" sz="2500" dirty="0">
                 <a:solidFill>
                   <a:schemeClr val="bg1"/>
                 </a:solidFill>
@@ -13547,7 +15423,7 @@
               <a:t>– </a:t>
             </a:r>
             <a:r>
-              <a:rPr lang="ko-KR" altLang="en-US" sz="2500" dirty="0" smtClean="0">
+              <a:rPr lang="ko-KR" altLang="en-US" sz="2500" dirty="0">
                 <a:solidFill>
                   <a:schemeClr val="bg1"/>
                 </a:solidFill>
@@ -13556,7 +15432,7 @@
               <a:t>세미나 상세페이지 </a:t>
             </a:r>
             <a:r>
-              <a:rPr lang="en-US" altLang="ko-KR" sz="2500" dirty="0" smtClean="0">
+              <a:rPr lang="en-US" altLang="ko-KR" sz="2500" dirty="0">
                 <a:solidFill>
                   <a:schemeClr val="bg1"/>
                 </a:solidFill>
@@ -13565,7 +15441,7 @@
               <a:t>– </a:t>
             </a:r>
             <a:r>
-              <a:rPr lang="ko-KR" altLang="en-US" sz="2500" dirty="0" smtClean="0">
+              <a:rPr lang="ko-KR" altLang="en-US" sz="2500" dirty="0">
                 <a:solidFill>
                   <a:schemeClr val="bg1"/>
                 </a:solidFill>
@@ -13573,12 +15449,6 @@
               </a:rPr>
               <a:t>세미나문의</a:t>
             </a:r>
-            <a:endParaRPr lang="ko-KR" altLang="en-US" sz="2500" dirty="0">
-              <a:solidFill>
-                <a:schemeClr val="bg1"/>
-              </a:solidFill>
-              <a:latin typeface="+mj-lt"/>
-            </a:endParaRPr>
           </a:p>
         </p:txBody>
       </p:sp>
@@ -13592,13 +15462,6 @@
   <p:clrMapOvr>
     <a:masterClrMapping/>
   </p:clrMapOvr>
-  <p:timing>
-    <p:tnLst>
-      <p:par>
-        <p:cTn id="1" dur="indefinite" restart="never" nodeType="tmRoot"/>
-      </p:par>
-    </p:tnLst>
-  </p:timing>
 </p:sld>
 </file>
 
@@ -13800,26 +15663,25 @@
           <a:lstStyle/>
           <a:p>
             <a:r>
-              <a:rPr lang="en-US" altLang="ko-KR" dirty="0" smtClean="0"/>
+              <a:rPr lang="en-US" altLang="ko-KR" dirty="0"/>
               <a:t>[ EL/JSTL + Database] ‘</a:t>
             </a:r>
             <a:r>
-              <a:rPr lang="ko-KR" altLang="en-US" dirty="0" smtClean="0"/>
+              <a:rPr lang="ko-KR" altLang="en-US" dirty="0"/>
               <a:t>호스트 </a:t>
             </a:r>
             <a:r>
-              <a:rPr lang="ko-KR" altLang="en-US" dirty="0" err="1" smtClean="0"/>
+              <a:rPr lang="ko-KR" altLang="en-US" dirty="0" err="1"/>
               <a:t>답글</a:t>
             </a:r>
             <a:r>
-              <a:rPr lang="en-US" altLang="ko-KR" dirty="0" smtClean="0"/>
+              <a:rPr lang="en-US" altLang="ko-KR" dirty="0"/>
               <a:t>’</a:t>
             </a:r>
             <a:r>
-              <a:rPr lang="ko-KR" altLang="en-US" dirty="0" smtClean="0"/>
+              <a:rPr lang="ko-KR" altLang="en-US" dirty="0"/>
               <a:t>이 존재 할 경우 출력</a:t>
             </a:r>
-            <a:endParaRPr lang="ko-KR" altLang="en-US" dirty="0"/>
           </a:p>
         </p:txBody>
       </p:sp>
@@ -13892,7 +15754,7 @@
               <a:defRPr/>
             </a:pPr>
             <a:r>
-              <a:rPr lang="en-US" altLang="ko-KR" sz="2500" dirty="0" smtClean="0">
+              <a:rPr lang="en-US" altLang="ko-KR" sz="2500" dirty="0">
                 <a:solidFill>
                   <a:schemeClr val="bg1"/>
                 </a:solidFill>
@@ -13901,7 +15763,7 @@
               <a:t>[</a:t>
             </a:r>
             <a:r>
-              <a:rPr lang="ko-KR" altLang="en-US" sz="2500" dirty="0" smtClean="0">
+              <a:rPr lang="ko-KR" altLang="en-US" sz="2500" dirty="0">
                 <a:solidFill>
                   <a:schemeClr val="bg1"/>
                 </a:solidFill>
@@ -13910,7 +15772,7 @@
               <a:t>화면 구현</a:t>
             </a:r>
             <a:r>
-              <a:rPr lang="en-US" altLang="ko-KR" sz="2500" dirty="0" smtClean="0">
+              <a:rPr lang="en-US" altLang="ko-KR" sz="2500" dirty="0">
                 <a:solidFill>
                   <a:schemeClr val="bg1"/>
                 </a:solidFill>
@@ -13919,7 +15781,7 @@
               <a:t>] </a:t>
             </a:r>
             <a:r>
-              <a:rPr lang="ko-KR" altLang="en-US" sz="2500" dirty="0" smtClean="0">
+              <a:rPr lang="ko-KR" altLang="en-US" sz="2500" dirty="0">
                 <a:solidFill>
                   <a:schemeClr val="bg1"/>
                 </a:solidFill>
@@ -13928,11 +15790,28 @@
               <a:t>사용자</a:t>
             </a:r>
             <a:r>
-              <a:rPr lang="en-US" altLang="ko-KR" sz="2500" dirty="0" smtClean="0">
+              <a:rPr lang="en-US" altLang="ko-KR" sz="2500" dirty="0">
                 <a:solidFill>
                   <a:schemeClr val="bg1"/>
                 </a:solidFill>
               </a:rPr>
+              <a:t> - </a:t>
+            </a:r>
+            <a:r>
+              <a:rPr lang="ko-KR" altLang="en-US" sz="2500" dirty="0">
+                <a:solidFill>
+                  <a:schemeClr val="bg1"/>
+                </a:solidFill>
+              </a:rPr>
+              <a:t>웹</a:t>
+            </a:r>
+            <a:r>
+              <a:rPr lang="ko-KR" altLang="en-US" sz="2500" dirty="0">
+                <a:solidFill>
+                  <a:schemeClr val="bg1"/>
+                </a:solidFill>
+                <a:latin typeface="+mj-lt"/>
+              </a:rPr>
               <a:t> </a:t>
             </a:r>
             <a:r>
@@ -13940,50 +15819,19 @@
                 <a:solidFill>
                   <a:schemeClr val="bg1"/>
                 </a:solidFill>
-              </a:rPr>
-              <a:t>- </a:t>
+                <a:latin typeface="+mj-lt"/>
+              </a:rPr>
+              <a:t>– </a:t>
             </a:r>
             <a:r>
               <a:rPr lang="ko-KR" altLang="en-US" sz="2500" dirty="0">
                 <a:solidFill>
                   <a:schemeClr val="bg1"/>
                 </a:solidFill>
-              </a:rPr>
-              <a:t>웹</a:t>
-            </a:r>
-            <a:r>
-              <a:rPr lang="ko-KR" altLang="en-US" sz="2500" dirty="0" smtClean="0">
-                <a:solidFill>
-                  <a:schemeClr val="bg1"/>
-                </a:solidFill>
                 <a:latin typeface="+mj-lt"/>
               </a:rPr>
-              <a:t> </a:t>
-            </a:r>
-            <a:r>
-              <a:rPr lang="en-US" altLang="ko-KR" sz="2500" dirty="0" smtClean="0">
-                <a:solidFill>
-                  <a:schemeClr val="bg1"/>
-                </a:solidFill>
-                <a:latin typeface="+mj-lt"/>
-              </a:rPr>
-              <a:t>– </a:t>
-            </a:r>
-            <a:r>
-              <a:rPr lang="ko-KR" altLang="en-US" sz="2500" dirty="0" smtClean="0">
-                <a:solidFill>
-                  <a:schemeClr val="bg1"/>
-                </a:solidFill>
-                <a:latin typeface="+mj-lt"/>
-              </a:rPr>
               <a:t>세미나 상세페이지</a:t>
             </a:r>
-            <a:endParaRPr lang="ko-KR" altLang="en-US" sz="2500" dirty="0">
-              <a:solidFill>
-                <a:schemeClr val="bg1"/>
-              </a:solidFill>
-              <a:latin typeface="+mj-lt"/>
-            </a:endParaRPr>
           </a:p>
         </p:txBody>
       </p:sp>
@@ -14023,9 +15871,7 @@
           <p:cNvGraphicFramePr>
             <a:graphicFrameLocks noGrp="1"/>
           </p:cNvGraphicFramePr>
-          <p:nvPr>
-            <p:extLst/>
-          </p:nvPr>
+          <p:nvPr/>
         </p:nvGraphicFramePr>
         <p:xfrm>
           <a:off x="131601" y="1283516"/>
@@ -14041,7 +15887,7 @@
                 <a:gridCol w="8032096">
                   <a:extLst>
                     <a:ext uri="{9D8B030D-6E8A-4147-A177-3AD203B41FA5}">
-                      <a16:colId xmlns:a16="http://schemas.microsoft.com/office/drawing/2014/main" xmlns="" val="20000"/>
+                      <a16:colId xmlns:a16="http://schemas.microsoft.com/office/drawing/2014/main" val="20000"/>
                     </a:ext>
                   </a:extLst>
                 </a:gridCol>
@@ -14106,7 +15952,7 @@
                 </a:tc>
                 <a:extLst>
                   <a:ext uri="{0D108BD9-81ED-4DB2-BD59-A6C34878D82A}">
-                    <a16:rowId xmlns:a16="http://schemas.microsoft.com/office/drawing/2014/main" xmlns="" val="10000"/>
+                    <a16:rowId xmlns:a16="http://schemas.microsoft.com/office/drawing/2014/main" val="10000"/>
                   </a:ext>
                 </a:extLst>
               </a:tr>
@@ -14170,7 +16016,7 @@
                 </a:tc>
                 <a:extLst>
                   <a:ext uri="{0D108BD9-81ED-4DB2-BD59-A6C34878D82A}">
-                    <a16:rowId xmlns:a16="http://schemas.microsoft.com/office/drawing/2014/main" xmlns="" val="10001"/>
+                    <a16:rowId xmlns:a16="http://schemas.microsoft.com/office/drawing/2014/main" val="10001"/>
                   </a:ext>
                 </a:extLst>
               </a:tr>
@@ -14223,11 +16069,7 @@
               </a:pPr>
               <a:r>
                 <a:rPr lang="en-US" sz="1900" dirty="0"/>
-                <a:t>e</a:t>
-              </a:r>
-              <a:r>
-                <a:rPr lang="en-US" sz="1900" dirty="0" smtClean="0"/>
-                <a:t>-Zone</a:t>
+                <a:t>e-Zone</a:t>
               </a:r>
               <a:endParaRPr sz="1900" dirty="0"/>
             </a:p>
@@ -14373,7 +16215,7 @@
           <a:p>
             <a:pPr algn="ctr"/>
             <a:r>
-              <a:rPr lang="ko-KR" altLang="en-US" sz="1100" dirty="0" err="1" smtClean="0">
+              <a:rPr lang="ko-KR" altLang="en-US" sz="1100" dirty="0" err="1">
                 <a:ln>
                   <a:solidFill>
                     <a:schemeClr val="bg1"/>
@@ -14477,7 +16319,7 @@
             <a:p>
               <a:pPr algn="ctr"/>
               <a:r>
-                <a:rPr lang="ko-KR" altLang="en-US" sz="800" b="1" smtClean="0">
+                <a:rPr lang="ko-KR" altLang="en-US" sz="800" b="1">
                   <a:solidFill>
                     <a:schemeClr val="tx1"/>
                   </a:solidFill>
@@ -14485,7 +16327,7 @@
                 <a:t>세미나 문의</a:t>
               </a:r>
               <a:r>
-                <a:rPr lang="en-US" altLang="ko-KR" sz="800" b="1" dirty="0" smtClean="0">
+                <a:rPr lang="en-US" altLang="ko-KR" sz="800" b="1" dirty="0">
                   <a:solidFill>
                     <a:srgbClr val="704DE4"/>
                   </a:solidFill>
@@ -14493,18 +16335,13 @@
                 <a:t>5</a:t>
               </a:r>
               <a:r>
-                <a:rPr lang="ko-KR" altLang="en-US" sz="800" b="1" dirty="0" smtClean="0">
+                <a:rPr lang="ko-KR" altLang="en-US" sz="800" b="1" dirty="0">
                   <a:solidFill>
                     <a:srgbClr val="704DE4"/>
                   </a:solidFill>
                 </a:rPr>
                 <a:t>개</a:t>
               </a:r>
-              <a:endParaRPr lang="ko-KR" altLang="en-US" sz="800" b="1" dirty="0">
-                <a:solidFill>
-                  <a:srgbClr val="704DE4"/>
-                </a:solidFill>
-              </a:endParaRPr>
             </a:p>
           </p:txBody>
         </p:sp>
@@ -14553,10 +16390,9 @@
             <a:p>
               <a:pPr algn="ctr"/>
               <a:r>
-                <a:rPr lang="ko-KR" altLang="en-US" sz="700" b="1" dirty="0" smtClean="0"/>
+                <a:rPr lang="ko-KR" altLang="en-US" sz="700" b="1" dirty="0"/>
                 <a:t>질문작성하기</a:t>
               </a:r>
-              <a:endParaRPr lang="ko-KR" altLang="en-US" sz="700" b="1" dirty="0"/>
             </a:p>
           </p:txBody>
         </p:sp>
@@ -14653,7 +16489,7 @@
             <a:p>
               <a:pPr algn="ctr"/>
               <a:r>
-                <a:rPr lang="ko-KR" altLang="en-US" sz="700" b="1" dirty="0" err="1" smtClean="0">
+                <a:rPr lang="ko-KR" altLang="en-US" sz="700" b="1" dirty="0" err="1">
                   <a:solidFill>
                     <a:schemeClr val="tx1"/>
                   </a:solidFill>
@@ -14717,14 +16553,14 @@
                 <a:gridCol w="342705">
                   <a:extLst>
                     <a:ext uri="{9D8B030D-6E8A-4147-A177-3AD203B41FA5}">
-                      <a16:colId xmlns:a16="http://schemas.microsoft.com/office/drawing/2014/main" xmlns="" val="20000"/>
+                      <a16:colId xmlns:a16="http://schemas.microsoft.com/office/drawing/2014/main" val="20000"/>
                     </a:ext>
                   </a:extLst>
                 </a:gridCol>
                 <a:gridCol w="3149108">
                   <a:extLst>
                     <a:ext uri="{9D8B030D-6E8A-4147-A177-3AD203B41FA5}">
-                      <a16:colId xmlns:a16="http://schemas.microsoft.com/office/drawing/2014/main" xmlns="" val="20001"/>
+                      <a16:colId xmlns:a16="http://schemas.microsoft.com/office/drawing/2014/main" val="20001"/>
                     </a:ext>
                   </a:extLst>
                 </a:gridCol>
@@ -14821,7 +16657,7 @@
                 </a:tc>
                 <a:extLst>
                   <a:ext uri="{0D108BD9-81ED-4DB2-BD59-A6C34878D82A}">
-                    <a16:rowId xmlns:a16="http://schemas.microsoft.com/office/drawing/2014/main" xmlns="" val="10000"/>
+                    <a16:rowId xmlns:a16="http://schemas.microsoft.com/office/drawing/2014/main" val="10000"/>
                   </a:ext>
                 </a:extLst>
               </a:tr>
@@ -14835,7 +16671,7 @@
                         <a:defRPr sz="1800"/>
                       </a:pPr>
                       <a:r>
-                        <a:rPr lang="en-US" sz="1500" dirty="0" smtClean="0"/>
+                        <a:rPr lang="en-US" sz="1500" dirty="0"/>
                         <a:t>5</a:t>
                       </a:r>
                       <a:endParaRPr sz="1500" dirty="0"/>
@@ -14880,7 +16716,7 @@
                         <a:defRPr sz="1500"/>
                       </a:pPr>
                       <a:r>
-                        <a:rPr lang="en-US" altLang="ko-KR" dirty="0" smtClean="0"/>
+                        <a:rPr lang="en-US" altLang="ko-KR" dirty="0"/>
                         <a:t>Q&amp;A</a:t>
                       </a:r>
                     </a:p>
@@ -14889,31 +16725,31 @@
                         <a:defRPr sz="1500"/>
                       </a:pPr>
                       <a:r>
-                        <a:rPr lang="en-US" altLang="ko-KR" sz="1200" dirty="0" smtClean="0"/>
+                        <a:rPr lang="en-US" altLang="ko-KR" sz="1200" dirty="0"/>
                         <a:t>-</a:t>
                       </a:r>
                       <a:r>
-                        <a:rPr lang="en-US" altLang="ko-KR" sz="1200" baseline="0" dirty="0" smtClean="0"/>
+                        <a:rPr lang="en-US" altLang="ko-KR" sz="1200" baseline="0" dirty="0"/>
                         <a:t> </a:t>
                       </a:r>
                       <a:r>
-                        <a:rPr lang="ko-KR" altLang="en-US" sz="1200" baseline="0" dirty="0" smtClean="0"/>
+                        <a:rPr lang="ko-KR" altLang="en-US" sz="1200" baseline="0" dirty="0"/>
                         <a:t>세미나에 대해 궁금한 것을 물어 볼 수 </a:t>
                       </a:r>
                       <a:r>
-                        <a:rPr lang="ko-KR" altLang="en-US" sz="1200" baseline="0" dirty="0" err="1" smtClean="0"/>
+                        <a:rPr lang="ko-KR" altLang="en-US" sz="1200" baseline="0" dirty="0" err="1"/>
                         <a:t>있</a:t>
                       </a:r>
                       <a:r>
-                        <a:rPr lang="ko-KR" altLang="en-US" sz="1200" baseline="0" dirty="0" smtClean="0"/>
+                        <a:rPr lang="ko-KR" altLang="en-US" sz="1200" baseline="0" dirty="0"/>
                         <a:t> 는 공간으로 주최자만 </a:t>
                       </a:r>
                       <a:r>
-                        <a:rPr lang="ko-KR" altLang="en-US" sz="1200" baseline="0" dirty="0" err="1" smtClean="0"/>
+                        <a:rPr lang="ko-KR" altLang="en-US" sz="1200" baseline="0" dirty="0" err="1"/>
                         <a:t>답글을</a:t>
                       </a:r>
                       <a:r>
-                        <a:rPr lang="ko-KR" altLang="en-US" sz="1200" baseline="0" dirty="0" smtClean="0"/>
+                        <a:rPr lang="ko-KR" altLang="en-US" sz="1200" baseline="0" dirty="0"/>
                         <a:t> 달 수 있음</a:t>
                       </a:r>
                       <a:endParaRPr sz="1200" dirty="0"/>
@@ -14951,7 +16787,7 @@
                 </a:tc>
                 <a:extLst>
                   <a:ext uri="{0D108BD9-81ED-4DB2-BD59-A6C34878D82A}">
-                    <a16:rowId xmlns:a16="http://schemas.microsoft.com/office/drawing/2014/main" xmlns="" val="10001"/>
+                    <a16:rowId xmlns:a16="http://schemas.microsoft.com/office/drawing/2014/main" val="10001"/>
                   </a:ext>
                 </a:extLst>
               </a:tr>
@@ -15002,7 +16838,7 @@
           <a:p>
             <a:pPr algn="ctr"/>
             <a:r>
-              <a:rPr lang="en-US" altLang="ko-KR" b="1" dirty="0" smtClean="0">
+              <a:rPr lang="en-US" altLang="ko-KR" b="1" dirty="0">
                 <a:solidFill>
                   <a:schemeClr val="bg1"/>
                 </a:solidFill>
@@ -15069,7 +16905,7 @@
                 <a:gridCol w="8032096">
                   <a:extLst>
                     <a:ext uri="{9D8B030D-6E8A-4147-A177-3AD203B41FA5}">
-                      <a16:colId xmlns:a16="http://schemas.microsoft.com/office/drawing/2014/main" xmlns="" val="20000"/>
+                      <a16:colId xmlns:a16="http://schemas.microsoft.com/office/drawing/2014/main" val="20000"/>
                     </a:ext>
                   </a:extLst>
                 </a:gridCol>
@@ -15138,7 +16974,7 @@
                 </a:tc>
                 <a:extLst>
                   <a:ext uri="{0D108BD9-81ED-4DB2-BD59-A6C34878D82A}">
-                    <a16:rowId xmlns:a16="http://schemas.microsoft.com/office/drawing/2014/main" xmlns="" val="10000"/>
+                    <a16:rowId xmlns:a16="http://schemas.microsoft.com/office/drawing/2014/main" val="10000"/>
                   </a:ext>
                 </a:extLst>
               </a:tr>
@@ -15195,7 +17031,13 @@
                 <a:noFill/>
               </a:tblPr>
               <a:tblGrid>
-                <a:gridCol w="3491813"/>
+                <a:gridCol w="3491813">
+                  <a:extLst>
+                    <a:ext uri="{9D8B030D-6E8A-4147-A177-3AD203B41FA5}">
+                      <a16:colId xmlns:a16="http://schemas.microsoft.com/office/drawing/2014/main" val="20000"/>
+                    </a:ext>
+                  </a:extLst>
+                </a:gridCol>
               </a:tblGrid>
               <a:tr h="413450">
                 <a:tc>
@@ -15221,7 +17063,7 @@
                         <a:buNone/>
                       </a:pPr>
                       <a:r>
-                        <a:rPr lang="ko-KR" altLang="en-US" sz="1700" b="0" u="none" strike="noStrike" cap="none" dirty="0" smtClean="0">
+                        <a:rPr lang="ko-KR" altLang="en-US" sz="1700" b="0" u="none" strike="noStrike" cap="none" dirty="0">
                           <a:solidFill>
                             <a:schemeClr val="dk1"/>
                           </a:solidFill>
@@ -15277,6 +17119,11 @@
                     </a:solidFill>
                   </a:tcPr>
                 </a:tc>
+                <a:extLst>
+                  <a:ext uri="{0D108BD9-81ED-4DB2-BD59-A6C34878D82A}">
+                    <a16:rowId xmlns:a16="http://schemas.microsoft.com/office/drawing/2014/main" val="10000"/>
+                  </a:ext>
+                </a:extLst>
               </a:tr>
               <a:tr h="434794">
                 <a:tc>
@@ -15310,7 +17157,7 @@
                         </a:defRPr>
                       </a:pPr>
                       <a:r>
-                        <a:rPr lang="en-US" altLang="ko-KR" sz="1700" b="0" u="none" strike="noStrike" cap="none" dirty="0" err="1" smtClean="0">
+                        <a:rPr lang="en-US" altLang="ko-KR" sz="1700" b="0" u="none" strike="noStrike" cap="none" dirty="0" err="1">
                           <a:solidFill>
                             <a:schemeClr val="dk1"/>
                           </a:solidFill>
@@ -15366,6 +17213,11 @@
                     </a:solidFill>
                   </a:tcPr>
                 </a:tc>
+                <a:extLst>
+                  <a:ext uri="{0D108BD9-81ED-4DB2-BD59-A6C34878D82A}">
+                    <a16:rowId xmlns:a16="http://schemas.microsoft.com/office/drawing/2014/main" val="10001"/>
+                  </a:ext>
+                </a:extLst>
               </a:tr>
             </a:tbl>
           </a:graphicData>
@@ -15400,7 +17252,7 @@
               <a:defRPr/>
             </a:pPr>
             <a:r>
-              <a:rPr lang="en-US" altLang="ko-KR" sz="2500" dirty="0" smtClean="0">
+              <a:rPr lang="en-US" altLang="ko-KR" sz="2500" dirty="0">
                 <a:solidFill>
                   <a:schemeClr val="bg1"/>
                 </a:solidFill>
@@ -15409,7 +17261,7 @@
               <a:t>[</a:t>
             </a:r>
             <a:r>
-              <a:rPr lang="ko-KR" altLang="en-US" sz="2500" dirty="0" smtClean="0">
+              <a:rPr lang="ko-KR" altLang="en-US" sz="2500" dirty="0">
                 <a:solidFill>
                   <a:schemeClr val="bg1"/>
                 </a:solidFill>
@@ -15418,7 +17270,7 @@
               <a:t>화면 설계</a:t>
             </a:r>
             <a:r>
-              <a:rPr lang="en-US" altLang="ko-KR" sz="2500" dirty="0" smtClean="0">
+              <a:rPr lang="en-US" altLang="ko-KR" sz="2500" dirty="0">
                 <a:solidFill>
                   <a:schemeClr val="bg1"/>
                 </a:solidFill>
@@ -15427,7 +17279,7 @@
               <a:t>]</a:t>
             </a:r>
             <a:r>
-              <a:rPr lang="ko-KR" altLang="en-US" sz="2500" dirty="0" smtClean="0">
+              <a:rPr lang="ko-KR" altLang="en-US" sz="2500" dirty="0">
                 <a:solidFill>
                   <a:schemeClr val="bg1"/>
                 </a:solidFill>
@@ -15452,7 +17304,7 @@
               <a:t>웹</a:t>
             </a:r>
             <a:r>
-              <a:rPr lang="ko-KR" altLang="en-US" sz="2500" dirty="0" smtClean="0">
+              <a:rPr lang="ko-KR" altLang="en-US" sz="2500" dirty="0">
                 <a:solidFill>
                   <a:schemeClr val="bg1"/>
                 </a:solidFill>
@@ -15461,7 +17313,7 @@
               <a:t> </a:t>
             </a:r>
             <a:r>
-              <a:rPr lang="en-US" altLang="ko-KR" sz="2500" dirty="0" smtClean="0">
+              <a:rPr lang="en-US" altLang="ko-KR" sz="2500" dirty="0">
                 <a:solidFill>
                   <a:schemeClr val="bg1"/>
                 </a:solidFill>
@@ -15470,7 +17322,7 @@
               <a:t>– </a:t>
             </a:r>
             <a:r>
-              <a:rPr lang="ko-KR" altLang="en-US" sz="2500" dirty="0" smtClean="0">
+              <a:rPr lang="ko-KR" altLang="en-US" sz="2500" dirty="0">
                 <a:solidFill>
                   <a:schemeClr val="bg1"/>
                 </a:solidFill>
@@ -15479,7 +17331,7 @@
               <a:t>세미나 상세페이지 </a:t>
             </a:r>
             <a:r>
-              <a:rPr lang="en-US" altLang="ko-KR" sz="2500" dirty="0" smtClean="0">
+              <a:rPr lang="en-US" altLang="ko-KR" sz="2500" dirty="0">
                 <a:solidFill>
                   <a:schemeClr val="bg1"/>
                 </a:solidFill>
@@ -15488,7 +17340,7 @@
               <a:t>– </a:t>
             </a:r>
             <a:r>
-              <a:rPr lang="ko-KR" altLang="en-US" sz="2500" dirty="0" smtClean="0">
+              <a:rPr lang="ko-KR" altLang="en-US" sz="2500" dirty="0">
                 <a:solidFill>
                   <a:schemeClr val="bg1"/>
                 </a:solidFill>
@@ -15497,7 +17349,7 @@
               <a:t>세미나 문의</a:t>
             </a:r>
             <a:r>
-              <a:rPr lang="en-US" altLang="ko-KR" sz="2500" dirty="0" smtClean="0">
+              <a:rPr lang="en-US" altLang="ko-KR" sz="2500" dirty="0">
                 <a:solidFill>
                   <a:schemeClr val="bg1"/>
                 </a:solidFill>
@@ -15506,7 +17358,7 @@
               <a:t>(</a:t>
             </a:r>
             <a:r>
-              <a:rPr lang="ko-KR" altLang="en-US" sz="2500" dirty="0" err="1" smtClean="0">
+              <a:rPr lang="ko-KR" altLang="en-US" sz="2500" dirty="0" err="1">
                 <a:solidFill>
                   <a:schemeClr val="bg1"/>
                 </a:solidFill>
@@ -15515,7 +17367,7 @@
               <a:t>모달</a:t>
             </a:r>
             <a:r>
-              <a:rPr lang="en-US" altLang="ko-KR" sz="2500" dirty="0" smtClean="0">
+              <a:rPr lang="en-US" altLang="ko-KR" sz="2500" dirty="0">
                 <a:solidFill>
                   <a:schemeClr val="bg1"/>
                 </a:solidFill>
@@ -15542,13 +17394,6 @@
   <p:clrMapOvr>
     <a:masterClrMapping/>
   </p:clrMapOvr>
-  <p:timing>
-    <p:tnLst>
-      <p:par>
-        <p:cTn id="1" dur="indefinite" restart="never" nodeType="tmRoot"/>
-      </p:par>
-    </p:tnLst>
-  </p:timing>
 </p:sld>
 </file>
 
@@ -15662,7 +17507,7 @@
               <a:defRPr/>
             </a:pPr>
             <a:r>
-              <a:rPr lang="en-US" altLang="ko-KR" sz="2500" dirty="0" smtClean="0">
+              <a:rPr lang="en-US" altLang="ko-KR" sz="2500" dirty="0">
                 <a:solidFill>
                   <a:schemeClr val="bg1"/>
                 </a:solidFill>
@@ -15671,7 +17516,7 @@
               <a:t>[</a:t>
             </a:r>
             <a:r>
-              <a:rPr lang="ko-KR" altLang="en-US" sz="2500" dirty="0" smtClean="0">
+              <a:rPr lang="ko-KR" altLang="en-US" sz="2500" dirty="0">
                 <a:solidFill>
                   <a:schemeClr val="bg1"/>
                 </a:solidFill>
@@ -15680,7 +17525,7 @@
               <a:t>화면 구현</a:t>
             </a:r>
             <a:r>
-              <a:rPr lang="en-US" altLang="ko-KR" sz="2500" dirty="0" smtClean="0">
+              <a:rPr lang="en-US" altLang="ko-KR" sz="2500" dirty="0">
                 <a:solidFill>
                   <a:schemeClr val="bg1"/>
                 </a:solidFill>
@@ -15689,7 +17534,7 @@
               <a:t>]</a:t>
             </a:r>
             <a:r>
-              <a:rPr lang="ko-KR" altLang="en-US" sz="2500" dirty="0" smtClean="0">
+              <a:rPr lang="ko-KR" altLang="en-US" sz="2500" dirty="0">
                 <a:solidFill>
                   <a:schemeClr val="bg1"/>
                 </a:solidFill>
@@ -15714,7 +17559,7 @@
               <a:t>웹</a:t>
             </a:r>
             <a:r>
-              <a:rPr lang="ko-KR" altLang="en-US" sz="2500" dirty="0" smtClean="0">
+              <a:rPr lang="ko-KR" altLang="en-US" sz="2500" dirty="0">
                 <a:solidFill>
                   <a:schemeClr val="bg1"/>
                 </a:solidFill>
@@ -15723,7 +17568,7 @@
               <a:t> </a:t>
             </a:r>
             <a:r>
-              <a:rPr lang="en-US" altLang="ko-KR" sz="2500" dirty="0" smtClean="0">
+              <a:rPr lang="en-US" altLang="ko-KR" sz="2500" dirty="0">
                 <a:solidFill>
                   <a:schemeClr val="bg1"/>
                 </a:solidFill>
@@ -15732,7 +17577,7 @@
               <a:t>– </a:t>
             </a:r>
             <a:r>
-              <a:rPr lang="ko-KR" altLang="en-US" sz="2500" dirty="0" smtClean="0">
+              <a:rPr lang="ko-KR" altLang="en-US" sz="2500" dirty="0">
                 <a:solidFill>
                   <a:schemeClr val="bg1"/>
                 </a:solidFill>
@@ -15741,7 +17586,7 @@
               <a:t>세미나 상세페이지 </a:t>
             </a:r>
             <a:r>
-              <a:rPr lang="en-US" altLang="ko-KR" sz="2500" dirty="0" smtClean="0">
+              <a:rPr lang="en-US" altLang="ko-KR" sz="2500" dirty="0">
                 <a:solidFill>
                   <a:schemeClr val="bg1"/>
                 </a:solidFill>
@@ -15750,7 +17595,7 @@
               <a:t>– </a:t>
             </a:r>
             <a:r>
-              <a:rPr lang="ko-KR" altLang="en-US" sz="2500" dirty="0" smtClean="0">
+              <a:rPr lang="ko-KR" altLang="en-US" sz="2500" dirty="0">
                 <a:solidFill>
                   <a:schemeClr val="bg1"/>
                 </a:solidFill>
@@ -15759,7 +17604,7 @@
               <a:t>세미나 문의</a:t>
             </a:r>
             <a:r>
-              <a:rPr lang="en-US" altLang="ko-KR" sz="2500" dirty="0" smtClean="0">
+              <a:rPr lang="en-US" altLang="ko-KR" sz="2500" dirty="0">
                 <a:solidFill>
                   <a:schemeClr val="bg1"/>
                 </a:solidFill>
@@ -15768,7 +17613,7 @@
               <a:t>(</a:t>
             </a:r>
             <a:r>
-              <a:rPr lang="ko-KR" altLang="en-US" sz="2500" dirty="0" err="1" smtClean="0">
+              <a:rPr lang="ko-KR" altLang="en-US" sz="2500" dirty="0" err="1">
                 <a:solidFill>
                   <a:schemeClr val="bg1"/>
                 </a:solidFill>
@@ -15777,7 +17622,7 @@
               <a:t>모달</a:t>
             </a:r>
             <a:r>
-              <a:rPr lang="en-US" altLang="ko-KR" sz="2500" dirty="0" smtClean="0">
+              <a:rPr lang="en-US" altLang="ko-KR" sz="2500" dirty="0">
                 <a:solidFill>
                   <a:schemeClr val="bg1"/>
                 </a:solidFill>
@@ -16225,7 +18070,7 @@
   <a:extraClrSchemeLst/>
   <a:extLst>
     <a:ext uri="{05A4C25C-085E-4340-85A3-A5531E510DB2}">
-      <thm15:themeFamily xmlns:thm15="http://schemas.microsoft.com/office/thememl/2012/main" xmlns="" name="Office Theme" id="{62F939B6-93AF-4DB8-9C6B-D6C7DFDC589F}" vid="{4A3C46E8-61CC-4603-A589-7422A47A8E4A}"/>
+      <thm15:themeFamily xmlns:thm15="http://schemas.microsoft.com/office/thememl/2012/main" name="Office Theme" id="{62F939B6-93AF-4DB8-9C6B-D6C7DFDC589F}" vid="{4A3C46E8-61CC-4603-A589-7422A47A8E4A}"/>
     </a:ext>
   </a:extLst>
 </a:theme>
@@ -16486,7 +18331,7 @@
   <a:extraClrSchemeLst/>
   <a:extLst>
     <a:ext uri="{05A4C25C-085E-4340-85A3-A5531E510DB2}">
-      <thm15:themeFamily xmlns:thm15="http://schemas.microsoft.com/office/thememl/2012/main" xmlns="" name="Office Theme" id="{62F939B6-93AF-4DB8-9C6B-D6C7DFDC589F}" vid="{4A3C46E8-61CC-4603-A589-7422A47A8E4A}"/>
+      <thm15:themeFamily xmlns:thm15="http://schemas.microsoft.com/office/thememl/2012/main" name="Office Theme" id="{62F939B6-93AF-4DB8-9C6B-D6C7DFDC589F}" vid="{4A3C46E8-61CC-4603-A589-7422A47A8E4A}"/>
     </a:ext>
   </a:extLst>
 </a:theme>
